--- a/docs/slides/Week5_Recap.pptx
+++ b/docs/slides/Week5_Recap.pptx
@@ -186,16 +186,1552 @@
 </p:presentation>
 </file>
 
-<file path=ppt/revisionInfo.xml><?xml version="1.0" encoding="utf-8"?>
-<p1510:revInfo xmlns:a="http://schemas.openxmlformats.org/drawingml/2006/main" xmlns:r="http://schemas.openxmlformats.org/officeDocument/2006/relationships" xmlns:p1510="http://schemas.microsoft.com/office/powerpoint/2015/10/main">
-  <p1510:revLst>
-    <p1510:client id="{8CEA1125-C45F-46BE-9968-5461A6D7E97E}" v="28" dt="2024-02-20T01:02:01.066"/>
-  </p1510:revLst>
-</p1510:revInfo>
-</file>
-
 <file path=ppt/changesInfos/changesInfo1.xml><?xml version="1.0" encoding="utf-8"?>
 <pc:chgInfo xmlns:a="http://schemas.openxmlformats.org/drawingml/2006/main" xmlns:r="http://schemas.openxmlformats.org/officeDocument/2006/relationships" xmlns:ac="http://schemas.microsoft.com/office/drawing/2013/main/command" xmlns:pc="http://schemas.microsoft.com/office/powerpoint/2013/main/command">
+  <pc:docChgLst>
+    <pc:chgData name="Zhao Jin" userId="cd05a825-544c-438a-9ba1-08e63db50b47" providerId="ADAL" clId="{E32E66BF-5137-446C-B274-3F0DB52E105A}"/>
+    <pc:docChg chg="modSld">
+      <pc:chgData name="Zhao Jin" userId="cd05a825-544c-438a-9ba1-08e63db50b47" providerId="ADAL" clId="{E32E66BF-5137-446C-B274-3F0DB52E105A}" dt="2024-03-11T03:39:47.476" v="10" actId="20577"/>
+      <pc:docMkLst>
+        <pc:docMk/>
+      </pc:docMkLst>
+      <pc:sldChg chg="modSp mod">
+        <pc:chgData name="Zhao Jin" userId="cd05a825-544c-438a-9ba1-08e63db50b47" providerId="ADAL" clId="{E32E66BF-5137-446C-B274-3F0DB52E105A}" dt="2024-03-11T03:39:47.476" v="10" actId="20577"/>
+        <pc:sldMkLst>
+          <pc:docMk/>
+          <pc:sldMk cId="2725745500" sldId="596"/>
+        </pc:sldMkLst>
+        <pc:spChg chg="mod">
+          <ac:chgData name="Zhao Jin" userId="cd05a825-544c-438a-9ba1-08e63db50b47" providerId="ADAL" clId="{E32E66BF-5137-446C-B274-3F0DB52E105A}" dt="2024-03-11T03:39:47.476" v="10" actId="20577"/>
+          <ac:spMkLst>
+            <pc:docMk/>
+            <pc:sldMk cId="2725745500" sldId="596"/>
+            <ac:spMk id="5" creationId="{580F154A-663F-A546-695A-5AC8BAF031F3}"/>
+          </ac:spMkLst>
+        </pc:spChg>
+      </pc:sldChg>
+    </pc:docChg>
+  </pc:docChgLst>
+  <pc:docChgLst>
+    <pc:chgData name="Zhao Jin" userId="cd05a825-544c-438a-9ba1-08e63db50b47" providerId="ADAL" clId="{FB8F02A0-9B99-4C9E-A1D1-3BF41D9621D7}"/>
+    <pc:docChg chg="undo custSel addSld delSld modSld sldOrd">
+      <pc:chgData name="Zhao Jin" userId="cd05a825-544c-438a-9ba1-08e63db50b47" providerId="ADAL" clId="{FB8F02A0-9B99-4C9E-A1D1-3BF41D9621D7}" dt="2021-02-08T02:21:29.074" v="2208" actId="20577"/>
+      <pc:docMkLst>
+        <pc:docMk/>
+      </pc:docMkLst>
+      <pc:sldChg chg="modSp">
+        <pc:chgData name="Zhao Jin" userId="cd05a825-544c-438a-9ba1-08e63db50b47" providerId="ADAL" clId="{FB8F02A0-9B99-4C9E-A1D1-3BF41D9621D7}" dt="2021-02-03T06:53:35.324" v="0"/>
+        <pc:sldMkLst>
+          <pc:docMk/>
+          <pc:sldMk cId="0" sldId="256"/>
+        </pc:sldMkLst>
+        <pc:spChg chg="mod">
+          <ac:chgData name="Zhao Jin" userId="cd05a825-544c-438a-9ba1-08e63db50b47" providerId="ADAL" clId="{FB8F02A0-9B99-4C9E-A1D1-3BF41D9621D7}" dt="2021-02-03T06:53:35.324" v="0"/>
+          <ac:spMkLst>
+            <pc:docMk/>
+            <pc:sldMk cId="0" sldId="256"/>
+            <ac:spMk id="8" creationId="{00000000-0000-0000-0000-000000000000}"/>
+          </ac:spMkLst>
+        </pc:spChg>
+      </pc:sldChg>
+      <pc:sldChg chg="modSp del">
+        <pc:chgData name="Zhao Jin" userId="cd05a825-544c-438a-9ba1-08e63db50b47" providerId="ADAL" clId="{FB8F02A0-9B99-4C9E-A1D1-3BF41D9621D7}" dt="2021-02-03T07:15:04.758" v="547" actId="47"/>
+        <pc:sldMkLst>
+          <pc:docMk/>
+          <pc:sldMk cId="1492339910" sldId="485"/>
+        </pc:sldMkLst>
+        <pc:spChg chg="mod">
+          <ac:chgData name="Zhao Jin" userId="cd05a825-544c-438a-9ba1-08e63db50b47" providerId="ADAL" clId="{FB8F02A0-9B99-4C9E-A1D1-3BF41D9621D7}" dt="2021-02-03T06:53:44.883" v="1"/>
+          <ac:spMkLst>
+            <pc:docMk/>
+            <pc:sldMk cId="1492339910" sldId="485"/>
+            <ac:spMk id="9" creationId="{00000000-0000-0000-0000-000000000000}"/>
+          </ac:spMkLst>
+        </pc:spChg>
+      </pc:sldChg>
+      <pc:sldChg chg="addSp modSp add del mod">
+        <pc:chgData name="Zhao Jin" userId="cd05a825-544c-438a-9ba1-08e63db50b47" providerId="ADAL" clId="{FB8F02A0-9B99-4C9E-A1D1-3BF41D9621D7}" dt="2021-02-03T07:45:22.990" v="2123" actId="20577"/>
+        <pc:sldMkLst>
+          <pc:docMk/>
+          <pc:sldMk cId="2775173622" sldId="524"/>
+        </pc:sldMkLst>
+        <pc:spChg chg="mod">
+          <ac:chgData name="Zhao Jin" userId="cd05a825-544c-438a-9ba1-08e63db50b47" providerId="ADAL" clId="{FB8F02A0-9B99-4C9E-A1D1-3BF41D9621D7}" dt="2021-02-03T07:45:22.990" v="2123" actId="20577"/>
+          <ac:spMkLst>
+            <pc:docMk/>
+            <pc:sldMk cId="2775173622" sldId="524"/>
+            <ac:spMk id="9" creationId="{00000000-0000-0000-0000-000000000000}"/>
+          </ac:spMkLst>
+        </pc:spChg>
+        <pc:spChg chg="mod">
+          <ac:chgData name="Zhao Jin" userId="cd05a825-544c-438a-9ba1-08e63db50b47" providerId="ADAL" clId="{FB8F02A0-9B99-4C9E-A1D1-3BF41D9621D7}" dt="2021-02-03T07:33:45.435" v="1346" actId="5793"/>
+          <ac:spMkLst>
+            <pc:docMk/>
+            <pc:sldMk cId="2775173622" sldId="524"/>
+            <ac:spMk id="15" creationId="{00000000-0000-0000-0000-000000000000}"/>
+          </ac:spMkLst>
+        </pc:spChg>
+        <pc:graphicFrameChg chg="mod">
+          <ac:chgData name="Zhao Jin" userId="cd05a825-544c-438a-9ba1-08e63db50b47" providerId="ADAL" clId="{FB8F02A0-9B99-4C9E-A1D1-3BF41D9621D7}" dt="2021-02-03T07:33:48.878" v="1369" actId="1035"/>
+          <ac:graphicFrameMkLst>
+            <pc:docMk/>
+            <pc:sldMk cId="2775173622" sldId="524"/>
+            <ac:graphicFrameMk id="5" creationId="{9E742EBA-8F43-4310-AD68-B4660B9ECF59}"/>
+          </ac:graphicFrameMkLst>
+        </pc:graphicFrameChg>
+        <pc:graphicFrameChg chg="add mod modGraphic">
+          <ac:chgData name="Zhao Jin" userId="cd05a825-544c-438a-9ba1-08e63db50b47" providerId="ADAL" clId="{FB8F02A0-9B99-4C9E-A1D1-3BF41D9621D7}" dt="2021-02-03T07:40:44.294" v="1858" actId="1076"/>
+          <ac:graphicFrameMkLst>
+            <pc:docMk/>
+            <pc:sldMk cId="2775173622" sldId="524"/>
+            <ac:graphicFrameMk id="7" creationId="{1DC5F05D-202E-4474-8067-C5632E06F885}"/>
+          </ac:graphicFrameMkLst>
+        </pc:graphicFrameChg>
+      </pc:sldChg>
+      <pc:sldChg chg="modSp mod">
+        <pc:chgData name="Zhao Jin" userId="cd05a825-544c-438a-9ba1-08e63db50b47" providerId="ADAL" clId="{FB8F02A0-9B99-4C9E-A1D1-3BF41D9621D7}" dt="2021-02-03T09:16:16.308" v="2184" actId="20577"/>
+        <pc:sldMkLst>
+          <pc:docMk/>
+          <pc:sldMk cId="4078418712" sldId="525"/>
+        </pc:sldMkLst>
+        <pc:spChg chg="mod">
+          <ac:chgData name="Zhao Jin" userId="cd05a825-544c-438a-9ba1-08e63db50b47" providerId="ADAL" clId="{FB8F02A0-9B99-4C9E-A1D1-3BF41D9621D7}" dt="2021-02-03T09:16:16.308" v="2184" actId="20577"/>
+          <ac:spMkLst>
+            <pc:docMk/>
+            <pc:sldMk cId="4078418712" sldId="525"/>
+            <ac:spMk id="8" creationId="{00000000-0000-0000-0000-000000000000}"/>
+          </ac:spMkLst>
+        </pc:spChg>
+        <pc:spChg chg="mod">
+          <ac:chgData name="Zhao Jin" userId="cd05a825-544c-438a-9ba1-08e63db50b47" providerId="ADAL" clId="{FB8F02A0-9B99-4C9E-A1D1-3BF41D9621D7}" dt="2021-02-03T06:53:44.883" v="1"/>
+          <ac:spMkLst>
+            <pc:docMk/>
+            <pc:sldMk cId="4078418712" sldId="525"/>
+            <ac:spMk id="43" creationId="{00000000-0000-0000-0000-000000000000}"/>
+          </ac:spMkLst>
+        </pc:spChg>
+      </pc:sldChg>
+      <pc:sldChg chg="modSp del">
+        <pc:chgData name="Zhao Jin" userId="cd05a825-544c-438a-9ba1-08e63db50b47" providerId="ADAL" clId="{FB8F02A0-9B99-4C9E-A1D1-3BF41D9621D7}" dt="2021-02-03T07:02:36.712" v="7" actId="47"/>
+        <pc:sldMkLst>
+          <pc:docMk/>
+          <pc:sldMk cId="3949125736" sldId="548"/>
+        </pc:sldMkLst>
+        <pc:spChg chg="mod">
+          <ac:chgData name="Zhao Jin" userId="cd05a825-544c-438a-9ba1-08e63db50b47" providerId="ADAL" clId="{FB8F02A0-9B99-4C9E-A1D1-3BF41D9621D7}" dt="2021-02-03T06:53:44.883" v="1"/>
+          <ac:spMkLst>
+            <pc:docMk/>
+            <pc:sldMk cId="3949125736" sldId="548"/>
+            <ac:spMk id="7" creationId="{00000000-0000-0000-0000-000000000000}"/>
+          </ac:spMkLst>
+        </pc:spChg>
+      </pc:sldChg>
+      <pc:sldChg chg="modSp del">
+        <pc:chgData name="Zhao Jin" userId="cd05a825-544c-438a-9ba1-08e63db50b47" providerId="ADAL" clId="{FB8F02A0-9B99-4C9E-A1D1-3BF41D9621D7}" dt="2021-02-03T07:02:36.889" v="8" actId="47"/>
+        <pc:sldMkLst>
+          <pc:docMk/>
+          <pc:sldMk cId="2939077141" sldId="549"/>
+        </pc:sldMkLst>
+        <pc:spChg chg="mod">
+          <ac:chgData name="Zhao Jin" userId="cd05a825-544c-438a-9ba1-08e63db50b47" providerId="ADAL" clId="{FB8F02A0-9B99-4C9E-A1D1-3BF41D9621D7}" dt="2021-02-03T06:53:44.883" v="1"/>
+          <ac:spMkLst>
+            <pc:docMk/>
+            <pc:sldMk cId="2939077141" sldId="549"/>
+            <ac:spMk id="7" creationId="{00000000-0000-0000-0000-000000000000}"/>
+          </ac:spMkLst>
+        </pc:spChg>
+      </pc:sldChg>
+      <pc:sldChg chg="add del">
+        <pc:chgData name="Zhao Jin" userId="cd05a825-544c-438a-9ba1-08e63db50b47" providerId="ADAL" clId="{FB8F02A0-9B99-4C9E-A1D1-3BF41D9621D7}" dt="2021-02-03T07:07:45.930" v="221" actId="47"/>
+        <pc:sldMkLst>
+          <pc:docMk/>
+          <pc:sldMk cId="1352675019" sldId="551"/>
+        </pc:sldMkLst>
+      </pc:sldChg>
+      <pc:sldChg chg="addSp delSp modSp add mod">
+        <pc:chgData name="Zhao Jin" userId="cd05a825-544c-438a-9ba1-08e63db50b47" providerId="ADAL" clId="{FB8F02A0-9B99-4C9E-A1D1-3BF41D9621D7}" dt="2021-02-03T07:41:34.595" v="1864" actId="20578"/>
+        <pc:sldMkLst>
+          <pc:docMk/>
+          <pc:sldMk cId="2882118053" sldId="552"/>
+        </pc:sldMkLst>
+        <pc:spChg chg="mod">
+          <ac:chgData name="Zhao Jin" userId="cd05a825-544c-438a-9ba1-08e63db50b47" providerId="ADAL" clId="{FB8F02A0-9B99-4C9E-A1D1-3BF41D9621D7}" dt="2021-02-03T07:20:27.068" v="933"/>
+          <ac:spMkLst>
+            <pc:docMk/>
+            <pc:sldMk cId="2882118053" sldId="552"/>
+            <ac:spMk id="7" creationId="{00000000-0000-0000-0000-000000000000}"/>
+          </ac:spMkLst>
+        </pc:spChg>
+        <pc:spChg chg="del">
+          <ac:chgData name="Zhao Jin" userId="cd05a825-544c-438a-9ba1-08e63db50b47" providerId="ADAL" clId="{FB8F02A0-9B99-4C9E-A1D1-3BF41D9621D7}" dt="2021-02-03T07:09:30.600" v="244" actId="478"/>
+          <ac:spMkLst>
+            <pc:docMk/>
+            <pc:sldMk cId="2882118053" sldId="552"/>
+            <ac:spMk id="8" creationId="{2E1C1BF2-C4FF-4BFC-994A-888F6115928D}"/>
+          </ac:spMkLst>
+        </pc:spChg>
+        <pc:spChg chg="add del mod">
+          <ac:chgData name="Zhao Jin" userId="cd05a825-544c-438a-9ba1-08e63db50b47" providerId="ADAL" clId="{FB8F02A0-9B99-4C9E-A1D1-3BF41D9621D7}" dt="2021-02-03T07:11:53.207" v="461" actId="478"/>
+          <ac:spMkLst>
+            <pc:docMk/>
+            <pc:sldMk cId="2882118053" sldId="552"/>
+            <ac:spMk id="9" creationId="{35649340-5AB4-4CED-B84B-66D13E8E2455}"/>
+          </ac:spMkLst>
+        </pc:spChg>
+        <pc:spChg chg="mod">
+          <ac:chgData name="Zhao Jin" userId="cd05a825-544c-438a-9ba1-08e63db50b47" providerId="ADAL" clId="{FB8F02A0-9B99-4C9E-A1D1-3BF41D9621D7}" dt="2021-02-03T07:41:34.595" v="1864" actId="20578"/>
+          <ac:spMkLst>
+            <pc:docMk/>
+            <pc:sldMk cId="2882118053" sldId="552"/>
+            <ac:spMk id="10" creationId="{00000000-0000-0000-0000-000000000000}"/>
+          </ac:spMkLst>
+        </pc:spChg>
+        <pc:spChg chg="mod">
+          <ac:chgData name="Zhao Jin" userId="cd05a825-544c-438a-9ba1-08e63db50b47" providerId="ADAL" clId="{FB8F02A0-9B99-4C9E-A1D1-3BF41D9621D7}" dt="2021-02-03T07:12:55.107" v="512" actId="1035"/>
+          <ac:spMkLst>
+            <pc:docMk/>
+            <pc:sldMk cId="2882118053" sldId="552"/>
+            <ac:spMk id="49" creationId="{00000000-0000-0000-0000-000000000000}"/>
+          </ac:spMkLst>
+        </pc:spChg>
+      </pc:sldChg>
+      <pc:sldChg chg="modSp add mod">
+        <pc:chgData name="Zhao Jin" userId="cd05a825-544c-438a-9ba1-08e63db50b47" providerId="ADAL" clId="{FB8F02A0-9B99-4C9E-A1D1-3BF41D9621D7}" dt="2021-02-03T07:20:30.275" v="935"/>
+        <pc:sldMkLst>
+          <pc:docMk/>
+          <pc:sldMk cId="2082920116" sldId="553"/>
+        </pc:sldMkLst>
+        <pc:spChg chg="mod">
+          <ac:chgData name="Zhao Jin" userId="cd05a825-544c-438a-9ba1-08e63db50b47" providerId="ADAL" clId="{FB8F02A0-9B99-4C9E-A1D1-3BF41D9621D7}" dt="2021-02-03T07:20:30.275" v="935"/>
+          <ac:spMkLst>
+            <pc:docMk/>
+            <pc:sldMk cId="2082920116" sldId="553"/>
+            <ac:spMk id="7" creationId="{00000000-0000-0000-0000-000000000000}"/>
+          </ac:spMkLst>
+        </pc:spChg>
+      </pc:sldChg>
+      <pc:sldChg chg="addSp delSp modSp add mod modAnim">
+        <pc:chgData name="Zhao Jin" userId="cd05a825-544c-438a-9ba1-08e63db50b47" providerId="ADAL" clId="{FB8F02A0-9B99-4C9E-A1D1-3BF41D9621D7}" dt="2021-02-03T07:42:15.454" v="1867" actId="20577"/>
+        <pc:sldMkLst>
+          <pc:docMk/>
+          <pc:sldMk cId="1659983766" sldId="554"/>
+        </pc:sldMkLst>
+        <pc:spChg chg="add del mod">
+          <ac:chgData name="Zhao Jin" userId="cd05a825-544c-438a-9ba1-08e63db50b47" providerId="ADAL" clId="{FB8F02A0-9B99-4C9E-A1D1-3BF41D9621D7}" dt="2021-02-03T07:29:17.949" v="950" actId="478"/>
+          <ac:spMkLst>
+            <pc:docMk/>
+            <pc:sldMk cId="1659983766" sldId="554"/>
+            <ac:spMk id="3" creationId="{22FB21F0-0206-4164-A081-5ED30358D09D}"/>
+          </ac:spMkLst>
+        </pc:spChg>
+        <pc:spChg chg="mod">
+          <ac:chgData name="Zhao Jin" userId="cd05a825-544c-438a-9ba1-08e63db50b47" providerId="ADAL" clId="{FB8F02A0-9B99-4C9E-A1D1-3BF41D9621D7}" dt="2021-02-03T07:20:18.467" v="929"/>
+          <ac:spMkLst>
+            <pc:docMk/>
+            <pc:sldMk cId="1659983766" sldId="554"/>
+            <ac:spMk id="7" creationId="{00000000-0000-0000-0000-000000000000}"/>
+          </ac:spMkLst>
+        </pc:spChg>
+        <pc:spChg chg="del">
+          <ac:chgData name="Zhao Jin" userId="cd05a825-544c-438a-9ba1-08e63db50b47" providerId="ADAL" clId="{FB8F02A0-9B99-4C9E-A1D1-3BF41D9621D7}" dt="2021-02-03T07:29:15.261" v="948" actId="478"/>
+          <ac:spMkLst>
+            <pc:docMk/>
+            <pc:sldMk cId="1659983766" sldId="554"/>
+            <ac:spMk id="16" creationId="{00000000-0000-0000-0000-000000000000}"/>
+          </ac:spMkLst>
+        </pc:spChg>
+        <pc:spChg chg="add mod">
+          <ac:chgData name="Zhao Jin" userId="cd05a825-544c-438a-9ba1-08e63db50b47" providerId="ADAL" clId="{FB8F02A0-9B99-4C9E-A1D1-3BF41D9621D7}" dt="2021-02-03T07:29:42.701" v="1050" actId="1076"/>
+          <ac:spMkLst>
+            <pc:docMk/>
+            <pc:sldMk cId="1659983766" sldId="554"/>
+            <ac:spMk id="27" creationId="{92A14019-DDA0-4208-9F61-99DDC433B2BD}"/>
+          </ac:spMkLst>
+        </pc:spChg>
+        <pc:spChg chg="mod">
+          <ac:chgData name="Zhao Jin" userId="cd05a825-544c-438a-9ba1-08e63db50b47" providerId="ADAL" clId="{FB8F02A0-9B99-4C9E-A1D1-3BF41D9621D7}" dt="2021-02-03T07:29:26.811" v="998"/>
+          <ac:spMkLst>
+            <pc:docMk/>
+            <pc:sldMk cId="1659983766" sldId="554"/>
+            <ac:spMk id="29" creationId="{FC4C5933-B2F5-4C60-95B2-096787D10035}"/>
+          </ac:spMkLst>
+        </pc:spChg>
+        <pc:spChg chg="mod">
+          <ac:chgData name="Zhao Jin" userId="cd05a825-544c-438a-9ba1-08e63db50b47" providerId="ADAL" clId="{FB8F02A0-9B99-4C9E-A1D1-3BF41D9621D7}" dt="2021-02-03T07:29:26.811" v="998"/>
+          <ac:spMkLst>
+            <pc:docMk/>
+            <pc:sldMk cId="1659983766" sldId="554"/>
+            <ac:spMk id="48" creationId="{71808A35-3B52-4E71-8D1F-613837507E94}"/>
+          </ac:spMkLst>
+        </pc:spChg>
+        <pc:spChg chg="mod">
+          <ac:chgData name="Zhao Jin" userId="cd05a825-544c-438a-9ba1-08e63db50b47" providerId="ADAL" clId="{FB8F02A0-9B99-4C9E-A1D1-3BF41D9621D7}" dt="2021-02-03T07:30:10.231" v="1094" actId="6549"/>
+          <ac:spMkLst>
+            <pc:docMk/>
+            <pc:sldMk cId="1659983766" sldId="554"/>
+            <ac:spMk id="49" creationId="{21EEE82A-4DB6-1D4F-9A03-5951F440FE93}"/>
+          </ac:spMkLst>
+        </pc:spChg>
+        <pc:spChg chg="del">
+          <ac:chgData name="Zhao Jin" userId="cd05a825-544c-438a-9ba1-08e63db50b47" providerId="ADAL" clId="{FB8F02A0-9B99-4C9E-A1D1-3BF41D9621D7}" dt="2021-02-03T07:29:16.423" v="949" actId="478"/>
+          <ac:spMkLst>
+            <pc:docMk/>
+            <pc:sldMk cId="1659983766" sldId="554"/>
+            <ac:spMk id="50" creationId="{6A68E681-1A88-9040-8F49-07716663CAA5}"/>
+          </ac:spMkLst>
+        </pc:spChg>
+        <pc:spChg chg="mod">
+          <ac:chgData name="Zhao Jin" userId="cd05a825-544c-438a-9ba1-08e63db50b47" providerId="ADAL" clId="{FB8F02A0-9B99-4C9E-A1D1-3BF41D9621D7}" dt="2021-02-03T07:29:26.811" v="998"/>
+          <ac:spMkLst>
+            <pc:docMk/>
+            <pc:sldMk cId="1659983766" sldId="554"/>
+            <ac:spMk id="53" creationId="{9CE4D09C-17E4-46E9-BDB3-75869D51106A}"/>
+          </ac:spMkLst>
+        </pc:spChg>
+        <pc:spChg chg="mod">
+          <ac:chgData name="Zhao Jin" userId="cd05a825-544c-438a-9ba1-08e63db50b47" providerId="ADAL" clId="{FB8F02A0-9B99-4C9E-A1D1-3BF41D9621D7}" dt="2021-02-03T07:29:26.811" v="998"/>
+          <ac:spMkLst>
+            <pc:docMk/>
+            <pc:sldMk cId="1659983766" sldId="554"/>
+            <ac:spMk id="54" creationId="{660FC6E4-3A42-4DD0-B2D9-CE278C7F1A0D}"/>
+          </ac:spMkLst>
+        </pc:spChg>
+        <pc:spChg chg="mod">
+          <ac:chgData name="Zhao Jin" userId="cd05a825-544c-438a-9ba1-08e63db50b47" providerId="ADAL" clId="{FB8F02A0-9B99-4C9E-A1D1-3BF41D9621D7}" dt="2021-02-03T07:29:26.811" v="998"/>
+          <ac:spMkLst>
+            <pc:docMk/>
+            <pc:sldMk cId="1659983766" sldId="554"/>
+            <ac:spMk id="55" creationId="{6AD50E3B-D58F-4706-8F12-825A6AA8A1D4}"/>
+          </ac:spMkLst>
+        </pc:spChg>
+        <pc:spChg chg="mod">
+          <ac:chgData name="Zhao Jin" userId="cd05a825-544c-438a-9ba1-08e63db50b47" providerId="ADAL" clId="{FB8F02A0-9B99-4C9E-A1D1-3BF41D9621D7}" dt="2021-02-03T07:42:15.454" v="1867" actId="20577"/>
+          <ac:spMkLst>
+            <pc:docMk/>
+            <pc:sldMk cId="1659983766" sldId="554"/>
+            <ac:spMk id="14338" creationId="{00000000-0000-0000-0000-000000000000}"/>
+          </ac:spMkLst>
+        </pc:spChg>
+        <pc:grpChg chg="add mod">
+          <ac:chgData name="Zhao Jin" userId="cd05a825-544c-438a-9ba1-08e63db50b47" providerId="ADAL" clId="{FB8F02A0-9B99-4C9E-A1D1-3BF41D9621D7}" dt="2021-02-03T07:29:46.358" v="1075" actId="1035"/>
+          <ac:grpSpMkLst>
+            <pc:docMk/>
+            <pc:sldMk cId="1659983766" sldId="554"/>
+            <ac:grpSpMk id="28" creationId="{6DC58495-9276-4141-8C72-3141FAA48D65}"/>
+          </ac:grpSpMkLst>
+        </pc:grpChg>
+        <pc:grpChg chg="mod">
+          <ac:chgData name="Zhao Jin" userId="cd05a825-544c-438a-9ba1-08e63db50b47" providerId="ADAL" clId="{FB8F02A0-9B99-4C9E-A1D1-3BF41D9621D7}" dt="2021-02-03T07:29:21.870" v="996" actId="1036"/>
+          <ac:grpSpMkLst>
+            <pc:docMk/>
+            <pc:sldMk cId="1659983766" sldId="554"/>
+            <ac:grpSpMk id="31" creationId="{00000000-0000-0000-0000-000000000000}"/>
+          </ac:grpSpMkLst>
+        </pc:grpChg>
+        <pc:cxnChg chg="mod">
+          <ac:chgData name="Zhao Jin" userId="cd05a825-544c-438a-9ba1-08e63db50b47" providerId="ADAL" clId="{FB8F02A0-9B99-4C9E-A1D1-3BF41D9621D7}" dt="2021-02-03T07:29:26.811" v="998"/>
+          <ac:cxnSpMkLst>
+            <pc:docMk/>
+            <pc:sldMk cId="1659983766" sldId="554"/>
+            <ac:cxnSpMk id="30" creationId="{78DAB3B7-A5FF-40F9-AFF0-BE4F192AA497}"/>
+          </ac:cxnSpMkLst>
+        </pc:cxnChg>
+        <pc:cxnChg chg="mod">
+          <ac:chgData name="Zhao Jin" userId="cd05a825-544c-438a-9ba1-08e63db50b47" providerId="ADAL" clId="{FB8F02A0-9B99-4C9E-A1D1-3BF41D9621D7}" dt="2021-02-03T07:29:26.811" v="998"/>
+          <ac:cxnSpMkLst>
+            <pc:docMk/>
+            <pc:sldMk cId="1659983766" sldId="554"/>
+            <ac:cxnSpMk id="51" creationId="{354B2C0D-F342-411F-ABB8-9EC0422203C0}"/>
+          </ac:cxnSpMkLst>
+        </pc:cxnChg>
+        <pc:cxnChg chg="mod">
+          <ac:chgData name="Zhao Jin" userId="cd05a825-544c-438a-9ba1-08e63db50b47" providerId="ADAL" clId="{FB8F02A0-9B99-4C9E-A1D1-3BF41D9621D7}" dt="2021-02-03T07:29:26.811" v="998"/>
+          <ac:cxnSpMkLst>
+            <pc:docMk/>
+            <pc:sldMk cId="1659983766" sldId="554"/>
+            <ac:cxnSpMk id="52" creationId="{65622F6F-A879-483D-916A-2D3A97E78851}"/>
+          </ac:cxnSpMkLst>
+        </pc:cxnChg>
+        <pc:cxnChg chg="mod">
+          <ac:chgData name="Zhao Jin" userId="cd05a825-544c-438a-9ba1-08e63db50b47" providerId="ADAL" clId="{FB8F02A0-9B99-4C9E-A1D1-3BF41D9621D7}" dt="2021-02-03T07:29:26.811" v="998"/>
+          <ac:cxnSpMkLst>
+            <pc:docMk/>
+            <pc:sldMk cId="1659983766" sldId="554"/>
+            <ac:cxnSpMk id="56" creationId="{0D25BAB2-93E8-4D4D-AB3D-3F92C2CA5D26}"/>
+          </ac:cxnSpMkLst>
+        </pc:cxnChg>
+        <pc:cxnChg chg="mod">
+          <ac:chgData name="Zhao Jin" userId="cd05a825-544c-438a-9ba1-08e63db50b47" providerId="ADAL" clId="{FB8F02A0-9B99-4C9E-A1D1-3BF41D9621D7}" dt="2021-02-03T07:29:26.811" v="998"/>
+          <ac:cxnSpMkLst>
+            <pc:docMk/>
+            <pc:sldMk cId="1659983766" sldId="554"/>
+            <ac:cxnSpMk id="57" creationId="{BDB98A6F-4360-4DF4-BD45-A66BF7A57AA6}"/>
+          </ac:cxnSpMkLst>
+        </pc:cxnChg>
+        <pc:cxnChg chg="mod">
+          <ac:chgData name="Zhao Jin" userId="cd05a825-544c-438a-9ba1-08e63db50b47" providerId="ADAL" clId="{FB8F02A0-9B99-4C9E-A1D1-3BF41D9621D7}" dt="2021-02-03T07:29:26.811" v="998"/>
+          <ac:cxnSpMkLst>
+            <pc:docMk/>
+            <pc:sldMk cId="1659983766" sldId="554"/>
+            <ac:cxnSpMk id="58" creationId="{DF8C4210-3D97-42C9-8160-05B4C16EFF85}"/>
+          </ac:cxnSpMkLst>
+        </pc:cxnChg>
+      </pc:sldChg>
+      <pc:sldChg chg="addSp delSp modSp add del mod">
+        <pc:chgData name="Zhao Jin" userId="cd05a825-544c-438a-9ba1-08e63db50b47" providerId="ADAL" clId="{FB8F02A0-9B99-4C9E-A1D1-3BF41D9621D7}" dt="2021-02-03T07:07:06.993" v="219" actId="47"/>
+        <pc:sldMkLst>
+          <pc:docMk/>
+          <pc:sldMk cId="1268238251" sldId="555"/>
+        </pc:sldMkLst>
+        <pc:spChg chg="mod">
+          <ac:chgData name="Zhao Jin" userId="cd05a825-544c-438a-9ba1-08e63db50b47" providerId="ADAL" clId="{FB8F02A0-9B99-4C9E-A1D1-3BF41D9621D7}" dt="2021-02-03T07:04:16.379" v="103" actId="1035"/>
+          <ac:spMkLst>
+            <pc:docMk/>
+            <pc:sldMk cId="1268238251" sldId="555"/>
+            <ac:spMk id="11" creationId="{2DB8C0DD-2610-48AA-A2F1-A9AE4DD922BA}"/>
+          </ac:spMkLst>
+        </pc:spChg>
+        <pc:spChg chg="mod">
+          <ac:chgData name="Zhao Jin" userId="cd05a825-544c-438a-9ba1-08e63db50b47" providerId="ADAL" clId="{FB8F02A0-9B99-4C9E-A1D1-3BF41D9621D7}" dt="2021-02-03T07:04:16.379" v="103" actId="1035"/>
+          <ac:spMkLst>
+            <pc:docMk/>
+            <pc:sldMk cId="1268238251" sldId="555"/>
+            <ac:spMk id="13" creationId="{972B1E9B-C6E8-4DE8-871E-C214A3D77F45}"/>
+          </ac:spMkLst>
+        </pc:spChg>
+        <pc:spChg chg="add del mod">
+          <ac:chgData name="Zhao Jin" userId="cd05a825-544c-438a-9ba1-08e63db50b47" providerId="ADAL" clId="{FB8F02A0-9B99-4C9E-A1D1-3BF41D9621D7}" dt="2021-02-03T07:04:43.715" v="112" actId="478"/>
+          <ac:spMkLst>
+            <pc:docMk/>
+            <pc:sldMk cId="1268238251" sldId="555"/>
+            <ac:spMk id="14" creationId="{CD79967B-40B1-4B58-85F0-1D333E655CC2}"/>
+          </ac:spMkLst>
+        </pc:spChg>
+        <pc:spChg chg="mod">
+          <ac:chgData name="Zhao Jin" userId="cd05a825-544c-438a-9ba1-08e63db50b47" providerId="ADAL" clId="{FB8F02A0-9B99-4C9E-A1D1-3BF41D9621D7}" dt="2021-02-03T07:04:16.379" v="103" actId="1035"/>
+          <ac:spMkLst>
+            <pc:docMk/>
+            <pc:sldMk cId="1268238251" sldId="555"/>
+            <ac:spMk id="25" creationId="{F43FC8C1-7270-804E-9F1F-0B4AED0CEA28}"/>
+          </ac:spMkLst>
+        </pc:spChg>
+        <pc:spChg chg="mod">
+          <ac:chgData name="Zhao Jin" userId="cd05a825-544c-438a-9ba1-08e63db50b47" providerId="ADAL" clId="{FB8F02A0-9B99-4C9E-A1D1-3BF41D9621D7}" dt="2021-02-03T07:04:16.379" v="103" actId="1035"/>
+          <ac:spMkLst>
+            <pc:docMk/>
+            <pc:sldMk cId="1268238251" sldId="555"/>
+            <ac:spMk id="26" creationId="{D54C351E-DA02-A443-8515-857077895051}"/>
+          </ac:spMkLst>
+        </pc:spChg>
+        <pc:spChg chg="mod">
+          <ac:chgData name="Zhao Jin" userId="cd05a825-544c-438a-9ba1-08e63db50b47" providerId="ADAL" clId="{FB8F02A0-9B99-4C9E-A1D1-3BF41D9621D7}" dt="2021-02-03T07:04:16.379" v="103" actId="1035"/>
+          <ac:spMkLst>
+            <pc:docMk/>
+            <pc:sldMk cId="1268238251" sldId="555"/>
+            <ac:spMk id="27" creationId="{367D5355-0C55-2E48-9F4B-AB4FC9100A05}"/>
+          </ac:spMkLst>
+        </pc:spChg>
+        <pc:spChg chg="del">
+          <ac:chgData name="Zhao Jin" userId="cd05a825-544c-438a-9ba1-08e63db50b47" providerId="ADAL" clId="{FB8F02A0-9B99-4C9E-A1D1-3BF41D9621D7}" dt="2021-02-03T07:04:11.956" v="78" actId="478"/>
+          <ac:spMkLst>
+            <pc:docMk/>
+            <pc:sldMk cId="1268238251" sldId="555"/>
+            <ac:spMk id="49" creationId="{21EEE82A-4DB6-1D4F-9A03-5951F440FE93}"/>
+          </ac:spMkLst>
+        </pc:spChg>
+        <pc:spChg chg="mod">
+          <ac:chgData name="Zhao Jin" userId="cd05a825-544c-438a-9ba1-08e63db50b47" providerId="ADAL" clId="{FB8F02A0-9B99-4C9E-A1D1-3BF41D9621D7}" dt="2021-02-03T07:04:44.834" v="113" actId="6549"/>
+          <ac:spMkLst>
+            <pc:docMk/>
+            <pc:sldMk cId="1268238251" sldId="555"/>
+            <ac:spMk id="14338" creationId="{00000000-0000-0000-0000-000000000000}"/>
+          </ac:spMkLst>
+        </pc:spChg>
+        <pc:picChg chg="mod">
+          <ac:chgData name="Zhao Jin" userId="cd05a825-544c-438a-9ba1-08e63db50b47" providerId="ADAL" clId="{FB8F02A0-9B99-4C9E-A1D1-3BF41D9621D7}" dt="2021-02-03T07:04:16.379" v="103" actId="1035"/>
+          <ac:picMkLst>
+            <pc:docMk/>
+            <pc:sldMk cId="1268238251" sldId="555"/>
+            <ac:picMk id="10" creationId="{54864FA4-5498-40C2-AC55-7C820DE312A4}"/>
+          </ac:picMkLst>
+        </pc:picChg>
+      </pc:sldChg>
+      <pc:sldChg chg="modSp add del mod">
+        <pc:chgData name="Zhao Jin" userId="cd05a825-544c-438a-9ba1-08e63db50b47" providerId="ADAL" clId="{FB8F02A0-9B99-4C9E-A1D1-3BF41D9621D7}" dt="2021-02-03T07:42:30.854" v="1869" actId="47"/>
+        <pc:sldMkLst>
+          <pc:docMk/>
+          <pc:sldMk cId="788021743" sldId="557"/>
+        </pc:sldMkLst>
+        <pc:spChg chg="mod">
+          <ac:chgData name="Zhao Jin" userId="cd05a825-544c-438a-9ba1-08e63db50b47" providerId="ADAL" clId="{FB8F02A0-9B99-4C9E-A1D1-3BF41D9621D7}" dt="2021-02-03T07:20:23.142" v="931"/>
+          <ac:spMkLst>
+            <pc:docMk/>
+            <pc:sldMk cId="788021743" sldId="557"/>
+            <ac:spMk id="7" creationId="{00000000-0000-0000-0000-000000000000}"/>
+          </ac:spMkLst>
+        </pc:spChg>
+      </pc:sldChg>
+      <pc:sldChg chg="delSp modSp add mod">
+        <pc:chgData name="Zhao Jin" userId="cd05a825-544c-438a-9ba1-08e63db50b47" providerId="ADAL" clId="{FB8F02A0-9B99-4C9E-A1D1-3BF41D9621D7}" dt="2021-02-08T02:19:37.781" v="2198" actId="478"/>
+        <pc:sldMkLst>
+          <pc:docMk/>
+          <pc:sldMk cId="686532275" sldId="558"/>
+        </pc:sldMkLst>
+        <pc:spChg chg="mod">
+          <ac:chgData name="Zhao Jin" userId="cd05a825-544c-438a-9ba1-08e63db50b47" providerId="ADAL" clId="{FB8F02A0-9B99-4C9E-A1D1-3BF41D9621D7}" dt="2021-02-03T07:20:25.427" v="932"/>
+          <ac:spMkLst>
+            <pc:docMk/>
+            <pc:sldMk cId="686532275" sldId="558"/>
+            <ac:spMk id="7" creationId="{00000000-0000-0000-0000-000000000000}"/>
+          </ac:spMkLst>
+        </pc:spChg>
+        <pc:spChg chg="del">
+          <ac:chgData name="Zhao Jin" userId="cd05a825-544c-438a-9ba1-08e63db50b47" providerId="ADAL" clId="{FB8F02A0-9B99-4C9E-A1D1-3BF41D9621D7}" dt="2021-02-08T02:19:37.781" v="2198" actId="478"/>
+          <ac:spMkLst>
+            <pc:docMk/>
+            <pc:sldMk cId="686532275" sldId="558"/>
+            <ac:spMk id="11" creationId="{06D4AE3F-3899-440E-885D-187ED02668FA}"/>
+          </ac:spMkLst>
+        </pc:spChg>
+      </pc:sldChg>
+      <pc:sldChg chg="delSp modSp add del mod delAnim">
+        <pc:chgData name="Zhao Jin" userId="cd05a825-544c-438a-9ba1-08e63db50b47" providerId="ADAL" clId="{FB8F02A0-9B99-4C9E-A1D1-3BF41D9621D7}" dt="2021-02-03T07:30:13.895" v="1095" actId="47"/>
+        <pc:sldMkLst>
+          <pc:docMk/>
+          <pc:sldMk cId="182578491" sldId="559"/>
+        </pc:sldMkLst>
+        <pc:spChg chg="mod">
+          <ac:chgData name="Zhao Jin" userId="cd05a825-544c-438a-9ba1-08e63db50b47" providerId="ADAL" clId="{FB8F02A0-9B99-4C9E-A1D1-3BF41D9621D7}" dt="2021-02-03T07:20:21.523" v="930"/>
+          <ac:spMkLst>
+            <pc:docMk/>
+            <pc:sldMk cId="182578491" sldId="559"/>
+            <ac:spMk id="7" creationId="{00000000-0000-0000-0000-000000000000}"/>
+          </ac:spMkLst>
+        </pc:spChg>
+        <pc:spChg chg="del">
+          <ac:chgData name="Zhao Jin" userId="cd05a825-544c-438a-9ba1-08e63db50b47" providerId="ADAL" clId="{FB8F02A0-9B99-4C9E-A1D1-3BF41D9621D7}" dt="2021-02-03T07:29:25.500" v="997" actId="21"/>
+          <ac:spMkLst>
+            <pc:docMk/>
+            <pc:sldMk cId="182578491" sldId="559"/>
+            <ac:spMk id="28" creationId="{206BF097-CD0C-4B25-AF09-C35109612BC3}"/>
+          </ac:spMkLst>
+        </pc:spChg>
+        <pc:grpChg chg="del">
+          <ac:chgData name="Zhao Jin" userId="cd05a825-544c-438a-9ba1-08e63db50b47" providerId="ADAL" clId="{FB8F02A0-9B99-4C9E-A1D1-3BF41D9621D7}" dt="2021-02-03T07:29:25.500" v="997" actId="21"/>
+          <ac:grpSpMkLst>
+            <pc:docMk/>
+            <pc:sldMk cId="182578491" sldId="559"/>
+            <ac:grpSpMk id="29" creationId="{9E869CF5-5422-464C-A5AD-90C40AC515C1}"/>
+          </ac:grpSpMkLst>
+        </pc:grpChg>
+        <pc:cxnChg chg="mod">
+          <ac:chgData name="Zhao Jin" userId="cd05a825-544c-438a-9ba1-08e63db50b47" providerId="ADAL" clId="{FB8F02A0-9B99-4C9E-A1D1-3BF41D9621D7}" dt="2021-02-03T07:29:25.500" v="997" actId="21"/>
+          <ac:cxnSpMkLst>
+            <pc:docMk/>
+            <pc:sldMk cId="182578491" sldId="559"/>
+            <ac:cxnSpMk id="48" creationId="{19C9E3C2-8918-4348-A091-C253CA95276A}"/>
+          </ac:cxnSpMkLst>
+        </pc:cxnChg>
+        <pc:cxnChg chg="mod">
+          <ac:chgData name="Zhao Jin" userId="cd05a825-544c-438a-9ba1-08e63db50b47" providerId="ADAL" clId="{FB8F02A0-9B99-4C9E-A1D1-3BF41D9621D7}" dt="2021-02-03T07:29:25.500" v="997" actId="21"/>
+          <ac:cxnSpMkLst>
+            <pc:docMk/>
+            <pc:sldMk cId="182578491" sldId="559"/>
+            <ac:cxnSpMk id="52" creationId="{94324BD0-8BBD-4BC5-8957-1BA389B01E57}"/>
+          </ac:cxnSpMkLst>
+        </pc:cxnChg>
+        <pc:cxnChg chg="mod">
+          <ac:chgData name="Zhao Jin" userId="cd05a825-544c-438a-9ba1-08e63db50b47" providerId="ADAL" clId="{FB8F02A0-9B99-4C9E-A1D1-3BF41D9621D7}" dt="2021-02-03T07:29:25.500" v="997" actId="21"/>
+          <ac:cxnSpMkLst>
+            <pc:docMk/>
+            <pc:sldMk cId="182578491" sldId="559"/>
+            <ac:cxnSpMk id="57" creationId="{E4960835-B76E-476E-B973-A5E96C1CCA62}"/>
+          </ac:cxnSpMkLst>
+        </pc:cxnChg>
+        <pc:cxnChg chg="mod">
+          <ac:chgData name="Zhao Jin" userId="cd05a825-544c-438a-9ba1-08e63db50b47" providerId="ADAL" clId="{FB8F02A0-9B99-4C9E-A1D1-3BF41D9621D7}" dt="2021-02-03T07:29:25.500" v="997" actId="21"/>
+          <ac:cxnSpMkLst>
+            <pc:docMk/>
+            <pc:sldMk cId="182578491" sldId="559"/>
+            <ac:cxnSpMk id="58" creationId="{AE2C6753-7EF0-42E0-B4A9-E162D01D3DB4}"/>
+          </ac:cxnSpMkLst>
+        </pc:cxnChg>
+      </pc:sldChg>
+      <pc:sldChg chg="modSp add mod">
+        <pc:chgData name="Zhao Jin" userId="cd05a825-544c-438a-9ba1-08e63db50b47" providerId="ADAL" clId="{FB8F02A0-9B99-4C9E-A1D1-3BF41D9621D7}" dt="2021-02-03T07:20:33.509" v="937"/>
+        <pc:sldMkLst>
+          <pc:docMk/>
+          <pc:sldMk cId="1986771488" sldId="561"/>
+        </pc:sldMkLst>
+        <pc:spChg chg="mod">
+          <ac:chgData name="Zhao Jin" userId="cd05a825-544c-438a-9ba1-08e63db50b47" providerId="ADAL" clId="{FB8F02A0-9B99-4C9E-A1D1-3BF41D9621D7}" dt="2021-02-03T07:20:33.509" v="937"/>
+          <ac:spMkLst>
+            <pc:docMk/>
+            <pc:sldMk cId="1986771488" sldId="561"/>
+            <ac:spMk id="7" creationId="{00000000-0000-0000-0000-000000000000}"/>
+          </ac:spMkLst>
+        </pc:spChg>
+      </pc:sldChg>
+      <pc:sldChg chg="addSp delSp modSp add del mod delAnim modAnim">
+        <pc:chgData name="Zhao Jin" userId="cd05a825-544c-438a-9ba1-08e63db50b47" providerId="ADAL" clId="{FB8F02A0-9B99-4C9E-A1D1-3BF41D9621D7}" dt="2021-02-03T07:41:57.313" v="1865" actId="47"/>
+        <pc:sldMkLst>
+          <pc:docMk/>
+          <pc:sldMk cId="92291925" sldId="563"/>
+        </pc:sldMkLst>
+        <pc:spChg chg="mod">
+          <ac:chgData name="Zhao Jin" userId="cd05a825-544c-438a-9ba1-08e63db50b47" providerId="ADAL" clId="{FB8F02A0-9B99-4C9E-A1D1-3BF41D9621D7}" dt="2021-02-03T07:20:15.168" v="928" actId="20577"/>
+          <ac:spMkLst>
+            <pc:docMk/>
+            <pc:sldMk cId="92291925" sldId="563"/>
+            <ac:spMk id="7" creationId="{00000000-0000-0000-0000-000000000000}"/>
+          </ac:spMkLst>
+        </pc:spChg>
+        <pc:spChg chg="add del mod">
+          <ac:chgData name="Zhao Jin" userId="cd05a825-544c-438a-9ba1-08e63db50b47" providerId="ADAL" clId="{FB8F02A0-9B99-4C9E-A1D1-3BF41D9621D7}" dt="2021-02-03T07:01:50.109" v="5" actId="478"/>
+          <ac:spMkLst>
+            <pc:docMk/>
+            <pc:sldMk cId="92291925" sldId="563"/>
+            <ac:spMk id="13" creationId="{A018A939-88C1-46BC-BAB4-25876F9F5000}"/>
+          </ac:spMkLst>
+        </pc:spChg>
+        <pc:spChg chg="del">
+          <ac:chgData name="Zhao Jin" userId="cd05a825-544c-438a-9ba1-08e63db50b47" providerId="ADAL" clId="{FB8F02A0-9B99-4C9E-A1D1-3BF41D9621D7}" dt="2021-02-03T07:01:53.900" v="6" actId="478"/>
+          <ac:spMkLst>
+            <pc:docMk/>
+            <pc:sldMk cId="92291925" sldId="563"/>
+            <ac:spMk id="14340" creationId="{00000000-0000-0000-0000-000000000000}"/>
+          </ac:spMkLst>
+        </pc:spChg>
+      </pc:sldChg>
+      <pc:sldChg chg="addSp modSp add mod modAnim">
+        <pc:chgData name="Zhao Jin" userId="cd05a825-544c-438a-9ba1-08e63db50b47" providerId="ADAL" clId="{FB8F02A0-9B99-4C9E-A1D1-3BF41D9621D7}" dt="2021-02-03T07:20:31.915" v="936"/>
+        <pc:sldMkLst>
+          <pc:docMk/>
+          <pc:sldMk cId="1276365520" sldId="564"/>
+        </pc:sldMkLst>
+        <pc:spChg chg="mod">
+          <ac:chgData name="Zhao Jin" userId="cd05a825-544c-438a-9ba1-08e63db50b47" providerId="ADAL" clId="{FB8F02A0-9B99-4C9E-A1D1-3BF41D9621D7}" dt="2021-02-03T07:20:31.915" v="936"/>
+          <ac:spMkLst>
+            <pc:docMk/>
+            <pc:sldMk cId="1276365520" sldId="564"/>
+            <ac:spMk id="7" creationId="{00000000-0000-0000-0000-000000000000}"/>
+          </ac:spMkLst>
+        </pc:spChg>
+        <pc:spChg chg="mod">
+          <ac:chgData name="Zhao Jin" userId="cd05a825-544c-438a-9ba1-08e63db50b47" providerId="ADAL" clId="{FB8F02A0-9B99-4C9E-A1D1-3BF41D9621D7}" dt="2021-02-03T07:15:50.668" v="577" actId="1035"/>
+          <ac:spMkLst>
+            <pc:docMk/>
+            <pc:sldMk cId="1276365520" sldId="564"/>
+            <ac:spMk id="13" creationId="{972B1E9B-C6E8-4DE8-871E-C214A3D77F45}"/>
+          </ac:spMkLst>
+        </pc:spChg>
+        <pc:spChg chg="add mod">
+          <ac:chgData name="Zhao Jin" userId="cd05a825-544c-438a-9ba1-08e63db50b47" providerId="ADAL" clId="{FB8F02A0-9B99-4C9E-A1D1-3BF41D9621D7}" dt="2021-02-03T07:18:58.912" v="843" actId="255"/>
+          <ac:spMkLst>
+            <pc:docMk/>
+            <pc:sldMk cId="1276365520" sldId="564"/>
+            <ac:spMk id="14" creationId="{3BE09EC5-9C6D-4841-A5F4-9A5837974E20}"/>
+          </ac:spMkLst>
+        </pc:spChg>
+        <pc:spChg chg="add mod">
+          <ac:chgData name="Zhao Jin" userId="cd05a825-544c-438a-9ba1-08e63db50b47" providerId="ADAL" clId="{FB8F02A0-9B99-4C9E-A1D1-3BF41D9621D7}" dt="2021-02-03T07:19:03.130" v="844" actId="1076"/>
+          <ac:spMkLst>
+            <pc:docMk/>
+            <pc:sldMk cId="1276365520" sldId="564"/>
+            <ac:spMk id="15" creationId="{096B9094-1E2A-402A-A1B2-0B1E3DBA221D}"/>
+          </ac:spMkLst>
+        </pc:spChg>
+        <pc:spChg chg="add mod">
+          <ac:chgData name="Zhao Jin" userId="cd05a825-544c-438a-9ba1-08e63db50b47" providerId="ADAL" clId="{FB8F02A0-9B99-4C9E-A1D1-3BF41D9621D7}" dt="2021-02-03T07:18:21.030" v="805" actId="1076"/>
+          <ac:spMkLst>
+            <pc:docMk/>
+            <pc:sldMk cId="1276365520" sldId="564"/>
+            <ac:spMk id="16" creationId="{8D87AA11-3E4E-46CD-ABF1-3B99CD8A7ECE}"/>
+          </ac:spMkLst>
+        </pc:spChg>
+        <pc:spChg chg="add mod">
+          <ac:chgData name="Zhao Jin" userId="cd05a825-544c-438a-9ba1-08e63db50b47" providerId="ADAL" clId="{FB8F02A0-9B99-4C9E-A1D1-3BF41D9621D7}" dt="2021-02-03T07:19:34.904" v="892" actId="1076"/>
+          <ac:spMkLst>
+            <pc:docMk/>
+            <pc:sldMk cId="1276365520" sldId="564"/>
+            <ac:spMk id="18" creationId="{B16D4AFD-E818-4047-959F-C04354558EAF}"/>
+          </ac:spMkLst>
+        </pc:spChg>
+        <pc:picChg chg="add mod">
+          <ac:chgData name="Zhao Jin" userId="cd05a825-544c-438a-9ba1-08e63db50b47" providerId="ADAL" clId="{FB8F02A0-9B99-4C9E-A1D1-3BF41D9621D7}" dt="2021-02-03T07:18:22.576" v="806" actId="1076"/>
+          <ac:picMkLst>
+            <pc:docMk/>
+            <pc:sldMk cId="1276365520" sldId="564"/>
+            <ac:picMk id="17" creationId="{ED2DFF4D-A89B-45E0-B4A6-9463A17A340E}"/>
+          </ac:picMkLst>
+        </pc:picChg>
+      </pc:sldChg>
+      <pc:sldChg chg="delSp modSp add mod">
+        <pc:chgData name="Zhao Jin" userId="cd05a825-544c-438a-9ba1-08e63db50b47" providerId="ADAL" clId="{FB8F02A0-9B99-4C9E-A1D1-3BF41D9621D7}" dt="2021-02-03T07:20:28.829" v="934"/>
+        <pc:sldMkLst>
+          <pc:docMk/>
+          <pc:sldMk cId="827193018" sldId="565"/>
+        </pc:sldMkLst>
+        <pc:spChg chg="mod">
+          <ac:chgData name="Zhao Jin" userId="cd05a825-544c-438a-9ba1-08e63db50b47" providerId="ADAL" clId="{FB8F02A0-9B99-4C9E-A1D1-3BF41D9621D7}" dt="2021-02-03T07:20:28.829" v="934"/>
+          <ac:spMkLst>
+            <pc:docMk/>
+            <pc:sldMk cId="827193018" sldId="565"/>
+            <ac:spMk id="7" creationId="{00000000-0000-0000-0000-000000000000}"/>
+          </ac:spMkLst>
+        </pc:spChg>
+        <pc:spChg chg="mod">
+          <ac:chgData name="Zhao Jin" userId="cd05a825-544c-438a-9ba1-08e63db50b47" providerId="ADAL" clId="{FB8F02A0-9B99-4C9E-A1D1-3BF41D9621D7}" dt="2021-02-03T07:14:20.921" v="546" actId="20577"/>
+          <ac:spMkLst>
+            <pc:docMk/>
+            <pc:sldMk cId="827193018" sldId="565"/>
+            <ac:spMk id="9" creationId="{35649340-5AB4-4CED-B84B-66D13E8E2455}"/>
+          </ac:spMkLst>
+        </pc:spChg>
+        <pc:spChg chg="del mod">
+          <ac:chgData name="Zhao Jin" userId="cd05a825-544c-438a-9ba1-08e63db50b47" providerId="ADAL" clId="{FB8F02A0-9B99-4C9E-A1D1-3BF41D9621D7}" dt="2021-02-03T07:11:55.316" v="463" actId="478"/>
+          <ac:spMkLst>
+            <pc:docMk/>
+            <pc:sldMk cId="827193018" sldId="565"/>
+            <ac:spMk id="10" creationId="{00000000-0000-0000-0000-000000000000}"/>
+          </ac:spMkLst>
+        </pc:spChg>
+        <pc:spChg chg="mod">
+          <ac:chgData name="Zhao Jin" userId="cd05a825-544c-438a-9ba1-08e63db50b47" providerId="ADAL" clId="{FB8F02A0-9B99-4C9E-A1D1-3BF41D9621D7}" dt="2021-02-03T07:11:57.461" v="465" actId="5793"/>
+          <ac:spMkLst>
+            <pc:docMk/>
+            <pc:sldMk cId="827193018" sldId="565"/>
+            <ac:spMk id="49" creationId="{00000000-0000-0000-0000-000000000000}"/>
+          </ac:spMkLst>
+        </pc:spChg>
+      </pc:sldChg>
+      <pc:sldChg chg="modSp add mod">
+        <pc:chgData name="Zhao Jin" userId="cd05a825-544c-438a-9ba1-08e63db50b47" providerId="ADAL" clId="{FB8F02A0-9B99-4C9E-A1D1-3BF41D9621D7}" dt="2021-02-08T02:21:29.074" v="2208" actId="20577"/>
+        <pc:sldMkLst>
+          <pc:docMk/>
+          <pc:sldMk cId="3959984611" sldId="566"/>
+        </pc:sldMkLst>
+        <pc:spChg chg="mod">
+          <ac:chgData name="Zhao Jin" userId="cd05a825-544c-438a-9ba1-08e63db50b47" providerId="ADAL" clId="{FB8F02A0-9B99-4C9E-A1D1-3BF41D9621D7}" dt="2021-02-03T07:20:36.970" v="938"/>
+          <ac:spMkLst>
+            <pc:docMk/>
+            <pc:sldMk cId="3959984611" sldId="566"/>
+            <ac:spMk id="7" creationId="{00000000-0000-0000-0000-000000000000}"/>
+          </ac:spMkLst>
+        </pc:spChg>
+        <pc:spChg chg="mod">
+          <ac:chgData name="Zhao Jin" userId="cd05a825-544c-438a-9ba1-08e63db50b47" providerId="ADAL" clId="{FB8F02A0-9B99-4C9E-A1D1-3BF41D9621D7}" dt="2021-02-08T02:21:29.074" v="2208" actId="20577"/>
+          <ac:spMkLst>
+            <pc:docMk/>
+            <pc:sldMk cId="3959984611" sldId="566"/>
+            <ac:spMk id="8" creationId="{00000000-0000-0000-0000-000000000000}"/>
+          </ac:spMkLst>
+        </pc:spChg>
+        <pc:spChg chg="mod">
+          <ac:chgData name="Zhao Jin" userId="cd05a825-544c-438a-9ba1-08e63db50b47" providerId="ADAL" clId="{FB8F02A0-9B99-4C9E-A1D1-3BF41D9621D7}" dt="2021-02-03T07:20:03.399" v="922" actId="20577"/>
+          <ac:spMkLst>
+            <pc:docMk/>
+            <pc:sldMk cId="3959984611" sldId="566"/>
+            <ac:spMk id="14338" creationId="{00000000-0000-0000-0000-000000000000}"/>
+          </ac:spMkLst>
+        </pc:spChg>
+      </pc:sldChg>
+      <pc:sldChg chg="add del">
+        <pc:chgData name="Zhao Jin" userId="cd05a825-544c-438a-9ba1-08e63db50b47" providerId="ADAL" clId="{FB8F02A0-9B99-4C9E-A1D1-3BF41D9621D7}" dt="2021-02-03T07:34:00.322" v="1372" actId="47"/>
+        <pc:sldMkLst>
+          <pc:docMk/>
+          <pc:sldMk cId="243231529" sldId="567"/>
+        </pc:sldMkLst>
+      </pc:sldChg>
+      <pc:sldChg chg="modSp add del mod">
+        <pc:chgData name="Zhao Jin" userId="cd05a825-544c-438a-9ba1-08e63db50b47" providerId="ADAL" clId="{FB8F02A0-9B99-4C9E-A1D1-3BF41D9621D7}" dt="2021-02-03T07:30:57.488" v="1096" actId="47"/>
+        <pc:sldMkLst>
+          <pc:docMk/>
+          <pc:sldMk cId="3003604107" sldId="567"/>
+        </pc:sldMkLst>
+        <pc:spChg chg="mod">
+          <ac:chgData name="Zhao Jin" userId="cd05a825-544c-438a-9ba1-08e63db50b47" providerId="ADAL" clId="{FB8F02A0-9B99-4C9E-A1D1-3BF41D9621D7}" dt="2021-02-03T07:20:41.505" v="939"/>
+          <ac:spMkLst>
+            <pc:docMk/>
+            <pc:sldMk cId="3003604107" sldId="567"/>
+            <ac:spMk id="7" creationId="{00000000-0000-0000-0000-000000000000}"/>
+          </ac:spMkLst>
+        </pc:spChg>
+      </pc:sldChg>
+      <pc:sldChg chg="addSp delSp modSp add mod ord">
+        <pc:chgData name="Zhao Jin" userId="cd05a825-544c-438a-9ba1-08e63db50b47" providerId="ADAL" clId="{FB8F02A0-9B99-4C9E-A1D1-3BF41D9621D7}" dt="2021-02-03T07:45:20.173" v="2121" actId="20577"/>
+        <pc:sldMkLst>
+          <pc:docMk/>
+          <pc:sldMk cId="2879329457" sldId="568"/>
+        </pc:sldMkLst>
+        <pc:spChg chg="mod">
+          <ac:chgData name="Zhao Jin" userId="cd05a825-544c-438a-9ba1-08e63db50b47" providerId="ADAL" clId="{FB8F02A0-9B99-4C9E-A1D1-3BF41D9621D7}" dt="2021-02-03T07:45:20.173" v="2121" actId="20577"/>
+          <ac:spMkLst>
+            <pc:docMk/>
+            <pc:sldMk cId="2879329457" sldId="568"/>
+            <ac:spMk id="9" creationId="{00000000-0000-0000-0000-000000000000}"/>
+          </ac:spMkLst>
+        </pc:spChg>
+        <pc:graphicFrameChg chg="del mod modGraphic">
+          <ac:chgData name="Zhao Jin" userId="cd05a825-544c-438a-9ba1-08e63db50b47" providerId="ADAL" clId="{FB8F02A0-9B99-4C9E-A1D1-3BF41D9621D7}" dt="2021-02-03T07:34:55.508" v="1419" actId="478"/>
+          <ac:graphicFrameMkLst>
+            <pc:docMk/>
+            <pc:sldMk cId="2879329457" sldId="568"/>
+            <ac:graphicFrameMk id="7" creationId="{1DC5F05D-202E-4474-8067-C5632E06F885}"/>
+          </ac:graphicFrameMkLst>
+        </pc:graphicFrameChg>
+        <pc:graphicFrameChg chg="add mod modGraphic">
+          <ac:chgData name="Zhao Jin" userId="cd05a825-544c-438a-9ba1-08e63db50b47" providerId="ADAL" clId="{FB8F02A0-9B99-4C9E-A1D1-3BF41D9621D7}" dt="2021-02-03T07:41:24.626" v="1863" actId="1076"/>
+          <ac:graphicFrameMkLst>
+            <pc:docMk/>
+            <pc:sldMk cId="2879329457" sldId="568"/>
+            <ac:graphicFrameMk id="8" creationId="{C8DA87BB-C4AB-4A3F-B99E-7CAF8E3AC125}"/>
+          </ac:graphicFrameMkLst>
+        </pc:graphicFrameChg>
+      </pc:sldChg>
+      <pc:sldChg chg="modSp add mod">
+        <pc:chgData name="Zhao Jin" userId="cd05a825-544c-438a-9ba1-08e63db50b47" providerId="ADAL" clId="{FB8F02A0-9B99-4C9E-A1D1-3BF41D9621D7}" dt="2021-02-03T07:42:36.973" v="1870"/>
+        <pc:sldMkLst>
+          <pc:docMk/>
+          <pc:sldMk cId="4240540711" sldId="569"/>
+        </pc:sldMkLst>
+        <pc:spChg chg="mod">
+          <ac:chgData name="Zhao Jin" userId="cd05a825-544c-438a-9ba1-08e63db50b47" providerId="ADAL" clId="{FB8F02A0-9B99-4C9E-A1D1-3BF41D9621D7}" dt="2021-02-03T07:42:36.973" v="1870"/>
+          <ac:spMkLst>
+            <pc:docMk/>
+            <pc:sldMk cId="4240540711" sldId="569"/>
+            <ac:spMk id="7" creationId="{00000000-0000-0000-0000-000000000000}"/>
+          </ac:spMkLst>
+        </pc:spChg>
+      </pc:sldChg>
+    </pc:docChg>
+  </pc:docChgLst>
+  <pc:docChgLst>
+    <pc:chgData name="Zhao Jin" userId="cd05a825-544c-438a-9ba1-08e63db50b47" providerId="ADAL" clId="{40B02829-7445-394A-990C-032942059FD9}"/>
+    <pc:docChg chg="custSel modSld">
+      <pc:chgData name="Zhao Jin" userId="cd05a825-544c-438a-9ba1-08e63db50b47" providerId="ADAL" clId="{40B02829-7445-394A-990C-032942059FD9}" dt="2021-01-18T05:50:34.611" v="4" actId="478"/>
+      <pc:docMkLst>
+        <pc:docMk/>
+      </pc:docMkLst>
+      <pc:sldChg chg="delSp">
+        <pc:chgData name="Zhao Jin" userId="cd05a825-544c-438a-9ba1-08e63db50b47" providerId="ADAL" clId="{40B02829-7445-394A-990C-032942059FD9}" dt="2021-01-18T05:50:34.611" v="4" actId="478"/>
+        <pc:sldMkLst>
+          <pc:docMk/>
+          <pc:sldMk cId="3871162519" sldId="525"/>
+        </pc:sldMkLst>
+        <pc:spChg chg="del">
+          <ac:chgData name="Zhao Jin" userId="cd05a825-544c-438a-9ba1-08e63db50b47" providerId="ADAL" clId="{40B02829-7445-394A-990C-032942059FD9}" dt="2021-01-18T05:50:34.611" v="4" actId="478"/>
+          <ac:spMkLst>
+            <pc:docMk/>
+            <pc:sldMk cId="3871162519" sldId="525"/>
+            <ac:spMk id="24582" creationId="{00000000-0000-0000-0000-000000000000}"/>
+          </ac:spMkLst>
+        </pc:spChg>
+      </pc:sldChg>
+      <pc:sldChg chg="modSp">
+        <pc:chgData name="Zhao Jin" userId="cd05a825-544c-438a-9ba1-08e63db50b47" providerId="ADAL" clId="{40B02829-7445-394A-990C-032942059FD9}" dt="2021-01-18T05:50:03.685" v="3" actId="122"/>
+        <pc:sldMkLst>
+          <pc:docMk/>
+          <pc:sldMk cId="770306953" sldId="526"/>
+        </pc:sldMkLst>
+        <pc:graphicFrameChg chg="modGraphic">
+          <ac:chgData name="Zhao Jin" userId="cd05a825-544c-438a-9ba1-08e63db50b47" providerId="ADAL" clId="{40B02829-7445-394A-990C-032942059FD9}" dt="2021-01-18T05:50:03.685" v="3" actId="122"/>
+          <ac:graphicFrameMkLst>
+            <pc:docMk/>
+            <pc:sldMk cId="770306953" sldId="526"/>
+            <ac:graphicFrameMk id="7" creationId="{00000000-0000-0000-0000-000000000000}"/>
+          </ac:graphicFrameMkLst>
+        </pc:graphicFrameChg>
+        <pc:graphicFrameChg chg="modGraphic">
+          <ac:chgData name="Zhao Jin" userId="cd05a825-544c-438a-9ba1-08e63db50b47" providerId="ADAL" clId="{40B02829-7445-394A-990C-032942059FD9}" dt="2021-01-18T05:49:57.612" v="2" actId="122"/>
+          <ac:graphicFrameMkLst>
+            <pc:docMk/>
+            <pc:sldMk cId="770306953" sldId="526"/>
+            <ac:graphicFrameMk id="16" creationId="{00000000-0000-0000-0000-000000000000}"/>
+          </ac:graphicFrameMkLst>
+        </pc:graphicFrameChg>
+      </pc:sldChg>
+      <pc:sldChg chg="modAnim">
+        <pc:chgData name="Zhao Jin" userId="cd05a825-544c-438a-9ba1-08e63db50b47" providerId="ADAL" clId="{40B02829-7445-394A-990C-032942059FD9}" dt="2021-01-18T05:49:08.491" v="0"/>
+        <pc:sldMkLst>
+          <pc:docMk/>
+          <pc:sldMk cId="4288789163" sldId="527"/>
+        </pc:sldMkLst>
+      </pc:sldChg>
+    </pc:docChg>
+  </pc:docChgLst>
+  <pc:docChgLst>
+    <pc:chgData name="Zhao Jin" userId="cd05a825-544c-438a-9ba1-08e63db50b47" providerId="ADAL" clId="{8CEA1125-C45F-46BE-9968-5461A6D7E97E}"/>
+    <pc:docChg chg="undo redo custSel addSld delSld modSld">
+      <pc:chgData name="Zhao Jin" userId="cd05a825-544c-438a-9ba1-08e63db50b47" providerId="ADAL" clId="{8CEA1125-C45F-46BE-9968-5461A6D7E97E}" dt="2024-02-20T01:04:12.236" v="519" actId="20577"/>
+      <pc:docMkLst>
+        <pc:docMk/>
+      </pc:docMkLst>
+      <pc:sldChg chg="modSp mod">
+        <pc:chgData name="Zhao Jin" userId="cd05a825-544c-438a-9ba1-08e63db50b47" providerId="ADAL" clId="{8CEA1125-C45F-46BE-9968-5461A6D7E97E}" dt="2024-02-19T08:30:58.220" v="191" actId="207"/>
+        <pc:sldMkLst>
+          <pc:docMk/>
+          <pc:sldMk cId="4078418712" sldId="525"/>
+        </pc:sldMkLst>
+        <pc:spChg chg="mod">
+          <ac:chgData name="Zhao Jin" userId="cd05a825-544c-438a-9ba1-08e63db50b47" providerId="ADAL" clId="{8CEA1125-C45F-46BE-9968-5461A6D7E97E}" dt="2024-02-19T08:30:58.220" v="191" actId="207"/>
+          <ac:spMkLst>
+            <pc:docMk/>
+            <pc:sldMk cId="4078418712" sldId="525"/>
+            <ac:spMk id="8" creationId="{00000000-0000-0000-0000-000000000000}"/>
+          </ac:spMkLst>
+        </pc:spChg>
+      </pc:sldChg>
+      <pc:sldChg chg="modSp mod">
+        <pc:chgData name="Zhao Jin" userId="cd05a825-544c-438a-9ba1-08e63db50b47" providerId="ADAL" clId="{8CEA1125-C45F-46BE-9968-5461A6D7E97E}" dt="2024-02-20T00:53:21.173" v="389" actId="207"/>
+        <pc:sldMkLst>
+          <pc:docMk/>
+          <pc:sldMk cId="1663851036" sldId="559"/>
+        </pc:sldMkLst>
+        <pc:spChg chg="mod">
+          <ac:chgData name="Zhao Jin" userId="cd05a825-544c-438a-9ba1-08e63db50b47" providerId="ADAL" clId="{8CEA1125-C45F-46BE-9968-5461A6D7E97E}" dt="2024-02-20T00:49:37.021" v="384" actId="20577"/>
+          <ac:spMkLst>
+            <pc:docMk/>
+            <pc:sldMk cId="1663851036" sldId="559"/>
+            <ac:spMk id="8" creationId="{BB17AC34-4EF7-453E-A360-3B14646E2A04}"/>
+          </ac:spMkLst>
+        </pc:spChg>
+        <pc:spChg chg="mod">
+          <ac:chgData name="Zhao Jin" userId="cd05a825-544c-438a-9ba1-08e63db50b47" providerId="ADAL" clId="{8CEA1125-C45F-46BE-9968-5461A6D7E97E}" dt="2024-02-20T00:49:37.965" v="386" actId="6549"/>
+          <ac:spMkLst>
+            <pc:docMk/>
+            <pc:sldMk cId="1663851036" sldId="559"/>
+            <ac:spMk id="16" creationId="{D2096CE0-F283-4186-90FF-7C54FF151885}"/>
+          </ac:spMkLst>
+        </pc:spChg>
+        <pc:spChg chg="mod">
+          <ac:chgData name="Zhao Jin" userId="cd05a825-544c-438a-9ba1-08e63db50b47" providerId="ADAL" clId="{8CEA1125-C45F-46BE-9968-5461A6D7E97E}" dt="2024-02-20T00:53:21.173" v="389" actId="207"/>
+          <ac:spMkLst>
+            <pc:docMk/>
+            <pc:sldMk cId="1663851036" sldId="559"/>
+            <ac:spMk id="30" creationId="{C70A47A0-816F-405E-B986-DCD3BF78F602}"/>
+          </ac:spMkLst>
+        </pc:spChg>
+      </pc:sldChg>
+      <pc:sldChg chg="addSp delSp modSp mod">
+        <pc:chgData name="Zhao Jin" userId="cd05a825-544c-438a-9ba1-08e63db50b47" providerId="ADAL" clId="{8CEA1125-C45F-46BE-9968-5461A6D7E97E}" dt="2024-02-20T01:00:28.684" v="469" actId="5793"/>
+        <pc:sldMkLst>
+          <pc:docMk/>
+          <pc:sldMk cId="1971208294" sldId="560"/>
+        </pc:sldMkLst>
+        <pc:spChg chg="mod">
+          <ac:chgData name="Zhao Jin" userId="cd05a825-544c-438a-9ba1-08e63db50b47" providerId="ADAL" clId="{8CEA1125-C45F-46BE-9968-5461A6D7E97E}" dt="2024-02-20T00:49:36.754" v="383" actId="20577"/>
+          <ac:spMkLst>
+            <pc:docMk/>
+            <pc:sldMk cId="1971208294" sldId="560"/>
+            <ac:spMk id="8" creationId="{75CBB6EA-3351-4BB9-A2FA-636D99F886D7}"/>
+          </ac:spMkLst>
+        </pc:spChg>
+        <pc:spChg chg="del">
+          <ac:chgData name="Zhao Jin" userId="cd05a825-544c-438a-9ba1-08e63db50b47" providerId="ADAL" clId="{8CEA1125-C45F-46BE-9968-5461A6D7E97E}" dt="2024-02-20T00:45:52.358" v="370" actId="478"/>
+          <ac:spMkLst>
+            <pc:docMk/>
+            <pc:sldMk cId="1971208294" sldId="560"/>
+            <ac:spMk id="9" creationId="{9D03A96E-4EDD-4A21-837D-84F7B91B2C3E}"/>
+          </ac:spMkLst>
+        </pc:spChg>
+        <pc:spChg chg="add del mod">
+          <ac:chgData name="Zhao Jin" userId="cd05a825-544c-438a-9ba1-08e63db50b47" providerId="ADAL" clId="{8CEA1125-C45F-46BE-9968-5461A6D7E97E}" dt="2024-02-20T01:00:28.684" v="469" actId="5793"/>
+          <ac:spMkLst>
+            <pc:docMk/>
+            <pc:sldMk cId="1971208294" sldId="560"/>
+            <ac:spMk id="16" creationId="{D2096CE0-F283-4186-90FF-7C54FF151885}"/>
+          </ac:spMkLst>
+        </pc:spChg>
+      </pc:sldChg>
+      <pc:sldChg chg="modAnim">
+        <pc:chgData name="Zhao Jin" userId="cd05a825-544c-438a-9ba1-08e63db50b47" providerId="ADAL" clId="{8CEA1125-C45F-46BE-9968-5461A6D7E97E}" dt="2024-02-20T00:36:22.616" v="193"/>
+        <pc:sldMkLst>
+          <pc:docMk/>
+          <pc:sldMk cId="894186310" sldId="564"/>
+        </pc:sldMkLst>
+      </pc:sldChg>
+      <pc:sldChg chg="modSp mod">
+        <pc:chgData name="Zhao Jin" userId="cd05a825-544c-438a-9ba1-08e63db50b47" providerId="ADAL" clId="{8CEA1125-C45F-46BE-9968-5461A6D7E97E}" dt="2024-02-19T03:18:02.047" v="0" actId="13926"/>
+        <pc:sldMkLst>
+          <pc:docMk/>
+          <pc:sldMk cId="2419983458" sldId="595"/>
+        </pc:sldMkLst>
+        <pc:spChg chg="mod">
+          <ac:chgData name="Zhao Jin" userId="cd05a825-544c-438a-9ba1-08e63db50b47" providerId="ADAL" clId="{8CEA1125-C45F-46BE-9968-5461A6D7E97E}" dt="2024-02-19T03:18:02.047" v="0" actId="13926"/>
+          <ac:spMkLst>
+            <pc:docMk/>
+            <pc:sldMk cId="2419983458" sldId="595"/>
+            <ac:spMk id="8" creationId="{3895F873-6CB7-4316-B798-EE54B3634728}"/>
+          </ac:spMkLst>
+        </pc:spChg>
+      </pc:sldChg>
+      <pc:sldChg chg="modSp mod">
+        <pc:chgData name="Zhao Jin" userId="cd05a825-544c-438a-9ba1-08e63db50b47" providerId="ADAL" clId="{8CEA1125-C45F-46BE-9968-5461A6D7E97E}" dt="2024-02-20T00:43:36.978" v="367" actId="114"/>
+        <pc:sldMkLst>
+          <pc:docMk/>
+          <pc:sldMk cId="2725745500" sldId="596"/>
+        </pc:sldMkLst>
+        <pc:spChg chg="mod">
+          <ac:chgData name="Zhao Jin" userId="cd05a825-544c-438a-9ba1-08e63db50b47" providerId="ADAL" clId="{8CEA1125-C45F-46BE-9968-5461A6D7E97E}" dt="2024-02-19T03:23:08.279" v="94" actId="20577"/>
+          <ac:spMkLst>
+            <pc:docMk/>
+            <pc:sldMk cId="2725745500" sldId="596"/>
+            <ac:spMk id="5" creationId="{580F154A-663F-A546-695A-5AC8BAF031F3}"/>
+          </ac:spMkLst>
+        </pc:spChg>
+        <pc:spChg chg="mod">
+          <ac:chgData name="Zhao Jin" userId="cd05a825-544c-438a-9ba1-08e63db50b47" providerId="ADAL" clId="{8CEA1125-C45F-46BE-9968-5461A6D7E97E}" dt="2024-02-20T00:40:48.803" v="215" actId="6549"/>
+          <ac:spMkLst>
+            <pc:docMk/>
+            <pc:sldMk cId="2725745500" sldId="596"/>
+            <ac:spMk id="17" creationId="{B2FC57E6-46E4-7EF9-E077-B80BD0AF89FB}"/>
+          </ac:spMkLst>
+        </pc:spChg>
+        <pc:spChg chg="mod">
+          <ac:chgData name="Zhao Jin" userId="cd05a825-544c-438a-9ba1-08e63db50b47" providerId="ADAL" clId="{8CEA1125-C45F-46BE-9968-5461A6D7E97E}" dt="2024-02-20T00:43:36.978" v="367" actId="114"/>
+          <ac:spMkLst>
+            <pc:docMk/>
+            <pc:sldMk cId="2725745500" sldId="596"/>
+            <ac:spMk id="18" creationId="{0D877174-B608-2262-4EAE-60AE3FA21B34}"/>
+          </ac:spMkLst>
+        </pc:spChg>
+        <pc:spChg chg="mod">
+          <ac:chgData name="Zhao Jin" userId="cd05a825-544c-438a-9ba1-08e63db50b47" providerId="ADAL" clId="{8CEA1125-C45F-46BE-9968-5461A6D7E97E}" dt="2024-02-20T00:43:23.304" v="325" actId="20577"/>
+          <ac:spMkLst>
+            <pc:docMk/>
+            <pc:sldMk cId="2725745500" sldId="596"/>
+            <ac:spMk id="19" creationId="{333CFD7B-F80E-E439-2780-C3346B17989A}"/>
+          </ac:spMkLst>
+        </pc:spChg>
+      </pc:sldChg>
+      <pc:sldChg chg="addSp modSp mod modAnim">
+        <pc:chgData name="Zhao Jin" userId="cd05a825-544c-438a-9ba1-08e63db50b47" providerId="ADAL" clId="{8CEA1125-C45F-46BE-9968-5461A6D7E97E}" dt="2024-02-20T00:38:53.135" v="201" actId="1076"/>
+        <pc:sldMkLst>
+          <pc:docMk/>
+          <pc:sldMk cId="1633453151" sldId="598"/>
+        </pc:sldMkLst>
+        <pc:spChg chg="add mod">
+          <ac:chgData name="Zhao Jin" userId="cd05a825-544c-438a-9ba1-08e63db50b47" providerId="ADAL" clId="{8CEA1125-C45F-46BE-9968-5461A6D7E97E}" dt="2024-02-20T00:38:13.096" v="194" actId="207"/>
+          <ac:spMkLst>
+            <pc:docMk/>
+            <pc:sldMk cId="1633453151" sldId="598"/>
+            <ac:spMk id="4" creationId="{EB996B53-68CE-249A-B9DB-AA73CDB6ED15}"/>
+          </ac:spMkLst>
+        </pc:spChg>
+        <pc:spChg chg="add mod">
+          <ac:chgData name="Zhao Jin" userId="cd05a825-544c-438a-9ba1-08e63db50b47" providerId="ADAL" clId="{8CEA1125-C45F-46BE-9968-5461A6D7E97E}" dt="2024-02-20T00:38:13.096" v="194" actId="207"/>
+          <ac:spMkLst>
+            <pc:docMk/>
+            <pc:sldMk cId="1633453151" sldId="598"/>
+            <ac:spMk id="5" creationId="{027CC6DA-0ACE-0521-BC97-E302FDB9DDAB}"/>
+          </ac:spMkLst>
+        </pc:spChg>
+        <pc:spChg chg="add mod">
+          <ac:chgData name="Zhao Jin" userId="cd05a825-544c-438a-9ba1-08e63db50b47" providerId="ADAL" clId="{8CEA1125-C45F-46BE-9968-5461A6D7E97E}" dt="2024-02-20T00:38:13.096" v="194" actId="207"/>
+          <ac:spMkLst>
+            <pc:docMk/>
+            <pc:sldMk cId="1633453151" sldId="598"/>
+            <ac:spMk id="7" creationId="{90C82A96-EEED-4EF1-6646-10FA0A29916F}"/>
+          </ac:spMkLst>
+        </pc:spChg>
+        <pc:spChg chg="add mod">
+          <ac:chgData name="Zhao Jin" userId="cd05a825-544c-438a-9ba1-08e63db50b47" providerId="ADAL" clId="{8CEA1125-C45F-46BE-9968-5461A6D7E97E}" dt="2024-02-20T00:38:13.096" v="194" actId="207"/>
+          <ac:spMkLst>
+            <pc:docMk/>
+            <pc:sldMk cId="1633453151" sldId="598"/>
+            <ac:spMk id="8" creationId="{E008AA8D-6102-0716-0DFC-62D55A5FE2C8}"/>
+          </ac:spMkLst>
+        </pc:spChg>
+        <pc:spChg chg="add mod">
+          <ac:chgData name="Zhao Jin" userId="cd05a825-544c-438a-9ba1-08e63db50b47" providerId="ADAL" clId="{8CEA1125-C45F-46BE-9968-5461A6D7E97E}" dt="2024-02-20T00:38:53.135" v="201" actId="1076"/>
+          <ac:spMkLst>
+            <pc:docMk/>
+            <pc:sldMk cId="1633453151" sldId="598"/>
+            <ac:spMk id="10" creationId="{4557A25F-A34B-3AC9-111F-A868ED715E25}"/>
+          </ac:spMkLst>
+        </pc:spChg>
+        <pc:spChg chg="add mod">
+          <ac:chgData name="Zhao Jin" userId="cd05a825-544c-438a-9ba1-08e63db50b47" providerId="ADAL" clId="{8CEA1125-C45F-46BE-9968-5461A6D7E97E}" dt="2024-02-20T00:38:13.096" v="194" actId="207"/>
+          <ac:spMkLst>
+            <pc:docMk/>
+            <pc:sldMk cId="1633453151" sldId="598"/>
+            <ac:spMk id="11" creationId="{1854E98B-C083-8FAE-3DE9-BB80AFDFFFD5}"/>
+          </ac:spMkLst>
+        </pc:spChg>
+        <pc:spChg chg="add mod">
+          <ac:chgData name="Zhao Jin" userId="cd05a825-544c-438a-9ba1-08e63db50b47" providerId="ADAL" clId="{8CEA1125-C45F-46BE-9968-5461A6D7E97E}" dt="2024-02-20T00:38:13.096" v="194" actId="207"/>
+          <ac:spMkLst>
+            <pc:docMk/>
+            <pc:sldMk cId="1633453151" sldId="598"/>
+            <ac:spMk id="12" creationId="{51E4E273-CBF4-CD3E-2464-AACAFBC0C446}"/>
+          </ac:spMkLst>
+        </pc:spChg>
+        <pc:spChg chg="add mod">
+          <ac:chgData name="Zhao Jin" userId="cd05a825-544c-438a-9ba1-08e63db50b47" providerId="ADAL" clId="{8CEA1125-C45F-46BE-9968-5461A6D7E97E}" dt="2024-02-20T00:38:13.096" v="194" actId="207"/>
+          <ac:spMkLst>
+            <pc:docMk/>
+            <pc:sldMk cId="1633453151" sldId="598"/>
+            <ac:spMk id="13" creationId="{4088F2C5-4B1F-FA0E-2AAB-6B96227C377D}"/>
+          </ac:spMkLst>
+        </pc:spChg>
+        <pc:spChg chg="add mod">
+          <ac:chgData name="Zhao Jin" userId="cd05a825-544c-438a-9ba1-08e63db50b47" providerId="ADAL" clId="{8CEA1125-C45F-46BE-9968-5461A6D7E97E}" dt="2024-02-19T03:20:26.493" v="63"/>
+          <ac:spMkLst>
+            <pc:docMk/>
+            <pc:sldMk cId="1633453151" sldId="598"/>
+            <ac:spMk id="14" creationId="{3D28536E-9A5D-7719-5DBF-672A4CAF3518}"/>
+          </ac:spMkLst>
+        </pc:spChg>
+        <pc:spChg chg="add mod">
+          <ac:chgData name="Zhao Jin" userId="cd05a825-544c-438a-9ba1-08e63db50b47" providerId="ADAL" clId="{8CEA1125-C45F-46BE-9968-5461A6D7E97E}" dt="2024-02-20T00:38:13.096" v="194" actId="207"/>
+          <ac:spMkLst>
+            <pc:docMk/>
+            <pc:sldMk cId="1633453151" sldId="598"/>
+            <ac:spMk id="15" creationId="{0CC7E5B5-BC83-9AA3-E9C4-A4FD3D7BF949}"/>
+          </ac:spMkLst>
+        </pc:spChg>
+        <pc:spChg chg="add mod">
+          <ac:chgData name="Zhao Jin" userId="cd05a825-544c-438a-9ba1-08e63db50b47" providerId="ADAL" clId="{8CEA1125-C45F-46BE-9968-5461A6D7E97E}" dt="2024-02-19T03:20:28.988" v="65"/>
+          <ac:spMkLst>
+            <pc:docMk/>
+            <pc:sldMk cId="1633453151" sldId="598"/>
+            <ac:spMk id="16" creationId="{3BE26A91-7364-0238-0D2D-ACCD767524C3}"/>
+          </ac:spMkLst>
+        </pc:spChg>
+        <pc:spChg chg="mod">
+          <ac:chgData name="Zhao Jin" userId="cd05a825-544c-438a-9ba1-08e63db50b47" providerId="ADAL" clId="{8CEA1125-C45F-46BE-9968-5461A6D7E97E}" dt="2024-02-19T03:18:24.128" v="21" actId="20577"/>
+          <ac:spMkLst>
+            <pc:docMk/>
+            <pc:sldMk cId="1633453151" sldId="598"/>
+            <ac:spMk id="14338" creationId="{16B473A1-DACB-0EBC-79C3-50B9B11C6197}"/>
+          </ac:spMkLst>
+        </pc:spChg>
+        <pc:graphicFrameChg chg="modGraphic">
+          <ac:chgData name="Zhao Jin" userId="cd05a825-544c-438a-9ba1-08e63db50b47" providerId="ADAL" clId="{8CEA1125-C45F-46BE-9968-5461A6D7E97E}" dt="2024-02-20T00:38:44.313" v="200" actId="20577"/>
+          <ac:graphicFrameMkLst>
+            <pc:docMk/>
+            <pc:sldMk cId="1633453151" sldId="598"/>
+            <ac:graphicFrameMk id="9" creationId="{3C8F59A3-3A43-6307-9F11-C3386ED95AE0}"/>
+          </ac:graphicFrameMkLst>
+        </pc:graphicFrameChg>
+      </pc:sldChg>
+      <pc:sldChg chg="modSp mod modAnim">
+        <pc:chgData name="Zhao Jin" userId="cd05a825-544c-438a-9ba1-08e63db50b47" providerId="ADAL" clId="{8CEA1125-C45F-46BE-9968-5461A6D7E97E}" dt="2024-02-20T00:39:49.823" v="203"/>
+        <pc:sldMkLst>
+          <pc:docMk/>
+          <pc:sldMk cId="430111063" sldId="599"/>
+        </pc:sldMkLst>
+        <pc:spChg chg="mod">
+          <ac:chgData name="Zhao Jin" userId="cd05a825-544c-438a-9ba1-08e63db50b47" providerId="ADAL" clId="{8CEA1125-C45F-46BE-9968-5461A6D7E97E}" dt="2024-02-19T03:22:45.550" v="91" actId="122"/>
+          <ac:spMkLst>
+            <pc:docMk/>
+            <pc:sldMk cId="430111063" sldId="599"/>
+            <ac:spMk id="6" creationId="{17627245-A6C2-DEED-F6C1-307576F36A86}"/>
+          </ac:spMkLst>
+        </pc:spChg>
+        <pc:spChg chg="mod">
+          <ac:chgData name="Zhao Jin" userId="cd05a825-544c-438a-9ba1-08e63db50b47" providerId="ADAL" clId="{8CEA1125-C45F-46BE-9968-5461A6D7E97E}" dt="2024-02-19T03:22:55.068" v="92" actId="14100"/>
+          <ac:spMkLst>
+            <pc:docMk/>
+            <pc:sldMk cId="430111063" sldId="599"/>
+            <ac:spMk id="7" creationId="{57900B06-93DC-4197-7BF3-C992FCECA9DD}"/>
+          </ac:spMkLst>
+        </pc:spChg>
+      </pc:sldChg>
+      <pc:sldChg chg="modSp add del mod">
+        <pc:chgData name="Zhao Jin" userId="cd05a825-544c-438a-9ba1-08e63db50b47" providerId="ADAL" clId="{8CEA1125-C45F-46BE-9968-5461A6D7E97E}" dt="2024-02-20T01:01:57.304" v="478" actId="47"/>
+        <pc:sldMkLst>
+          <pc:docMk/>
+          <pc:sldMk cId="304168685" sldId="600"/>
+        </pc:sldMkLst>
+        <pc:spChg chg="mod">
+          <ac:chgData name="Zhao Jin" userId="cd05a825-544c-438a-9ba1-08e63db50b47" providerId="ADAL" clId="{8CEA1125-C45F-46BE-9968-5461A6D7E97E}" dt="2024-02-20T01:00:44.461" v="477" actId="5793"/>
+          <ac:spMkLst>
+            <pc:docMk/>
+            <pc:sldMk cId="304168685" sldId="600"/>
+            <ac:spMk id="16" creationId="{416AAEA5-D27C-7A3D-A175-F9834BF9ED5D}"/>
+          </ac:spMkLst>
+        </pc:spChg>
+      </pc:sldChg>
+      <pc:sldChg chg="add del">
+        <pc:chgData name="Zhao Jin" userId="cd05a825-544c-438a-9ba1-08e63db50b47" providerId="ADAL" clId="{8CEA1125-C45F-46BE-9968-5461A6D7E97E}" dt="2024-02-20T00:58:18.403" v="391"/>
+        <pc:sldMkLst>
+          <pc:docMk/>
+          <pc:sldMk cId="1175713687" sldId="600"/>
+        </pc:sldMkLst>
+      </pc:sldChg>
+      <pc:sldChg chg="modSp add mod">
+        <pc:chgData name="Zhao Jin" userId="cd05a825-544c-438a-9ba1-08e63db50b47" providerId="ADAL" clId="{8CEA1125-C45F-46BE-9968-5461A6D7E97E}" dt="2024-02-20T01:00:06.174" v="457" actId="20577"/>
+        <pc:sldMkLst>
+          <pc:docMk/>
+          <pc:sldMk cId="2072769692" sldId="601"/>
+        </pc:sldMkLst>
+        <pc:spChg chg="mod">
+          <ac:chgData name="Zhao Jin" userId="cd05a825-544c-438a-9ba1-08e63db50b47" providerId="ADAL" clId="{8CEA1125-C45F-46BE-9968-5461A6D7E97E}" dt="2024-02-20T01:00:06.174" v="457" actId="20577"/>
+          <ac:spMkLst>
+            <pc:docMk/>
+            <pc:sldMk cId="2072769692" sldId="601"/>
+            <ac:spMk id="16" creationId="{F3A0E6F0-C9D2-7B6A-A001-72BAC99DE534}"/>
+          </ac:spMkLst>
+        </pc:spChg>
+      </pc:sldChg>
+      <pc:sldChg chg="delSp modSp add mod">
+        <pc:chgData name="Zhao Jin" userId="cd05a825-544c-438a-9ba1-08e63db50b47" providerId="ADAL" clId="{8CEA1125-C45F-46BE-9968-5461A6D7E97E}" dt="2024-02-20T01:04:12.236" v="519" actId="20577"/>
+        <pc:sldMkLst>
+          <pc:docMk/>
+          <pc:sldMk cId="2273656755" sldId="602"/>
+        </pc:sldMkLst>
+        <pc:spChg chg="del">
+          <ac:chgData name="Zhao Jin" userId="cd05a825-544c-438a-9ba1-08e63db50b47" providerId="ADAL" clId="{8CEA1125-C45F-46BE-9968-5461A6D7E97E}" dt="2024-02-20T01:02:47.150" v="496" actId="478"/>
+          <ac:spMkLst>
+            <pc:docMk/>
+            <pc:sldMk cId="2273656755" sldId="602"/>
+            <ac:spMk id="8" creationId="{FF2CFC6E-57BA-9125-A6C0-4275E49C8DC7}"/>
+          </ac:spMkLst>
+        </pc:spChg>
+        <pc:spChg chg="mod">
+          <ac:chgData name="Zhao Jin" userId="cd05a825-544c-438a-9ba1-08e63db50b47" providerId="ADAL" clId="{8CEA1125-C45F-46BE-9968-5461A6D7E97E}" dt="2024-02-20T01:04:12.236" v="519" actId="20577"/>
+          <ac:spMkLst>
+            <pc:docMk/>
+            <pc:sldMk cId="2273656755" sldId="602"/>
+            <ac:spMk id="16" creationId="{3E53C19A-DB07-8986-2045-4244BDAEFBE0}"/>
+          </ac:spMkLst>
+        </pc:spChg>
+      </pc:sldChg>
+    </pc:docChg>
+  </pc:docChgLst>
+  <pc:docChgLst>
+    <pc:chgData name="Zhao Jin" userId="cd05a825-544c-438a-9ba1-08e63db50b47" providerId="ADAL" clId="{5DE190B2-632A-4C70-88B1-B57A4D75C084}"/>
+    <pc:docChg chg="modSld modMainMaster">
+      <pc:chgData name="Zhao Jin" userId="cd05a825-544c-438a-9ba1-08e63db50b47" providerId="ADAL" clId="{5DE190B2-632A-4C70-88B1-B57A4D75C084}" dt="2024-02-01T09:42:30.465" v="0"/>
+      <pc:docMkLst>
+        <pc:docMk/>
+      </pc:docMkLst>
+      <pc:sldChg chg="modSp">
+        <pc:chgData name="Zhao Jin" userId="cd05a825-544c-438a-9ba1-08e63db50b47" providerId="ADAL" clId="{5DE190B2-632A-4C70-88B1-B57A4D75C084}" dt="2024-02-01T09:42:30.465" v="0"/>
+        <pc:sldMkLst>
+          <pc:docMk/>
+          <pc:sldMk cId="4078418712" sldId="525"/>
+        </pc:sldMkLst>
+        <pc:spChg chg="mod">
+          <ac:chgData name="Zhao Jin" userId="cd05a825-544c-438a-9ba1-08e63db50b47" providerId="ADAL" clId="{5DE190B2-632A-4C70-88B1-B57A4D75C084}" dt="2024-02-01T09:42:30.465" v="0"/>
+          <ac:spMkLst>
+            <pc:docMk/>
+            <pc:sldMk cId="4078418712" sldId="525"/>
+            <ac:spMk id="3" creationId="{0066D5D7-2343-66A3-CB1E-769934A464D9}"/>
+          </ac:spMkLst>
+        </pc:spChg>
+      </pc:sldChg>
+      <pc:sldChg chg="modSp">
+        <pc:chgData name="Zhao Jin" userId="cd05a825-544c-438a-9ba1-08e63db50b47" providerId="ADAL" clId="{5DE190B2-632A-4C70-88B1-B57A4D75C084}" dt="2024-02-01T09:42:30.465" v="0"/>
+        <pc:sldMkLst>
+          <pc:docMk/>
+          <pc:sldMk cId="1427618944" sldId="553"/>
+        </pc:sldMkLst>
+        <pc:spChg chg="mod">
+          <ac:chgData name="Zhao Jin" userId="cd05a825-544c-438a-9ba1-08e63db50b47" providerId="ADAL" clId="{5DE190B2-632A-4C70-88B1-B57A4D75C084}" dt="2024-02-01T09:42:30.465" v="0"/>
+          <ac:spMkLst>
+            <pc:docMk/>
+            <pc:sldMk cId="1427618944" sldId="553"/>
+            <ac:spMk id="4" creationId="{840FFAF3-8729-3E6D-F2F2-3508A86B6852}"/>
+          </ac:spMkLst>
+        </pc:spChg>
+      </pc:sldChg>
+      <pc:sldChg chg="modSp">
+        <pc:chgData name="Zhao Jin" userId="cd05a825-544c-438a-9ba1-08e63db50b47" providerId="ADAL" clId="{5DE190B2-632A-4C70-88B1-B57A4D75C084}" dt="2024-02-01T09:42:30.465" v="0"/>
+        <pc:sldMkLst>
+          <pc:docMk/>
+          <pc:sldMk cId="1663851036" sldId="559"/>
+        </pc:sldMkLst>
+        <pc:spChg chg="mod">
+          <ac:chgData name="Zhao Jin" userId="cd05a825-544c-438a-9ba1-08e63db50b47" providerId="ADAL" clId="{5DE190B2-632A-4C70-88B1-B57A4D75C084}" dt="2024-02-01T09:42:30.465" v="0"/>
+          <ac:spMkLst>
+            <pc:docMk/>
+            <pc:sldMk cId="1663851036" sldId="559"/>
+            <ac:spMk id="3" creationId="{AA8E4040-4C97-A966-148A-1F54957D7018}"/>
+          </ac:spMkLst>
+        </pc:spChg>
+      </pc:sldChg>
+      <pc:sldChg chg="modSp">
+        <pc:chgData name="Zhao Jin" userId="cd05a825-544c-438a-9ba1-08e63db50b47" providerId="ADAL" clId="{5DE190B2-632A-4C70-88B1-B57A4D75C084}" dt="2024-02-01T09:42:30.465" v="0"/>
+        <pc:sldMkLst>
+          <pc:docMk/>
+          <pc:sldMk cId="1971208294" sldId="560"/>
+        </pc:sldMkLst>
+        <pc:spChg chg="mod">
+          <ac:chgData name="Zhao Jin" userId="cd05a825-544c-438a-9ba1-08e63db50b47" providerId="ADAL" clId="{5DE190B2-632A-4C70-88B1-B57A4D75C084}" dt="2024-02-01T09:42:30.465" v="0"/>
+          <ac:spMkLst>
+            <pc:docMk/>
+            <pc:sldMk cId="1971208294" sldId="560"/>
+            <ac:spMk id="3" creationId="{B76941A4-FCDE-5D6C-9228-5EB4362BC08E}"/>
+          </ac:spMkLst>
+        </pc:spChg>
+      </pc:sldChg>
+      <pc:sldChg chg="modSp">
+        <pc:chgData name="Zhao Jin" userId="cd05a825-544c-438a-9ba1-08e63db50b47" providerId="ADAL" clId="{5DE190B2-632A-4C70-88B1-B57A4D75C084}" dt="2024-02-01T09:42:30.465" v="0"/>
+        <pc:sldMkLst>
+          <pc:docMk/>
+          <pc:sldMk cId="894186310" sldId="564"/>
+        </pc:sldMkLst>
+        <pc:spChg chg="mod">
+          <ac:chgData name="Zhao Jin" userId="cd05a825-544c-438a-9ba1-08e63db50b47" providerId="ADAL" clId="{5DE190B2-632A-4C70-88B1-B57A4D75C084}" dt="2024-02-01T09:42:30.465" v="0"/>
+          <ac:spMkLst>
+            <pc:docMk/>
+            <pc:sldMk cId="894186310" sldId="564"/>
+            <ac:spMk id="3" creationId="{528FE17D-5D9B-CDAB-9065-C0FF6ED7F7A5}"/>
+          </ac:spMkLst>
+        </pc:spChg>
+      </pc:sldChg>
+      <pc:sldChg chg="modSp">
+        <pc:chgData name="Zhao Jin" userId="cd05a825-544c-438a-9ba1-08e63db50b47" providerId="ADAL" clId="{5DE190B2-632A-4C70-88B1-B57A4D75C084}" dt="2024-02-01T09:42:30.465" v="0"/>
+        <pc:sldMkLst>
+          <pc:docMk/>
+          <pc:sldMk cId="4156536479" sldId="590"/>
+        </pc:sldMkLst>
+        <pc:spChg chg="mod">
+          <ac:chgData name="Zhao Jin" userId="cd05a825-544c-438a-9ba1-08e63db50b47" providerId="ADAL" clId="{5DE190B2-632A-4C70-88B1-B57A4D75C084}" dt="2024-02-01T09:42:30.465" v="0"/>
+          <ac:spMkLst>
+            <pc:docMk/>
+            <pc:sldMk cId="4156536479" sldId="590"/>
+            <ac:spMk id="3" creationId="{CDF29C01-3F92-5444-18E2-DCAF0BC61C11}"/>
+          </ac:spMkLst>
+        </pc:spChg>
+      </pc:sldChg>
+      <pc:sldChg chg="modSp">
+        <pc:chgData name="Zhao Jin" userId="cd05a825-544c-438a-9ba1-08e63db50b47" providerId="ADAL" clId="{5DE190B2-632A-4C70-88B1-B57A4D75C084}" dt="2024-02-01T09:42:30.465" v="0"/>
+        <pc:sldMkLst>
+          <pc:docMk/>
+          <pc:sldMk cId="2217225800" sldId="594"/>
+        </pc:sldMkLst>
+        <pc:spChg chg="mod">
+          <ac:chgData name="Zhao Jin" userId="cd05a825-544c-438a-9ba1-08e63db50b47" providerId="ADAL" clId="{5DE190B2-632A-4C70-88B1-B57A4D75C084}" dt="2024-02-01T09:42:30.465" v="0"/>
+          <ac:spMkLst>
+            <pc:docMk/>
+            <pc:sldMk cId="2217225800" sldId="594"/>
+            <ac:spMk id="3" creationId="{C9095EB9-5B9B-0B80-A4DF-2A57FFB67FF9}"/>
+          </ac:spMkLst>
+        </pc:spChg>
+      </pc:sldChg>
+      <pc:sldChg chg="modSp">
+        <pc:chgData name="Zhao Jin" userId="cd05a825-544c-438a-9ba1-08e63db50b47" providerId="ADAL" clId="{5DE190B2-632A-4C70-88B1-B57A4D75C084}" dt="2024-02-01T09:42:30.465" v="0"/>
+        <pc:sldMkLst>
+          <pc:docMk/>
+          <pc:sldMk cId="2419983458" sldId="595"/>
+        </pc:sldMkLst>
+        <pc:spChg chg="mod">
+          <ac:chgData name="Zhao Jin" userId="cd05a825-544c-438a-9ba1-08e63db50b47" providerId="ADAL" clId="{5DE190B2-632A-4C70-88B1-B57A4D75C084}" dt="2024-02-01T09:42:30.465" v="0"/>
+          <ac:spMkLst>
+            <pc:docMk/>
+            <pc:sldMk cId="2419983458" sldId="595"/>
+            <ac:spMk id="3" creationId="{C32FA6EB-A7B4-C963-3BE3-19AF0A0B4E63}"/>
+          </ac:spMkLst>
+        </pc:spChg>
+      </pc:sldChg>
+      <pc:sldMasterChg chg="modSp modSldLayout">
+        <pc:chgData name="Zhao Jin" userId="cd05a825-544c-438a-9ba1-08e63db50b47" providerId="ADAL" clId="{5DE190B2-632A-4C70-88B1-B57A4D75C084}" dt="2024-02-01T09:42:30.465" v="0"/>
+        <pc:sldMasterMkLst>
+          <pc:docMk/>
+          <pc:sldMasterMk cId="0" sldId="2147485087"/>
+        </pc:sldMasterMkLst>
+        <pc:spChg chg="mod">
+          <ac:chgData name="Zhao Jin" userId="cd05a825-544c-438a-9ba1-08e63db50b47" providerId="ADAL" clId="{5DE190B2-632A-4C70-88B1-B57A4D75C084}" dt="2024-02-01T09:42:30.465" v="0"/>
+          <ac:spMkLst>
+            <pc:docMk/>
+            <pc:sldMasterMk cId="0" sldId="2147485087"/>
+            <ac:spMk id="6" creationId="{00000000-0000-0000-0000-000000000000}"/>
+          </ac:spMkLst>
+        </pc:spChg>
+        <pc:sldLayoutChg chg="modSp">
+          <pc:chgData name="Zhao Jin" userId="cd05a825-544c-438a-9ba1-08e63db50b47" providerId="ADAL" clId="{5DE190B2-632A-4C70-88B1-B57A4D75C084}" dt="2024-02-01T09:42:30.465" v="0"/>
+          <pc:sldLayoutMkLst>
+            <pc:docMk/>
+            <pc:sldMasterMk cId="0" sldId="2147485087"/>
+            <pc:sldLayoutMk cId="0" sldId="2147485088"/>
+          </pc:sldLayoutMkLst>
+          <pc:spChg chg="mod">
+            <ac:chgData name="Zhao Jin" userId="cd05a825-544c-438a-9ba1-08e63db50b47" providerId="ADAL" clId="{5DE190B2-632A-4C70-88B1-B57A4D75C084}" dt="2024-02-01T09:42:30.465" v="0"/>
+            <ac:spMkLst>
+              <pc:docMk/>
+              <pc:sldMasterMk cId="0" sldId="2147485087"/>
+              <pc:sldLayoutMk cId="0" sldId="2147485088"/>
+              <ac:spMk id="6" creationId="{00000000-0000-0000-0000-000000000000}"/>
+            </ac:spMkLst>
+          </pc:spChg>
+        </pc:sldLayoutChg>
+        <pc:sldLayoutChg chg="modSp">
+          <pc:chgData name="Zhao Jin" userId="cd05a825-544c-438a-9ba1-08e63db50b47" providerId="ADAL" clId="{5DE190B2-632A-4C70-88B1-B57A4D75C084}" dt="2024-02-01T09:42:30.465" v="0"/>
+          <pc:sldLayoutMkLst>
+            <pc:docMk/>
+            <pc:sldMasterMk cId="0" sldId="2147485087"/>
+            <pc:sldLayoutMk cId="0" sldId="2147485089"/>
+          </pc:sldLayoutMkLst>
+          <pc:spChg chg="mod">
+            <ac:chgData name="Zhao Jin" userId="cd05a825-544c-438a-9ba1-08e63db50b47" providerId="ADAL" clId="{5DE190B2-632A-4C70-88B1-B57A4D75C084}" dt="2024-02-01T09:42:30.465" v="0"/>
+            <ac:spMkLst>
+              <pc:docMk/>
+              <pc:sldMasterMk cId="0" sldId="2147485087"/>
+              <pc:sldLayoutMk cId="0" sldId="2147485089"/>
+              <ac:spMk id="6" creationId="{00000000-0000-0000-0000-000000000000}"/>
+            </ac:spMkLst>
+          </pc:spChg>
+        </pc:sldLayoutChg>
+        <pc:sldLayoutChg chg="modSp">
+          <pc:chgData name="Zhao Jin" userId="cd05a825-544c-438a-9ba1-08e63db50b47" providerId="ADAL" clId="{5DE190B2-632A-4C70-88B1-B57A4D75C084}" dt="2024-02-01T09:42:30.465" v="0"/>
+          <pc:sldLayoutMkLst>
+            <pc:docMk/>
+            <pc:sldMasterMk cId="0" sldId="2147485087"/>
+            <pc:sldLayoutMk cId="0" sldId="2147485090"/>
+          </pc:sldLayoutMkLst>
+          <pc:spChg chg="mod">
+            <ac:chgData name="Zhao Jin" userId="cd05a825-544c-438a-9ba1-08e63db50b47" providerId="ADAL" clId="{5DE190B2-632A-4C70-88B1-B57A4D75C084}" dt="2024-02-01T09:42:30.465" v="0"/>
+            <ac:spMkLst>
+              <pc:docMk/>
+              <pc:sldMasterMk cId="0" sldId="2147485087"/>
+              <pc:sldLayoutMk cId="0" sldId="2147485090"/>
+              <ac:spMk id="6" creationId="{00000000-0000-0000-0000-000000000000}"/>
+            </ac:spMkLst>
+          </pc:spChg>
+        </pc:sldLayoutChg>
+        <pc:sldLayoutChg chg="modSp">
+          <pc:chgData name="Zhao Jin" userId="cd05a825-544c-438a-9ba1-08e63db50b47" providerId="ADAL" clId="{5DE190B2-632A-4C70-88B1-B57A4D75C084}" dt="2024-02-01T09:42:30.465" v="0"/>
+          <pc:sldLayoutMkLst>
+            <pc:docMk/>
+            <pc:sldMasterMk cId="0" sldId="2147485087"/>
+            <pc:sldLayoutMk cId="0" sldId="2147485091"/>
+          </pc:sldLayoutMkLst>
+          <pc:spChg chg="mod">
+            <ac:chgData name="Zhao Jin" userId="cd05a825-544c-438a-9ba1-08e63db50b47" providerId="ADAL" clId="{5DE190B2-632A-4C70-88B1-B57A4D75C084}" dt="2024-02-01T09:42:30.465" v="0"/>
+            <ac:spMkLst>
+              <pc:docMk/>
+              <pc:sldMasterMk cId="0" sldId="2147485087"/>
+              <pc:sldLayoutMk cId="0" sldId="2147485091"/>
+              <ac:spMk id="7" creationId="{00000000-0000-0000-0000-000000000000}"/>
+            </ac:spMkLst>
+          </pc:spChg>
+        </pc:sldLayoutChg>
+        <pc:sldLayoutChg chg="modSp">
+          <pc:chgData name="Zhao Jin" userId="cd05a825-544c-438a-9ba1-08e63db50b47" providerId="ADAL" clId="{5DE190B2-632A-4C70-88B1-B57A4D75C084}" dt="2024-02-01T09:42:30.465" v="0"/>
+          <pc:sldLayoutMkLst>
+            <pc:docMk/>
+            <pc:sldMasterMk cId="0" sldId="2147485087"/>
+            <pc:sldLayoutMk cId="0" sldId="2147485092"/>
+          </pc:sldLayoutMkLst>
+          <pc:spChg chg="mod">
+            <ac:chgData name="Zhao Jin" userId="cd05a825-544c-438a-9ba1-08e63db50b47" providerId="ADAL" clId="{5DE190B2-632A-4C70-88B1-B57A4D75C084}" dt="2024-02-01T09:42:30.465" v="0"/>
+            <ac:spMkLst>
+              <pc:docMk/>
+              <pc:sldMasterMk cId="0" sldId="2147485087"/>
+              <pc:sldLayoutMk cId="0" sldId="2147485092"/>
+              <ac:spMk id="9" creationId="{00000000-0000-0000-0000-000000000000}"/>
+            </ac:spMkLst>
+          </pc:spChg>
+        </pc:sldLayoutChg>
+        <pc:sldLayoutChg chg="modSp">
+          <pc:chgData name="Zhao Jin" userId="cd05a825-544c-438a-9ba1-08e63db50b47" providerId="ADAL" clId="{5DE190B2-632A-4C70-88B1-B57A4D75C084}" dt="2024-02-01T09:42:30.465" v="0"/>
+          <pc:sldLayoutMkLst>
+            <pc:docMk/>
+            <pc:sldMasterMk cId="0" sldId="2147485087"/>
+            <pc:sldLayoutMk cId="0" sldId="2147485093"/>
+          </pc:sldLayoutMkLst>
+          <pc:spChg chg="mod">
+            <ac:chgData name="Zhao Jin" userId="cd05a825-544c-438a-9ba1-08e63db50b47" providerId="ADAL" clId="{5DE190B2-632A-4C70-88B1-B57A4D75C084}" dt="2024-02-01T09:42:30.465" v="0"/>
+            <ac:spMkLst>
+              <pc:docMk/>
+              <pc:sldMasterMk cId="0" sldId="2147485087"/>
+              <pc:sldLayoutMk cId="0" sldId="2147485093"/>
+              <ac:spMk id="5" creationId="{00000000-0000-0000-0000-000000000000}"/>
+            </ac:spMkLst>
+          </pc:spChg>
+        </pc:sldLayoutChg>
+        <pc:sldLayoutChg chg="modSp">
+          <pc:chgData name="Zhao Jin" userId="cd05a825-544c-438a-9ba1-08e63db50b47" providerId="ADAL" clId="{5DE190B2-632A-4C70-88B1-B57A4D75C084}" dt="2024-02-01T09:42:30.465" v="0"/>
+          <pc:sldLayoutMkLst>
+            <pc:docMk/>
+            <pc:sldMasterMk cId="0" sldId="2147485087"/>
+            <pc:sldLayoutMk cId="0" sldId="2147485094"/>
+          </pc:sldLayoutMkLst>
+          <pc:spChg chg="mod">
+            <ac:chgData name="Zhao Jin" userId="cd05a825-544c-438a-9ba1-08e63db50b47" providerId="ADAL" clId="{5DE190B2-632A-4C70-88B1-B57A4D75C084}" dt="2024-02-01T09:42:30.465" v="0"/>
+            <ac:spMkLst>
+              <pc:docMk/>
+              <pc:sldMasterMk cId="0" sldId="2147485087"/>
+              <pc:sldLayoutMk cId="0" sldId="2147485094"/>
+              <ac:spMk id="4" creationId="{00000000-0000-0000-0000-000000000000}"/>
+            </ac:spMkLst>
+          </pc:spChg>
+        </pc:sldLayoutChg>
+        <pc:sldLayoutChg chg="modSp">
+          <pc:chgData name="Zhao Jin" userId="cd05a825-544c-438a-9ba1-08e63db50b47" providerId="ADAL" clId="{5DE190B2-632A-4C70-88B1-B57A4D75C084}" dt="2024-02-01T09:42:30.465" v="0"/>
+          <pc:sldLayoutMkLst>
+            <pc:docMk/>
+            <pc:sldMasterMk cId="0" sldId="2147485087"/>
+            <pc:sldLayoutMk cId="0" sldId="2147485095"/>
+          </pc:sldLayoutMkLst>
+          <pc:spChg chg="mod">
+            <ac:chgData name="Zhao Jin" userId="cd05a825-544c-438a-9ba1-08e63db50b47" providerId="ADAL" clId="{5DE190B2-632A-4C70-88B1-B57A4D75C084}" dt="2024-02-01T09:42:30.465" v="0"/>
+            <ac:spMkLst>
+              <pc:docMk/>
+              <pc:sldMasterMk cId="0" sldId="2147485087"/>
+              <pc:sldLayoutMk cId="0" sldId="2147485095"/>
+              <ac:spMk id="7" creationId="{00000000-0000-0000-0000-000000000000}"/>
+            </ac:spMkLst>
+          </pc:spChg>
+        </pc:sldLayoutChg>
+        <pc:sldLayoutChg chg="modSp">
+          <pc:chgData name="Zhao Jin" userId="cd05a825-544c-438a-9ba1-08e63db50b47" providerId="ADAL" clId="{5DE190B2-632A-4C70-88B1-B57A4D75C084}" dt="2024-02-01T09:42:30.465" v="0"/>
+          <pc:sldLayoutMkLst>
+            <pc:docMk/>
+            <pc:sldMasterMk cId="0" sldId="2147485087"/>
+            <pc:sldLayoutMk cId="0" sldId="2147485096"/>
+          </pc:sldLayoutMkLst>
+          <pc:spChg chg="mod">
+            <ac:chgData name="Zhao Jin" userId="cd05a825-544c-438a-9ba1-08e63db50b47" providerId="ADAL" clId="{5DE190B2-632A-4C70-88B1-B57A4D75C084}" dt="2024-02-01T09:42:30.465" v="0"/>
+            <ac:spMkLst>
+              <pc:docMk/>
+              <pc:sldMasterMk cId="0" sldId="2147485087"/>
+              <pc:sldLayoutMk cId="0" sldId="2147485096"/>
+              <ac:spMk id="7" creationId="{00000000-0000-0000-0000-000000000000}"/>
+            </ac:spMkLst>
+          </pc:spChg>
+        </pc:sldLayoutChg>
+        <pc:sldLayoutChg chg="modSp">
+          <pc:chgData name="Zhao Jin" userId="cd05a825-544c-438a-9ba1-08e63db50b47" providerId="ADAL" clId="{5DE190B2-632A-4C70-88B1-B57A4D75C084}" dt="2024-02-01T09:42:30.465" v="0"/>
+          <pc:sldLayoutMkLst>
+            <pc:docMk/>
+            <pc:sldMasterMk cId="0" sldId="2147485087"/>
+            <pc:sldLayoutMk cId="0" sldId="2147485097"/>
+          </pc:sldLayoutMkLst>
+          <pc:spChg chg="mod">
+            <ac:chgData name="Zhao Jin" userId="cd05a825-544c-438a-9ba1-08e63db50b47" providerId="ADAL" clId="{5DE190B2-632A-4C70-88B1-B57A4D75C084}" dt="2024-02-01T09:42:30.465" v="0"/>
+            <ac:spMkLst>
+              <pc:docMk/>
+              <pc:sldMasterMk cId="0" sldId="2147485087"/>
+              <pc:sldLayoutMk cId="0" sldId="2147485097"/>
+              <ac:spMk id="6" creationId="{00000000-0000-0000-0000-000000000000}"/>
+            </ac:spMkLst>
+          </pc:spChg>
+        </pc:sldLayoutChg>
+        <pc:sldLayoutChg chg="modSp">
+          <pc:chgData name="Zhao Jin" userId="cd05a825-544c-438a-9ba1-08e63db50b47" providerId="ADAL" clId="{5DE190B2-632A-4C70-88B1-B57A4D75C084}" dt="2024-02-01T09:42:30.465" v="0"/>
+          <pc:sldLayoutMkLst>
+            <pc:docMk/>
+            <pc:sldMasterMk cId="0" sldId="2147485087"/>
+            <pc:sldLayoutMk cId="0" sldId="2147485098"/>
+          </pc:sldLayoutMkLst>
+          <pc:spChg chg="mod">
+            <ac:chgData name="Zhao Jin" userId="cd05a825-544c-438a-9ba1-08e63db50b47" providerId="ADAL" clId="{5DE190B2-632A-4C70-88B1-B57A4D75C084}" dt="2024-02-01T09:42:30.465" v="0"/>
+            <ac:spMkLst>
+              <pc:docMk/>
+              <pc:sldMasterMk cId="0" sldId="2147485087"/>
+              <pc:sldLayoutMk cId="0" sldId="2147485098"/>
+              <ac:spMk id="6" creationId="{00000000-0000-0000-0000-000000000000}"/>
+            </ac:spMkLst>
+          </pc:spChg>
+        </pc:sldLayoutChg>
+      </pc:sldMasterChg>
+    </pc:docChg>
+  </pc:docChgLst>
   <pc:docChgLst>
     <pc:chgData name="Zhao Jin" userId="cd05a825-544c-438a-9ba1-08e63db50b47" providerId="ADAL" clId="{6A3951C8-7780-4031-8A2B-7971BC0F9707}"/>
     <pc:docChg chg="modSld">
@@ -246,6 +1782,728 @@
             <pc:docMk/>
             <pc:sldMk cId="2939077141" sldId="549"/>
             <ac:spMk id="10" creationId="{1850E95F-4DF3-444D-BDF1-AF8F205268DD}"/>
+          </ac:spMkLst>
+        </pc:spChg>
+      </pc:sldChg>
+    </pc:docChg>
+  </pc:docChgLst>
+  <pc:docChgLst>
+    <pc:chgData name="Zhao Jin" userId="cd05a825-544c-438a-9ba1-08e63db50b47" providerId="ADAL" clId="{F0D8D356-BF3F-4B35-82A2-022A8A750FB3}"/>
+    <pc:docChg chg="undo custSel addSld delSld modSld sldOrd">
+      <pc:chgData name="Zhao Jin" userId="cd05a825-544c-438a-9ba1-08e63db50b47" providerId="ADAL" clId="{F0D8D356-BF3F-4B35-82A2-022A8A750FB3}" dt="2024-02-14T08:49:06.135" v="1961" actId="404"/>
+      <pc:docMkLst>
+        <pc:docMk/>
+      </pc:docMkLst>
+      <pc:sldChg chg="modSp mod">
+        <pc:chgData name="Zhao Jin" userId="cd05a825-544c-438a-9ba1-08e63db50b47" providerId="ADAL" clId="{F0D8D356-BF3F-4B35-82A2-022A8A750FB3}" dt="2024-02-14T08:49:06.135" v="1961" actId="404"/>
+        <pc:sldMkLst>
+          <pc:docMk/>
+          <pc:sldMk cId="4078418712" sldId="525"/>
+        </pc:sldMkLst>
+        <pc:spChg chg="mod">
+          <ac:chgData name="Zhao Jin" userId="cd05a825-544c-438a-9ba1-08e63db50b47" providerId="ADAL" clId="{F0D8D356-BF3F-4B35-82A2-022A8A750FB3}" dt="2024-02-14T08:49:06.135" v="1961" actId="404"/>
+          <ac:spMkLst>
+            <pc:docMk/>
+            <pc:sldMk cId="4078418712" sldId="525"/>
+            <ac:spMk id="3" creationId="{0066D5D7-2343-66A3-CB1E-769934A464D9}"/>
+          </ac:spMkLst>
+        </pc:spChg>
+        <pc:spChg chg="mod">
+          <ac:chgData name="Zhao Jin" userId="cd05a825-544c-438a-9ba1-08e63db50b47" providerId="ADAL" clId="{F0D8D356-BF3F-4B35-82A2-022A8A750FB3}" dt="2024-02-14T08:02:33.419" v="97" actId="20577"/>
+          <ac:spMkLst>
+            <pc:docMk/>
+            <pc:sldMk cId="4078418712" sldId="525"/>
+            <ac:spMk id="8" creationId="{00000000-0000-0000-0000-000000000000}"/>
+          </ac:spMkLst>
+        </pc:spChg>
+      </pc:sldChg>
+      <pc:sldChg chg="addSp delSp modSp add mod">
+        <pc:chgData name="Zhao Jin" userId="cd05a825-544c-438a-9ba1-08e63db50b47" providerId="ADAL" clId="{F0D8D356-BF3F-4B35-82A2-022A8A750FB3}" dt="2024-02-14T08:35:18.108" v="997" actId="21"/>
+        <pc:sldMkLst>
+          <pc:docMk/>
+          <pc:sldMk cId="754083244" sldId="553"/>
+        </pc:sldMkLst>
+        <pc:spChg chg="add del mod">
+          <ac:chgData name="Zhao Jin" userId="cd05a825-544c-438a-9ba1-08e63db50b47" providerId="ADAL" clId="{F0D8D356-BF3F-4B35-82A2-022A8A750FB3}" dt="2024-02-14T08:35:02.668" v="987" actId="478"/>
+          <ac:spMkLst>
+            <pc:docMk/>
+            <pc:sldMk cId="754083244" sldId="553"/>
+            <ac:spMk id="6" creationId="{05A26FB3-0F7A-FC27-7383-7761306786D0}"/>
+          </ac:spMkLst>
+        </pc:spChg>
+        <pc:spChg chg="add del mod">
+          <ac:chgData name="Zhao Jin" userId="cd05a825-544c-438a-9ba1-08e63db50b47" providerId="ADAL" clId="{F0D8D356-BF3F-4B35-82A2-022A8A750FB3}" dt="2024-02-14T08:35:18.108" v="997" actId="21"/>
+          <ac:spMkLst>
+            <pc:docMk/>
+            <pc:sldMk cId="754083244" sldId="553"/>
+            <ac:spMk id="7" creationId="{9689F2D4-2156-B71D-04D3-F8488397396E}"/>
+          </ac:spMkLst>
+        </pc:spChg>
+        <pc:spChg chg="del">
+          <ac:chgData name="Zhao Jin" userId="cd05a825-544c-438a-9ba1-08e63db50b47" providerId="ADAL" clId="{F0D8D356-BF3F-4B35-82A2-022A8A750FB3}" dt="2024-02-14T08:35:01.028" v="986" actId="478"/>
+          <ac:spMkLst>
+            <pc:docMk/>
+            <pc:sldMk cId="754083244" sldId="553"/>
+            <ac:spMk id="8" creationId="{B1DBC152-8F46-996E-F321-BB4617C8C2FB}"/>
+          </ac:spMkLst>
+        </pc:spChg>
+      </pc:sldChg>
+      <pc:sldChg chg="add del">
+        <pc:chgData name="Zhao Jin" userId="cd05a825-544c-438a-9ba1-08e63db50b47" providerId="ADAL" clId="{F0D8D356-BF3F-4B35-82A2-022A8A750FB3}" dt="2024-02-14T08:24:59.484" v="569" actId="2696"/>
+        <pc:sldMkLst>
+          <pc:docMk/>
+          <pc:sldMk cId="1427618944" sldId="553"/>
+        </pc:sldMkLst>
+      </pc:sldChg>
+      <pc:sldChg chg="modSp mod">
+        <pc:chgData name="Zhao Jin" userId="cd05a825-544c-438a-9ba1-08e63db50b47" providerId="ADAL" clId="{F0D8D356-BF3F-4B35-82A2-022A8A750FB3}" dt="2024-02-14T08:49:00.782" v="1960" actId="404"/>
+        <pc:sldMkLst>
+          <pc:docMk/>
+          <pc:sldMk cId="1663851036" sldId="559"/>
+        </pc:sldMkLst>
+        <pc:spChg chg="mod">
+          <ac:chgData name="Zhao Jin" userId="cd05a825-544c-438a-9ba1-08e63db50b47" providerId="ADAL" clId="{F0D8D356-BF3F-4B35-82A2-022A8A750FB3}" dt="2024-02-14T08:49:00.782" v="1960" actId="404"/>
+          <ac:spMkLst>
+            <pc:docMk/>
+            <pc:sldMk cId="1663851036" sldId="559"/>
+            <ac:spMk id="3" creationId="{AA8E4040-4C97-A966-148A-1F54957D7018}"/>
+          </ac:spMkLst>
+        </pc:spChg>
+      </pc:sldChg>
+      <pc:sldChg chg="add del">
+        <pc:chgData name="Zhao Jin" userId="cd05a825-544c-438a-9ba1-08e63db50b47" providerId="ADAL" clId="{F0D8D356-BF3F-4B35-82A2-022A8A750FB3}" dt="2024-02-14T08:24:54.893" v="566" actId="47"/>
+        <pc:sldMkLst>
+          <pc:docMk/>
+          <pc:sldMk cId="894186310" sldId="564"/>
+        </pc:sldMkLst>
+      </pc:sldChg>
+      <pc:sldChg chg="addSp delSp modSp mod delAnim modAnim">
+        <pc:chgData name="Zhao Jin" userId="cd05a825-544c-438a-9ba1-08e63db50b47" providerId="ADAL" clId="{F0D8D356-BF3F-4B35-82A2-022A8A750FB3}" dt="2024-02-14T08:24:38.056" v="564" actId="1036"/>
+        <pc:sldMkLst>
+          <pc:docMk/>
+          <pc:sldMk cId="4156536479" sldId="590"/>
+        </pc:sldMkLst>
+        <pc:spChg chg="add del mod">
+          <ac:chgData name="Zhao Jin" userId="cd05a825-544c-438a-9ba1-08e63db50b47" providerId="ADAL" clId="{F0D8D356-BF3F-4B35-82A2-022A8A750FB3}" dt="2024-02-14T08:05:57.094" v="249" actId="478"/>
+          <ac:spMkLst>
+            <pc:docMk/>
+            <pc:sldMk cId="4156536479" sldId="590"/>
+            <ac:spMk id="6" creationId="{F6BF1D4A-D9AB-1982-A8A6-741963867348}"/>
+          </ac:spMkLst>
+        </pc:spChg>
+        <pc:spChg chg="mod">
+          <ac:chgData name="Zhao Jin" userId="cd05a825-544c-438a-9ba1-08e63db50b47" providerId="ADAL" clId="{F0D8D356-BF3F-4B35-82A2-022A8A750FB3}" dt="2024-02-14T08:22:51.670" v="503" actId="1035"/>
+          <ac:spMkLst>
+            <pc:docMk/>
+            <pc:sldMk cId="4156536479" sldId="590"/>
+            <ac:spMk id="8" creationId="{3895F873-6CB7-4316-B798-EE54B3634728}"/>
+          </ac:spMkLst>
+        </pc:spChg>
+        <pc:spChg chg="mod">
+          <ac:chgData name="Zhao Jin" userId="cd05a825-544c-438a-9ba1-08e63db50b47" providerId="ADAL" clId="{F0D8D356-BF3F-4B35-82A2-022A8A750FB3}" dt="2024-02-14T08:24:38.056" v="564" actId="1036"/>
+          <ac:spMkLst>
+            <pc:docMk/>
+            <pc:sldMk cId="4156536479" sldId="590"/>
+            <ac:spMk id="13" creationId="{0AD363C8-B264-4386-9E1D-EAA63F4BF1CC}"/>
+          </ac:spMkLst>
+        </pc:spChg>
+        <pc:spChg chg="add mod">
+          <ac:chgData name="Zhao Jin" userId="cd05a825-544c-438a-9ba1-08e63db50b47" providerId="ADAL" clId="{F0D8D356-BF3F-4B35-82A2-022A8A750FB3}" dt="2024-02-14T08:23:00.375" v="519" actId="14100"/>
+          <ac:spMkLst>
+            <pc:docMk/>
+            <pc:sldMk cId="4156536479" sldId="590"/>
+            <ac:spMk id="14" creationId="{AB42F3A3-1E2A-4EB8-0579-1D9E2B99FF19}"/>
+          </ac:spMkLst>
+        </pc:spChg>
+        <pc:graphicFrameChg chg="add del mod">
+          <ac:chgData name="Zhao Jin" userId="cd05a825-544c-438a-9ba1-08e63db50b47" providerId="ADAL" clId="{F0D8D356-BF3F-4B35-82A2-022A8A750FB3}" dt="2024-02-14T08:05:57.094" v="249" actId="478"/>
+          <ac:graphicFrameMkLst>
+            <pc:docMk/>
+            <pc:sldMk cId="4156536479" sldId="590"/>
+            <ac:graphicFrameMk id="5" creationId="{3DA32EE9-D95C-905A-1702-125CBB010E7F}"/>
+          </ac:graphicFrameMkLst>
+        </pc:graphicFrameChg>
+        <pc:picChg chg="mod">
+          <ac:chgData name="Zhao Jin" userId="cd05a825-544c-438a-9ba1-08e63db50b47" providerId="ADAL" clId="{F0D8D356-BF3F-4B35-82A2-022A8A750FB3}" dt="2024-02-14T08:22:44.318" v="482" actId="1076"/>
+          <ac:picMkLst>
+            <pc:docMk/>
+            <pc:sldMk cId="4156536479" sldId="590"/>
+            <ac:picMk id="4" creationId="{EAFF9153-D379-4E7D-9B97-29843966A9B9}"/>
+          </ac:picMkLst>
+        </pc:picChg>
+        <pc:cxnChg chg="del mod">
+          <ac:chgData name="Zhao Jin" userId="cd05a825-544c-438a-9ba1-08e63db50b47" providerId="ADAL" clId="{F0D8D356-BF3F-4B35-82A2-022A8A750FB3}" dt="2024-02-14T08:22:48.412" v="484" actId="478"/>
+          <ac:cxnSpMkLst>
+            <pc:docMk/>
+            <pc:sldMk cId="4156536479" sldId="590"/>
+            <ac:cxnSpMk id="16" creationId="{B4CC9A1D-6448-41B2-BD14-CACDC771AC2A}"/>
+          </ac:cxnSpMkLst>
+        </pc:cxnChg>
+        <pc:cxnChg chg="del mod">
+          <ac:chgData name="Zhao Jin" userId="cd05a825-544c-438a-9ba1-08e63db50b47" providerId="ADAL" clId="{F0D8D356-BF3F-4B35-82A2-022A8A750FB3}" dt="2024-02-14T08:22:49.102" v="485" actId="478"/>
+          <ac:cxnSpMkLst>
+            <pc:docMk/>
+            <pc:sldMk cId="4156536479" sldId="590"/>
+            <ac:cxnSpMk id="22" creationId="{6298AF59-F7D9-4F05-84BF-96ED0AC95091}"/>
+          </ac:cxnSpMkLst>
+        </pc:cxnChg>
+        <pc:cxnChg chg="del mod">
+          <ac:chgData name="Zhao Jin" userId="cd05a825-544c-438a-9ba1-08e63db50b47" providerId="ADAL" clId="{F0D8D356-BF3F-4B35-82A2-022A8A750FB3}" dt="2024-02-14T08:22:49.739" v="486" actId="478"/>
+          <ac:cxnSpMkLst>
+            <pc:docMk/>
+            <pc:sldMk cId="4156536479" sldId="590"/>
+            <ac:cxnSpMk id="30" creationId="{FA77C354-F87B-40D8-BAA7-811F60DDD4B1}"/>
+          </ac:cxnSpMkLst>
+        </pc:cxnChg>
+      </pc:sldChg>
+      <pc:sldChg chg="addSp delSp modSp mod">
+        <pc:chgData name="Zhao Jin" userId="cd05a825-544c-438a-9ba1-08e63db50b47" providerId="ADAL" clId="{F0D8D356-BF3F-4B35-82A2-022A8A750FB3}" dt="2024-02-14T08:23:43.222" v="547" actId="1037"/>
+        <pc:sldMkLst>
+          <pc:docMk/>
+          <pc:sldMk cId="2217225800" sldId="594"/>
+        </pc:sldMkLst>
+        <pc:spChg chg="add mod">
+          <ac:chgData name="Zhao Jin" userId="cd05a825-544c-438a-9ba1-08e63db50b47" providerId="ADAL" clId="{F0D8D356-BF3F-4B35-82A2-022A8A750FB3}" dt="2024-02-14T08:23:31.049" v="538" actId="1035"/>
+          <ac:spMkLst>
+            <pc:docMk/>
+            <pc:sldMk cId="2217225800" sldId="594"/>
+            <ac:spMk id="5" creationId="{96764095-ECC1-81BB-927A-FEA0F3560230}"/>
+          </ac:spMkLst>
+        </pc:spChg>
+        <pc:spChg chg="add del mod">
+          <ac:chgData name="Zhao Jin" userId="cd05a825-544c-438a-9ba1-08e63db50b47" providerId="ADAL" clId="{F0D8D356-BF3F-4B35-82A2-022A8A750FB3}" dt="2024-02-14T08:23:16.064" v="524" actId="478"/>
+          <ac:spMkLst>
+            <pc:docMk/>
+            <pc:sldMk cId="2217225800" sldId="594"/>
+            <ac:spMk id="6" creationId="{67A32B3D-09A6-D496-9A03-F13135E5B6F0}"/>
+          </ac:spMkLst>
+        </pc:spChg>
+        <pc:spChg chg="add mod">
+          <ac:chgData name="Zhao Jin" userId="cd05a825-544c-438a-9ba1-08e63db50b47" providerId="ADAL" clId="{F0D8D356-BF3F-4B35-82A2-022A8A750FB3}" dt="2024-02-14T08:23:43.222" v="547" actId="1037"/>
+          <ac:spMkLst>
+            <pc:docMk/>
+            <pc:sldMk cId="2217225800" sldId="594"/>
+            <ac:spMk id="7" creationId="{8466762E-440B-4DD1-C623-26FB48373B19}"/>
+          </ac:spMkLst>
+        </pc:spChg>
+        <pc:spChg chg="mod">
+          <ac:chgData name="Zhao Jin" userId="cd05a825-544c-438a-9ba1-08e63db50b47" providerId="ADAL" clId="{F0D8D356-BF3F-4B35-82A2-022A8A750FB3}" dt="2024-02-14T08:21:09.591" v="439" actId="1076"/>
+          <ac:spMkLst>
+            <pc:docMk/>
+            <pc:sldMk cId="2217225800" sldId="594"/>
+            <ac:spMk id="8" creationId="{3895F873-6CB7-4316-B798-EE54B3634728}"/>
+          </ac:spMkLst>
+        </pc:spChg>
+        <pc:spChg chg="del mod">
+          <ac:chgData name="Zhao Jin" userId="cd05a825-544c-438a-9ba1-08e63db50b47" providerId="ADAL" clId="{F0D8D356-BF3F-4B35-82A2-022A8A750FB3}" dt="2024-02-14T08:19:30.207" v="348" actId="478"/>
+          <ac:spMkLst>
+            <pc:docMk/>
+            <pc:sldMk cId="2217225800" sldId="594"/>
+            <ac:spMk id="11" creationId="{552429B4-BD20-4EAF-8B36-51498E5AACDA}"/>
+          </ac:spMkLst>
+        </pc:spChg>
+        <pc:picChg chg="mod">
+          <ac:chgData name="Zhao Jin" userId="cd05a825-544c-438a-9ba1-08e63db50b47" providerId="ADAL" clId="{F0D8D356-BF3F-4B35-82A2-022A8A750FB3}" dt="2024-02-14T08:23:41.761" v="540" actId="1037"/>
+          <ac:picMkLst>
+            <pc:docMk/>
+            <pc:sldMk cId="2217225800" sldId="594"/>
+            <ac:picMk id="4" creationId="{EAFF9153-D379-4E7D-9B97-29843966A9B9}"/>
+          </ac:picMkLst>
+        </pc:picChg>
+      </pc:sldChg>
+      <pc:sldChg chg="addSp delSp modSp mod delAnim modAnim">
+        <pc:chgData name="Zhao Jin" userId="cd05a825-544c-438a-9ba1-08e63db50b47" providerId="ADAL" clId="{F0D8D356-BF3F-4B35-82A2-022A8A750FB3}" dt="2024-02-14T08:24:33.285" v="563" actId="1035"/>
+        <pc:sldMkLst>
+          <pc:docMk/>
+          <pc:sldMk cId="2419983458" sldId="595"/>
+        </pc:sldMkLst>
+        <pc:spChg chg="add del mod">
+          <ac:chgData name="Zhao Jin" userId="cd05a825-544c-438a-9ba1-08e63db50b47" providerId="ADAL" clId="{F0D8D356-BF3F-4B35-82A2-022A8A750FB3}" dt="2024-02-14T08:06:52.596" v="254" actId="478"/>
+          <ac:spMkLst>
+            <pc:docMk/>
+            <pc:sldMk cId="2419983458" sldId="595"/>
+            <ac:spMk id="6" creationId="{939D5F44-0CB4-72C9-0EEE-1BE749AC8FF3}"/>
+          </ac:spMkLst>
+        </pc:spChg>
+        <pc:spChg chg="add mod">
+          <ac:chgData name="Zhao Jin" userId="cd05a825-544c-438a-9ba1-08e63db50b47" providerId="ADAL" clId="{F0D8D356-BF3F-4B35-82A2-022A8A750FB3}" dt="2024-02-14T08:24:33.285" v="563" actId="1035"/>
+          <ac:spMkLst>
+            <pc:docMk/>
+            <pc:sldMk cId="2419983458" sldId="595"/>
+            <ac:spMk id="7" creationId="{914742EF-9974-FFB1-220A-1C02DB863F38}"/>
+          </ac:spMkLst>
+        </pc:spChg>
+        <pc:spChg chg="add mod">
+          <ac:chgData name="Zhao Jin" userId="cd05a825-544c-438a-9ba1-08e63db50b47" providerId="ADAL" clId="{F0D8D356-BF3F-4B35-82A2-022A8A750FB3}" dt="2024-02-14T08:24:21.497" v="551" actId="6549"/>
+          <ac:spMkLst>
+            <pc:docMk/>
+            <pc:sldMk cId="2419983458" sldId="595"/>
+            <ac:spMk id="9" creationId="{340053C9-8C8A-861A-1422-540F6920CE6B}"/>
+          </ac:spMkLst>
+        </pc:spChg>
+        <pc:spChg chg="del mod">
+          <ac:chgData name="Zhao Jin" userId="cd05a825-544c-438a-9ba1-08e63db50b47" providerId="ADAL" clId="{F0D8D356-BF3F-4B35-82A2-022A8A750FB3}" dt="2024-02-14T08:19:50.322" v="367" actId="478"/>
+          <ac:spMkLst>
+            <pc:docMk/>
+            <pc:sldMk cId="2419983458" sldId="595"/>
+            <ac:spMk id="11" creationId="{552429B4-BD20-4EAF-8B36-51498E5AACDA}"/>
+          </ac:spMkLst>
+        </pc:spChg>
+        <pc:graphicFrameChg chg="add del mod modGraphic">
+          <ac:chgData name="Zhao Jin" userId="cd05a825-544c-438a-9ba1-08e63db50b47" providerId="ADAL" clId="{F0D8D356-BF3F-4B35-82A2-022A8A750FB3}" dt="2024-02-14T08:07:00.254" v="256" actId="478"/>
+          <ac:graphicFrameMkLst>
+            <pc:docMk/>
+            <pc:sldMk cId="2419983458" sldId="595"/>
+            <ac:graphicFrameMk id="5" creationId="{A2F798B8-079E-829D-DFE1-C77AAF34E4C9}"/>
+          </ac:graphicFrameMkLst>
+        </pc:graphicFrameChg>
+      </pc:sldChg>
+      <pc:sldChg chg="addSp delSp modSp add mod">
+        <pc:chgData name="Zhao Jin" userId="cd05a825-544c-438a-9ba1-08e63db50b47" providerId="ADAL" clId="{F0D8D356-BF3F-4B35-82A2-022A8A750FB3}" dt="2024-02-14T08:47:34.884" v="1959" actId="20577"/>
+        <pc:sldMkLst>
+          <pc:docMk/>
+          <pc:sldMk cId="2725745500" sldId="596"/>
+        </pc:sldMkLst>
+        <pc:spChg chg="add mod ord">
+          <ac:chgData name="Zhao Jin" userId="cd05a825-544c-438a-9ba1-08e63db50b47" providerId="ADAL" clId="{F0D8D356-BF3F-4B35-82A2-022A8A750FB3}" dt="2024-02-14T08:40:21.882" v="1538" actId="20577"/>
+          <ac:spMkLst>
+            <pc:docMk/>
+            <pc:sldMk cId="2725745500" sldId="596"/>
+            <ac:spMk id="5" creationId="{580F154A-663F-A546-695A-5AC8BAF031F3}"/>
+          </ac:spMkLst>
+        </pc:spChg>
+        <pc:spChg chg="add del mod">
+          <ac:chgData name="Zhao Jin" userId="cd05a825-544c-438a-9ba1-08e63db50b47" providerId="ADAL" clId="{F0D8D356-BF3F-4B35-82A2-022A8A750FB3}" dt="2024-02-14T08:38:27.084" v="1431" actId="478"/>
+          <ac:spMkLst>
+            <pc:docMk/>
+            <pc:sldMk cId="2725745500" sldId="596"/>
+            <ac:spMk id="6" creationId="{84C5499E-D409-14E5-03BE-8FE2BC3DDE8C}"/>
+          </ac:spMkLst>
+        </pc:spChg>
+        <pc:spChg chg="add del mod">
+          <ac:chgData name="Zhao Jin" userId="cd05a825-544c-438a-9ba1-08e63db50b47" providerId="ADAL" clId="{F0D8D356-BF3F-4B35-82A2-022A8A750FB3}" dt="2024-02-14T08:38:30.099" v="1433" actId="478"/>
+          <ac:spMkLst>
+            <pc:docMk/>
+            <pc:sldMk cId="2725745500" sldId="596"/>
+            <ac:spMk id="7" creationId="{9689F2D4-2156-B71D-04D3-F8488397396E}"/>
+          </ac:spMkLst>
+        </pc:spChg>
+        <pc:spChg chg="del mod">
+          <ac:chgData name="Zhao Jin" userId="cd05a825-544c-438a-9ba1-08e63db50b47" providerId="ADAL" clId="{F0D8D356-BF3F-4B35-82A2-022A8A750FB3}" dt="2024-02-14T08:17:26.405" v="327" actId="478"/>
+          <ac:spMkLst>
+            <pc:docMk/>
+            <pc:sldMk cId="2725745500" sldId="596"/>
+            <ac:spMk id="8" creationId="{A3475B54-AEFF-BB33-C9C2-EEF67467FE54}"/>
+          </ac:spMkLst>
+        </pc:spChg>
+        <pc:spChg chg="add mod">
+          <ac:chgData name="Zhao Jin" userId="cd05a825-544c-438a-9ba1-08e63db50b47" providerId="ADAL" clId="{F0D8D356-BF3F-4B35-82A2-022A8A750FB3}" dt="2024-02-14T08:42:18.636" v="1617" actId="1037"/>
+          <ac:spMkLst>
+            <pc:docMk/>
+            <pc:sldMk cId="2725745500" sldId="596"/>
+            <ac:spMk id="17" creationId="{B2FC57E6-46E4-7EF9-E077-B80BD0AF89FB}"/>
+          </ac:spMkLst>
+        </pc:spChg>
+        <pc:spChg chg="add mod">
+          <ac:chgData name="Zhao Jin" userId="cd05a825-544c-438a-9ba1-08e63db50b47" providerId="ADAL" clId="{F0D8D356-BF3F-4B35-82A2-022A8A750FB3}" dt="2024-02-14T08:45:30.369" v="1803" actId="20577"/>
+          <ac:spMkLst>
+            <pc:docMk/>
+            <pc:sldMk cId="2725745500" sldId="596"/>
+            <ac:spMk id="18" creationId="{0D877174-B608-2262-4EAE-60AE3FA21B34}"/>
+          </ac:spMkLst>
+        </pc:spChg>
+        <pc:spChg chg="add mod">
+          <ac:chgData name="Zhao Jin" userId="cd05a825-544c-438a-9ba1-08e63db50b47" providerId="ADAL" clId="{F0D8D356-BF3F-4B35-82A2-022A8A750FB3}" dt="2024-02-14T08:47:34.884" v="1959" actId="20577"/>
+          <ac:spMkLst>
+            <pc:docMk/>
+            <pc:sldMk cId="2725745500" sldId="596"/>
+            <ac:spMk id="19" creationId="{333CFD7B-F80E-E439-2780-C3346B17989A}"/>
+          </ac:spMkLst>
+        </pc:spChg>
+        <pc:spChg chg="del mod">
+          <ac:chgData name="Zhao Jin" userId="cd05a825-544c-438a-9ba1-08e63db50b47" providerId="ADAL" clId="{F0D8D356-BF3F-4B35-82A2-022A8A750FB3}" dt="2024-02-14T08:38:18.984" v="1426" actId="478"/>
+          <ac:spMkLst>
+            <pc:docMk/>
+            <pc:sldMk cId="2725745500" sldId="596"/>
+            <ac:spMk id="84" creationId="{490DCF4D-FE96-12EC-8826-0A92A7A7078D}"/>
+          </ac:spMkLst>
+        </pc:spChg>
+        <pc:spChg chg="mod">
+          <ac:chgData name="Zhao Jin" userId="cd05a825-544c-438a-9ba1-08e63db50b47" providerId="ADAL" clId="{F0D8D356-BF3F-4B35-82A2-022A8A750FB3}" dt="2024-02-14T08:43:02.066" v="1653" actId="20577"/>
+          <ac:spMkLst>
+            <pc:docMk/>
+            <pc:sldMk cId="2725745500" sldId="596"/>
+            <ac:spMk id="14338" creationId="{E4EAD919-8CBB-1D73-A9E0-F8C39C80B601}"/>
+          </ac:spMkLst>
+        </pc:spChg>
+        <pc:picChg chg="del">
+          <ac:chgData name="Zhao Jin" userId="cd05a825-544c-438a-9ba1-08e63db50b47" providerId="ADAL" clId="{F0D8D356-BF3F-4B35-82A2-022A8A750FB3}" dt="2024-02-14T08:14:29.326" v="268" actId="478"/>
+          <ac:picMkLst>
+            <pc:docMk/>
+            <pc:sldMk cId="2725745500" sldId="596"/>
+            <ac:picMk id="3" creationId="{D1CC86DF-2B7A-973F-0483-422007675AFF}"/>
+          </ac:picMkLst>
+        </pc:picChg>
+        <pc:cxnChg chg="add del mod">
+          <ac:chgData name="Zhao Jin" userId="cd05a825-544c-438a-9ba1-08e63db50b47" providerId="ADAL" clId="{F0D8D356-BF3F-4B35-82A2-022A8A750FB3}" dt="2024-02-14T08:43:41.259" v="1661" actId="478"/>
+          <ac:cxnSpMkLst>
+            <pc:docMk/>
+            <pc:sldMk cId="2725745500" sldId="596"/>
+            <ac:cxnSpMk id="10" creationId="{2A246355-3A35-A474-3D7C-08C42D99F86E}"/>
+          </ac:cxnSpMkLst>
+        </pc:cxnChg>
+        <pc:cxnChg chg="add del mod">
+          <ac:chgData name="Zhao Jin" userId="cd05a825-544c-438a-9ba1-08e63db50b47" providerId="ADAL" clId="{F0D8D356-BF3F-4B35-82A2-022A8A750FB3}" dt="2024-02-14T08:43:47.604" v="1664" actId="478"/>
+          <ac:cxnSpMkLst>
+            <pc:docMk/>
+            <pc:sldMk cId="2725745500" sldId="596"/>
+            <ac:cxnSpMk id="12" creationId="{02271CC9-0194-891D-63A3-5B408C84BF32}"/>
+          </ac:cxnSpMkLst>
+        </pc:cxnChg>
+        <pc:cxnChg chg="add del mod">
+          <ac:chgData name="Zhao Jin" userId="cd05a825-544c-438a-9ba1-08e63db50b47" providerId="ADAL" clId="{F0D8D356-BF3F-4B35-82A2-022A8A750FB3}" dt="2024-02-14T08:43:46.592" v="1663" actId="478"/>
+          <ac:cxnSpMkLst>
+            <pc:docMk/>
+            <pc:sldMk cId="2725745500" sldId="596"/>
+            <ac:cxnSpMk id="21" creationId="{D5D55E92-BE99-4F25-474F-F1F5422CA780}"/>
+          </ac:cxnSpMkLst>
+        </pc:cxnChg>
+      </pc:sldChg>
+      <pc:sldChg chg="modSp add del mod">
+        <pc:chgData name="Zhao Jin" userId="cd05a825-544c-438a-9ba1-08e63db50b47" providerId="ADAL" clId="{F0D8D356-BF3F-4B35-82A2-022A8A750FB3}" dt="2024-02-14T08:19:03.879" v="346" actId="47"/>
+        <pc:sldMkLst>
+          <pc:docMk/>
+          <pc:sldMk cId="287079181" sldId="597"/>
+        </pc:sldMkLst>
+        <pc:spChg chg="mod">
+          <ac:chgData name="Zhao Jin" userId="cd05a825-544c-438a-9ba1-08e63db50b47" providerId="ADAL" clId="{F0D8D356-BF3F-4B35-82A2-022A8A750FB3}" dt="2024-02-14T08:04:32.629" v="244" actId="13926"/>
+          <ac:spMkLst>
+            <pc:docMk/>
+            <pc:sldMk cId="287079181" sldId="597"/>
+            <ac:spMk id="84" creationId="{D081A6FA-09DD-803E-ECF5-D077415328E7}"/>
+          </ac:spMkLst>
+        </pc:spChg>
+        <pc:spChg chg="mod">
+          <ac:chgData name="Zhao Jin" userId="cd05a825-544c-438a-9ba1-08e63db50b47" providerId="ADAL" clId="{F0D8D356-BF3F-4B35-82A2-022A8A750FB3}" dt="2024-02-14T08:04:04.349" v="240" actId="20577"/>
+          <ac:spMkLst>
+            <pc:docMk/>
+            <pc:sldMk cId="287079181" sldId="597"/>
+            <ac:spMk id="14338" creationId="{6D92B9AF-01C6-2341-8359-5B464081364A}"/>
+          </ac:spMkLst>
+        </pc:spChg>
+      </pc:sldChg>
+      <pc:sldChg chg="addSp delSp modSp add mod addAnim delAnim modAnim">
+        <pc:chgData name="Zhao Jin" userId="cd05a825-544c-438a-9ba1-08e63db50b47" providerId="ADAL" clId="{F0D8D356-BF3F-4B35-82A2-022A8A750FB3}" dt="2024-02-14T08:34:44.356" v="985" actId="20577"/>
+        <pc:sldMkLst>
+          <pc:docMk/>
+          <pc:sldMk cId="1633453151" sldId="598"/>
+        </pc:sldMkLst>
+        <pc:spChg chg="mod topLvl">
+          <ac:chgData name="Zhao Jin" userId="cd05a825-544c-438a-9ba1-08e63db50b47" providerId="ADAL" clId="{F0D8D356-BF3F-4B35-82A2-022A8A750FB3}" dt="2024-02-14T08:31:26.185" v="795" actId="207"/>
+          <ac:spMkLst>
+            <pc:docMk/>
+            <pc:sldMk cId="1633453151" sldId="598"/>
+            <ac:spMk id="6" creationId="{D30103D3-66AB-9479-E898-08E79808DD1E}"/>
+          </ac:spMkLst>
+        </pc:spChg>
+        <pc:spChg chg="del mod topLvl">
+          <ac:chgData name="Zhao Jin" userId="cd05a825-544c-438a-9ba1-08e63db50b47" providerId="ADAL" clId="{F0D8D356-BF3F-4B35-82A2-022A8A750FB3}" dt="2024-02-14T08:28:10.167" v="597" actId="478"/>
+          <ac:spMkLst>
+            <pc:docMk/>
+            <pc:sldMk cId="1633453151" sldId="598"/>
+            <ac:spMk id="7" creationId="{44C6A9E4-1621-4D04-5E35-1A0EE032F591}"/>
+          </ac:spMkLst>
+        </pc:spChg>
+        <pc:spChg chg="del mod">
+          <ac:chgData name="Zhao Jin" userId="cd05a825-544c-438a-9ba1-08e63db50b47" providerId="ADAL" clId="{F0D8D356-BF3F-4B35-82A2-022A8A750FB3}" dt="2024-02-14T08:27:32.795" v="571" actId="478"/>
+          <ac:spMkLst>
+            <pc:docMk/>
+            <pc:sldMk cId="1633453151" sldId="598"/>
+            <ac:spMk id="8" creationId="{73792E4A-8BE4-6985-9166-C2C4AD8FDDEA}"/>
+          </ac:spMkLst>
+        </pc:spChg>
+        <pc:spChg chg="del">
+          <ac:chgData name="Zhao Jin" userId="cd05a825-544c-438a-9ba1-08e63db50b47" providerId="ADAL" clId="{F0D8D356-BF3F-4B35-82A2-022A8A750FB3}" dt="2024-02-14T08:07:37.132" v="259" actId="478"/>
+          <ac:spMkLst>
+            <pc:docMk/>
+            <pc:sldMk cId="1633453151" sldId="598"/>
+            <ac:spMk id="11" creationId="{A0EE1D25-BD05-306D-CCED-66B0F01CE255}"/>
+          </ac:spMkLst>
+        </pc:spChg>
+        <pc:spChg chg="mod">
+          <ac:chgData name="Zhao Jin" userId="cd05a825-544c-438a-9ba1-08e63db50b47" providerId="ADAL" clId="{F0D8D356-BF3F-4B35-82A2-022A8A750FB3}" dt="2024-02-14T08:29:21.786" v="694" actId="20577"/>
+          <ac:spMkLst>
+            <pc:docMk/>
+            <pc:sldMk cId="1633453151" sldId="598"/>
+            <ac:spMk id="14338" creationId="{16B473A1-DACB-0EBC-79C3-50B9B11C6197}"/>
+          </ac:spMkLst>
+        </pc:spChg>
+        <pc:grpChg chg="add del mod">
+          <ac:chgData name="Zhao Jin" userId="cd05a825-544c-438a-9ba1-08e63db50b47" providerId="ADAL" clId="{F0D8D356-BF3F-4B35-82A2-022A8A750FB3}" dt="2024-02-14T08:28:10.167" v="597" actId="478"/>
+          <ac:grpSpMkLst>
+            <pc:docMk/>
+            <pc:sldMk cId="1633453151" sldId="598"/>
+            <ac:grpSpMk id="5" creationId="{730B0EE9-665C-643A-2123-3D1C7DF8B463}"/>
+          </ac:grpSpMkLst>
+        </pc:grpChg>
+        <pc:graphicFrameChg chg="add mod modGraphic">
+          <ac:chgData name="Zhao Jin" userId="cd05a825-544c-438a-9ba1-08e63db50b47" providerId="ADAL" clId="{F0D8D356-BF3F-4B35-82A2-022A8A750FB3}" dt="2024-02-14T08:34:44.356" v="985" actId="20577"/>
+          <ac:graphicFrameMkLst>
+            <pc:docMk/>
+            <pc:sldMk cId="1633453151" sldId="598"/>
+            <ac:graphicFrameMk id="9" creationId="{3C8F59A3-3A43-6307-9F11-C3386ED95AE0}"/>
+          </ac:graphicFrameMkLst>
+        </pc:graphicFrameChg>
+        <pc:picChg chg="del">
+          <ac:chgData name="Zhao Jin" userId="cd05a825-544c-438a-9ba1-08e63db50b47" providerId="ADAL" clId="{F0D8D356-BF3F-4B35-82A2-022A8A750FB3}" dt="2024-02-14T08:07:34.568" v="258" actId="478"/>
+          <ac:picMkLst>
+            <pc:docMk/>
+            <pc:sldMk cId="1633453151" sldId="598"/>
+            <ac:picMk id="4" creationId="{8E96E9A4-7B17-8FE8-30F6-A814AF49ABD9}"/>
+          </ac:picMkLst>
+        </pc:picChg>
+      </pc:sldChg>
+      <pc:sldChg chg="modSp add mod ord">
+        <pc:chgData name="Zhao Jin" userId="cd05a825-544c-438a-9ba1-08e63db50b47" providerId="ADAL" clId="{F0D8D356-BF3F-4B35-82A2-022A8A750FB3}" dt="2024-02-14T08:43:36.275" v="1660" actId="14100"/>
+        <pc:sldMkLst>
+          <pc:docMk/>
+          <pc:sldMk cId="430111063" sldId="599"/>
+        </pc:sldMkLst>
+        <pc:spChg chg="mod">
+          <ac:chgData name="Zhao Jin" userId="cd05a825-544c-438a-9ba1-08e63db50b47" providerId="ADAL" clId="{F0D8D356-BF3F-4B35-82A2-022A8A750FB3}" dt="2024-02-14T08:43:27.447" v="1657" actId="1076"/>
+          <ac:spMkLst>
+            <pc:docMk/>
+            <pc:sldMk cId="430111063" sldId="599"/>
+            <ac:spMk id="6" creationId="{17627245-A6C2-DEED-F6C1-307576F36A86}"/>
+          </ac:spMkLst>
+        </pc:spChg>
+        <pc:spChg chg="mod">
+          <ac:chgData name="Zhao Jin" userId="cd05a825-544c-438a-9ba1-08e63db50b47" providerId="ADAL" clId="{F0D8D356-BF3F-4B35-82A2-022A8A750FB3}" dt="2024-02-14T08:41:38.392" v="1599" actId="313"/>
+          <ac:spMkLst>
+            <pc:docMk/>
+            <pc:sldMk cId="430111063" sldId="599"/>
+            <ac:spMk id="7" creationId="{57900B06-93DC-4197-7BF3-C992FCECA9DD}"/>
+          </ac:spMkLst>
+        </pc:spChg>
+        <pc:spChg chg="mod">
+          <ac:chgData name="Zhao Jin" userId="cd05a825-544c-438a-9ba1-08e63db50b47" providerId="ADAL" clId="{F0D8D356-BF3F-4B35-82A2-022A8A750FB3}" dt="2024-02-14T08:42:00.906" v="1607" actId="1035"/>
+          <ac:spMkLst>
+            <pc:docMk/>
+            <pc:sldMk cId="430111063" sldId="599"/>
+            <ac:spMk id="84" creationId="{3B15B752-4462-F3F7-8B96-7B6458F1E6B2}"/>
+          </ac:spMkLst>
+        </pc:spChg>
+        <pc:spChg chg="mod">
+          <ac:chgData name="Zhao Jin" userId="cd05a825-544c-438a-9ba1-08e63db50b47" providerId="ADAL" clId="{F0D8D356-BF3F-4B35-82A2-022A8A750FB3}" dt="2024-02-14T08:38:12.261" v="1424" actId="6549"/>
+          <ac:spMkLst>
+            <pc:docMk/>
+            <pc:sldMk cId="430111063" sldId="599"/>
+            <ac:spMk id="14338" creationId="{EFE4EAF8-01E2-1AD1-5D40-F046ED02CA31}"/>
+          </ac:spMkLst>
+        </pc:spChg>
+        <pc:cxnChg chg="mod">
+          <ac:chgData name="Zhao Jin" userId="cd05a825-544c-438a-9ba1-08e63db50b47" providerId="ADAL" clId="{F0D8D356-BF3F-4B35-82A2-022A8A750FB3}" dt="2024-02-14T08:43:36.275" v="1660" actId="14100"/>
+          <ac:cxnSpMkLst>
+            <pc:docMk/>
+            <pc:sldMk cId="430111063" sldId="599"/>
+            <ac:cxnSpMk id="10" creationId="{CF8570F6-7BB5-ABDD-E9A1-D73CE2B69BB5}"/>
+          </ac:cxnSpMkLst>
+        </pc:cxnChg>
+        <pc:cxnChg chg="mod">
+          <ac:chgData name="Zhao Jin" userId="cd05a825-544c-438a-9ba1-08e63db50b47" providerId="ADAL" clId="{F0D8D356-BF3F-4B35-82A2-022A8A750FB3}" dt="2024-02-14T08:42:00.906" v="1607" actId="1035"/>
+          <ac:cxnSpMkLst>
+            <pc:docMk/>
+            <pc:sldMk cId="430111063" sldId="599"/>
+            <ac:cxnSpMk id="12" creationId="{48D4FE74-3E55-8E97-ABB4-38C7FFE6B95E}"/>
+          </ac:cxnSpMkLst>
+        </pc:cxnChg>
+      </pc:sldChg>
+    </pc:docChg>
+  </pc:docChgLst>
+  <pc:docChgLst>
+    <pc:chgData name="Zhao Jin" userId="cd05a825-544c-438a-9ba1-08e63db50b47" providerId="ADAL" clId="{A4A0FEF4-5388-4642-A424-D6144C2A9D07}"/>
+    <pc:docChg chg="undo custSel modSld">
+      <pc:chgData name="Zhao Jin" userId="cd05a825-544c-438a-9ba1-08e63db50b47" providerId="ADAL" clId="{A4A0FEF4-5388-4642-A424-D6144C2A9D07}" dt="2021-01-25T03:36:28.487" v="214" actId="20577"/>
+      <pc:docMkLst>
+        <pc:docMk/>
+      </pc:docMkLst>
+      <pc:sldChg chg="delSp modSp">
+        <pc:chgData name="Zhao Jin" userId="cd05a825-544c-438a-9ba1-08e63db50b47" providerId="ADAL" clId="{A4A0FEF4-5388-4642-A424-D6144C2A9D07}" dt="2021-01-25T03:33:46.226" v="179"/>
+        <pc:sldMkLst>
+          <pc:docMk/>
+          <pc:sldMk cId="2543678377" sldId="531"/>
+        </pc:sldMkLst>
+        <pc:spChg chg="mod">
+          <ac:chgData name="Zhao Jin" userId="cd05a825-544c-438a-9ba1-08e63db50b47" providerId="ADAL" clId="{A4A0FEF4-5388-4642-A424-D6144C2A9D07}" dt="2021-01-25T03:30:31.833" v="157" actId="20577"/>
+          <ac:spMkLst>
+            <pc:docMk/>
+            <pc:sldMk cId="2543678377" sldId="531"/>
+            <ac:spMk id="10" creationId="{00000000-0000-0000-0000-000000000000}"/>
+          </ac:spMkLst>
+        </pc:spChg>
+        <pc:spChg chg="mod">
+          <ac:chgData name="Zhao Jin" userId="cd05a825-544c-438a-9ba1-08e63db50b47" providerId="ADAL" clId="{A4A0FEF4-5388-4642-A424-D6144C2A9D07}" dt="2021-01-25T03:33:46.226" v="179"/>
+          <ac:spMkLst>
+            <pc:docMk/>
+            <pc:sldMk cId="2543678377" sldId="531"/>
+            <ac:spMk id="43" creationId="{00000000-0000-0000-0000-000000000000}"/>
+          </ac:spMkLst>
+        </pc:spChg>
+        <pc:spChg chg="del">
+          <ac:chgData name="Zhao Jin" userId="cd05a825-544c-438a-9ba1-08e63db50b47" providerId="ADAL" clId="{A4A0FEF4-5388-4642-A424-D6144C2A9D07}" dt="2021-01-25T03:33:24.782" v="178" actId="478"/>
+          <ac:spMkLst>
+            <pc:docMk/>
+            <pc:sldMk cId="2543678377" sldId="531"/>
+            <ac:spMk id="24582" creationId="{00000000-0000-0000-0000-000000000000}"/>
+          </ac:spMkLst>
+        </pc:spChg>
+      </pc:sldChg>
+      <pc:sldChg chg="delSp modSp">
+        <pc:chgData name="Zhao Jin" userId="cd05a825-544c-438a-9ba1-08e63db50b47" providerId="ADAL" clId="{A4A0FEF4-5388-4642-A424-D6144C2A9D07}" dt="2021-01-25T03:33:46.226" v="179"/>
+        <pc:sldMkLst>
+          <pc:docMk/>
+          <pc:sldMk cId="2025693378" sldId="532"/>
+        </pc:sldMkLst>
+        <pc:spChg chg="mod">
+          <ac:chgData name="Zhao Jin" userId="cd05a825-544c-438a-9ba1-08e63db50b47" providerId="ADAL" clId="{A4A0FEF4-5388-4642-A424-D6144C2A9D07}" dt="2021-01-25T03:33:46.226" v="179"/>
+          <ac:spMkLst>
+            <pc:docMk/>
+            <pc:sldMk cId="2025693378" sldId="532"/>
+            <ac:spMk id="43" creationId="{00000000-0000-0000-0000-000000000000}"/>
+          </ac:spMkLst>
+        </pc:spChg>
+        <pc:spChg chg="del">
+          <ac:chgData name="Zhao Jin" userId="cd05a825-544c-438a-9ba1-08e63db50b47" providerId="ADAL" clId="{A4A0FEF4-5388-4642-A424-D6144C2A9D07}" dt="2021-01-25T03:33:20.558" v="177" actId="478"/>
+          <ac:spMkLst>
+            <pc:docMk/>
+            <pc:sldMk cId="2025693378" sldId="532"/>
+            <ac:spMk id="24582" creationId="{00000000-0000-0000-0000-000000000000}"/>
+          </ac:spMkLst>
+        </pc:spChg>
+      </pc:sldChg>
+      <pc:sldChg chg="delSp modSp">
+        <pc:chgData name="Zhao Jin" userId="cd05a825-544c-438a-9ba1-08e63db50b47" providerId="ADAL" clId="{A4A0FEF4-5388-4642-A424-D6144C2A9D07}" dt="2021-01-25T03:36:13.902" v="213" actId="403"/>
+        <pc:sldMkLst>
+          <pc:docMk/>
+          <pc:sldMk cId="266706937" sldId="533"/>
+        </pc:sldMkLst>
+        <pc:spChg chg="mod">
+          <ac:chgData name="Zhao Jin" userId="cd05a825-544c-438a-9ba1-08e63db50b47" providerId="ADAL" clId="{A4A0FEF4-5388-4642-A424-D6144C2A9D07}" dt="2021-01-25T03:36:09.661" v="211" actId="1036"/>
+          <ac:spMkLst>
+            <pc:docMk/>
+            <pc:sldMk cId="266706937" sldId="533"/>
+            <ac:spMk id="2" creationId="{00000000-0000-0000-0000-000000000000}"/>
+          </ac:spMkLst>
+        </pc:spChg>
+        <pc:spChg chg="mod">
+          <ac:chgData name="Zhao Jin" userId="cd05a825-544c-438a-9ba1-08e63db50b47" providerId="ADAL" clId="{A4A0FEF4-5388-4642-A424-D6144C2A9D07}" dt="2021-01-25T03:36:09.661" v="211" actId="1036"/>
+          <ac:spMkLst>
+            <pc:docMk/>
+            <pc:sldMk cId="266706937" sldId="533"/>
+            <ac:spMk id="9" creationId="{00000000-0000-0000-0000-000000000000}"/>
+          </ac:spMkLst>
+        </pc:spChg>
+        <pc:spChg chg="mod">
+          <ac:chgData name="Zhao Jin" userId="cd05a825-544c-438a-9ba1-08e63db50b47" providerId="ADAL" clId="{A4A0FEF4-5388-4642-A424-D6144C2A9D07}" dt="2021-01-25T03:36:09.661" v="211" actId="1036"/>
+          <ac:spMkLst>
+            <pc:docMk/>
+            <pc:sldMk cId="266706937" sldId="533"/>
+            <ac:spMk id="10" creationId="{00000000-0000-0000-0000-000000000000}"/>
+          </ac:spMkLst>
+        </pc:spChg>
+        <pc:spChg chg="mod">
+          <ac:chgData name="Zhao Jin" userId="cd05a825-544c-438a-9ba1-08e63db50b47" providerId="ADAL" clId="{A4A0FEF4-5388-4642-A424-D6144C2A9D07}" dt="2021-01-25T03:36:09.661" v="211" actId="1036"/>
+          <ac:spMkLst>
+            <pc:docMk/>
+            <pc:sldMk cId="266706937" sldId="533"/>
+            <ac:spMk id="13" creationId="{00000000-0000-0000-0000-000000000000}"/>
+          </ac:spMkLst>
+        </pc:spChg>
+        <pc:spChg chg="mod">
+          <ac:chgData name="Zhao Jin" userId="cd05a825-544c-438a-9ba1-08e63db50b47" providerId="ADAL" clId="{A4A0FEF4-5388-4642-A424-D6144C2A9D07}" dt="2021-01-25T03:36:09.661" v="211" actId="1036"/>
+          <ac:spMkLst>
+            <pc:docMk/>
+            <pc:sldMk cId="266706937" sldId="533"/>
+            <ac:spMk id="14" creationId="{00000000-0000-0000-0000-000000000000}"/>
+          </ac:spMkLst>
+        </pc:spChg>
+        <pc:spChg chg="mod">
+          <ac:chgData name="Zhao Jin" userId="cd05a825-544c-438a-9ba1-08e63db50b47" providerId="ADAL" clId="{A4A0FEF4-5388-4642-A424-D6144C2A9D07}" dt="2021-01-25T03:36:13.902" v="213" actId="403"/>
+          <ac:spMkLst>
+            <pc:docMk/>
+            <pc:sldMk cId="266706937" sldId="533"/>
+            <ac:spMk id="15" creationId="{00000000-0000-0000-0000-000000000000}"/>
+          </ac:spMkLst>
+        </pc:spChg>
+        <pc:spChg chg="mod">
+          <ac:chgData name="Zhao Jin" userId="cd05a825-544c-438a-9ba1-08e63db50b47" providerId="ADAL" clId="{A4A0FEF4-5388-4642-A424-D6144C2A9D07}" dt="2021-01-25T03:36:09.661" v="211" actId="1036"/>
+          <ac:spMkLst>
+            <pc:docMk/>
+            <pc:sldMk cId="266706937" sldId="533"/>
+            <ac:spMk id="16" creationId="{00000000-0000-0000-0000-000000000000}"/>
+          </ac:spMkLst>
+        </pc:spChg>
+        <pc:spChg chg="mod">
+          <ac:chgData name="Zhao Jin" userId="cd05a825-544c-438a-9ba1-08e63db50b47" providerId="ADAL" clId="{A4A0FEF4-5388-4642-A424-D6144C2A9D07}" dt="2021-01-25T03:33:46.226" v="179"/>
+          <ac:spMkLst>
+            <pc:docMk/>
+            <pc:sldMk cId="266706937" sldId="533"/>
+            <ac:spMk id="43" creationId="{00000000-0000-0000-0000-000000000000}"/>
+          </ac:spMkLst>
+        </pc:spChg>
+        <pc:spChg chg="del">
+          <ac:chgData name="Zhao Jin" userId="cd05a825-544c-438a-9ba1-08e63db50b47" providerId="ADAL" clId="{A4A0FEF4-5388-4642-A424-D6144C2A9D07}" dt="2021-01-25T03:33:11.850" v="174" actId="478"/>
+          <ac:spMkLst>
+            <pc:docMk/>
+            <pc:sldMk cId="266706937" sldId="533"/>
+            <ac:spMk id="24582" creationId="{00000000-0000-0000-0000-000000000000}"/>
+          </ac:spMkLst>
+        </pc:spChg>
+        <pc:picChg chg="mod">
+          <ac:chgData name="Zhao Jin" userId="cd05a825-544c-438a-9ba1-08e63db50b47" providerId="ADAL" clId="{A4A0FEF4-5388-4642-A424-D6144C2A9D07}" dt="2021-01-25T03:36:09.661" v="211" actId="1036"/>
+          <ac:picMkLst>
+            <pc:docMk/>
+            <pc:sldMk cId="266706937" sldId="533"/>
+            <ac:picMk id="7" creationId="{00000000-0000-0000-0000-000000000000}"/>
+          </ac:picMkLst>
+        </pc:picChg>
+      </pc:sldChg>
+      <pc:sldChg chg="addSp delSp modSp">
+        <pc:chgData name="Zhao Jin" userId="cd05a825-544c-438a-9ba1-08e63db50b47" providerId="ADAL" clId="{A4A0FEF4-5388-4642-A424-D6144C2A9D07}" dt="2021-01-25T03:36:28.487" v="214" actId="20577"/>
+        <pc:sldMkLst>
+          <pc:docMk/>
+          <pc:sldMk cId="3198948174" sldId="535"/>
+        </pc:sldMkLst>
+        <pc:spChg chg="add mod">
+          <ac:chgData name="Zhao Jin" userId="cd05a825-544c-438a-9ba1-08e63db50b47" providerId="ADAL" clId="{A4A0FEF4-5388-4642-A424-D6144C2A9D07}" dt="2021-01-25T03:31:40.243" v="165" actId="207"/>
+          <ac:spMkLst>
+            <pc:docMk/>
+            <pc:sldMk cId="3198948174" sldId="535"/>
+            <ac:spMk id="2" creationId="{E3422448-94B2-0F4B-AAE6-2DF38C94C92F}"/>
+          </ac:spMkLst>
+        </pc:spChg>
+        <pc:spChg chg="mod">
+          <ac:chgData name="Zhao Jin" userId="cd05a825-544c-438a-9ba1-08e63db50b47" providerId="ADAL" clId="{A4A0FEF4-5388-4642-A424-D6144C2A9D07}" dt="2021-01-25T03:36:28.487" v="214" actId="20577"/>
+          <ac:spMkLst>
+            <pc:docMk/>
+            <pc:sldMk cId="3198948174" sldId="535"/>
+            <ac:spMk id="15" creationId="{00000000-0000-0000-0000-000000000000}"/>
+          </ac:spMkLst>
+        </pc:spChg>
+        <pc:spChg chg="mod">
+          <ac:chgData name="Zhao Jin" userId="cd05a825-544c-438a-9ba1-08e63db50b47" providerId="ADAL" clId="{A4A0FEF4-5388-4642-A424-D6144C2A9D07}" dt="2021-01-25T03:33:46.226" v="179"/>
+          <ac:spMkLst>
+            <pc:docMk/>
+            <pc:sldMk cId="3198948174" sldId="535"/>
+            <ac:spMk id="43" creationId="{00000000-0000-0000-0000-000000000000}"/>
+          </ac:spMkLst>
+        </pc:spChg>
+        <pc:spChg chg="del mod">
+          <ac:chgData name="Zhao Jin" userId="cd05a825-544c-438a-9ba1-08e63db50b47" providerId="ADAL" clId="{A4A0FEF4-5388-4642-A424-D6144C2A9D07}" dt="2021-01-25T03:33:15.399" v="176" actId="478"/>
+          <ac:spMkLst>
+            <pc:docMk/>
+            <pc:sldMk cId="3198948174" sldId="535"/>
+            <ac:spMk id="24582" creationId="{00000000-0000-0000-0000-000000000000}"/>
           </ac:spMkLst>
         </pc:spChg>
       </pc:sldChg>
@@ -398,6 +2656,371 @@
             <pc:docMk/>
             <pc:sldMk cId="2419983458" sldId="595"/>
             <ac:spMk id="7" creationId="{00000000-0000-0000-0000-000000000000}"/>
+          </ac:spMkLst>
+        </pc:spChg>
+      </pc:sldChg>
+    </pc:docChg>
+  </pc:docChgLst>
+  <pc:docChgLst>
+    <pc:chgData name="Zhao Jin" userId="cd05a825-544c-438a-9ba1-08e63db50b47" providerId="ADAL" clId="{867F3690-C100-40EE-A937-14612E9F3314}"/>
+    <pc:docChg chg="undo custSel addSld delSld modSld">
+      <pc:chgData name="Zhao Jin" userId="cd05a825-544c-438a-9ba1-08e63db50b47" providerId="ADAL" clId="{867F3690-C100-40EE-A937-14612E9F3314}" dt="2021-02-15T05:07:12.447" v="312" actId="1076"/>
+      <pc:docMkLst>
+        <pc:docMk/>
+      </pc:docMkLst>
+      <pc:sldChg chg="modSp mod">
+        <pc:chgData name="Zhao Jin" userId="cd05a825-544c-438a-9ba1-08e63db50b47" providerId="ADAL" clId="{867F3690-C100-40EE-A937-14612E9F3314}" dt="2021-02-10T03:53:02.282" v="0" actId="20577"/>
+        <pc:sldMkLst>
+          <pc:docMk/>
+          <pc:sldMk cId="0" sldId="256"/>
+        </pc:sldMkLst>
+        <pc:spChg chg="mod">
+          <ac:chgData name="Zhao Jin" userId="cd05a825-544c-438a-9ba1-08e63db50b47" providerId="ADAL" clId="{867F3690-C100-40EE-A937-14612E9F3314}" dt="2021-02-10T03:53:02.282" v="0" actId="20577"/>
+          <ac:spMkLst>
+            <pc:docMk/>
+            <pc:sldMk cId="0" sldId="256"/>
+            <ac:spMk id="8" creationId="{00000000-0000-0000-0000-000000000000}"/>
+          </ac:spMkLst>
+        </pc:spChg>
+      </pc:sldChg>
+      <pc:sldChg chg="modSp del">
+        <pc:chgData name="Zhao Jin" userId="cd05a825-544c-438a-9ba1-08e63db50b47" providerId="ADAL" clId="{867F3690-C100-40EE-A937-14612E9F3314}" dt="2021-02-11T11:12:55.303" v="2" actId="47"/>
+        <pc:sldMkLst>
+          <pc:docMk/>
+          <pc:sldMk cId="2775173622" sldId="524"/>
+        </pc:sldMkLst>
+        <pc:spChg chg="mod">
+          <ac:chgData name="Zhao Jin" userId="cd05a825-544c-438a-9ba1-08e63db50b47" providerId="ADAL" clId="{867F3690-C100-40EE-A937-14612E9F3314}" dt="2021-02-10T03:53:20.900" v="1"/>
+          <ac:spMkLst>
+            <pc:docMk/>
+            <pc:sldMk cId="2775173622" sldId="524"/>
+            <ac:spMk id="9" creationId="{00000000-0000-0000-0000-000000000000}"/>
+          </ac:spMkLst>
+        </pc:spChg>
+      </pc:sldChg>
+      <pc:sldChg chg="modSp mod">
+        <pc:chgData name="Zhao Jin" userId="cd05a825-544c-438a-9ba1-08e63db50b47" providerId="ADAL" clId="{867F3690-C100-40EE-A937-14612E9F3314}" dt="2021-02-11T11:16:16.653" v="199" actId="207"/>
+        <pc:sldMkLst>
+          <pc:docMk/>
+          <pc:sldMk cId="4078418712" sldId="525"/>
+        </pc:sldMkLst>
+        <pc:spChg chg="mod">
+          <ac:chgData name="Zhao Jin" userId="cd05a825-544c-438a-9ba1-08e63db50b47" providerId="ADAL" clId="{867F3690-C100-40EE-A937-14612E9F3314}" dt="2021-02-11T11:16:16.653" v="199" actId="207"/>
+          <ac:spMkLst>
+            <pc:docMk/>
+            <pc:sldMk cId="4078418712" sldId="525"/>
+            <ac:spMk id="8" creationId="{00000000-0000-0000-0000-000000000000}"/>
+          </ac:spMkLst>
+        </pc:spChg>
+        <pc:spChg chg="mod">
+          <ac:chgData name="Zhao Jin" userId="cd05a825-544c-438a-9ba1-08e63db50b47" providerId="ADAL" clId="{867F3690-C100-40EE-A937-14612E9F3314}" dt="2021-02-10T03:53:20.900" v="1"/>
+          <ac:spMkLst>
+            <pc:docMk/>
+            <pc:sldMk cId="4078418712" sldId="525"/>
+            <ac:spMk id="43" creationId="{00000000-0000-0000-0000-000000000000}"/>
+          </ac:spMkLst>
+        </pc:spChg>
+      </pc:sldChg>
+      <pc:sldChg chg="modSp del">
+        <pc:chgData name="Zhao Jin" userId="cd05a825-544c-438a-9ba1-08e63db50b47" providerId="ADAL" clId="{867F3690-C100-40EE-A937-14612E9F3314}" dt="2021-02-11T11:12:55.303" v="2" actId="47"/>
+        <pc:sldMkLst>
+          <pc:docMk/>
+          <pc:sldMk cId="2882118053" sldId="552"/>
+        </pc:sldMkLst>
+        <pc:spChg chg="mod">
+          <ac:chgData name="Zhao Jin" userId="cd05a825-544c-438a-9ba1-08e63db50b47" providerId="ADAL" clId="{867F3690-C100-40EE-A937-14612E9F3314}" dt="2021-02-10T03:53:20.900" v="1"/>
+          <ac:spMkLst>
+            <pc:docMk/>
+            <pc:sldMk cId="2882118053" sldId="552"/>
+            <ac:spMk id="7" creationId="{00000000-0000-0000-0000-000000000000}"/>
+          </ac:spMkLst>
+        </pc:spChg>
+      </pc:sldChg>
+      <pc:sldChg chg="modSp add mod">
+        <pc:chgData name="Zhao Jin" userId="cd05a825-544c-438a-9ba1-08e63db50b47" providerId="ADAL" clId="{867F3690-C100-40EE-A937-14612E9F3314}" dt="2021-02-15T04:57:13.323" v="201"/>
+        <pc:sldMkLst>
+          <pc:docMk/>
+          <pc:sldMk cId="1427618944" sldId="553"/>
+        </pc:sldMkLst>
+        <pc:spChg chg="mod">
+          <ac:chgData name="Zhao Jin" userId="cd05a825-544c-438a-9ba1-08e63db50b47" providerId="ADAL" clId="{867F3690-C100-40EE-A937-14612E9F3314}" dt="2021-02-15T04:57:13.323" v="201"/>
+          <ac:spMkLst>
+            <pc:docMk/>
+            <pc:sldMk cId="1427618944" sldId="553"/>
+            <ac:spMk id="7" creationId="{00000000-0000-0000-0000-000000000000}"/>
+          </ac:spMkLst>
+        </pc:spChg>
+      </pc:sldChg>
+      <pc:sldChg chg="modSp del">
+        <pc:chgData name="Zhao Jin" userId="cd05a825-544c-438a-9ba1-08e63db50b47" providerId="ADAL" clId="{867F3690-C100-40EE-A937-14612E9F3314}" dt="2021-02-11T11:12:55.303" v="2" actId="47"/>
+        <pc:sldMkLst>
+          <pc:docMk/>
+          <pc:sldMk cId="2082920116" sldId="553"/>
+        </pc:sldMkLst>
+        <pc:spChg chg="mod">
+          <ac:chgData name="Zhao Jin" userId="cd05a825-544c-438a-9ba1-08e63db50b47" providerId="ADAL" clId="{867F3690-C100-40EE-A937-14612E9F3314}" dt="2021-02-10T03:53:20.900" v="1"/>
+          <ac:spMkLst>
+            <pc:docMk/>
+            <pc:sldMk cId="2082920116" sldId="553"/>
+            <ac:spMk id="7" creationId="{00000000-0000-0000-0000-000000000000}"/>
+          </ac:spMkLst>
+        </pc:spChg>
+      </pc:sldChg>
+      <pc:sldChg chg="modSp del">
+        <pc:chgData name="Zhao Jin" userId="cd05a825-544c-438a-9ba1-08e63db50b47" providerId="ADAL" clId="{867F3690-C100-40EE-A937-14612E9F3314}" dt="2021-02-11T11:12:55.303" v="2" actId="47"/>
+        <pc:sldMkLst>
+          <pc:docMk/>
+          <pc:sldMk cId="1659983766" sldId="554"/>
+        </pc:sldMkLst>
+        <pc:spChg chg="mod">
+          <ac:chgData name="Zhao Jin" userId="cd05a825-544c-438a-9ba1-08e63db50b47" providerId="ADAL" clId="{867F3690-C100-40EE-A937-14612E9F3314}" dt="2021-02-10T03:53:20.900" v="1"/>
+          <ac:spMkLst>
+            <pc:docMk/>
+            <pc:sldMk cId="1659983766" sldId="554"/>
+            <ac:spMk id="7" creationId="{00000000-0000-0000-0000-000000000000}"/>
+          </ac:spMkLst>
+        </pc:spChg>
+      </pc:sldChg>
+      <pc:sldChg chg="modSp del">
+        <pc:chgData name="Zhao Jin" userId="cd05a825-544c-438a-9ba1-08e63db50b47" providerId="ADAL" clId="{867F3690-C100-40EE-A937-14612E9F3314}" dt="2021-02-11T11:12:55.303" v="2" actId="47"/>
+        <pc:sldMkLst>
+          <pc:docMk/>
+          <pc:sldMk cId="686532275" sldId="558"/>
+        </pc:sldMkLst>
+        <pc:spChg chg="mod">
+          <ac:chgData name="Zhao Jin" userId="cd05a825-544c-438a-9ba1-08e63db50b47" providerId="ADAL" clId="{867F3690-C100-40EE-A937-14612E9F3314}" dt="2021-02-10T03:53:20.900" v="1"/>
+          <ac:spMkLst>
+            <pc:docMk/>
+            <pc:sldMk cId="686532275" sldId="558"/>
+            <ac:spMk id="7" creationId="{00000000-0000-0000-0000-000000000000}"/>
+          </ac:spMkLst>
+        </pc:spChg>
+      </pc:sldChg>
+      <pc:sldChg chg="modSp add del mod">
+        <pc:chgData name="Zhao Jin" userId="cd05a825-544c-438a-9ba1-08e63db50b47" providerId="ADAL" clId="{867F3690-C100-40EE-A937-14612E9F3314}" dt="2021-02-15T04:59:11.851" v="203" actId="207"/>
+        <pc:sldMkLst>
+          <pc:docMk/>
+          <pc:sldMk cId="1663851036" sldId="559"/>
+        </pc:sldMkLst>
+        <pc:spChg chg="mod">
+          <ac:chgData name="Zhao Jin" userId="cd05a825-544c-438a-9ba1-08e63db50b47" providerId="ADAL" clId="{867F3690-C100-40EE-A937-14612E9F3314}" dt="2021-02-11T11:15:11.855" v="41" actId="20577"/>
+          <ac:spMkLst>
+            <pc:docMk/>
+            <pc:sldMk cId="1663851036" sldId="559"/>
+            <ac:spMk id="7" creationId="{00000000-0000-0000-0000-000000000000}"/>
+          </ac:spMkLst>
+        </pc:spChg>
+        <pc:spChg chg="mod">
+          <ac:chgData name="Zhao Jin" userId="cd05a825-544c-438a-9ba1-08e63db50b47" providerId="ADAL" clId="{867F3690-C100-40EE-A937-14612E9F3314}" dt="2021-02-15T04:59:11.851" v="203" actId="207"/>
+          <ac:spMkLst>
+            <pc:docMk/>
+            <pc:sldMk cId="1663851036" sldId="559"/>
+            <ac:spMk id="16" creationId="{D2096CE0-F283-4186-90FF-7C54FF151885}"/>
+          </ac:spMkLst>
+        </pc:spChg>
+      </pc:sldChg>
+      <pc:sldChg chg="addSp delSp modSp add mod">
+        <pc:chgData name="Zhao Jin" userId="cd05a825-544c-438a-9ba1-08e63db50b47" providerId="ADAL" clId="{867F3690-C100-40EE-A937-14612E9F3314}" dt="2021-02-15T05:07:12.447" v="312" actId="1076"/>
+        <pc:sldMkLst>
+          <pc:docMk/>
+          <pc:sldMk cId="1971208294" sldId="560"/>
+        </pc:sldMkLst>
+        <pc:spChg chg="add del mod">
+          <ac:chgData name="Zhao Jin" userId="cd05a825-544c-438a-9ba1-08e63db50b47" providerId="ADAL" clId="{867F3690-C100-40EE-A937-14612E9F3314}" dt="2021-02-15T05:06:53.976" v="311"/>
+          <ac:spMkLst>
+            <pc:docMk/>
+            <pc:sldMk cId="1971208294" sldId="560"/>
+            <ac:spMk id="2" creationId="{E02B9526-DE6C-475A-8918-F3237759A071}"/>
+          </ac:spMkLst>
+        </pc:spChg>
+        <pc:spChg chg="mod">
+          <ac:chgData name="Zhao Jin" userId="cd05a825-544c-438a-9ba1-08e63db50b47" providerId="ADAL" clId="{867F3690-C100-40EE-A937-14612E9F3314}" dt="2021-02-11T11:15:15.706" v="42"/>
+          <ac:spMkLst>
+            <pc:docMk/>
+            <pc:sldMk cId="1971208294" sldId="560"/>
+            <ac:spMk id="7" creationId="{00000000-0000-0000-0000-000000000000}"/>
+          </ac:spMkLst>
+        </pc:spChg>
+        <pc:spChg chg="add mod">
+          <ac:chgData name="Zhao Jin" userId="cd05a825-544c-438a-9ba1-08e63db50b47" providerId="ADAL" clId="{867F3690-C100-40EE-A937-14612E9F3314}" dt="2021-02-15T05:07:12.447" v="312" actId="1076"/>
+          <ac:spMkLst>
+            <pc:docMk/>
+            <pc:sldMk cId="1971208294" sldId="560"/>
+            <ac:spMk id="9" creationId="{9D03A96E-4EDD-4A21-837D-84F7B91B2C3E}"/>
+          </ac:spMkLst>
+        </pc:spChg>
+        <pc:spChg chg="mod">
+          <ac:chgData name="Zhao Jin" userId="cd05a825-544c-438a-9ba1-08e63db50b47" providerId="ADAL" clId="{867F3690-C100-40EE-A937-14612E9F3314}" dt="2021-02-15T05:03:49.372" v="211" actId="20577"/>
+          <ac:spMkLst>
+            <pc:docMk/>
+            <pc:sldMk cId="1971208294" sldId="560"/>
+            <ac:spMk id="30" creationId="{C70A47A0-816F-405E-B986-DCD3BF78F602}"/>
+          </ac:spMkLst>
+        </pc:spChg>
+      </pc:sldChg>
+      <pc:sldChg chg="modSp del">
+        <pc:chgData name="Zhao Jin" userId="cd05a825-544c-438a-9ba1-08e63db50b47" providerId="ADAL" clId="{867F3690-C100-40EE-A937-14612E9F3314}" dt="2021-02-11T11:12:55.303" v="2" actId="47"/>
+        <pc:sldMkLst>
+          <pc:docMk/>
+          <pc:sldMk cId="1986771488" sldId="561"/>
+        </pc:sldMkLst>
+        <pc:spChg chg="mod">
+          <ac:chgData name="Zhao Jin" userId="cd05a825-544c-438a-9ba1-08e63db50b47" providerId="ADAL" clId="{867F3690-C100-40EE-A937-14612E9F3314}" dt="2021-02-10T03:53:20.900" v="1"/>
+          <ac:spMkLst>
+            <pc:docMk/>
+            <pc:sldMk cId="1986771488" sldId="561"/>
+            <ac:spMk id="7" creationId="{00000000-0000-0000-0000-000000000000}"/>
+          </ac:spMkLst>
+        </pc:spChg>
+      </pc:sldChg>
+      <pc:sldChg chg="modSp add mod">
+        <pc:chgData name="Zhao Jin" userId="cd05a825-544c-438a-9ba1-08e63db50b47" providerId="ADAL" clId="{867F3690-C100-40EE-A937-14612E9F3314}" dt="2021-02-11T11:14:08.750" v="27" actId="20577"/>
+        <pc:sldMkLst>
+          <pc:docMk/>
+          <pc:sldMk cId="894186310" sldId="564"/>
+        </pc:sldMkLst>
+        <pc:spChg chg="mod">
+          <ac:chgData name="Zhao Jin" userId="cd05a825-544c-438a-9ba1-08e63db50b47" providerId="ADAL" clId="{867F3690-C100-40EE-A937-14612E9F3314}" dt="2021-02-11T11:14:08.750" v="27" actId="20577"/>
+          <ac:spMkLst>
+            <pc:docMk/>
+            <pc:sldMk cId="894186310" sldId="564"/>
+            <ac:spMk id="7" creationId="{00000000-0000-0000-0000-000000000000}"/>
+          </ac:spMkLst>
+        </pc:spChg>
+      </pc:sldChg>
+      <pc:sldChg chg="modSp del">
+        <pc:chgData name="Zhao Jin" userId="cd05a825-544c-438a-9ba1-08e63db50b47" providerId="ADAL" clId="{867F3690-C100-40EE-A937-14612E9F3314}" dt="2021-02-11T11:12:55.303" v="2" actId="47"/>
+        <pc:sldMkLst>
+          <pc:docMk/>
+          <pc:sldMk cId="1276365520" sldId="564"/>
+        </pc:sldMkLst>
+        <pc:spChg chg="mod">
+          <ac:chgData name="Zhao Jin" userId="cd05a825-544c-438a-9ba1-08e63db50b47" providerId="ADAL" clId="{867F3690-C100-40EE-A937-14612E9F3314}" dt="2021-02-10T03:53:20.900" v="1"/>
+          <ac:spMkLst>
+            <pc:docMk/>
+            <pc:sldMk cId="1276365520" sldId="564"/>
+            <ac:spMk id="7" creationId="{00000000-0000-0000-0000-000000000000}"/>
+          </ac:spMkLst>
+        </pc:spChg>
+      </pc:sldChg>
+      <pc:sldChg chg="modSp del">
+        <pc:chgData name="Zhao Jin" userId="cd05a825-544c-438a-9ba1-08e63db50b47" providerId="ADAL" clId="{867F3690-C100-40EE-A937-14612E9F3314}" dt="2021-02-11T11:12:55.303" v="2" actId="47"/>
+        <pc:sldMkLst>
+          <pc:docMk/>
+          <pc:sldMk cId="827193018" sldId="565"/>
+        </pc:sldMkLst>
+        <pc:spChg chg="mod">
+          <ac:chgData name="Zhao Jin" userId="cd05a825-544c-438a-9ba1-08e63db50b47" providerId="ADAL" clId="{867F3690-C100-40EE-A937-14612E9F3314}" dt="2021-02-10T03:53:20.900" v="1"/>
+          <ac:spMkLst>
+            <pc:docMk/>
+            <pc:sldMk cId="827193018" sldId="565"/>
+            <ac:spMk id="7" creationId="{00000000-0000-0000-0000-000000000000}"/>
+          </ac:spMkLst>
+        </pc:spChg>
+      </pc:sldChg>
+      <pc:sldChg chg="modSp del">
+        <pc:chgData name="Zhao Jin" userId="cd05a825-544c-438a-9ba1-08e63db50b47" providerId="ADAL" clId="{867F3690-C100-40EE-A937-14612E9F3314}" dt="2021-02-11T11:12:55.303" v="2" actId="47"/>
+        <pc:sldMkLst>
+          <pc:docMk/>
+          <pc:sldMk cId="3959984611" sldId="566"/>
+        </pc:sldMkLst>
+        <pc:spChg chg="mod">
+          <ac:chgData name="Zhao Jin" userId="cd05a825-544c-438a-9ba1-08e63db50b47" providerId="ADAL" clId="{867F3690-C100-40EE-A937-14612E9F3314}" dt="2021-02-10T03:53:20.900" v="1"/>
+          <ac:spMkLst>
+            <pc:docMk/>
+            <pc:sldMk cId="3959984611" sldId="566"/>
+            <ac:spMk id="7" creationId="{00000000-0000-0000-0000-000000000000}"/>
+          </ac:spMkLst>
+        </pc:spChg>
+      </pc:sldChg>
+      <pc:sldChg chg="modSp del">
+        <pc:chgData name="Zhao Jin" userId="cd05a825-544c-438a-9ba1-08e63db50b47" providerId="ADAL" clId="{867F3690-C100-40EE-A937-14612E9F3314}" dt="2021-02-11T11:12:55.303" v="2" actId="47"/>
+        <pc:sldMkLst>
+          <pc:docMk/>
+          <pc:sldMk cId="2879329457" sldId="568"/>
+        </pc:sldMkLst>
+        <pc:spChg chg="mod">
+          <ac:chgData name="Zhao Jin" userId="cd05a825-544c-438a-9ba1-08e63db50b47" providerId="ADAL" clId="{867F3690-C100-40EE-A937-14612E9F3314}" dt="2021-02-10T03:53:20.900" v="1"/>
+          <ac:spMkLst>
+            <pc:docMk/>
+            <pc:sldMk cId="2879329457" sldId="568"/>
+            <ac:spMk id="9" creationId="{00000000-0000-0000-0000-000000000000}"/>
+          </ac:spMkLst>
+        </pc:spChg>
+      </pc:sldChg>
+      <pc:sldChg chg="modSp del">
+        <pc:chgData name="Zhao Jin" userId="cd05a825-544c-438a-9ba1-08e63db50b47" providerId="ADAL" clId="{867F3690-C100-40EE-A937-14612E9F3314}" dt="2021-02-11T11:12:55.303" v="2" actId="47"/>
+        <pc:sldMkLst>
+          <pc:docMk/>
+          <pc:sldMk cId="4240540711" sldId="569"/>
+        </pc:sldMkLst>
+        <pc:spChg chg="mod">
+          <ac:chgData name="Zhao Jin" userId="cd05a825-544c-438a-9ba1-08e63db50b47" providerId="ADAL" clId="{867F3690-C100-40EE-A937-14612E9F3314}" dt="2021-02-10T03:53:20.900" v="1"/>
+          <ac:spMkLst>
+            <pc:docMk/>
+            <pc:sldMk cId="4240540711" sldId="569"/>
+            <ac:spMk id="7" creationId="{00000000-0000-0000-0000-000000000000}"/>
+          </ac:spMkLst>
+        </pc:spChg>
+      </pc:sldChg>
+      <pc:sldChg chg="delSp modSp add mod delAnim">
+        <pc:chgData name="Zhao Jin" userId="cd05a825-544c-438a-9ba1-08e63db50b47" providerId="ADAL" clId="{867F3690-C100-40EE-A937-14612E9F3314}" dt="2021-02-15T04:58:14.889" v="202" actId="478"/>
+        <pc:sldMkLst>
+          <pc:docMk/>
+          <pc:sldMk cId="4156536479" sldId="590"/>
+        </pc:sldMkLst>
+        <pc:spChg chg="mod">
+          <ac:chgData name="Zhao Jin" userId="cd05a825-544c-438a-9ba1-08e63db50b47" providerId="ADAL" clId="{867F3690-C100-40EE-A937-14612E9F3314}" dt="2021-02-11T11:13:32.173" v="10" actId="20577"/>
+          <ac:spMkLst>
+            <pc:docMk/>
+            <pc:sldMk cId="4156536479" sldId="590"/>
+            <ac:spMk id="7" creationId="{00000000-0000-0000-0000-000000000000}"/>
+          </ac:spMkLst>
+        </pc:spChg>
+        <pc:spChg chg="del">
+          <ac:chgData name="Zhao Jin" userId="cd05a825-544c-438a-9ba1-08e63db50b47" providerId="ADAL" clId="{867F3690-C100-40EE-A937-14612E9F3314}" dt="2021-02-15T04:58:14.889" v="202" actId="478"/>
+          <ac:spMkLst>
+            <pc:docMk/>
+            <pc:sldMk cId="4156536479" sldId="590"/>
+            <ac:spMk id="34" creationId="{1DA4B870-5E05-4566-A46F-B6A051179C55}"/>
+          </ac:spMkLst>
+        </pc:spChg>
+      </pc:sldChg>
+      <pc:sldChg chg="modSp add mod">
+        <pc:chgData name="Zhao Jin" userId="cd05a825-544c-438a-9ba1-08e63db50b47" providerId="ADAL" clId="{867F3690-C100-40EE-A937-14612E9F3314}" dt="2021-02-11T11:13:35.741" v="11"/>
+        <pc:sldMkLst>
+          <pc:docMk/>
+          <pc:sldMk cId="2217225800" sldId="594"/>
+        </pc:sldMkLst>
+        <pc:spChg chg="mod">
+          <ac:chgData name="Zhao Jin" userId="cd05a825-544c-438a-9ba1-08e63db50b47" providerId="ADAL" clId="{867F3690-C100-40EE-A937-14612E9F3314}" dt="2021-02-11T11:13:35.741" v="11"/>
+          <ac:spMkLst>
+            <pc:docMk/>
+            <pc:sldMk cId="2217225800" sldId="594"/>
+            <ac:spMk id="7" creationId="{00000000-0000-0000-0000-000000000000}"/>
+          </ac:spMkLst>
+        </pc:spChg>
+      </pc:sldChg>
+      <pc:sldChg chg="delSp modSp add mod">
+        <pc:chgData name="Zhao Jin" userId="cd05a825-544c-438a-9ba1-08e63db50b47" providerId="ADAL" clId="{867F3690-C100-40EE-A937-14612E9F3314}" dt="2021-02-11T11:13:40.184" v="13" actId="478"/>
+        <pc:sldMkLst>
+          <pc:docMk/>
+          <pc:sldMk cId="2419983458" sldId="595"/>
+        </pc:sldMkLst>
+        <pc:spChg chg="mod">
+          <ac:chgData name="Zhao Jin" userId="cd05a825-544c-438a-9ba1-08e63db50b47" providerId="ADAL" clId="{867F3690-C100-40EE-A937-14612E9F3314}" dt="2021-02-11T11:13:37.679" v="12"/>
+          <ac:spMkLst>
+            <pc:docMk/>
+            <pc:sldMk cId="2419983458" sldId="595"/>
+            <ac:spMk id="7" creationId="{00000000-0000-0000-0000-000000000000}"/>
+          </ac:spMkLst>
+        </pc:spChg>
+        <pc:spChg chg="del">
+          <ac:chgData name="Zhao Jin" userId="cd05a825-544c-438a-9ba1-08e63db50b47" providerId="ADAL" clId="{867F3690-C100-40EE-A937-14612E9F3314}" dt="2021-02-11T11:13:40.184" v="13" actId="478"/>
+          <ac:spMkLst>
+            <pc:docMk/>
+            <pc:sldMk cId="2419983458" sldId="595"/>
+            <ac:spMk id="9" creationId="{02DD4937-725F-46B8-8AE4-992DF5A782AD}"/>
           </ac:spMkLst>
         </pc:spChg>
       </pc:sldChg>
@@ -773,2613 +3396,6 @@
           </ac:spMkLst>
         </pc:spChg>
       </pc:sldChg>
-    </pc:docChg>
-  </pc:docChgLst>
-  <pc:docChgLst>
-    <pc:chgData name="Zhao Jin" userId="cd05a825-544c-438a-9ba1-08e63db50b47" providerId="ADAL" clId="{A4A0FEF4-5388-4642-A424-D6144C2A9D07}"/>
-    <pc:docChg chg="undo custSel modSld">
-      <pc:chgData name="Zhao Jin" userId="cd05a825-544c-438a-9ba1-08e63db50b47" providerId="ADAL" clId="{A4A0FEF4-5388-4642-A424-D6144C2A9D07}" dt="2021-01-25T03:36:28.487" v="214" actId="20577"/>
-      <pc:docMkLst>
-        <pc:docMk/>
-      </pc:docMkLst>
-      <pc:sldChg chg="delSp modSp">
-        <pc:chgData name="Zhao Jin" userId="cd05a825-544c-438a-9ba1-08e63db50b47" providerId="ADAL" clId="{A4A0FEF4-5388-4642-A424-D6144C2A9D07}" dt="2021-01-25T03:33:46.226" v="179"/>
-        <pc:sldMkLst>
-          <pc:docMk/>
-          <pc:sldMk cId="2543678377" sldId="531"/>
-        </pc:sldMkLst>
-        <pc:spChg chg="mod">
-          <ac:chgData name="Zhao Jin" userId="cd05a825-544c-438a-9ba1-08e63db50b47" providerId="ADAL" clId="{A4A0FEF4-5388-4642-A424-D6144C2A9D07}" dt="2021-01-25T03:30:31.833" v="157" actId="20577"/>
-          <ac:spMkLst>
-            <pc:docMk/>
-            <pc:sldMk cId="2543678377" sldId="531"/>
-            <ac:spMk id="10" creationId="{00000000-0000-0000-0000-000000000000}"/>
-          </ac:spMkLst>
-        </pc:spChg>
-        <pc:spChg chg="mod">
-          <ac:chgData name="Zhao Jin" userId="cd05a825-544c-438a-9ba1-08e63db50b47" providerId="ADAL" clId="{A4A0FEF4-5388-4642-A424-D6144C2A9D07}" dt="2021-01-25T03:33:46.226" v="179"/>
-          <ac:spMkLst>
-            <pc:docMk/>
-            <pc:sldMk cId="2543678377" sldId="531"/>
-            <ac:spMk id="43" creationId="{00000000-0000-0000-0000-000000000000}"/>
-          </ac:spMkLst>
-        </pc:spChg>
-        <pc:spChg chg="del">
-          <ac:chgData name="Zhao Jin" userId="cd05a825-544c-438a-9ba1-08e63db50b47" providerId="ADAL" clId="{A4A0FEF4-5388-4642-A424-D6144C2A9D07}" dt="2021-01-25T03:33:24.782" v="178" actId="478"/>
-          <ac:spMkLst>
-            <pc:docMk/>
-            <pc:sldMk cId="2543678377" sldId="531"/>
-            <ac:spMk id="24582" creationId="{00000000-0000-0000-0000-000000000000}"/>
-          </ac:spMkLst>
-        </pc:spChg>
-      </pc:sldChg>
-      <pc:sldChg chg="delSp modSp">
-        <pc:chgData name="Zhao Jin" userId="cd05a825-544c-438a-9ba1-08e63db50b47" providerId="ADAL" clId="{A4A0FEF4-5388-4642-A424-D6144C2A9D07}" dt="2021-01-25T03:33:46.226" v="179"/>
-        <pc:sldMkLst>
-          <pc:docMk/>
-          <pc:sldMk cId="2025693378" sldId="532"/>
-        </pc:sldMkLst>
-        <pc:spChg chg="mod">
-          <ac:chgData name="Zhao Jin" userId="cd05a825-544c-438a-9ba1-08e63db50b47" providerId="ADAL" clId="{A4A0FEF4-5388-4642-A424-D6144C2A9D07}" dt="2021-01-25T03:33:46.226" v="179"/>
-          <ac:spMkLst>
-            <pc:docMk/>
-            <pc:sldMk cId="2025693378" sldId="532"/>
-            <ac:spMk id="43" creationId="{00000000-0000-0000-0000-000000000000}"/>
-          </ac:spMkLst>
-        </pc:spChg>
-        <pc:spChg chg="del">
-          <ac:chgData name="Zhao Jin" userId="cd05a825-544c-438a-9ba1-08e63db50b47" providerId="ADAL" clId="{A4A0FEF4-5388-4642-A424-D6144C2A9D07}" dt="2021-01-25T03:33:20.558" v="177" actId="478"/>
-          <ac:spMkLst>
-            <pc:docMk/>
-            <pc:sldMk cId="2025693378" sldId="532"/>
-            <ac:spMk id="24582" creationId="{00000000-0000-0000-0000-000000000000}"/>
-          </ac:spMkLst>
-        </pc:spChg>
-      </pc:sldChg>
-      <pc:sldChg chg="delSp modSp">
-        <pc:chgData name="Zhao Jin" userId="cd05a825-544c-438a-9ba1-08e63db50b47" providerId="ADAL" clId="{A4A0FEF4-5388-4642-A424-D6144C2A9D07}" dt="2021-01-25T03:36:13.902" v="213" actId="403"/>
-        <pc:sldMkLst>
-          <pc:docMk/>
-          <pc:sldMk cId="266706937" sldId="533"/>
-        </pc:sldMkLst>
-        <pc:spChg chg="mod">
-          <ac:chgData name="Zhao Jin" userId="cd05a825-544c-438a-9ba1-08e63db50b47" providerId="ADAL" clId="{A4A0FEF4-5388-4642-A424-D6144C2A9D07}" dt="2021-01-25T03:36:09.661" v="211" actId="1036"/>
-          <ac:spMkLst>
-            <pc:docMk/>
-            <pc:sldMk cId="266706937" sldId="533"/>
-            <ac:spMk id="2" creationId="{00000000-0000-0000-0000-000000000000}"/>
-          </ac:spMkLst>
-        </pc:spChg>
-        <pc:spChg chg="mod">
-          <ac:chgData name="Zhao Jin" userId="cd05a825-544c-438a-9ba1-08e63db50b47" providerId="ADAL" clId="{A4A0FEF4-5388-4642-A424-D6144C2A9D07}" dt="2021-01-25T03:36:09.661" v="211" actId="1036"/>
-          <ac:spMkLst>
-            <pc:docMk/>
-            <pc:sldMk cId="266706937" sldId="533"/>
-            <ac:spMk id="9" creationId="{00000000-0000-0000-0000-000000000000}"/>
-          </ac:spMkLst>
-        </pc:spChg>
-        <pc:spChg chg="mod">
-          <ac:chgData name="Zhao Jin" userId="cd05a825-544c-438a-9ba1-08e63db50b47" providerId="ADAL" clId="{A4A0FEF4-5388-4642-A424-D6144C2A9D07}" dt="2021-01-25T03:36:09.661" v="211" actId="1036"/>
-          <ac:spMkLst>
-            <pc:docMk/>
-            <pc:sldMk cId="266706937" sldId="533"/>
-            <ac:spMk id="10" creationId="{00000000-0000-0000-0000-000000000000}"/>
-          </ac:spMkLst>
-        </pc:spChg>
-        <pc:spChg chg="mod">
-          <ac:chgData name="Zhao Jin" userId="cd05a825-544c-438a-9ba1-08e63db50b47" providerId="ADAL" clId="{A4A0FEF4-5388-4642-A424-D6144C2A9D07}" dt="2021-01-25T03:36:09.661" v="211" actId="1036"/>
-          <ac:spMkLst>
-            <pc:docMk/>
-            <pc:sldMk cId="266706937" sldId="533"/>
-            <ac:spMk id="13" creationId="{00000000-0000-0000-0000-000000000000}"/>
-          </ac:spMkLst>
-        </pc:spChg>
-        <pc:spChg chg="mod">
-          <ac:chgData name="Zhao Jin" userId="cd05a825-544c-438a-9ba1-08e63db50b47" providerId="ADAL" clId="{A4A0FEF4-5388-4642-A424-D6144C2A9D07}" dt="2021-01-25T03:36:09.661" v="211" actId="1036"/>
-          <ac:spMkLst>
-            <pc:docMk/>
-            <pc:sldMk cId="266706937" sldId="533"/>
-            <ac:spMk id="14" creationId="{00000000-0000-0000-0000-000000000000}"/>
-          </ac:spMkLst>
-        </pc:spChg>
-        <pc:spChg chg="mod">
-          <ac:chgData name="Zhao Jin" userId="cd05a825-544c-438a-9ba1-08e63db50b47" providerId="ADAL" clId="{A4A0FEF4-5388-4642-A424-D6144C2A9D07}" dt="2021-01-25T03:36:13.902" v="213" actId="403"/>
-          <ac:spMkLst>
-            <pc:docMk/>
-            <pc:sldMk cId="266706937" sldId="533"/>
-            <ac:spMk id="15" creationId="{00000000-0000-0000-0000-000000000000}"/>
-          </ac:spMkLst>
-        </pc:spChg>
-        <pc:spChg chg="mod">
-          <ac:chgData name="Zhao Jin" userId="cd05a825-544c-438a-9ba1-08e63db50b47" providerId="ADAL" clId="{A4A0FEF4-5388-4642-A424-D6144C2A9D07}" dt="2021-01-25T03:36:09.661" v="211" actId="1036"/>
-          <ac:spMkLst>
-            <pc:docMk/>
-            <pc:sldMk cId="266706937" sldId="533"/>
-            <ac:spMk id="16" creationId="{00000000-0000-0000-0000-000000000000}"/>
-          </ac:spMkLst>
-        </pc:spChg>
-        <pc:spChg chg="mod">
-          <ac:chgData name="Zhao Jin" userId="cd05a825-544c-438a-9ba1-08e63db50b47" providerId="ADAL" clId="{A4A0FEF4-5388-4642-A424-D6144C2A9D07}" dt="2021-01-25T03:33:46.226" v="179"/>
-          <ac:spMkLst>
-            <pc:docMk/>
-            <pc:sldMk cId="266706937" sldId="533"/>
-            <ac:spMk id="43" creationId="{00000000-0000-0000-0000-000000000000}"/>
-          </ac:spMkLst>
-        </pc:spChg>
-        <pc:spChg chg="del">
-          <ac:chgData name="Zhao Jin" userId="cd05a825-544c-438a-9ba1-08e63db50b47" providerId="ADAL" clId="{A4A0FEF4-5388-4642-A424-D6144C2A9D07}" dt="2021-01-25T03:33:11.850" v="174" actId="478"/>
-          <ac:spMkLst>
-            <pc:docMk/>
-            <pc:sldMk cId="266706937" sldId="533"/>
-            <ac:spMk id="24582" creationId="{00000000-0000-0000-0000-000000000000}"/>
-          </ac:spMkLst>
-        </pc:spChg>
-        <pc:picChg chg="mod">
-          <ac:chgData name="Zhao Jin" userId="cd05a825-544c-438a-9ba1-08e63db50b47" providerId="ADAL" clId="{A4A0FEF4-5388-4642-A424-D6144C2A9D07}" dt="2021-01-25T03:36:09.661" v="211" actId="1036"/>
-          <ac:picMkLst>
-            <pc:docMk/>
-            <pc:sldMk cId="266706937" sldId="533"/>
-            <ac:picMk id="7" creationId="{00000000-0000-0000-0000-000000000000}"/>
-          </ac:picMkLst>
-        </pc:picChg>
-      </pc:sldChg>
-      <pc:sldChg chg="addSp delSp modSp">
-        <pc:chgData name="Zhao Jin" userId="cd05a825-544c-438a-9ba1-08e63db50b47" providerId="ADAL" clId="{A4A0FEF4-5388-4642-A424-D6144C2A9D07}" dt="2021-01-25T03:36:28.487" v="214" actId="20577"/>
-        <pc:sldMkLst>
-          <pc:docMk/>
-          <pc:sldMk cId="3198948174" sldId="535"/>
-        </pc:sldMkLst>
-        <pc:spChg chg="add mod">
-          <ac:chgData name="Zhao Jin" userId="cd05a825-544c-438a-9ba1-08e63db50b47" providerId="ADAL" clId="{A4A0FEF4-5388-4642-A424-D6144C2A9D07}" dt="2021-01-25T03:31:40.243" v="165" actId="207"/>
-          <ac:spMkLst>
-            <pc:docMk/>
-            <pc:sldMk cId="3198948174" sldId="535"/>
-            <ac:spMk id="2" creationId="{E3422448-94B2-0F4B-AAE6-2DF38C94C92F}"/>
-          </ac:spMkLst>
-        </pc:spChg>
-        <pc:spChg chg="mod">
-          <ac:chgData name="Zhao Jin" userId="cd05a825-544c-438a-9ba1-08e63db50b47" providerId="ADAL" clId="{A4A0FEF4-5388-4642-A424-D6144C2A9D07}" dt="2021-01-25T03:36:28.487" v="214" actId="20577"/>
-          <ac:spMkLst>
-            <pc:docMk/>
-            <pc:sldMk cId="3198948174" sldId="535"/>
-            <ac:spMk id="15" creationId="{00000000-0000-0000-0000-000000000000}"/>
-          </ac:spMkLst>
-        </pc:spChg>
-        <pc:spChg chg="mod">
-          <ac:chgData name="Zhao Jin" userId="cd05a825-544c-438a-9ba1-08e63db50b47" providerId="ADAL" clId="{A4A0FEF4-5388-4642-A424-D6144C2A9D07}" dt="2021-01-25T03:33:46.226" v="179"/>
-          <ac:spMkLst>
-            <pc:docMk/>
-            <pc:sldMk cId="3198948174" sldId="535"/>
-            <ac:spMk id="43" creationId="{00000000-0000-0000-0000-000000000000}"/>
-          </ac:spMkLst>
-        </pc:spChg>
-        <pc:spChg chg="del mod">
-          <ac:chgData name="Zhao Jin" userId="cd05a825-544c-438a-9ba1-08e63db50b47" providerId="ADAL" clId="{A4A0FEF4-5388-4642-A424-D6144C2A9D07}" dt="2021-01-25T03:33:15.399" v="176" actId="478"/>
-          <ac:spMkLst>
-            <pc:docMk/>
-            <pc:sldMk cId="3198948174" sldId="535"/>
-            <ac:spMk id="24582" creationId="{00000000-0000-0000-0000-000000000000}"/>
-          </ac:spMkLst>
-        </pc:spChg>
-      </pc:sldChg>
-    </pc:docChg>
-  </pc:docChgLst>
-  <pc:docChgLst>
-    <pc:chgData name="Zhao Jin" userId="cd05a825-544c-438a-9ba1-08e63db50b47" providerId="ADAL" clId="{8CEA1125-C45F-46BE-9968-5461A6D7E97E}"/>
-    <pc:docChg chg="undo redo custSel addSld delSld modSld">
-      <pc:chgData name="Zhao Jin" userId="cd05a825-544c-438a-9ba1-08e63db50b47" providerId="ADAL" clId="{8CEA1125-C45F-46BE-9968-5461A6D7E97E}" dt="2024-02-20T01:04:12.236" v="519" actId="20577"/>
-      <pc:docMkLst>
-        <pc:docMk/>
-      </pc:docMkLst>
-      <pc:sldChg chg="modSp mod">
-        <pc:chgData name="Zhao Jin" userId="cd05a825-544c-438a-9ba1-08e63db50b47" providerId="ADAL" clId="{8CEA1125-C45F-46BE-9968-5461A6D7E97E}" dt="2024-02-19T08:30:58.220" v="191" actId="207"/>
-        <pc:sldMkLst>
-          <pc:docMk/>
-          <pc:sldMk cId="4078418712" sldId="525"/>
-        </pc:sldMkLst>
-        <pc:spChg chg="mod">
-          <ac:chgData name="Zhao Jin" userId="cd05a825-544c-438a-9ba1-08e63db50b47" providerId="ADAL" clId="{8CEA1125-C45F-46BE-9968-5461A6D7E97E}" dt="2024-02-19T08:30:58.220" v="191" actId="207"/>
-          <ac:spMkLst>
-            <pc:docMk/>
-            <pc:sldMk cId="4078418712" sldId="525"/>
-            <ac:spMk id="8" creationId="{00000000-0000-0000-0000-000000000000}"/>
-          </ac:spMkLst>
-        </pc:spChg>
-      </pc:sldChg>
-      <pc:sldChg chg="modSp mod">
-        <pc:chgData name="Zhao Jin" userId="cd05a825-544c-438a-9ba1-08e63db50b47" providerId="ADAL" clId="{8CEA1125-C45F-46BE-9968-5461A6D7E97E}" dt="2024-02-20T00:53:21.173" v="389" actId="207"/>
-        <pc:sldMkLst>
-          <pc:docMk/>
-          <pc:sldMk cId="1663851036" sldId="559"/>
-        </pc:sldMkLst>
-        <pc:spChg chg="mod">
-          <ac:chgData name="Zhao Jin" userId="cd05a825-544c-438a-9ba1-08e63db50b47" providerId="ADAL" clId="{8CEA1125-C45F-46BE-9968-5461A6D7E97E}" dt="2024-02-20T00:49:37.021" v="384" actId="20577"/>
-          <ac:spMkLst>
-            <pc:docMk/>
-            <pc:sldMk cId="1663851036" sldId="559"/>
-            <ac:spMk id="8" creationId="{BB17AC34-4EF7-453E-A360-3B14646E2A04}"/>
-          </ac:spMkLst>
-        </pc:spChg>
-        <pc:spChg chg="mod">
-          <ac:chgData name="Zhao Jin" userId="cd05a825-544c-438a-9ba1-08e63db50b47" providerId="ADAL" clId="{8CEA1125-C45F-46BE-9968-5461A6D7E97E}" dt="2024-02-20T00:49:37.965" v="386" actId="6549"/>
-          <ac:spMkLst>
-            <pc:docMk/>
-            <pc:sldMk cId="1663851036" sldId="559"/>
-            <ac:spMk id="16" creationId="{D2096CE0-F283-4186-90FF-7C54FF151885}"/>
-          </ac:spMkLst>
-        </pc:spChg>
-        <pc:spChg chg="mod">
-          <ac:chgData name="Zhao Jin" userId="cd05a825-544c-438a-9ba1-08e63db50b47" providerId="ADAL" clId="{8CEA1125-C45F-46BE-9968-5461A6D7E97E}" dt="2024-02-20T00:53:21.173" v="389" actId="207"/>
-          <ac:spMkLst>
-            <pc:docMk/>
-            <pc:sldMk cId="1663851036" sldId="559"/>
-            <ac:spMk id="30" creationId="{C70A47A0-816F-405E-B986-DCD3BF78F602}"/>
-          </ac:spMkLst>
-        </pc:spChg>
-      </pc:sldChg>
-      <pc:sldChg chg="addSp delSp modSp mod">
-        <pc:chgData name="Zhao Jin" userId="cd05a825-544c-438a-9ba1-08e63db50b47" providerId="ADAL" clId="{8CEA1125-C45F-46BE-9968-5461A6D7E97E}" dt="2024-02-20T01:00:28.684" v="469" actId="5793"/>
-        <pc:sldMkLst>
-          <pc:docMk/>
-          <pc:sldMk cId="1971208294" sldId="560"/>
-        </pc:sldMkLst>
-        <pc:spChg chg="mod">
-          <ac:chgData name="Zhao Jin" userId="cd05a825-544c-438a-9ba1-08e63db50b47" providerId="ADAL" clId="{8CEA1125-C45F-46BE-9968-5461A6D7E97E}" dt="2024-02-20T00:49:36.754" v="383" actId="20577"/>
-          <ac:spMkLst>
-            <pc:docMk/>
-            <pc:sldMk cId="1971208294" sldId="560"/>
-            <ac:spMk id="8" creationId="{75CBB6EA-3351-4BB9-A2FA-636D99F886D7}"/>
-          </ac:spMkLst>
-        </pc:spChg>
-        <pc:spChg chg="del">
-          <ac:chgData name="Zhao Jin" userId="cd05a825-544c-438a-9ba1-08e63db50b47" providerId="ADAL" clId="{8CEA1125-C45F-46BE-9968-5461A6D7E97E}" dt="2024-02-20T00:45:52.358" v="370" actId="478"/>
-          <ac:spMkLst>
-            <pc:docMk/>
-            <pc:sldMk cId="1971208294" sldId="560"/>
-            <ac:spMk id="9" creationId="{9D03A96E-4EDD-4A21-837D-84F7B91B2C3E}"/>
-          </ac:spMkLst>
-        </pc:spChg>
-        <pc:spChg chg="add del mod">
-          <ac:chgData name="Zhao Jin" userId="cd05a825-544c-438a-9ba1-08e63db50b47" providerId="ADAL" clId="{8CEA1125-C45F-46BE-9968-5461A6D7E97E}" dt="2024-02-20T01:00:28.684" v="469" actId="5793"/>
-          <ac:spMkLst>
-            <pc:docMk/>
-            <pc:sldMk cId="1971208294" sldId="560"/>
-            <ac:spMk id="16" creationId="{D2096CE0-F283-4186-90FF-7C54FF151885}"/>
-          </ac:spMkLst>
-        </pc:spChg>
-      </pc:sldChg>
-      <pc:sldChg chg="modAnim">
-        <pc:chgData name="Zhao Jin" userId="cd05a825-544c-438a-9ba1-08e63db50b47" providerId="ADAL" clId="{8CEA1125-C45F-46BE-9968-5461A6D7E97E}" dt="2024-02-20T00:36:22.616" v="193"/>
-        <pc:sldMkLst>
-          <pc:docMk/>
-          <pc:sldMk cId="894186310" sldId="564"/>
-        </pc:sldMkLst>
-      </pc:sldChg>
-      <pc:sldChg chg="modSp mod">
-        <pc:chgData name="Zhao Jin" userId="cd05a825-544c-438a-9ba1-08e63db50b47" providerId="ADAL" clId="{8CEA1125-C45F-46BE-9968-5461A6D7E97E}" dt="2024-02-19T03:18:02.047" v="0" actId="13926"/>
-        <pc:sldMkLst>
-          <pc:docMk/>
-          <pc:sldMk cId="2419983458" sldId="595"/>
-        </pc:sldMkLst>
-        <pc:spChg chg="mod">
-          <ac:chgData name="Zhao Jin" userId="cd05a825-544c-438a-9ba1-08e63db50b47" providerId="ADAL" clId="{8CEA1125-C45F-46BE-9968-5461A6D7E97E}" dt="2024-02-19T03:18:02.047" v="0" actId="13926"/>
-          <ac:spMkLst>
-            <pc:docMk/>
-            <pc:sldMk cId="2419983458" sldId="595"/>
-            <ac:spMk id="8" creationId="{3895F873-6CB7-4316-B798-EE54B3634728}"/>
-          </ac:spMkLst>
-        </pc:spChg>
-      </pc:sldChg>
-      <pc:sldChg chg="modSp mod">
-        <pc:chgData name="Zhao Jin" userId="cd05a825-544c-438a-9ba1-08e63db50b47" providerId="ADAL" clId="{8CEA1125-C45F-46BE-9968-5461A6D7E97E}" dt="2024-02-20T00:43:36.978" v="367" actId="114"/>
-        <pc:sldMkLst>
-          <pc:docMk/>
-          <pc:sldMk cId="2725745500" sldId="596"/>
-        </pc:sldMkLst>
-        <pc:spChg chg="mod">
-          <ac:chgData name="Zhao Jin" userId="cd05a825-544c-438a-9ba1-08e63db50b47" providerId="ADAL" clId="{8CEA1125-C45F-46BE-9968-5461A6D7E97E}" dt="2024-02-19T03:23:08.279" v="94" actId="20577"/>
-          <ac:spMkLst>
-            <pc:docMk/>
-            <pc:sldMk cId="2725745500" sldId="596"/>
-            <ac:spMk id="5" creationId="{580F154A-663F-A546-695A-5AC8BAF031F3}"/>
-          </ac:spMkLst>
-        </pc:spChg>
-        <pc:spChg chg="mod">
-          <ac:chgData name="Zhao Jin" userId="cd05a825-544c-438a-9ba1-08e63db50b47" providerId="ADAL" clId="{8CEA1125-C45F-46BE-9968-5461A6D7E97E}" dt="2024-02-20T00:40:48.803" v="215" actId="6549"/>
-          <ac:spMkLst>
-            <pc:docMk/>
-            <pc:sldMk cId="2725745500" sldId="596"/>
-            <ac:spMk id="17" creationId="{B2FC57E6-46E4-7EF9-E077-B80BD0AF89FB}"/>
-          </ac:spMkLst>
-        </pc:spChg>
-        <pc:spChg chg="mod">
-          <ac:chgData name="Zhao Jin" userId="cd05a825-544c-438a-9ba1-08e63db50b47" providerId="ADAL" clId="{8CEA1125-C45F-46BE-9968-5461A6D7E97E}" dt="2024-02-20T00:43:36.978" v="367" actId="114"/>
-          <ac:spMkLst>
-            <pc:docMk/>
-            <pc:sldMk cId="2725745500" sldId="596"/>
-            <ac:spMk id="18" creationId="{0D877174-B608-2262-4EAE-60AE3FA21B34}"/>
-          </ac:spMkLst>
-        </pc:spChg>
-        <pc:spChg chg="mod">
-          <ac:chgData name="Zhao Jin" userId="cd05a825-544c-438a-9ba1-08e63db50b47" providerId="ADAL" clId="{8CEA1125-C45F-46BE-9968-5461A6D7E97E}" dt="2024-02-20T00:43:23.304" v="325" actId="20577"/>
-          <ac:spMkLst>
-            <pc:docMk/>
-            <pc:sldMk cId="2725745500" sldId="596"/>
-            <ac:spMk id="19" creationId="{333CFD7B-F80E-E439-2780-C3346B17989A}"/>
-          </ac:spMkLst>
-        </pc:spChg>
-      </pc:sldChg>
-      <pc:sldChg chg="addSp modSp mod modAnim">
-        <pc:chgData name="Zhao Jin" userId="cd05a825-544c-438a-9ba1-08e63db50b47" providerId="ADAL" clId="{8CEA1125-C45F-46BE-9968-5461A6D7E97E}" dt="2024-02-20T00:38:53.135" v="201" actId="1076"/>
-        <pc:sldMkLst>
-          <pc:docMk/>
-          <pc:sldMk cId="1633453151" sldId="598"/>
-        </pc:sldMkLst>
-        <pc:spChg chg="add mod">
-          <ac:chgData name="Zhao Jin" userId="cd05a825-544c-438a-9ba1-08e63db50b47" providerId="ADAL" clId="{8CEA1125-C45F-46BE-9968-5461A6D7E97E}" dt="2024-02-20T00:38:13.096" v="194" actId="207"/>
-          <ac:spMkLst>
-            <pc:docMk/>
-            <pc:sldMk cId="1633453151" sldId="598"/>
-            <ac:spMk id="4" creationId="{EB996B53-68CE-249A-B9DB-AA73CDB6ED15}"/>
-          </ac:spMkLst>
-        </pc:spChg>
-        <pc:spChg chg="add mod">
-          <ac:chgData name="Zhao Jin" userId="cd05a825-544c-438a-9ba1-08e63db50b47" providerId="ADAL" clId="{8CEA1125-C45F-46BE-9968-5461A6D7E97E}" dt="2024-02-20T00:38:13.096" v="194" actId="207"/>
-          <ac:spMkLst>
-            <pc:docMk/>
-            <pc:sldMk cId="1633453151" sldId="598"/>
-            <ac:spMk id="5" creationId="{027CC6DA-0ACE-0521-BC97-E302FDB9DDAB}"/>
-          </ac:spMkLst>
-        </pc:spChg>
-        <pc:spChg chg="add mod">
-          <ac:chgData name="Zhao Jin" userId="cd05a825-544c-438a-9ba1-08e63db50b47" providerId="ADAL" clId="{8CEA1125-C45F-46BE-9968-5461A6D7E97E}" dt="2024-02-20T00:38:13.096" v="194" actId="207"/>
-          <ac:spMkLst>
-            <pc:docMk/>
-            <pc:sldMk cId="1633453151" sldId="598"/>
-            <ac:spMk id="7" creationId="{90C82A96-EEED-4EF1-6646-10FA0A29916F}"/>
-          </ac:spMkLst>
-        </pc:spChg>
-        <pc:spChg chg="add mod">
-          <ac:chgData name="Zhao Jin" userId="cd05a825-544c-438a-9ba1-08e63db50b47" providerId="ADAL" clId="{8CEA1125-C45F-46BE-9968-5461A6D7E97E}" dt="2024-02-20T00:38:13.096" v="194" actId="207"/>
-          <ac:spMkLst>
-            <pc:docMk/>
-            <pc:sldMk cId="1633453151" sldId="598"/>
-            <ac:spMk id="8" creationId="{E008AA8D-6102-0716-0DFC-62D55A5FE2C8}"/>
-          </ac:spMkLst>
-        </pc:spChg>
-        <pc:spChg chg="add mod">
-          <ac:chgData name="Zhao Jin" userId="cd05a825-544c-438a-9ba1-08e63db50b47" providerId="ADAL" clId="{8CEA1125-C45F-46BE-9968-5461A6D7E97E}" dt="2024-02-20T00:38:53.135" v="201" actId="1076"/>
-          <ac:spMkLst>
-            <pc:docMk/>
-            <pc:sldMk cId="1633453151" sldId="598"/>
-            <ac:spMk id="10" creationId="{4557A25F-A34B-3AC9-111F-A868ED715E25}"/>
-          </ac:spMkLst>
-        </pc:spChg>
-        <pc:spChg chg="add mod">
-          <ac:chgData name="Zhao Jin" userId="cd05a825-544c-438a-9ba1-08e63db50b47" providerId="ADAL" clId="{8CEA1125-C45F-46BE-9968-5461A6D7E97E}" dt="2024-02-20T00:38:13.096" v="194" actId="207"/>
-          <ac:spMkLst>
-            <pc:docMk/>
-            <pc:sldMk cId="1633453151" sldId="598"/>
-            <ac:spMk id="11" creationId="{1854E98B-C083-8FAE-3DE9-BB80AFDFFFD5}"/>
-          </ac:spMkLst>
-        </pc:spChg>
-        <pc:spChg chg="add mod">
-          <ac:chgData name="Zhao Jin" userId="cd05a825-544c-438a-9ba1-08e63db50b47" providerId="ADAL" clId="{8CEA1125-C45F-46BE-9968-5461A6D7E97E}" dt="2024-02-20T00:38:13.096" v="194" actId="207"/>
-          <ac:spMkLst>
-            <pc:docMk/>
-            <pc:sldMk cId="1633453151" sldId="598"/>
-            <ac:spMk id="12" creationId="{51E4E273-CBF4-CD3E-2464-AACAFBC0C446}"/>
-          </ac:spMkLst>
-        </pc:spChg>
-        <pc:spChg chg="add mod">
-          <ac:chgData name="Zhao Jin" userId="cd05a825-544c-438a-9ba1-08e63db50b47" providerId="ADAL" clId="{8CEA1125-C45F-46BE-9968-5461A6D7E97E}" dt="2024-02-20T00:38:13.096" v="194" actId="207"/>
-          <ac:spMkLst>
-            <pc:docMk/>
-            <pc:sldMk cId="1633453151" sldId="598"/>
-            <ac:spMk id="13" creationId="{4088F2C5-4B1F-FA0E-2AAB-6B96227C377D}"/>
-          </ac:spMkLst>
-        </pc:spChg>
-        <pc:spChg chg="add mod">
-          <ac:chgData name="Zhao Jin" userId="cd05a825-544c-438a-9ba1-08e63db50b47" providerId="ADAL" clId="{8CEA1125-C45F-46BE-9968-5461A6D7E97E}" dt="2024-02-19T03:20:26.493" v="63"/>
-          <ac:spMkLst>
-            <pc:docMk/>
-            <pc:sldMk cId="1633453151" sldId="598"/>
-            <ac:spMk id="14" creationId="{3D28536E-9A5D-7719-5DBF-672A4CAF3518}"/>
-          </ac:spMkLst>
-        </pc:spChg>
-        <pc:spChg chg="add mod">
-          <ac:chgData name="Zhao Jin" userId="cd05a825-544c-438a-9ba1-08e63db50b47" providerId="ADAL" clId="{8CEA1125-C45F-46BE-9968-5461A6D7E97E}" dt="2024-02-20T00:38:13.096" v="194" actId="207"/>
-          <ac:spMkLst>
-            <pc:docMk/>
-            <pc:sldMk cId="1633453151" sldId="598"/>
-            <ac:spMk id="15" creationId="{0CC7E5B5-BC83-9AA3-E9C4-A4FD3D7BF949}"/>
-          </ac:spMkLst>
-        </pc:spChg>
-        <pc:spChg chg="add mod">
-          <ac:chgData name="Zhao Jin" userId="cd05a825-544c-438a-9ba1-08e63db50b47" providerId="ADAL" clId="{8CEA1125-C45F-46BE-9968-5461A6D7E97E}" dt="2024-02-19T03:20:28.988" v="65"/>
-          <ac:spMkLst>
-            <pc:docMk/>
-            <pc:sldMk cId="1633453151" sldId="598"/>
-            <ac:spMk id="16" creationId="{3BE26A91-7364-0238-0D2D-ACCD767524C3}"/>
-          </ac:spMkLst>
-        </pc:spChg>
-        <pc:spChg chg="mod">
-          <ac:chgData name="Zhao Jin" userId="cd05a825-544c-438a-9ba1-08e63db50b47" providerId="ADAL" clId="{8CEA1125-C45F-46BE-9968-5461A6D7E97E}" dt="2024-02-19T03:18:24.128" v="21" actId="20577"/>
-          <ac:spMkLst>
-            <pc:docMk/>
-            <pc:sldMk cId="1633453151" sldId="598"/>
-            <ac:spMk id="14338" creationId="{16B473A1-DACB-0EBC-79C3-50B9B11C6197}"/>
-          </ac:spMkLst>
-        </pc:spChg>
-        <pc:graphicFrameChg chg="modGraphic">
-          <ac:chgData name="Zhao Jin" userId="cd05a825-544c-438a-9ba1-08e63db50b47" providerId="ADAL" clId="{8CEA1125-C45F-46BE-9968-5461A6D7E97E}" dt="2024-02-20T00:38:44.313" v="200" actId="20577"/>
-          <ac:graphicFrameMkLst>
-            <pc:docMk/>
-            <pc:sldMk cId="1633453151" sldId="598"/>
-            <ac:graphicFrameMk id="9" creationId="{3C8F59A3-3A43-6307-9F11-C3386ED95AE0}"/>
-          </ac:graphicFrameMkLst>
-        </pc:graphicFrameChg>
-      </pc:sldChg>
-      <pc:sldChg chg="modSp mod modAnim">
-        <pc:chgData name="Zhao Jin" userId="cd05a825-544c-438a-9ba1-08e63db50b47" providerId="ADAL" clId="{8CEA1125-C45F-46BE-9968-5461A6D7E97E}" dt="2024-02-20T00:39:49.823" v="203"/>
-        <pc:sldMkLst>
-          <pc:docMk/>
-          <pc:sldMk cId="430111063" sldId="599"/>
-        </pc:sldMkLst>
-        <pc:spChg chg="mod">
-          <ac:chgData name="Zhao Jin" userId="cd05a825-544c-438a-9ba1-08e63db50b47" providerId="ADAL" clId="{8CEA1125-C45F-46BE-9968-5461A6D7E97E}" dt="2024-02-19T03:22:45.550" v="91" actId="122"/>
-          <ac:spMkLst>
-            <pc:docMk/>
-            <pc:sldMk cId="430111063" sldId="599"/>
-            <ac:spMk id="6" creationId="{17627245-A6C2-DEED-F6C1-307576F36A86}"/>
-          </ac:spMkLst>
-        </pc:spChg>
-        <pc:spChg chg="mod">
-          <ac:chgData name="Zhao Jin" userId="cd05a825-544c-438a-9ba1-08e63db50b47" providerId="ADAL" clId="{8CEA1125-C45F-46BE-9968-5461A6D7E97E}" dt="2024-02-19T03:22:55.068" v="92" actId="14100"/>
-          <ac:spMkLst>
-            <pc:docMk/>
-            <pc:sldMk cId="430111063" sldId="599"/>
-            <ac:spMk id="7" creationId="{57900B06-93DC-4197-7BF3-C992FCECA9DD}"/>
-          </ac:spMkLst>
-        </pc:spChg>
-      </pc:sldChg>
-      <pc:sldChg chg="modSp add del mod">
-        <pc:chgData name="Zhao Jin" userId="cd05a825-544c-438a-9ba1-08e63db50b47" providerId="ADAL" clId="{8CEA1125-C45F-46BE-9968-5461A6D7E97E}" dt="2024-02-20T01:01:57.304" v="478" actId="47"/>
-        <pc:sldMkLst>
-          <pc:docMk/>
-          <pc:sldMk cId="304168685" sldId="600"/>
-        </pc:sldMkLst>
-        <pc:spChg chg="mod">
-          <ac:chgData name="Zhao Jin" userId="cd05a825-544c-438a-9ba1-08e63db50b47" providerId="ADAL" clId="{8CEA1125-C45F-46BE-9968-5461A6D7E97E}" dt="2024-02-20T01:00:44.461" v="477" actId="5793"/>
-          <ac:spMkLst>
-            <pc:docMk/>
-            <pc:sldMk cId="304168685" sldId="600"/>
-            <ac:spMk id="16" creationId="{416AAEA5-D27C-7A3D-A175-F9834BF9ED5D}"/>
-          </ac:spMkLst>
-        </pc:spChg>
-      </pc:sldChg>
-      <pc:sldChg chg="add del">
-        <pc:chgData name="Zhao Jin" userId="cd05a825-544c-438a-9ba1-08e63db50b47" providerId="ADAL" clId="{8CEA1125-C45F-46BE-9968-5461A6D7E97E}" dt="2024-02-20T00:58:18.403" v="391"/>
-        <pc:sldMkLst>
-          <pc:docMk/>
-          <pc:sldMk cId="1175713687" sldId="600"/>
-        </pc:sldMkLst>
-      </pc:sldChg>
-      <pc:sldChg chg="modSp add mod">
-        <pc:chgData name="Zhao Jin" userId="cd05a825-544c-438a-9ba1-08e63db50b47" providerId="ADAL" clId="{8CEA1125-C45F-46BE-9968-5461A6D7E97E}" dt="2024-02-20T01:00:06.174" v="457" actId="20577"/>
-        <pc:sldMkLst>
-          <pc:docMk/>
-          <pc:sldMk cId="2072769692" sldId="601"/>
-        </pc:sldMkLst>
-        <pc:spChg chg="mod">
-          <ac:chgData name="Zhao Jin" userId="cd05a825-544c-438a-9ba1-08e63db50b47" providerId="ADAL" clId="{8CEA1125-C45F-46BE-9968-5461A6D7E97E}" dt="2024-02-20T01:00:06.174" v="457" actId="20577"/>
-          <ac:spMkLst>
-            <pc:docMk/>
-            <pc:sldMk cId="2072769692" sldId="601"/>
-            <ac:spMk id="16" creationId="{F3A0E6F0-C9D2-7B6A-A001-72BAC99DE534}"/>
-          </ac:spMkLst>
-        </pc:spChg>
-      </pc:sldChg>
-      <pc:sldChg chg="delSp modSp add mod">
-        <pc:chgData name="Zhao Jin" userId="cd05a825-544c-438a-9ba1-08e63db50b47" providerId="ADAL" clId="{8CEA1125-C45F-46BE-9968-5461A6D7E97E}" dt="2024-02-20T01:04:12.236" v="519" actId="20577"/>
-        <pc:sldMkLst>
-          <pc:docMk/>
-          <pc:sldMk cId="2273656755" sldId="602"/>
-        </pc:sldMkLst>
-        <pc:spChg chg="del">
-          <ac:chgData name="Zhao Jin" userId="cd05a825-544c-438a-9ba1-08e63db50b47" providerId="ADAL" clId="{8CEA1125-C45F-46BE-9968-5461A6D7E97E}" dt="2024-02-20T01:02:47.150" v="496" actId="478"/>
-          <ac:spMkLst>
-            <pc:docMk/>
-            <pc:sldMk cId="2273656755" sldId="602"/>
-            <ac:spMk id="8" creationId="{FF2CFC6E-57BA-9125-A6C0-4275E49C8DC7}"/>
-          </ac:spMkLst>
-        </pc:spChg>
-        <pc:spChg chg="mod">
-          <ac:chgData name="Zhao Jin" userId="cd05a825-544c-438a-9ba1-08e63db50b47" providerId="ADAL" clId="{8CEA1125-C45F-46BE-9968-5461A6D7E97E}" dt="2024-02-20T01:04:12.236" v="519" actId="20577"/>
-          <ac:spMkLst>
-            <pc:docMk/>
-            <pc:sldMk cId="2273656755" sldId="602"/>
-            <ac:spMk id="16" creationId="{3E53C19A-DB07-8986-2045-4244BDAEFBE0}"/>
-          </ac:spMkLst>
-        </pc:spChg>
-      </pc:sldChg>
-    </pc:docChg>
-  </pc:docChgLst>
-  <pc:docChgLst>
-    <pc:chgData name="Zhao Jin" userId="cd05a825-544c-438a-9ba1-08e63db50b47" providerId="ADAL" clId="{867F3690-C100-40EE-A937-14612E9F3314}"/>
-    <pc:docChg chg="undo custSel addSld delSld modSld">
-      <pc:chgData name="Zhao Jin" userId="cd05a825-544c-438a-9ba1-08e63db50b47" providerId="ADAL" clId="{867F3690-C100-40EE-A937-14612E9F3314}" dt="2021-02-15T05:07:12.447" v="312" actId="1076"/>
-      <pc:docMkLst>
-        <pc:docMk/>
-      </pc:docMkLst>
-      <pc:sldChg chg="modSp mod">
-        <pc:chgData name="Zhao Jin" userId="cd05a825-544c-438a-9ba1-08e63db50b47" providerId="ADAL" clId="{867F3690-C100-40EE-A937-14612E9F3314}" dt="2021-02-10T03:53:02.282" v="0" actId="20577"/>
-        <pc:sldMkLst>
-          <pc:docMk/>
-          <pc:sldMk cId="0" sldId="256"/>
-        </pc:sldMkLst>
-        <pc:spChg chg="mod">
-          <ac:chgData name="Zhao Jin" userId="cd05a825-544c-438a-9ba1-08e63db50b47" providerId="ADAL" clId="{867F3690-C100-40EE-A937-14612E9F3314}" dt="2021-02-10T03:53:02.282" v="0" actId="20577"/>
-          <ac:spMkLst>
-            <pc:docMk/>
-            <pc:sldMk cId="0" sldId="256"/>
-            <ac:spMk id="8" creationId="{00000000-0000-0000-0000-000000000000}"/>
-          </ac:spMkLst>
-        </pc:spChg>
-      </pc:sldChg>
-      <pc:sldChg chg="modSp del">
-        <pc:chgData name="Zhao Jin" userId="cd05a825-544c-438a-9ba1-08e63db50b47" providerId="ADAL" clId="{867F3690-C100-40EE-A937-14612E9F3314}" dt="2021-02-11T11:12:55.303" v="2" actId="47"/>
-        <pc:sldMkLst>
-          <pc:docMk/>
-          <pc:sldMk cId="2775173622" sldId="524"/>
-        </pc:sldMkLst>
-        <pc:spChg chg="mod">
-          <ac:chgData name="Zhao Jin" userId="cd05a825-544c-438a-9ba1-08e63db50b47" providerId="ADAL" clId="{867F3690-C100-40EE-A937-14612E9F3314}" dt="2021-02-10T03:53:20.900" v="1"/>
-          <ac:spMkLst>
-            <pc:docMk/>
-            <pc:sldMk cId="2775173622" sldId="524"/>
-            <ac:spMk id="9" creationId="{00000000-0000-0000-0000-000000000000}"/>
-          </ac:spMkLst>
-        </pc:spChg>
-      </pc:sldChg>
-      <pc:sldChg chg="modSp mod">
-        <pc:chgData name="Zhao Jin" userId="cd05a825-544c-438a-9ba1-08e63db50b47" providerId="ADAL" clId="{867F3690-C100-40EE-A937-14612E9F3314}" dt="2021-02-11T11:16:16.653" v="199" actId="207"/>
-        <pc:sldMkLst>
-          <pc:docMk/>
-          <pc:sldMk cId="4078418712" sldId="525"/>
-        </pc:sldMkLst>
-        <pc:spChg chg="mod">
-          <ac:chgData name="Zhao Jin" userId="cd05a825-544c-438a-9ba1-08e63db50b47" providerId="ADAL" clId="{867F3690-C100-40EE-A937-14612E9F3314}" dt="2021-02-11T11:16:16.653" v="199" actId="207"/>
-          <ac:spMkLst>
-            <pc:docMk/>
-            <pc:sldMk cId="4078418712" sldId="525"/>
-            <ac:spMk id="8" creationId="{00000000-0000-0000-0000-000000000000}"/>
-          </ac:spMkLst>
-        </pc:spChg>
-        <pc:spChg chg="mod">
-          <ac:chgData name="Zhao Jin" userId="cd05a825-544c-438a-9ba1-08e63db50b47" providerId="ADAL" clId="{867F3690-C100-40EE-A937-14612E9F3314}" dt="2021-02-10T03:53:20.900" v="1"/>
-          <ac:spMkLst>
-            <pc:docMk/>
-            <pc:sldMk cId="4078418712" sldId="525"/>
-            <ac:spMk id="43" creationId="{00000000-0000-0000-0000-000000000000}"/>
-          </ac:spMkLst>
-        </pc:spChg>
-      </pc:sldChg>
-      <pc:sldChg chg="modSp del">
-        <pc:chgData name="Zhao Jin" userId="cd05a825-544c-438a-9ba1-08e63db50b47" providerId="ADAL" clId="{867F3690-C100-40EE-A937-14612E9F3314}" dt="2021-02-11T11:12:55.303" v="2" actId="47"/>
-        <pc:sldMkLst>
-          <pc:docMk/>
-          <pc:sldMk cId="2882118053" sldId="552"/>
-        </pc:sldMkLst>
-        <pc:spChg chg="mod">
-          <ac:chgData name="Zhao Jin" userId="cd05a825-544c-438a-9ba1-08e63db50b47" providerId="ADAL" clId="{867F3690-C100-40EE-A937-14612E9F3314}" dt="2021-02-10T03:53:20.900" v="1"/>
-          <ac:spMkLst>
-            <pc:docMk/>
-            <pc:sldMk cId="2882118053" sldId="552"/>
-            <ac:spMk id="7" creationId="{00000000-0000-0000-0000-000000000000}"/>
-          </ac:spMkLst>
-        </pc:spChg>
-      </pc:sldChg>
-      <pc:sldChg chg="modSp add mod">
-        <pc:chgData name="Zhao Jin" userId="cd05a825-544c-438a-9ba1-08e63db50b47" providerId="ADAL" clId="{867F3690-C100-40EE-A937-14612E9F3314}" dt="2021-02-15T04:57:13.323" v="201"/>
-        <pc:sldMkLst>
-          <pc:docMk/>
-          <pc:sldMk cId="1427618944" sldId="553"/>
-        </pc:sldMkLst>
-        <pc:spChg chg="mod">
-          <ac:chgData name="Zhao Jin" userId="cd05a825-544c-438a-9ba1-08e63db50b47" providerId="ADAL" clId="{867F3690-C100-40EE-A937-14612E9F3314}" dt="2021-02-15T04:57:13.323" v="201"/>
-          <ac:spMkLst>
-            <pc:docMk/>
-            <pc:sldMk cId="1427618944" sldId="553"/>
-            <ac:spMk id="7" creationId="{00000000-0000-0000-0000-000000000000}"/>
-          </ac:spMkLst>
-        </pc:spChg>
-      </pc:sldChg>
-      <pc:sldChg chg="modSp del">
-        <pc:chgData name="Zhao Jin" userId="cd05a825-544c-438a-9ba1-08e63db50b47" providerId="ADAL" clId="{867F3690-C100-40EE-A937-14612E9F3314}" dt="2021-02-11T11:12:55.303" v="2" actId="47"/>
-        <pc:sldMkLst>
-          <pc:docMk/>
-          <pc:sldMk cId="2082920116" sldId="553"/>
-        </pc:sldMkLst>
-        <pc:spChg chg="mod">
-          <ac:chgData name="Zhao Jin" userId="cd05a825-544c-438a-9ba1-08e63db50b47" providerId="ADAL" clId="{867F3690-C100-40EE-A937-14612E9F3314}" dt="2021-02-10T03:53:20.900" v="1"/>
-          <ac:spMkLst>
-            <pc:docMk/>
-            <pc:sldMk cId="2082920116" sldId="553"/>
-            <ac:spMk id="7" creationId="{00000000-0000-0000-0000-000000000000}"/>
-          </ac:spMkLst>
-        </pc:spChg>
-      </pc:sldChg>
-      <pc:sldChg chg="modSp del">
-        <pc:chgData name="Zhao Jin" userId="cd05a825-544c-438a-9ba1-08e63db50b47" providerId="ADAL" clId="{867F3690-C100-40EE-A937-14612E9F3314}" dt="2021-02-11T11:12:55.303" v="2" actId="47"/>
-        <pc:sldMkLst>
-          <pc:docMk/>
-          <pc:sldMk cId="1659983766" sldId="554"/>
-        </pc:sldMkLst>
-        <pc:spChg chg="mod">
-          <ac:chgData name="Zhao Jin" userId="cd05a825-544c-438a-9ba1-08e63db50b47" providerId="ADAL" clId="{867F3690-C100-40EE-A937-14612E9F3314}" dt="2021-02-10T03:53:20.900" v="1"/>
-          <ac:spMkLst>
-            <pc:docMk/>
-            <pc:sldMk cId="1659983766" sldId="554"/>
-            <ac:spMk id="7" creationId="{00000000-0000-0000-0000-000000000000}"/>
-          </ac:spMkLst>
-        </pc:spChg>
-      </pc:sldChg>
-      <pc:sldChg chg="modSp del">
-        <pc:chgData name="Zhao Jin" userId="cd05a825-544c-438a-9ba1-08e63db50b47" providerId="ADAL" clId="{867F3690-C100-40EE-A937-14612E9F3314}" dt="2021-02-11T11:12:55.303" v="2" actId="47"/>
-        <pc:sldMkLst>
-          <pc:docMk/>
-          <pc:sldMk cId="686532275" sldId="558"/>
-        </pc:sldMkLst>
-        <pc:spChg chg="mod">
-          <ac:chgData name="Zhao Jin" userId="cd05a825-544c-438a-9ba1-08e63db50b47" providerId="ADAL" clId="{867F3690-C100-40EE-A937-14612E9F3314}" dt="2021-02-10T03:53:20.900" v="1"/>
-          <ac:spMkLst>
-            <pc:docMk/>
-            <pc:sldMk cId="686532275" sldId="558"/>
-            <ac:spMk id="7" creationId="{00000000-0000-0000-0000-000000000000}"/>
-          </ac:spMkLst>
-        </pc:spChg>
-      </pc:sldChg>
-      <pc:sldChg chg="modSp add del mod">
-        <pc:chgData name="Zhao Jin" userId="cd05a825-544c-438a-9ba1-08e63db50b47" providerId="ADAL" clId="{867F3690-C100-40EE-A937-14612E9F3314}" dt="2021-02-15T04:59:11.851" v="203" actId="207"/>
-        <pc:sldMkLst>
-          <pc:docMk/>
-          <pc:sldMk cId="1663851036" sldId="559"/>
-        </pc:sldMkLst>
-        <pc:spChg chg="mod">
-          <ac:chgData name="Zhao Jin" userId="cd05a825-544c-438a-9ba1-08e63db50b47" providerId="ADAL" clId="{867F3690-C100-40EE-A937-14612E9F3314}" dt="2021-02-11T11:15:11.855" v="41" actId="20577"/>
-          <ac:spMkLst>
-            <pc:docMk/>
-            <pc:sldMk cId="1663851036" sldId="559"/>
-            <ac:spMk id="7" creationId="{00000000-0000-0000-0000-000000000000}"/>
-          </ac:spMkLst>
-        </pc:spChg>
-        <pc:spChg chg="mod">
-          <ac:chgData name="Zhao Jin" userId="cd05a825-544c-438a-9ba1-08e63db50b47" providerId="ADAL" clId="{867F3690-C100-40EE-A937-14612E9F3314}" dt="2021-02-15T04:59:11.851" v="203" actId="207"/>
-          <ac:spMkLst>
-            <pc:docMk/>
-            <pc:sldMk cId="1663851036" sldId="559"/>
-            <ac:spMk id="16" creationId="{D2096CE0-F283-4186-90FF-7C54FF151885}"/>
-          </ac:spMkLst>
-        </pc:spChg>
-      </pc:sldChg>
-      <pc:sldChg chg="addSp delSp modSp add mod">
-        <pc:chgData name="Zhao Jin" userId="cd05a825-544c-438a-9ba1-08e63db50b47" providerId="ADAL" clId="{867F3690-C100-40EE-A937-14612E9F3314}" dt="2021-02-15T05:07:12.447" v="312" actId="1076"/>
-        <pc:sldMkLst>
-          <pc:docMk/>
-          <pc:sldMk cId="1971208294" sldId="560"/>
-        </pc:sldMkLst>
-        <pc:spChg chg="add del mod">
-          <ac:chgData name="Zhao Jin" userId="cd05a825-544c-438a-9ba1-08e63db50b47" providerId="ADAL" clId="{867F3690-C100-40EE-A937-14612E9F3314}" dt="2021-02-15T05:06:53.976" v="311"/>
-          <ac:spMkLst>
-            <pc:docMk/>
-            <pc:sldMk cId="1971208294" sldId="560"/>
-            <ac:spMk id="2" creationId="{E02B9526-DE6C-475A-8918-F3237759A071}"/>
-          </ac:spMkLst>
-        </pc:spChg>
-        <pc:spChg chg="mod">
-          <ac:chgData name="Zhao Jin" userId="cd05a825-544c-438a-9ba1-08e63db50b47" providerId="ADAL" clId="{867F3690-C100-40EE-A937-14612E9F3314}" dt="2021-02-11T11:15:15.706" v="42"/>
-          <ac:spMkLst>
-            <pc:docMk/>
-            <pc:sldMk cId="1971208294" sldId="560"/>
-            <ac:spMk id="7" creationId="{00000000-0000-0000-0000-000000000000}"/>
-          </ac:spMkLst>
-        </pc:spChg>
-        <pc:spChg chg="add mod">
-          <ac:chgData name="Zhao Jin" userId="cd05a825-544c-438a-9ba1-08e63db50b47" providerId="ADAL" clId="{867F3690-C100-40EE-A937-14612E9F3314}" dt="2021-02-15T05:07:12.447" v="312" actId="1076"/>
-          <ac:spMkLst>
-            <pc:docMk/>
-            <pc:sldMk cId="1971208294" sldId="560"/>
-            <ac:spMk id="9" creationId="{9D03A96E-4EDD-4A21-837D-84F7B91B2C3E}"/>
-          </ac:spMkLst>
-        </pc:spChg>
-        <pc:spChg chg="mod">
-          <ac:chgData name="Zhao Jin" userId="cd05a825-544c-438a-9ba1-08e63db50b47" providerId="ADAL" clId="{867F3690-C100-40EE-A937-14612E9F3314}" dt="2021-02-15T05:03:49.372" v="211" actId="20577"/>
-          <ac:spMkLst>
-            <pc:docMk/>
-            <pc:sldMk cId="1971208294" sldId="560"/>
-            <ac:spMk id="30" creationId="{C70A47A0-816F-405E-B986-DCD3BF78F602}"/>
-          </ac:spMkLst>
-        </pc:spChg>
-      </pc:sldChg>
-      <pc:sldChg chg="modSp del">
-        <pc:chgData name="Zhao Jin" userId="cd05a825-544c-438a-9ba1-08e63db50b47" providerId="ADAL" clId="{867F3690-C100-40EE-A937-14612E9F3314}" dt="2021-02-11T11:12:55.303" v="2" actId="47"/>
-        <pc:sldMkLst>
-          <pc:docMk/>
-          <pc:sldMk cId="1986771488" sldId="561"/>
-        </pc:sldMkLst>
-        <pc:spChg chg="mod">
-          <ac:chgData name="Zhao Jin" userId="cd05a825-544c-438a-9ba1-08e63db50b47" providerId="ADAL" clId="{867F3690-C100-40EE-A937-14612E9F3314}" dt="2021-02-10T03:53:20.900" v="1"/>
-          <ac:spMkLst>
-            <pc:docMk/>
-            <pc:sldMk cId="1986771488" sldId="561"/>
-            <ac:spMk id="7" creationId="{00000000-0000-0000-0000-000000000000}"/>
-          </ac:spMkLst>
-        </pc:spChg>
-      </pc:sldChg>
-      <pc:sldChg chg="modSp add mod">
-        <pc:chgData name="Zhao Jin" userId="cd05a825-544c-438a-9ba1-08e63db50b47" providerId="ADAL" clId="{867F3690-C100-40EE-A937-14612E9F3314}" dt="2021-02-11T11:14:08.750" v="27" actId="20577"/>
-        <pc:sldMkLst>
-          <pc:docMk/>
-          <pc:sldMk cId="894186310" sldId="564"/>
-        </pc:sldMkLst>
-        <pc:spChg chg="mod">
-          <ac:chgData name="Zhao Jin" userId="cd05a825-544c-438a-9ba1-08e63db50b47" providerId="ADAL" clId="{867F3690-C100-40EE-A937-14612E9F3314}" dt="2021-02-11T11:14:08.750" v="27" actId="20577"/>
-          <ac:spMkLst>
-            <pc:docMk/>
-            <pc:sldMk cId="894186310" sldId="564"/>
-            <ac:spMk id="7" creationId="{00000000-0000-0000-0000-000000000000}"/>
-          </ac:spMkLst>
-        </pc:spChg>
-      </pc:sldChg>
-      <pc:sldChg chg="modSp del">
-        <pc:chgData name="Zhao Jin" userId="cd05a825-544c-438a-9ba1-08e63db50b47" providerId="ADAL" clId="{867F3690-C100-40EE-A937-14612E9F3314}" dt="2021-02-11T11:12:55.303" v="2" actId="47"/>
-        <pc:sldMkLst>
-          <pc:docMk/>
-          <pc:sldMk cId="1276365520" sldId="564"/>
-        </pc:sldMkLst>
-        <pc:spChg chg="mod">
-          <ac:chgData name="Zhao Jin" userId="cd05a825-544c-438a-9ba1-08e63db50b47" providerId="ADAL" clId="{867F3690-C100-40EE-A937-14612E9F3314}" dt="2021-02-10T03:53:20.900" v="1"/>
-          <ac:spMkLst>
-            <pc:docMk/>
-            <pc:sldMk cId="1276365520" sldId="564"/>
-            <ac:spMk id="7" creationId="{00000000-0000-0000-0000-000000000000}"/>
-          </ac:spMkLst>
-        </pc:spChg>
-      </pc:sldChg>
-      <pc:sldChg chg="modSp del">
-        <pc:chgData name="Zhao Jin" userId="cd05a825-544c-438a-9ba1-08e63db50b47" providerId="ADAL" clId="{867F3690-C100-40EE-A937-14612E9F3314}" dt="2021-02-11T11:12:55.303" v="2" actId="47"/>
-        <pc:sldMkLst>
-          <pc:docMk/>
-          <pc:sldMk cId="827193018" sldId="565"/>
-        </pc:sldMkLst>
-        <pc:spChg chg="mod">
-          <ac:chgData name="Zhao Jin" userId="cd05a825-544c-438a-9ba1-08e63db50b47" providerId="ADAL" clId="{867F3690-C100-40EE-A937-14612E9F3314}" dt="2021-02-10T03:53:20.900" v="1"/>
-          <ac:spMkLst>
-            <pc:docMk/>
-            <pc:sldMk cId="827193018" sldId="565"/>
-            <ac:spMk id="7" creationId="{00000000-0000-0000-0000-000000000000}"/>
-          </ac:spMkLst>
-        </pc:spChg>
-      </pc:sldChg>
-      <pc:sldChg chg="modSp del">
-        <pc:chgData name="Zhao Jin" userId="cd05a825-544c-438a-9ba1-08e63db50b47" providerId="ADAL" clId="{867F3690-C100-40EE-A937-14612E9F3314}" dt="2021-02-11T11:12:55.303" v="2" actId="47"/>
-        <pc:sldMkLst>
-          <pc:docMk/>
-          <pc:sldMk cId="3959984611" sldId="566"/>
-        </pc:sldMkLst>
-        <pc:spChg chg="mod">
-          <ac:chgData name="Zhao Jin" userId="cd05a825-544c-438a-9ba1-08e63db50b47" providerId="ADAL" clId="{867F3690-C100-40EE-A937-14612E9F3314}" dt="2021-02-10T03:53:20.900" v="1"/>
-          <ac:spMkLst>
-            <pc:docMk/>
-            <pc:sldMk cId="3959984611" sldId="566"/>
-            <ac:spMk id="7" creationId="{00000000-0000-0000-0000-000000000000}"/>
-          </ac:spMkLst>
-        </pc:spChg>
-      </pc:sldChg>
-      <pc:sldChg chg="modSp del">
-        <pc:chgData name="Zhao Jin" userId="cd05a825-544c-438a-9ba1-08e63db50b47" providerId="ADAL" clId="{867F3690-C100-40EE-A937-14612E9F3314}" dt="2021-02-11T11:12:55.303" v="2" actId="47"/>
-        <pc:sldMkLst>
-          <pc:docMk/>
-          <pc:sldMk cId="2879329457" sldId="568"/>
-        </pc:sldMkLst>
-        <pc:spChg chg="mod">
-          <ac:chgData name="Zhao Jin" userId="cd05a825-544c-438a-9ba1-08e63db50b47" providerId="ADAL" clId="{867F3690-C100-40EE-A937-14612E9F3314}" dt="2021-02-10T03:53:20.900" v="1"/>
-          <ac:spMkLst>
-            <pc:docMk/>
-            <pc:sldMk cId="2879329457" sldId="568"/>
-            <ac:spMk id="9" creationId="{00000000-0000-0000-0000-000000000000}"/>
-          </ac:spMkLst>
-        </pc:spChg>
-      </pc:sldChg>
-      <pc:sldChg chg="modSp del">
-        <pc:chgData name="Zhao Jin" userId="cd05a825-544c-438a-9ba1-08e63db50b47" providerId="ADAL" clId="{867F3690-C100-40EE-A937-14612E9F3314}" dt="2021-02-11T11:12:55.303" v="2" actId="47"/>
-        <pc:sldMkLst>
-          <pc:docMk/>
-          <pc:sldMk cId="4240540711" sldId="569"/>
-        </pc:sldMkLst>
-        <pc:spChg chg="mod">
-          <ac:chgData name="Zhao Jin" userId="cd05a825-544c-438a-9ba1-08e63db50b47" providerId="ADAL" clId="{867F3690-C100-40EE-A937-14612E9F3314}" dt="2021-02-10T03:53:20.900" v="1"/>
-          <ac:spMkLst>
-            <pc:docMk/>
-            <pc:sldMk cId="4240540711" sldId="569"/>
-            <ac:spMk id="7" creationId="{00000000-0000-0000-0000-000000000000}"/>
-          </ac:spMkLst>
-        </pc:spChg>
-      </pc:sldChg>
-      <pc:sldChg chg="delSp modSp add mod delAnim">
-        <pc:chgData name="Zhao Jin" userId="cd05a825-544c-438a-9ba1-08e63db50b47" providerId="ADAL" clId="{867F3690-C100-40EE-A937-14612E9F3314}" dt="2021-02-15T04:58:14.889" v="202" actId="478"/>
-        <pc:sldMkLst>
-          <pc:docMk/>
-          <pc:sldMk cId="4156536479" sldId="590"/>
-        </pc:sldMkLst>
-        <pc:spChg chg="mod">
-          <ac:chgData name="Zhao Jin" userId="cd05a825-544c-438a-9ba1-08e63db50b47" providerId="ADAL" clId="{867F3690-C100-40EE-A937-14612E9F3314}" dt="2021-02-11T11:13:32.173" v="10" actId="20577"/>
-          <ac:spMkLst>
-            <pc:docMk/>
-            <pc:sldMk cId="4156536479" sldId="590"/>
-            <ac:spMk id="7" creationId="{00000000-0000-0000-0000-000000000000}"/>
-          </ac:spMkLst>
-        </pc:spChg>
-        <pc:spChg chg="del">
-          <ac:chgData name="Zhao Jin" userId="cd05a825-544c-438a-9ba1-08e63db50b47" providerId="ADAL" clId="{867F3690-C100-40EE-A937-14612E9F3314}" dt="2021-02-15T04:58:14.889" v="202" actId="478"/>
-          <ac:spMkLst>
-            <pc:docMk/>
-            <pc:sldMk cId="4156536479" sldId="590"/>
-            <ac:spMk id="34" creationId="{1DA4B870-5E05-4566-A46F-B6A051179C55}"/>
-          </ac:spMkLst>
-        </pc:spChg>
-      </pc:sldChg>
-      <pc:sldChg chg="modSp add mod">
-        <pc:chgData name="Zhao Jin" userId="cd05a825-544c-438a-9ba1-08e63db50b47" providerId="ADAL" clId="{867F3690-C100-40EE-A937-14612E9F3314}" dt="2021-02-11T11:13:35.741" v="11"/>
-        <pc:sldMkLst>
-          <pc:docMk/>
-          <pc:sldMk cId="2217225800" sldId="594"/>
-        </pc:sldMkLst>
-        <pc:spChg chg="mod">
-          <ac:chgData name="Zhao Jin" userId="cd05a825-544c-438a-9ba1-08e63db50b47" providerId="ADAL" clId="{867F3690-C100-40EE-A937-14612E9F3314}" dt="2021-02-11T11:13:35.741" v="11"/>
-          <ac:spMkLst>
-            <pc:docMk/>
-            <pc:sldMk cId="2217225800" sldId="594"/>
-            <ac:spMk id="7" creationId="{00000000-0000-0000-0000-000000000000}"/>
-          </ac:spMkLst>
-        </pc:spChg>
-      </pc:sldChg>
-      <pc:sldChg chg="delSp modSp add mod">
-        <pc:chgData name="Zhao Jin" userId="cd05a825-544c-438a-9ba1-08e63db50b47" providerId="ADAL" clId="{867F3690-C100-40EE-A937-14612E9F3314}" dt="2021-02-11T11:13:40.184" v="13" actId="478"/>
-        <pc:sldMkLst>
-          <pc:docMk/>
-          <pc:sldMk cId="2419983458" sldId="595"/>
-        </pc:sldMkLst>
-        <pc:spChg chg="mod">
-          <ac:chgData name="Zhao Jin" userId="cd05a825-544c-438a-9ba1-08e63db50b47" providerId="ADAL" clId="{867F3690-C100-40EE-A937-14612E9F3314}" dt="2021-02-11T11:13:37.679" v="12"/>
-          <ac:spMkLst>
-            <pc:docMk/>
-            <pc:sldMk cId="2419983458" sldId="595"/>
-            <ac:spMk id="7" creationId="{00000000-0000-0000-0000-000000000000}"/>
-          </ac:spMkLst>
-        </pc:spChg>
-        <pc:spChg chg="del">
-          <ac:chgData name="Zhao Jin" userId="cd05a825-544c-438a-9ba1-08e63db50b47" providerId="ADAL" clId="{867F3690-C100-40EE-A937-14612E9F3314}" dt="2021-02-11T11:13:40.184" v="13" actId="478"/>
-          <ac:spMkLst>
-            <pc:docMk/>
-            <pc:sldMk cId="2419983458" sldId="595"/>
-            <ac:spMk id="9" creationId="{02DD4937-725F-46B8-8AE4-992DF5A782AD}"/>
-          </ac:spMkLst>
-        </pc:spChg>
-      </pc:sldChg>
-    </pc:docChg>
-  </pc:docChgLst>
-  <pc:docChgLst>
-    <pc:chgData name="Zhao Jin" userId="cd05a825-544c-438a-9ba1-08e63db50b47" providerId="ADAL" clId="{FB8F02A0-9B99-4C9E-A1D1-3BF41D9621D7}"/>
-    <pc:docChg chg="undo custSel addSld delSld modSld sldOrd">
-      <pc:chgData name="Zhao Jin" userId="cd05a825-544c-438a-9ba1-08e63db50b47" providerId="ADAL" clId="{FB8F02A0-9B99-4C9E-A1D1-3BF41D9621D7}" dt="2021-02-08T02:21:29.074" v="2208" actId="20577"/>
-      <pc:docMkLst>
-        <pc:docMk/>
-      </pc:docMkLst>
-      <pc:sldChg chg="modSp">
-        <pc:chgData name="Zhao Jin" userId="cd05a825-544c-438a-9ba1-08e63db50b47" providerId="ADAL" clId="{FB8F02A0-9B99-4C9E-A1D1-3BF41D9621D7}" dt="2021-02-03T06:53:35.324" v="0"/>
-        <pc:sldMkLst>
-          <pc:docMk/>
-          <pc:sldMk cId="0" sldId="256"/>
-        </pc:sldMkLst>
-        <pc:spChg chg="mod">
-          <ac:chgData name="Zhao Jin" userId="cd05a825-544c-438a-9ba1-08e63db50b47" providerId="ADAL" clId="{FB8F02A0-9B99-4C9E-A1D1-3BF41D9621D7}" dt="2021-02-03T06:53:35.324" v="0"/>
-          <ac:spMkLst>
-            <pc:docMk/>
-            <pc:sldMk cId="0" sldId="256"/>
-            <ac:spMk id="8" creationId="{00000000-0000-0000-0000-000000000000}"/>
-          </ac:spMkLst>
-        </pc:spChg>
-      </pc:sldChg>
-      <pc:sldChg chg="modSp del">
-        <pc:chgData name="Zhao Jin" userId="cd05a825-544c-438a-9ba1-08e63db50b47" providerId="ADAL" clId="{FB8F02A0-9B99-4C9E-A1D1-3BF41D9621D7}" dt="2021-02-03T07:15:04.758" v="547" actId="47"/>
-        <pc:sldMkLst>
-          <pc:docMk/>
-          <pc:sldMk cId="1492339910" sldId="485"/>
-        </pc:sldMkLst>
-        <pc:spChg chg="mod">
-          <ac:chgData name="Zhao Jin" userId="cd05a825-544c-438a-9ba1-08e63db50b47" providerId="ADAL" clId="{FB8F02A0-9B99-4C9E-A1D1-3BF41D9621D7}" dt="2021-02-03T06:53:44.883" v="1"/>
-          <ac:spMkLst>
-            <pc:docMk/>
-            <pc:sldMk cId="1492339910" sldId="485"/>
-            <ac:spMk id="9" creationId="{00000000-0000-0000-0000-000000000000}"/>
-          </ac:spMkLst>
-        </pc:spChg>
-      </pc:sldChg>
-      <pc:sldChg chg="addSp modSp add del mod">
-        <pc:chgData name="Zhao Jin" userId="cd05a825-544c-438a-9ba1-08e63db50b47" providerId="ADAL" clId="{FB8F02A0-9B99-4C9E-A1D1-3BF41D9621D7}" dt="2021-02-03T07:45:22.990" v="2123" actId="20577"/>
-        <pc:sldMkLst>
-          <pc:docMk/>
-          <pc:sldMk cId="2775173622" sldId="524"/>
-        </pc:sldMkLst>
-        <pc:spChg chg="mod">
-          <ac:chgData name="Zhao Jin" userId="cd05a825-544c-438a-9ba1-08e63db50b47" providerId="ADAL" clId="{FB8F02A0-9B99-4C9E-A1D1-3BF41D9621D7}" dt="2021-02-03T07:45:22.990" v="2123" actId="20577"/>
-          <ac:spMkLst>
-            <pc:docMk/>
-            <pc:sldMk cId="2775173622" sldId="524"/>
-            <ac:spMk id="9" creationId="{00000000-0000-0000-0000-000000000000}"/>
-          </ac:spMkLst>
-        </pc:spChg>
-        <pc:spChg chg="mod">
-          <ac:chgData name="Zhao Jin" userId="cd05a825-544c-438a-9ba1-08e63db50b47" providerId="ADAL" clId="{FB8F02A0-9B99-4C9E-A1D1-3BF41D9621D7}" dt="2021-02-03T07:33:45.435" v="1346" actId="5793"/>
-          <ac:spMkLst>
-            <pc:docMk/>
-            <pc:sldMk cId="2775173622" sldId="524"/>
-            <ac:spMk id="15" creationId="{00000000-0000-0000-0000-000000000000}"/>
-          </ac:spMkLst>
-        </pc:spChg>
-        <pc:graphicFrameChg chg="mod">
-          <ac:chgData name="Zhao Jin" userId="cd05a825-544c-438a-9ba1-08e63db50b47" providerId="ADAL" clId="{FB8F02A0-9B99-4C9E-A1D1-3BF41D9621D7}" dt="2021-02-03T07:33:48.878" v="1369" actId="1035"/>
-          <ac:graphicFrameMkLst>
-            <pc:docMk/>
-            <pc:sldMk cId="2775173622" sldId="524"/>
-            <ac:graphicFrameMk id="5" creationId="{9E742EBA-8F43-4310-AD68-B4660B9ECF59}"/>
-          </ac:graphicFrameMkLst>
-        </pc:graphicFrameChg>
-        <pc:graphicFrameChg chg="add mod modGraphic">
-          <ac:chgData name="Zhao Jin" userId="cd05a825-544c-438a-9ba1-08e63db50b47" providerId="ADAL" clId="{FB8F02A0-9B99-4C9E-A1D1-3BF41D9621D7}" dt="2021-02-03T07:40:44.294" v="1858" actId="1076"/>
-          <ac:graphicFrameMkLst>
-            <pc:docMk/>
-            <pc:sldMk cId="2775173622" sldId="524"/>
-            <ac:graphicFrameMk id="7" creationId="{1DC5F05D-202E-4474-8067-C5632E06F885}"/>
-          </ac:graphicFrameMkLst>
-        </pc:graphicFrameChg>
-      </pc:sldChg>
-      <pc:sldChg chg="modSp mod">
-        <pc:chgData name="Zhao Jin" userId="cd05a825-544c-438a-9ba1-08e63db50b47" providerId="ADAL" clId="{FB8F02A0-9B99-4C9E-A1D1-3BF41D9621D7}" dt="2021-02-03T09:16:16.308" v="2184" actId="20577"/>
-        <pc:sldMkLst>
-          <pc:docMk/>
-          <pc:sldMk cId="4078418712" sldId="525"/>
-        </pc:sldMkLst>
-        <pc:spChg chg="mod">
-          <ac:chgData name="Zhao Jin" userId="cd05a825-544c-438a-9ba1-08e63db50b47" providerId="ADAL" clId="{FB8F02A0-9B99-4C9E-A1D1-3BF41D9621D7}" dt="2021-02-03T09:16:16.308" v="2184" actId="20577"/>
-          <ac:spMkLst>
-            <pc:docMk/>
-            <pc:sldMk cId="4078418712" sldId="525"/>
-            <ac:spMk id="8" creationId="{00000000-0000-0000-0000-000000000000}"/>
-          </ac:spMkLst>
-        </pc:spChg>
-        <pc:spChg chg="mod">
-          <ac:chgData name="Zhao Jin" userId="cd05a825-544c-438a-9ba1-08e63db50b47" providerId="ADAL" clId="{FB8F02A0-9B99-4C9E-A1D1-3BF41D9621D7}" dt="2021-02-03T06:53:44.883" v="1"/>
-          <ac:spMkLst>
-            <pc:docMk/>
-            <pc:sldMk cId="4078418712" sldId="525"/>
-            <ac:spMk id="43" creationId="{00000000-0000-0000-0000-000000000000}"/>
-          </ac:spMkLst>
-        </pc:spChg>
-      </pc:sldChg>
-      <pc:sldChg chg="modSp del">
-        <pc:chgData name="Zhao Jin" userId="cd05a825-544c-438a-9ba1-08e63db50b47" providerId="ADAL" clId="{FB8F02A0-9B99-4C9E-A1D1-3BF41D9621D7}" dt="2021-02-03T07:02:36.712" v="7" actId="47"/>
-        <pc:sldMkLst>
-          <pc:docMk/>
-          <pc:sldMk cId="3949125736" sldId="548"/>
-        </pc:sldMkLst>
-        <pc:spChg chg="mod">
-          <ac:chgData name="Zhao Jin" userId="cd05a825-544c-438a-9ba1-08e63db50b47" providerId="ADAL" clId="{FB8F02A0-9B99-4C9E-A1D1-3BF41D9621D7}" dt="2021-02-03T06:53:44.883" v="1"/>
-          <ac:spMkLst>
-            <pc:docMk/>
-            <pc:sldMk cId="3949125736" sldId="548"/>
-            <ac:spMk id="7" creationId="{00000000-0000-0000-0000-000000000000}"/>
-          </ac:spMkLst>
-        </pc:spChg>
-      </pc:sldChg>
-      <pc:sldChg chg="modSp del">
-        <pc:chgData name="Zhao Jin" userId="cd05a825-544c-438a-9ba1-08e63db50b47" providerId="ADAL" clId="{FB8F02A0-9B99-4C9E-A1D1-3BF41D9621D7}" dt="2021-02-03T07:02:36.889" v="8" actId="47"/>
-        <pc:sldMkLst>
-          <pc:docMk/>
-          <pc:sldMk cId="2939077141" sldId="549"/>
-        </pc:sldMkLst>
-        <pc:spChg chg="mod">
-          <ac:chgData name="Zhao Jin" userId="cd05a825-544c-438a-9ba1-08e63db50b47" providerId="ADAL" clId="{FB8F02A0-9B99-4C9E-A1D1-3BF41D9621D7}" dt="2021-02-03T06:53:44.883" v="1"/>
-          <ac:spMkLst>
-            <pc:docMk/>
-            <pc:sldMk cId="2939077141" sldId="549"/>
-            <ac:spMk id="7" creationId="{00000000-0000-0000-0000-000000000000}"/>
-          </ac:spMkLst>
-        </pc:spChg>
-      </pc:sldChg>
-      <pc:sldChg chg="add del">
-        <pc:chgData name="Zhao Jin" userId="cd05a825-544c-438a-9ba1-08e63db50b47" providerId="ADAL" clId="{FB8F02A0-9B99-4C9E-A1D1-3BF41D9621D7}" dt="2021-02-03T07:07:45.930" v="221" actId="47"/>
-        <pc:sldMkLst>
-          <pc:docMk/>
-          <pc:sldMk cId="1352675019" sldId="551"/>
-        </pc:sldMkLst>
-      </pc:sldChg>
-      <pc:sldChg chg="addSp delSp modSp add mod">
-        <pc:chgData name="Zhao Jin" userId="cd05a825-544c-438a-9ba1-08e63db50b47" providerId="ADAL" clId="{FB8F02A0-9B99-4C9E-A1D1-3BF41D9621D7}" dt="2021-02-03T07:41:34.595" v="1864" actId="20578"/>
-        <pc:sldMkLst>
-          <pc:docMk/>
-          <pc:sldMk cId="2882118053" sldId="552"/>
-        </pc:sldMkLst>
-        <pc:spChg chg="mod">
-          <ac:chgData name="Zhao Jin" userId="cd05a825-544c-438a-9ba1-08e63db50b47" providerId="ADAL" clId="{FB8F02A0-9B99-4C9E-A1D1-3BF41D9621D7}" dt="2021-02-03T07:20:27.068" v="933"/>
-          <ac:spMkLst>
-            <pc:docMk/>
-            <pc:sldMk cId="2882118053" sldId="552"/>
-            <ac:spMk id="7" creationId="{00000000-0000-0000-0000-000000000000}"/>
-          </ac:spMkLst>
-        </pc:spChg>
-        <pc:spChg chg="del">
-          <ac:chgData name="Zhao Jin" userId="cd05a825-544c-438a-9ba1-08e63db50b47" providerId="ADAL" clId="{FB8F02A0-9B99-4C9E-A1D1-3BF41D9621D7}" dt="2021-02-03T07:09:30.600" v="244" actId="478"/>
-          <ac:spMkLst>
-            <pc:docMk/>
-            <pc:sldMk cId="2882118053" sldId="552"/>
-            <ac:spMk id="8" creationId="{2E1C1BF2-C4FF-4BFC-994A-888F6115928D}"/>
-          </ac:spMkLst>
-        </pc:spChg>
-        <pc:spChg chg="add del mod">
-          <ac:chgData name="Zhao Jin" userId="cd05a825-544c-438a-9ba1-08e63db50b47" providerId="ADAL" clId="{FB8F02A0-9B99-4C9E-A1D1-3BF41D9621D7}" dt="2021-02-03T07:11:53.207" v="461" actId="478"/>
-          <ac:spMkLst>
-            <pc:docMk/>
-            <pc:sldMk cId="2882118053" sldId="552"/>
-            <ac:spMk id="9" creationId="{35649340-5AB4-4CED-B84B-66D13E8E2455}"/>
-          </ac:spMkLst>
-        </pc:spChg>
-        <pc:spChg chg="mod">
-          <ac:chgData name="Zhao Jin" userId="cd05a825-544c-438a-9ba1-08e63db50b47" providerId="ADAL" clId="{FB8F02A0-9B99-4C9E-A1D1-3BF41D9621D7}" dt="2021-02-03T07:41:34.595" v="1864" actId="20578"/>
-          <ac:spMkLst>
-            <pc:docMk/>
-            <pc:sldMk cId="2882118053" sldId="552"/>
-            <ac:spMk id="10" creationId="{00000000-0000-0000-0000-000000000000}"/>
-          </ac:spMkLst>
-        </pc:spChg>
-        <pc:spChg chg="mod">
-          <ac:chgData name="Zhao Jin" userId="cd05a825-544c-438a-9ba1-08e63db50b47" providerId="ADAL" clId="{FB8F02A0-9B99-4C9E-A1D1-3BF41D9621D7}" dt="2021-02-03T07:12:55.107" v="512" actId="1035"/>
-          <ac:spMkLst>
-            <pc:docMk/>
-            <pc:sldMk cId="2882118053" sldId="552"/>
-            <ac:spMk id="49" creationId="{00000000-0000-0000-0000-000000000000}"/>
-          </ac:spMkLst>
-        </pc:spChg>
-      </pc:sldChg>
-      <pc:sldChg chg="modSp add mod">
-        <pc:chgData name="Zhao Jin" userId="cd05a825-544c-438a-9ba1-08e63db50b47" providerId="ADAL" clId="{FB8F02A0-9B99-4C9E-A1D1-3BF41D9621D7}" dt="2021-02-03T07:20:30.275" v="935"/>
-        <pc:sldMkLst>
-          <pc:docMk/>
-          <pc:sldMk cId="2082920116" sldId="553"/>
-        </pc:sldMkLst>
-        <pc:spChg chg="mod">
-          <ac:chgData name="Zhao Jin" userId="cd05a825-544c-438a-9ba1-08e63db50b47" providerId="ADAL" clId="{FB8F02A0-9B99-4C9E-A1D1-3BF41D9621D7}" dt="2021-02-03T07:20:30.275" v="935"/>
-          <ac:spMkLst>
-            <pc:docMk/>
-            <pc:sldMk cId="2082920116" sldId="553"/>
-            <ac:spMk id="7" creationId="{00000000-0000-0000-0000-000000000000}"/>
-          </ac:spMkLst>
-        </pc:spChg>
-      </pc:sldChg>
-      <pc:sldChg chg="addSp delSp modSp add mod modAnim">
-        <pc:chgData name="Zhao Jin" userId="cd05a825-544c-438a-9ba1-08e63db50b47" providerId="ADAL" clId="{FB8F02A0-9B99-4C9E-A1D1-3BF41D9621D7}" dt="2021-02-03T07:42:15.454" v="1867" actId="20577"/>
-        <pc:sldMkLst>
-          <pc:docMk/>
-          <pc:sldMk cId="1659983766" sldId="554"/>
-        </pc:sldMkLst>
-        <pc:spChg chg="add del mod">
-          <ac:chgData name="Zhao Jin" userId="cd05a825-544c-438a-9ba1-08e63db50b47" providerId="ADAL" clId="{FB8F02A0-9B99-4C9E-A1D1-3BF41D9621D7}" dt="2021-02-03T07:29:17.949" v="950" actId="478"/>
-          <ac:spMkLst>
-            <pc:docMk/>
-            <pc:sldMk cId="1659983766" sldId="554"/>
-            <ac:spMk id="3" creationId="{22FB21F0-0206-4164-A081-5ED30358D09D}"/>
-          </ac:spMkLst>
-        </pc:spChg>
-        <pc:spChg chg="mod">
-          <ac:chgData name="Zhao Jin" userId="cd05a825-544c-438a-9ba1-08e63db50b47" providerId="ADAL" clId="{FB8F02A0-9B99-4C9E-A1D1-3BF41D9621D7}" dt="2021-02-03T07:20:18.467" v="929"/>
-          <ac:spMkLst>
-            <pc:docMk/>
-            <pc:sldMk cId="1659983766" sldId="554"/>
-            <ac:spMk id="7" creationId="{00000000-0000-0000-0000-000000000000}"/>
-          </ac:spMkLst>
-        </pc:spChg>
-        <pc:spChg chg="del">
-          <ac:chgData name="Zhao Jin" userId="cd05a825-544c-438a-9ba1-08e63db50b47" providerId="ADAL" clId="{FB8F02A0-9B99-4C9E-A1D1-3BF41D9621D7}" dt="2021-02-03T07:29:15.261" v="948" actId="478"/>
-          <ac:spMkLst>
-            <pc:docMk/>
-            <pc:sldMk cId="1659983766" sldId="554"/>
-            <ac:spMk id="16" creationId="{00000000-0000-0000-0000-000000000000}"/>
-          </ac:spMkLst>
-        </pc:spChg>
-        <pc:spChg chg="add mod">
-          <ac:chgData name="Zhao Jin" userId="cd05a825-544c-438a-9ba1-08e63db50b47" providerId="ADAL" clId="{FB8F02A0-9B99-4C9E-A1D1-3BF41D9621D7}" dt="2021-02-03T07:29:42.701" v="1050" actId="1076"/>
-          <ac:spMkLst>
-            <pc:docMk/>
-            <pc:sldMk cId="1659983766" sldId="554"/>
-            <ac:spMk id="27" creationId="{92A14019-DDA0-4208-9F61-99DDC433B2BD}"/>
-          </ac:spMkLst>
-        </pc:spChg>
-        <pc:spChg chg="mod">
-          <ac:chgData name="Zhao Jin" userId="cd05a825-544c-438a-9ba1-08e63db50b47" providerId="ADAL" clId="{FB8F02A0-9B99-4C9E-A1D1-3BF41D9621D7}" dt="2021-02-03T07:29:26.811" v="998"/>
-          <ac:spMkLst>
-            <pc:docMk/>
-            <pc:sldMk cId="1659983766" sldId="554"/>
-            <ac:spMk id="29" creationId="{FC4C5933-B2F5-4C60-95B2-096787D10035}"/>
-          </ac:spMkLst>
-        </pc:spChg>
-        <pc:spChg chg="mod">
-          <ac:chgData name="Zhao Jin" userId="cd05a825-544c-438a-9ba1-08e63db50b47" providerId="ADAL" clId="{FB8F02A0-9B99-4C9E-A1D1-3BF41D9621D7}" dt="2021-02-03T07:29:26.811" v="998"/>
-          <ac:spMkLst>
-            <pc:docMk/>
-            <pc:sldMk cId="1659983766" sldId="554"/>
-            <ac:spMk id="48" creationId="{71808A35-3B52-4E71-8D1F-613837507E94}"/>
-          </ac:spMkLst>
-        </pc:spChg>
-        <pc:spChg chg="mod">
-          <ac:chgData name="Zhao Jin" userId="cd05a825-544c-438a-9ba1-08e63db50b47" providerId="ADAL" clId="{FB8F02A0-9B99-4C9E-A1D1-3BF41D9621D7}" dt="2021-02-03T07:30:10.231" v="1094" actId="6549"/>
-          <ac:spMkLst>
-            <pc:docMk/>
-            <pc:sldMk cId="1659983766" sldId="554"/>
-            <ac:spMk id="49" creationId="{21EEE82A-4DB6-1D4F-9A03-5951F440FE93}"/>
-          </ac:spMkLst>
-        </pc:spChg>
-        <pc:spChg chg="del">
-          <ac:chgData name="Zhao Jin" userId="cd05a825-544c-438a-9ba1-08e63db50b47" providerId="ADAL" clId="{FB8F02A0-9B99-4C9E-A1D1-3BF41D9621D7}" dt="2021-02-03T07:29:16.423" v="949" actId="478"/>
-          <ac:spMkLst>
-            <pc:docMk/>
-            <pc:sldMk cId="1659983766" sldId="554"/>
-            <ac:spMk id="50" creationId="{6A68E681-1A88-9040-8F49-07716663CAA5}"/>
-          </ac:spMkLst>
-        </pc:spChg>
-        <pc:spChg chg="mod">
-          <ac:chgData name="Zhao Jin" userId="cd05a825-544c-438a-9ba1-08e63db50b47" providerId="ADAL" clId="{FB8F02A0-9B99-4C9E-A1D1-3BF41D9621D7}" dt="2021-02-03T07:29:26.811" v="998"/>
-          <ac:spMkLst>
-            <pc:docMk/>
-            <pc:sldMk cId="1659983766" sldId="554"/>
-            <ac:spMk id="53" creationId="{9CE4D09C-17E4-46E9-BDB3-75869D51106A}"/>
-          </ac:spMkLst>
-        </pc:spChg>
-        <pc:spChg chg="mod">
-          <ac:chgData name="Zhao Jin" userId="cd05a825-544c-438a-9ba1-08e63db50b47" providerId="ADAL" clId="{FB8F02A0-9B99-4C9E-A1D1-3BF41D9621D7}" dt="2021-02-03T07:29:26.811" v="998"/>
-          <ac:spMkLst>
-            <pc:docMk/>
-            <pc:sldMk cId="1659983766" sldId="554"/>
-            <ac:spMk id="54" creationId="{660FC6E4-3A42-4DD0-B2D9-CE278C7F1A0D}"/>
-          </ac:spMkLst>
-        </pc:spChg>
-        <pc:spChg chg="mod">
-          <ac:chgData name="Zhao Jin" userId="cd05a825-544c-438a-9ba1-08e63db50b47" providerId="ADAL" clId="{FB8F02A0-9B99-4C9E-A1D1-3BF41D9621D7}" dt="2021-02-03T07:29:26.811" v="998"/>
-          <ac:spMkLst>
-            <pc:docMk/>
-            <pc:sldMk cId="1659983766" sldId="554"/>
-            <ac:spMk id="55" creationId="{6AD50E3B-D58F-4706-8F12-825A6AA8A1D4}"/>
-          </ac:spMkLst>
-        </pc:spChg>
-        <pc:spChg chg="mod">
-          <ac:chgData name="Zhao Jin" userId="cd05a825-544c-438a-9ba1-08e63db50b47" providerId="ADAL" clId="{FB8F02A0-9B99-4C9E-A1D1-3BF41D9621D7}" dt="2021-02-03T07:42:15.454" v="1867" actId="20577"/>
-          <ac:spMkLst>
-            <pc:docMk/>
-            <pc:sldMk cId="1659983766" sldId="554"/>
-            <ac:spMk id="14338" creationId="{00000000-0000-0000-0000-000000000000}"/>
-          </ac:spMkLst>
-        </pc:spChg>
-        <pc:grpChg chg="add mod">
-          <ac:chgData name="Zhao Jin" userId="cd05a825-544c-438a-9ba1-08e63db50b47" providerId="ADAL" clId="{FB8F02A0-9B99-4C9E-A1D1-3BF41D9621D7}" dt="2021-02-03T07:29:46.358" v="1075" actId="1035"/>
-          <ac:grpSpMkLst>
-            <pc:docMk/>
-            <pc:sldMk cId="1659983766" sldId="554"/>
-            <ac:grpSpMk id="28" creationId="{6DC58495-9276-4141-8C72-3141FAA48D65}"/>
-          </ac:grpSpMkLst>
-        </pc:grpChg>
-        <pc:grpChg chg="mod">
-          <ac:chgData name="Zhao Jin" userId="cd05a825-544c-438a-9ba1-08e63db50b47" providerId="ADAL" clId="{FB8F02A0-9B99-4C9E-A1D1-3BF41D9621D7}" dt="2021-02-03T07:29:21.870" v="996" actId="1036"/>
-          <ac:grpSpMkLst>
-            <pc:docMk/>
-            <pc:sldMk cId="1659983766" sldId="554"/>
-            <ac:grpSpMk id="31" creationId="{00000000-0000-0000-0000-000000000000}"/>
-          </ac:grpSpMkLst>
-        </pc:grpChg>
-        <pc:cxnChg chg="mod">
-          <ac:chgData name="Zhao Jin" userId="cd05a825-544c-438a-9ba1-08e63db50b47" providerId="ADAL" clId="{FB8F02A0-9B99-4C9E-A1D1-3BF41D9621D7}" dt="2021-02-03T07:29:26.811" v="998"/>
-          <ac:cxnSpMkLst>
-            <pc:docMk/>
-            <pc:sldMk cId="1659983766" sldId="554"/>
-            <ac:cxnSpMk id="30" creationId="{78DAB3B7-A5FF-40F9-AFF0-BE4F192AA497}"/>
-          </ac:cxnSpMkLst>
-        </pc:cxnChg>
-        <pc:cxnChg chg="mod">
-          <ac:chgData name="Zhao Jin" userId="cd05a825-544c-438a-9ba1-08e63db50b47" providerId="ADAL" clId="{FB8F02A0-9B99-4C9E-A1D1-3BF41D9621D7}" dt="2021-02-03T07:29:26.811" v="998"/>
-          <ac:cxnSpMkLst>
-            <pc:docMk/>
-            <pc:sldMk cId="1659983766" sldId="554"/>
-            <ac:cxnSpMk id="51" creationId="{354B2C0D-F342-411F-ABB8-9EC0422203C0}"/>
-          </ac:cxnSpMkLst>
-        </pc:cxnChg>
-        <pc:cxnChg chg="mod">
-          <ac:chgData name="Zhao Jin" userId="cd05a825-544c-438a-9ba1-08e63db50b47" providerId="ADAL" clId="{FB8F02A0-9B99-4C9E-A1D1-3BF41D9621D7}" dt="2021-02-03T07:29:26.811" v="998"/>
-          <ac:cxnSpMkLst>
-            <pc:docMk/>
-            <pc:sldMk cId="1659983766" sldId="554"/>
-            <ac:cxnSpMk id="52" creationId="{65622F6F-A879-483D-916A-2D3A97E78851}"/>
-          </ac:cxnSpMkLst>
-        </pc:cxnChg>
-        <pc:cxnChg chg="mod">
-          <ac:chgData name="Zhao Jin" userId="cd05a825-544c-438a-9ba1-08e63db50b47" providerId="ADAL" clId="{FB8F02A0-9B99-4C9E-A1D1-3BF41D9621D7}" dt="2021-02-03T07:29:26.811" v="998"/>
-          <ac:cxnSpMkLst>
-            <pc:docMk/>
-            <pc:sldMk cId="1659983766" sldId="554"/>
-            <ac:cxnSpMk id="56" creationId="{0D25BAB2-93E8-4D4D-AB3D-3F92C2CA5D26}"/>
-          </ac:cxnSpMkLst>
-        </pc:cxnChg>
-        <pc:cxnChg chg="mod">
-          <ac:chgData name="Zhao Jin" userId="cd05a825-544c-438a-9ba1-08e63db50b47" providerId="ADAL" clId="{FB8F02A0-9B99-4C9E-A1D1-3BF41D9621D7}" dt="2021-02-03T07:29:26.811" v="998"/>
-          <ac:cxnSpMkLst>
-            <pc:docMk/>
-            <pc:sldMk cId="1659983766" sldId="554"/>
-            <ac:cxnSpMk id="57" creationId="{BDB98A6F-4360-4DF4-BD45-A66BF7A57AA6}"/>
-          </ac:cxnSpMkLst>
-        </pc:cxnChg>
-        <pc:cxnChg chg="mod">
-          <ac:chgData name="Zhao Jin" userId="cd05a825-544c-438a-9ba1-08e63db50b47" providerId="ADAL" clId="{FB8F02A0-9B99-4C9E-A1D1-3BF41D9621D7}" dt="2021-02-03T07:29:26.811" v="998"/>
-          <ac:cxnSpMkLst>
-            <pc:docMk/>
-            <pc:sldMk cId="1659983766" sldId="554"/>
-            <ac:cxnSpMk id="58" creationId="{DF8C4210-3D97-42C9-8160-05B4C16EFF85}"/>
-          </ac:cxnSpMkLst>
-        </pc:cxnChg>
-      </pc:sldChg>
-      <pc:sldChg chg="addSp delSp modSp add del mod">
-        <pc:chgData name="Zhao Jin" userId="cd05a825-544c-438a-9ba1-08e63db50b47" providerId="ADAL" clId="{FB8F02A0-9B99-4C9E-A1D1-3BF41D9621D7}" dt="2021-02-03T07:07:06.993" v="219" actId="47"/>
-        <pc:sldMkLst>
-          <pc:docMk/>
-          <pc:sldMk cId="1268238251" sldId="555"/>
-        </pc:sldMkLst>
-        <pc:spChg chg="mod">
-          <ac:chgData name="Zhao Jin" userId="cd05a825-544c-438a-9ba1-08e63db50b47" providerId="ADAL" clId="{FB8F02A0-9B99-4C9E-A1D1-3BF41D9621D7}" dt="2021-02-03T07:04:16.379" v="103" actId="1035"/>
-          <ac:spMkLst>
-            <pc:docMk/>
-            <pc:sldMk cId="1268238251" sldId="555"/>
-            <ac:spMk id="11" creationId="{2DB8C0DD-2610-48AA-A2F1-A9AE4DD922BA}"/>
-          </ac:spMkLst>
-        </pc:spChg>
-        <pc:spChg chg="mod">
-          <ac:chgData name="Zhao Jin" userId="cd05a825-544c-438a-9ba1-08e63db50b47" providerId="ADAL" clId="{FB8F02A0-9B99-4C9E-A1D1-3BF41D9621D7}" dt="2021-02-03T07:04:16.379" v="103" actId="1035"/>
-          <ac:spMkLst>
-            <pc:docMk/>
-            <pc:sldMk cId="1268238251" sldId="555"/>
-            <ac:spMk id="13" creationId="{972B1E9B-C6E8-4DE8-871E-C214A3D77F45}"/>
-          </ac:spMkLst>
-        </pc:spChg>
-        <pc:spChg chg="add del mod">
-          <ac:chgData name="Zhao Jin" userId="cd05a825-544c-438a-9ba1-08e63db50b47" providerId="ADAL" clId="{FB8F02A0-9B99-4C9E-A1D1-3BF41D9621D7}" dt="2021-02-03T07:04:43.715" v="112" actId="478"/>
-          <ac:spMkLst>
-            <pc:docMk/>
-            <pc:sldMk cId="1268238251" sldId="555"/>
-            <ac:spMk id="14" creationId="{CD79967B-40B1-4B58-85F0-1D333E655CC2}"/>
-          </ac:spMkLst>
-        </pc:spChg>
-        <pc:spChg chg="mod">
-          <ac:chgData name="Zhao Jin" userId="cd05a825-544c-438a-9ba1-08e63db50b47" providerId="ADAL" clId="{FB8F02A0-9B99-4C9E-A1D1-3BF41D9621D7}" dt="2021-02-03T07:04:16.379" v="103" actId="1035"/>
-          <ac:spMkLst>
-            <pc:docMk/>
-            <pc:sldMk cId="1268238251" sldId="555"/>
-            <ac:spMk id="25" creationId="{F43FC8C1-7270-804E-9F1F-0B4AED0CEA28}"/>
-          </ac:spMkLst>
-        </pc:spChg>
-        <pc:spChg chg="mod">
-          <ac:chgData name="Zhao Jin" userId="cd05a825-544c-438a-9ba1-08e63db50b47" providerId="ADAL" clId="{FB8F02A0-9B99-4C9E-A1D1-3BF41D9621D7}" dt="2021-02-03T07:04:16.379" v="103" actId="1035"/>
-          <ac:spMkLst>
-            <pc:docMk/>
-            <pc:sldMk cId="1268238251" sldId="555"/>
-            <ac:spMk id="26" creationId="{D54C351E-DA02-A443-8515-857077895051}"/>
-          </ac:spMkLst>
-        </pc:spChg>
-        <pc:spChg chg="mod">
-          <ac:chgData name="Zhao Jin" userId="cd05a825-544c-438a-9ba1-08e63db50b47" providerId="ADAL" clId="{FB8F02A0-9B99-4C9E-A1D1-3BF41D9621D7}" dt="2021-02-03T07:04:16.379" v="103" actId="1035"/>
-          <ac:spMkLst>
-            <pc:docMk/>
-            <pc:sldMk cId="1268238251" sldId="555"/>
-            <ac:spMk id="27" creationId="{367D5355-0C55-2E48-9F4B-AB4FC9100A05}"/>
-          </ac:spMkLst>
-        </pc:spChg>
-        <pc:spChg chg="del">
-          <ac:chgData name="Zhao Jin" userId="cd05a825-544c-438a-9ba1-08e63db50b47" providerId="ADAL" clId="{FB8F02A0-9B99-4C9E-A1D1-3BF41D9621D7}" dt="2021-02-03T07:04:11.956" v="78" actId="478"/>
-          <ac:spMkLst>
-            <pc:docMk/>
-            <pc:sldMk cId="1268238251" sldId="555"/>
-            <ac:spMk id="49" creationId="{21EEE82A-4DB6-1D4F-9A03-5951F440FE93}"/>
-          </ac:spMkLst>
-        </pc:spChg>
-        <pc:spChg chg="mod">
-          <ac:chgData name="Zhao Jin" userId="cd05a825-544c-438a-9ba1-08e63db50b47" providerId="ADAL" clId="{FB8F02A0-9B99-4C9E-A1D1-3BF41D9621D7}" dt="2021-02-03T07:04:44.834" v="113" actId="6549"/>
-          <ac:spMkLst>
-            <pc:docMk/>
-            <pc:sldMk cId="1268238251" sldId="555"/>
-            <ac:spMk id="14338" creationId="{00000000-0000-0000-0000-000000000000}"/>
-          </ac:spMkLst>
-        </pc:spChg>
-        <pc:picChg chg="mod">
-          <ac:chgData name="Zhao Jin" userId="cd05a825-544c-438a-9ba1-08e63db50b47" providerId="ADAL" clId="{FB8F02A0-9B99-4C9E-A1D1-3BF41D9621D7}" dt="2021-02-03T07:04:16.379" v="103" actId="1035"/>
-          <ac:picMkLst>
-            <pc:docMk/>
-            <pc:sldMk cId="1268238251" sldId="555"/>
-            <ac:picMk id="10" creationId="{54864FA4-5498-40C2-AC55-7C820DE312A4}"/>
-          </ac:picMkLst>
-        </pc:picChg>
-      </pc:sldChg>
-      <pc:sldChg chg="modSp add del mod">
-        <pc:chgData name="Zhao Jin" userId="cd05a825-544c-438a-9ba1-08e63db50b47" providerId="ADAL" clId="{FB8F02A0-9B99-4C9E-A1D1-3BF41D9621D7}" dt="2021-02-03T07:42:30.854" v="1869" actId="47"/>
-        <pc:sldMkLst>
-          <pc:docMk/>
-          <pc:sldMk cId="788021743" sldId="557"/>
-        </pc:sldMkLst>
-        <pc:spChg chg="mod">
-          <ac:chgData name="Zhao Jin" userId="cd05a825-544c-438a-9ba1-08e63db50b47" providerId="ADAL" clId="{FB8F02A0-9B99-4C9E-A1D1-3BF41D9621D7}" dt="2021-02-03T07:20:23.142" v="931"/>
-          <ac:spMkLst>
-            <pc:docMk/>
-            <pc:sldMk cId="788021743" sldId="557"/>
-            <ac:spMk id="7" creationId="{00000000-0000-0000-0000-000000000000}"/>
-          </ac:spMkLst>
-        </pc:spChg>
-      </pc:sldChg>
-      <pc:sldChg chg="delSp modSp add mod">
-        <pc:chgData name="Zhao Jin" userId="cd05a825-544c-438a-9ba1-08e63db50b47" providerId="ADAL" clId="{FB8F02A0-9B99-4C9E-A1D1-3BF41D9621D7}" dt="2021-02-08T02:19:37.781" v="2198" actId="478"/>
-        <pc:sldMkLst>
-          <pc:docMk/>
-          <pc:sldMk cId="686532275" sldId="558"/>
-        </pc:sldMkLst>
-        <pc:spChg chg="mod">
-          <ac:chgData name="Zhao Jin" userId="cd05a825-544c-438a-9ba1-08e63db50b47" providerId="ADAL" clId="{FB8F02A0-9B99-4C9E-A1D1-3BF41D9621D7}" dt="2021-02-03T07:20:25.427" v="932"/>
-          <ac:spMkLst>
-            <pc:docMk/>
-            <pc:sldMk cId="686532275" sldId="558"/>
-            <ac:spMk id="7" creationId="{00000000-0000-0000-0000-000000000000}"/>
-          </ac:spMkLst>
-        </pc:spChg>
-        <pc:spChg chg="del">
-          <ac:chgData name="Zhao Jin" userId="cd05a825-544c-438a-9ba1-08e63db50b47" providerId="ADAL" clId="{FB8F02A0-9B99-4C9E-A1D1-3BF41D9621D7}" dt="2021-02-08T02:19:37.781" v="2198" actId="478"/>
-          <ac:spMkLst>
-            <pc:docMk/>
-            <pc:sldMk cId="686532275" sldId="558"/>
-            <ac:spMk id="11" creationId="{06D4AE3F-3899-440E-885D-187ED02668FA}"/>
-          </ac:spMkLst>
-        </pc:spChg>
-      </pc:sldChg>
-      <pc:sldChg chg="delSp modSp add del mod delAnim">
-        <pc:chgData name="Zhao Jin" userId="cd05a825-544c-438a-9ba1-08e63db50b47" providerId="ADAL" clId="{FB8F02A0-9B99-4C9E-A1D1-3BF41D9621D7}" dt="2021-02-03T07:30:13.895" v="1095" actId="47"/>
-        <pc:sldMkLst>
-          <pc:docMk/>
-          <pc:sldMk cId="182578491" sldId="559"/>
-        </pc:sldMkLst>
-        <pc:spChg chg="mod">
-          <ac:chgData name="Zhao Jin" userId="cd05a825-544c-438a-9ba1-08e63db50b47" providerId="ADAL" clId="{FB8F02A0-9B99-4C9E-A1D1-3BF41D9621D7}" dt="2021-02-03T07:20:21.523" v="930"/>
-          <ac:spMkLst>
-            <pc:docMk/>
-            <pc:sldMk cId="182578491" sldId="559"/>
-            <ac:spMk id="7" creationId="{00000000-0000-0000-0000-000000000000}"/>
-          </ac:spMkLst>
-        </pc:spChg>
-        <pc:spChg chg="del">
-          <ac:chgData name="Zhao Jin" userId="cd05a825-544c-438a-9ba1-08e63db50b47" providerId="ADAL" clId="{FB8F02A0-9B99-4C9E-A1D1-3BF41D9621D7}" dt="2021-02-03T07:29:25.500" v="997" actId="21"/>
-          <ac:spMkLst>
-            <pc:docMk/>
-            <pc:sldMk cId="182578491" sldId="559"/>
-            <ac:spMk id="28" creationId="{206BF097-CD0C-4B25-AF09-C35109612BC3}"/>
-          </ac:spMkLst>
-        </pc:spChg>
-        <pc:grpChg chg="del">
-          <ac:chgData name="Zhao Jin" userId="cd05a825-544c-438a-9ba1-08e63db50b47" providerId="ADAL" clId="{FB8F02A0-9B99-4C9E-A1D1-3BF41D9621D7}" dt="2021-02-03T07:29:25.500" v="997" actId="21"/>
-          <ac:grpSpMkLst>
-            <pc:docMk/>
-            <pc:sldMk cId="182578491" sldId="559"/>
-            <ac:grpSpMk id="29" creationId="{9E869CF5-5422-464C-A5AD-90C40AC515C1}"/>
-          </ac:grpSpMkLst>
-        </pc:grpChg>
-        <pc:cxnChg chg="mod">
-          <ac:chgData name="Zhao Jin" userId="cd05a825-544c-438a-9ba1-08e63db50b47" providerId="ADAL" clId="{FB8F02A0-9B99-4C9E-A1D1-3BF41D9621D7}" dt="2021-02-03T07:29:25.500" v="997" actId="21"/>
-          <ac:cxnSpMkLst>
-            <pc:docMk/>
-            <pc:sldMk cId="182578491" sldId="559"/>
-            <ac:cxnSpMk id="48" creationId="{19C9E3C2-8918-4348-A091-C253CA95276A}"/>
-          </ac:cxnSpMkLst>
-        </pc:cxnChg>
-        <pc:cxnChg chg="mod">
-          <ac:chgData name="Zhao Jin" userId="cd05a825-544c-438a-9ba1-08e63db50b47" providerId="ADAL" clId="{FB8F02A0-9B99-4C9E-A1D1-3BF41D9621D7}" dt="2021-02-03T07:29:25.500" v="997" actId="21"/>
-          <ac:cxnSpMkLst>
-            <pc:docMk/>
-            <pc:sldMk cId="182578491" sldId="559"/>
-            <ac:cxnSpMk id="52" creationId="{94324BD0-8BBD-4BC5-8957-1BA389B01E57}"/>
-          </ac:cxnSpMkLst>
-        </pc:cxnChg>
-        <pc:cxnChg chg="mod">
-          <ac:chgData name="Zhao Jin" userId="cd05a825-544c-438a-9ba1-08e63db50b47" providerId="ADAL" clId="{FB8F02A0-9B99-4C9E-A1D1-3BF41D9621D7}" dt="2021-02-03T07:29:25.500" v="997" actId="21"/>
-          <ac:cxnSpMkLst>
-            <pc:docMk/>
-            <pc:sldMk cId="182578491" sldId="559"/>
-            <ac:cxnSpMk id="57" creationId="{E4960835-B76E-476E-B973-A5E96C1CCA62}"/>
-          </ac:cxnSpMkLst>
-        </pc:cxnChg>
-        <pc:cxnChg chg="mod">
-          <ac:chgData name="Zhao Jin" userId="cd05a825-544c-438a-9ba1-08e63db50b47" providerId="ADAL" clId="{FB8F02A0-9B99-4C9E-A1D1-3BF41D9621D7}" dt="2021-02-03T07:29:25.500" v="997" actId="21"/>
-          <ac:cxnSpMkLst>
-            <pc:docMk/>
-            <pc:sldMk cId="182578491" sldId="559"/>
-            <ac:cxnSpMk id="58" creationId="{AE2C6753-7EF0-42E0-B4A9-E162D01D3DB4}"/>
-          </ac:cxnSpMkLst>
-        </pc:cxnChg>
-      </pc:sldChg>
-      <pc:sldChg chg="modSp add mod">
-        <pc:chgData name="Zhao Jin" userId="cd05a825-544c-438a-9ba1-08e63db50b47" providerId="ADAL" clId="{FB8F02A0-9B99-4C9E-A1D1-3BF41D9621D7}" dt="2021-02-03T07:20:33.509" v="937"/>
-        <pc:sldMkLst>
-          <pc:docMk/>
-          <pc:sldMk cId="1986771488" sldId="561"/>
-        </pc:sldMkLst>
-        <pc:spChg chg="mod">
-          <ac:chgData name="Zhao Jin" userId="cd05a825-544c-438a-9ba1-08e63db50b47" providerId="ADAL" clId="{FB8F02A0-9B99-4C9E-A1D1-3BF41D9621D7}" dt="2021-02-03T07:20:33.509" v="937"/>
-          <ac:spMkLst>
-            <pc:docMk/>
-            <pc:sldMk cId="1986771488" sldId="561"/>
-            <ac:spMk id="7" creationId="{00000000-0000-0000-0000-000000000000}"/>
-          </ac:spMkLst>
-        </pc:spChg>
-      </pc:sldChg>
-      <pc:sldChg chg="addSp delSp modSp add del mod delAnim modAnim">
-        <pc:chgData name="Zhao Jin" userId="cd05a825-544c-438a-9ba1-08e63db50b47" providerId="ADAL" clId="{FB8F02A0-9B99-4C9E-A1D1-3BF41D9621D7}" dt="2021-02-03T07:41:57.313" v="1865" actId="47"/>
-        <pc:sldMkLst>
-          <pc:docMk/>
-          <pc:sldMk cId="92291925" sldId="563"/>
-        </pc:sldMkLst>
-        <pc:spChg chg="mod">
-          <ac:chgData name="Zhao Jin" userId="cd05a825-544c-438a-9ba1-08e63db50b47" providerId="ADAL" clId="{FB8F02A0-9B99-4C9E-A1D1-3BF41D9621D7}" dt="2021-02-03T07:20:15.168" v="928" actId="20577"/>
-          <ac:spMkLst>
-            <pc:docMk/>
-            <pc:sldMk cId="92291925" sldId="563"/>
-            <ac:spMk id="7" creationId="{00000000-0000-0000-0000-000000000000}"/>
-          </ac:spMkLst>
-        </pc:spChg>
-        <pc:spChg chg="add del mod">
-          <ac:chgData name="Zhao Jin" userId="cd05a825-544c-438a-9ba1-08e63db50b47" providerId="ADAL" clId="{FB8F02A0-9B99-4C9E-A1D1-3BF41D9621D7}" dt="2021-02-03T07:01:50.109" v="5" actId="478"/>
-          <ac:spMkLst>
-            <pc:docMk/>
-            <pc:sldMk cId="92291925" sldId="563"/>
-            <ac:spMk id="13" creationId="{A018A939-88C1-46BC-BAB4-25876F9F5000}"/>
-          </ac:spMkLst>
-        </pc:spChg>
-        <pc:spChg chg="del">
-          <ac:chgData name="Zhao Jin" userId="cd05a825-544c-438a-9ba1-08e63db50b47" providerId="ADAL" clId="{FB8F02A0-9B99-4C9E-A1D1-3BF41D9621D7}" dt="2021-02-03T07:01:53.900" v="6" actId="478"/>
-          <ac:spMkLst>
-            <pc:docMk/>
-            <pc:sldMk cId="92291925" sldId="563"/>
-            <ac:spMk id="14340" creationId="{00000000-0000-0000-0000-000000000000}"/>
-          </ac:spMkLst>
-        </pc:spChg>
-      </pc:sldChg>
-      <pc:sldChg chg="addSp modSp add mod modAnim">
-        <pc:chgData name="Zhao Jin" userId="cd05a825-544c-438a-9ba1-08e63db50b47" providerId="ADAL" clId="{FB8F02A0-9B99-4C9E-A1D1-3BF41D9621D7}" dt="2021-02-03T07:20:31.915" v="936"/>
-        <pc:sldMkLst>
-          <pc:docMk/>
-          <pc:sldMk cId="1276365520" sldId="564"/>
-        </pc:sldMkLst>
-        <pc:spChg chg="mod">
-          <ac:chgData name="Zhao Jin" userId="cd05a825-544c-438a-9ba1-08e63db50b47" providerId="ADAL" clId="{FB8F02A0-9B99-4C9E-A1D1-3BF41D9621D7}" dt="2021-02-03T07:20:31.915" v="936"/>
-          <ac:spMkLst>
-            <pc:docMk/>
-            <pc:sldMk cId="1276365520" sldId="564"/>
-            <ac:spMk id="7" creationId="{00000000-0000-0000-0000-000000000000}"/>
-          </ac:spMkLst>
-        </pc:spChg>
-        <pc:spChg chg="mod">
-          <ac:chgData name="Zhao Jin" userId="cd05a825-544c-438a-9ba1-08e63db50b47" providerId="ADAL" clId="{FB8F02A0-9B99-4C9E-A1D1-3BF41D9621D7}" dt="2021-02-03T07:15:50.668" v="577" actId="1035"/>
-          <ac:spMkLst>
-            <pc:docMk/>
-            <pc:sldMk cId="1276365520" sldId="564"/>
-            <ac:spMk id="13" creationId="{972B1E9B-C6E8-4DE8-871E-C214A3D77F45}"/>
-          </ac:spMkLst>
-        </pc:spChg>
-        <pc:spChg chg="add mod">
-          <ac:chgData name="Zhao Jin" userId="cd05a825-544c-438a-9ba1-08e63db50b47" providerId="ADAL" clId="{FB8F02A0-9B99-4C9E-A1D1-3BF41D9621D7}" dt="2021-02-03T07:18:58.912" v="843" actId="255"/>
-          <ac:spMkLst>
-            <pc:docMk/>
-            <pc:sldMk cId="1276365520" sldId="564"/>
-            <ac:spMk id="14" creationId="{3BE09EC5-9C6D-4841-A5F4-9A5837974E20}"/>
-          </ac:spMkLst>
-        </pc:spChg>
-        <pc:spChg chg="add mod">
-          <ac:chgData name="Zhao Jin" userId="cd05a825-544c-438a-9ba1-08e63db50b47" providerId="ADAL" clId="{FB8F02A0-9B99-4C9E-A1D1-3BF41D9621D7}" dt="2021-02-03T07:19:03.130" v="844" actId="1076"/>
-          <ac:spMkLst>
-            <pc:docMk/>
-            <pc:sldMk cId="1276365520" sldId="564"/>
-            <ac:spMk id="15" creationId="{096B9094-1E2A-402A-A1B2-0B1E3DBA221D}"/>
-          </ac:spMkLst>
-        </pc:spChg>
-        <pc:spChg chg="add mod">
-          <ac:chgData name="Zhao Jin" userId="cd05a825-544c-438a-9ba1-08e63db50b47" providerId="ADAL" clId="{FB8F02A0-9B99-4C9E-A1D1-3BF41D9621D7}" dt="2021-02-03T07:18:21.030" v="805" actId="1076"/>
-          <ac:spMkLst>
-            <pc:docMk/>
-            <pc:sldMk cId="1276365520" sldId="564"/>
-            <ac:spMk id="16" creationId="{8D87AA11-3E4E-46CD-ABF1-3B99CD8A7ECE}"/>
-          </ac:spMkLst>
-        </pc:spChg>
-        <pc:spChg chg="add mod">
-          <ac:chgData name="Zhao Jin" userId="cd05a825-544c-438a-9ba1-08e63db50b47" providerId="ADAL" clId="{FB8F02A0-9B99-4C9E-A1D1-3BF41D9621D7}" dt="2021-02-03T07:19:34.904" v="892" actId="1076"/>
-          <ac:spMkLst>
-            <pc:docMk/>
-            <pc:sldMk cId="1276365520" sldId="564"/>
-            <ac:spMk id="18" creationId="{B16D4AFD-E818-4047-959F-C04354558EAF}"/>
-          </ac:spMkLst>
-        </pc:spChg>
-        <pc:picChg chg="add mod">
-          <ac:chgData name="Zhao Jin" userId="cd05a825-544c-438a-9ba1-08e63db50b47" providerId="ADAL" clId="{FB8F02A0-9B99-4C9E-A1D1-3BF41D9621D7}" dt="2021-02-03T07:18:22.576" v="806" actId="1076"/>
-          <ac:picMkLst>
-            <pc:docMk/>
-            <pc:sldMk cId="1276365520" sldId="564"/>
-            <ac:picMk id="17" creationId="{ED2DFF4D-A89B-45E0-B4A6-9463A17A340E}"/>
-          </ac:picMkLst>
-        </pc:picChg>
-      </pc:sldChg>
-      <pc:sldChg chg="delSp modSp add mod">
-        <pc:chgData name="Zhao Jin" userId="cd05a825-544c-438a-9ba1-08e63db50b47" providerId="ADAL" clId="{FB8F02A0-9B99-4C9E-A1D1-3BF41D9621D7}" dt="2021-02-03T07:20:28.829" v="934"/>
-        <pc:sldMkLst>
-          <pc:docMk/>
-          <pc:sldMk cId="827193018" sldId="565"/>
-        </pc:sldMkLst>
-        <pc:spChg chg="mod">
-          <ac:chgData name="Zhao Jin" userId="cd05a825-544c-438a-9ba1-08e63db50b47" providerId="ADAL" clId="{FB8F02A0-9B99-4C9E-A1D1-3BF41D9621D7}" dt="2021-02-03T07:20:28.829" v="934"/>
-          <ac:spMkLst>
-            <pc:docMk/>
-            <pc:sldMk cId="827193018" sldId="565"/>
-            <ac:spMk id="7" creationId="{00000000-0000-0000-0000-000000000000}"/>
-          </ac:spMkLst>
-        </pc:spChg>
-        <pc:spChg chg="mod">
-          <ac:chgData name="Zhao Jin" userId="cd05a825-544c-438a-9ba1-08e63db50b47" providerId="ADAL" clId="{FB8F02A0-9B99-4C9E-A1D1-3BF41D9621D7}" dt="2021-02-03T07:14:20.921" v="546" actId="20577"/>
-          <ac:spMkLst>
-            <pc:docMk/>
-            <pc:sldMk cId="827193018" sldId="565"/>
-            <ac:spMk id="9" creationId="{35649340-5AB4-4CED-B84B-66D13E8E2455}"/>
-          </ac:spMkLst>
-        </pc:spChg>
-        <pc:spChg chg="del mod">
-          <ac:chgData name="Zhao Jin" userId="cd05a825-544c-438a-9ba1-08e63db50b47" providerId="ADAL" clId="{FB8F02A0-9B99-4C9E-A1D1-3BF41D9621D7}" dt="2021-02-03T07:11:55.316" v="463" actId="478"/>
-          <ac:spMkLst>
-            <pc:docMk/>
-            <pc:sldMk cId="827193018" sldId="565"/>
-            <ac:spMk id="10" creationId="{00000000-0000-0000-0000-000000000000}"/>
-          </ac:spMkLst>
-        </pc:spChg>
-        <pc:spChg chg="mod">
-          <ac:chgData name="Zhao Jin" userId="cd05a825-544c-438a-9ba1-08e63db50b47" providerId="ADAL" clId="{FB8F02A0-9B99-4C9E-A1D1-3BF41D9621D7}" dt="2021-02-03T07:11:57.461" v="465" actId="5793"/>
-          <ac:spMkLst>
-            <pc:docMk/>
-            <pc:sldMk cId="827193018" sldId="565"/>
-            <ac:spMk id="49" creationId="{00000000-0000-0000-0000-000000000000}"/>
-          </ac:spMkLst>
-        </pc:spChg>
-      </pc:sldChg>
-      <pc:sldChg chg="modSp add mod">
-        <pc:chgData name="Zhao Jin" userId="cd05a825-544c-438a-9ba1-08e63db50b47" providerId="ADAL" clId="{FB8F02A0-9B99-4C9E-A1D1-3BF41D9621D7}" dt="2021-02-08T02:21:29.074" v="2208" actId="20577"/>
-        <pc:sldMkLst>
-          <pc:docMk/>
-          <pc:sldMk cId="3959984611" sldId="566"/>
-        </pc:sldMkLst>
-        <pc:spChg chg="mod">
-          <ac:chgData name="Zhao Jin" userId="cd05a825-544c-438a-9ba1-08e63db50b47" providerId="ADAL" clId="{FB8F02A0-9B99-4C9E-A1D1-3BF41D9621D7}" dt="2021-02-03T07:20:36.970" v="938"/>
-          <ac:spMkLst>
-            <pc:docMk/>
-            <pc:sldMk cId="3959984611" sldId="566"/>
-            <ac:spMk id="7" creationId="{00000000-0000-0000-0000-000000000000}"/>
-          </ac:spMkLst>
-        </pc:spChg>
-        <pc:spChg chg="mod">
-          <ac:chgData name="Zhao Jin" userId="cd05a825-544c-438a-9ba1-08e63db50b47" providerId="ADAL" clId="{FB8F02A0-9B99-4C9E-A1D1-3BF41D9621D7}" dt="2021-02-08T02:21:29.074" v="2208" actId="20577"/>
-          <ac:spMkLst>
-            <pc:docMk/>
-            <pc:sldMk cId="3959984611" sldId="566"/>
-            <ac:spMk id="8" creationId="{00000000-0000-0000-0000-000000000000}"/>
-          </ac:spMkLst>
-        </pc:spChg>
-        <pc:spChg chg="mod">
-          <ac:chgData name="Zhao Jin" userId="cd05a825-544c-438a-9ba1-08e63db50b47" providerId="ADAL" clId="{FB8F02A0-9B99-4C9E-A1D1-3BF41D9621D7}" dt="2021-02-03T07:20:03.399" v="922" actId="20577"/>
-          <ac:spMkLst>
-            <pc:docMk/>
-            <pc:sldMk cId="3959984611" sldId="566"/>
-            <ac:spMk id="14338" creationId="{00000000-0000-0000-0000-000000000000}"/>
-          </ac:spMkLst>
-        </pc:spChg>
-      </pc:sldChg>
-      <pc:sldChg chg="add del">
-        <pc:chgData name="Zhao Jin" userId="cd05a825-544c-438a-9ba1-08e63db50b47" providerId="ADAL" clId="{FB8F02A0-9B99-4C9E-A1D1-3BF41D9621D7}" dt="2021-02-03T07:34:00.322" v="1372" actId="47"/>
-        <pc:sldMkLst>
-          <pc:docMk/>
-          <pc:sldMk cId="243231529" sldId="567"/>
-        </pc:sldMkLst>
-      </pc:sldChg>
-      <pc:sldChg chg="modSp add del mod">
-        <pc:chgData name="Zhao Jin" userId="cd05a825-544c-438a-9ba1-08e63db50b47" providerId="ADAL" clId="{FB8F02A0-9B99-4C9E-A1D1-3BF41D9621D7}" dt="2021-02-03T07:30:57.488" v="1096" actId="47"/>
-        <pc:sldMkLst>
-          <pc:docMk/>
-          <pc:sldMk cId="3003604107" sldId="567"/>
-        </pc:sldMkLst>
-        <pc:spChg chg="mod">
-          <ac:chgData name="Zhao Jin" userId="cd05a825-544c-438a-9ba1-08e63db50b47" providerId="ADAL" clId="{FB8F02A0-9B99-4C9E-A1D1-3BF41D9621D7}" dt="2021-02-03T07:20:41.505" v="939"/>
-          <ac:spMkLst>
-            <pc:docMk/>
-            <pc:sldMk cId="3003604107" sldId="567"/>
-            <ac:spMk id="7" creationId="{00000000-0000-0000-0000-000000000000}"/>
-          </ac:spMkLst>
-        </pc:spChg>
-      </pc:sldChg>
-      <pc:sldChg chg="addSp delSp modSp add mod ord">
-        <pc:chgData name="Zhao Jin" userId="cd05a825-544c-438a-9ba1-08e63db50b47" providerId="ADAL" clId="{FB8F02A0-9B99-4C9E-A1D1-3BF41D9621D7}" dt="2021-02-03T07:45:20.173" v="2121" actId="20577"/>
-        <pc:sldMkLst>
-          <pc:docMk/>
-          <pc:sldMk cId="2879329457" sldId="568"/>
-        </pc:sldMkLst>
-        <pc:spChg chg="mod">
-          <ac:chgData name="Zhao Jin" userId="cd05a825-544c-438a-9ba1-08e63db50b47" providerId="ADAL" clId="{FB8F02A0-9B99-4C9E-A1D1-3BF41D9621D7}" dt="2021-02-03T07:45:20.173" v="2121" actId="20577"/>
-          <ac:spMkLst>
-            <pc:docMk/>
-            <pc:sldMk cId="2879329457" sldId="568"/>
-            <ac:spMk id="9" creationId="{00000000-0000-0000-0000-000000000000}"/>
-          </ac:spMkLst>
-        </pc:spChg>
-        <pc:graphicFrameChg chg="del mod modGraphic">
-          <ac:chgData name="Zhao Jin" userId="cd05a825-544c-438a-9ba1-08e63db50b47" providerId="ADAL" clId="{FB8F02A0-9B99-4C9E-A1D1-3BF41D9621D7}" dt="2021-02-03T07:34:55.508" v="1419" actId="478"/>
-          <ac:graphicFrameMkLst>
-            <pc:docMk/>
-            <pc:sldMk cId="2879329457" sldId="568"/>
-            <ac:graphicFrameMk id="7" creationId="{1DC5F05D-202E-4474-8067-C5632E06F885}"/>
-          </ac:graphicFrameMkLst>
-        </pc:graphicFrameChg>
-        <pc:graphicFrameChg chg="add mod modGraphic">
-          <ac:chgData name="Zhao Jin" userId="cd05a825-544c-438a-9ba1-08e63db50b47" providerId="ADAL" clId="{FB8F02A0-9B99-4C9E-A1D1-3BF41D9621D7}" dt="2021-02-03T07:41:24.626" v="1863" actId="1076"/>
-          <ac:graphicFrameMkLst>
-            <pc:docMk/>
-            <pc:sldMk cId="2879329457" sldId="568"/>
-            <ac:graphicFrameMk id="8" creationId="{C8DA87BB-C4AB-4A3F-B99E-7CAF8E3AC125}"/>
-          </ac:graphicFrameMkLst>
-        </pc:graphicFrameChg>
-      </pc:sldChg>
-      <pc:sldChg chg="modSp add mod">
-        <pc:chgData name="Zhao Jin" userId="cd05a825-544c-438a-9ba1-08e63db50b47" providerId="ADAL" clId="{FB8F02A0-9B99-4C9E-A1D1-3BF41D9621D7}" dt="2021-02-03T07:42:36.973" v="1870"/>
-        <pc:sldMkLst>
-          <pc:docMk/>
-          <pc:sldMk cId="4240540711" sldId="569"/>
-        </pc:sldMkLst>
-        <pc:spChg chg="mod">
-          <ac:chgData name="Zhao Jin" userId="cd05a825-544c-438a-9ba1-08e63db50b47" providerId="ADAL" clId="{FB8F02A0-9B99-4C9E-A1D1-3BF41D9621D7}" dt="2021-02-03T07:42:36.973" v="1870"/>
-          <ac:spMkLst>
-            <pc:docMk/>
-            <pc:sldMk cId="4240540711" sldId="569"/>
-            <ac:spMk id="7" creationId="{00000000-0000-0000-0000-000000000000}"/>
-          </ac:spMkLst>
-        </pc:spChg>
-      </pc:sldChg>
-    </pc:docChg>
-  </pc:docChgLst>
-  <pc:docChgLst>
-    <pc:chgData name="Zhao Jin" userId="cd05a825-544c-438a-9ba1-08e63db50b47" providerId="ADAL" clId="{F0D8D356-BF3F-4B35-82A2-022A8A750FB3}"/>
-    <pc:docChg chg="undo custSel addSld delSld modSld sldOrd">
-      <pc:chgData name="Zhao Jin" userId="cd05a825-544c-438a-9ba1-08e63db50b47" providerId="ADAL" clId="{F0D8D356-BF3F-4B35-82A2-022A8A750FB3}" dt="2024-02-14T08:49:06.135" v="1961" actId="404"/>
-      <pc:docMkLst>
-        <pc:docMk/>
-      </pc:docMkLst>
-      <pc:sldChg chg="modSp mod">
-        <pc:chgData name="Zhao Jin" userId="cd05a825-544c-438a-9ba1-08e63db50b47" providerId="ADAL" clId="{F0D8D356-BF3F-4B35-82A2-022A8A750FB3}" dt="2024-02-14T08:49:06.135" v="1961" actId="404"/>
-        <pc:sldMkLst>
-          <pc:docMk/>
-          <pc:sldMk cId="4078418712" sldId="525"/>
-        </pc:sldMkLst>
-        <pc:spChg chg="mod">
-          <ac:chgData name="Zhao Jin" userId="cd05a825-544c-438a-9ba1-08e63db50b47" providerId="ADAL" clId="{F0D8D356-BF3F-4B35-82A2-022A8A750FB3}" dt="2024-02-14T08:49:06.135" v="1961" actId="404"/>
-          <ac:spMkLst>
-            <pc:docMk/>
-            <pc:sldMk cId="4078418712" sldId="525"/>
-            <ac:spMk id="3" creationId="{0066D5D7-2343-66A3-CB1E-769934A464D9}"/>
-          </ac:spMkLst>
-        </pc:spChg>
-        <pc:spChg chg="mod">
-          <ac:chgData name="Zhao Jin" userId="cd05a825-544c-438a-9ba1-08e63db50b47" providerId="ADAL" clId="{F0D8D356-BF3F-4B35-82A2-022A8A750FB3}" dt="2024-02-14T08:02:33.419" v="97" actId="20577"/>
-          <ac:spMkLst>
-            <pc:docMk/>
-            <pc:sldMk cId="4078418712" sldId="525"/>
-            <ac:spMk id="8" creationId="{00000000-0000-0000-0000-000000000000}"/>
-          </ac:spMkLst>
-        </pc:spChg>
-      </pc:sldChg>
-      <pc:sldChg chg="addSp delSp modSp add mod">
-        <pc:chgData name="Zhao Jin" userId="cd05a825-544c-438a-9ba1-08e63db50b47" providerId="ADAL" clId="{F0D8D356-BF3F-4B35-82A2-022A8A750FB3}" dt="2024-02-14T08:35:18.108" v="997" actId="21"/>
-        <pc:sldMkLst>
-          <pc:docMk/>
-          <pc:sldMk cId="754083244" sldId="553"/>
-        </pc:sldMkLst>
-        <pc:spChg chg="add del mod">
-          <ac:chgData name="Zhao Jin" userId="cd05a825-544c-438a-9ba1-08e63db50b47" providerId="ADAL" clId="{F0D8D356-BF3F-4B35-82A2-022A8A750FB3}" dt="2024-02-14T08:35:02.668" v="987" actId="478"/>
-          <ac:spMkLst>
-            <pc:docMk/>
-            <pc:sldMk cId="754083244" sldId="553"/>
-            <ac:spMk id="6" creationId="{05A26FB3-0F7A-FC27-7383-7761306786D0}"/>
-          </ac:spMkLst>
-        </pc:spChg>
-        <pc:spChg chg="add del mod">
-          <ac:chgData name="Zhao Jin" userId="cd05a825-544c-438a-9ba1-08e63db50b47" providerId="ADAL" clId="{F0D8D356-BF3F-4B35-82A2-022A8A750FB3}" dt="2024-02-14T08:35:18.108" v="997" actId="21"/>
-          <ac:spMkLst>
-            <pc:docMk/>
-            <pc:sldMk cId="754083244" sldId="553"/>
-            <ac:spMk id="7" creationId="{9689F2D4-2156-B71D-04D3-F8488397396E}"/>
-          </ac:spMkLst>
-        </pc:spChg>
-        <pc:spChg chg="del">
-          <ac:chgData name="Zhao Jin" userId="cd05a825-544c-438a-9ba1-08e63db50b47" providerId="ADAL" clId="{F0D8D356-BF3F-4B35-82A2-022A8A750FB3}" dt="2024-02-14T08:35:01.028" v="986" actId="478"/>
-          <ac:spMkLst>
-            <pc:docMk/>
-            <pc:sldMk cId="754083244" sldId="553"/>
-            <ac:spMk id="8" creationId="{B1DBC152-8F46-996E-F321-BB4617C8C2FB}"/>
-          </ac:spMkLst>
-        </pc:spChg>
-      </pc:sldChg>
-      <pc:sldChg chg="add del">
-        <pc:chgData name="Zhao Jin" userId="cd05a825-544c-438a-9ba1-08e63db50b47" providerId="ADAL" clId="{F0D8D356-BF3F-4B35-82A2-022A8A750FB3}" dt="2024-02-14T08:24:59.484" v="569" actId="2696"/>
-        <pc:sldMkLst>
-          <pc:docMk/>
-          <pc:sldMk cId="1427618944" sldId="553"/>
-        </pc:sldMkLst>
-      </pc:sldChg>
-      <pc:sldChg chg="modSp mod">
-        <pc:chgData name="Zhao Jin" userId="cd05a825-544c-438a-9ba1-08e63db50b47" providerId="ADAL" clId="{F0D8D356-BF3F-4B35-82A2-022A8A750FB3}" dt="2024-02-14T08:49:00.782" v="1960" actId="404"/>
-        <pc:sldMkLst>
-          <pc:docMk/>
-          <pc:sldMk cId="1663851036" sldId="559"/>
-        </pc:sldMkLst>
-        <pc:spChg chg="mod">
-          <ac:chgData name="Zhao Jin" userId="cd05a825-544c-438a-9ba1-08e63db50b47" providerId="ADAL" clId="{F0D8D356-BF3F-4B35-82A2-022A8A750FB3}" dt="2024-02-14T08:49:00.782" v="1960" actId="404"/>
-          <ac:spMkLst>
-            <pc:docMk/>
-            <pc:sldMk cId="1663851036" sldId="559"/>
-            <ac:spMk id="3" creationId="{AA8E4040-4C97-A966-148A-1F54957D7018}"/>
-          </ac:spMkLst>
-        </pc:spChg>
-      </pc:sldChg>
-      <pc:sldChg chg="add del">
-        <pc:chgData name="Zhao Jin" userId="cd05a825-544c-438a-9ba1-08e63db50b47" providerId="ADAL" clId="{F0D8D356-BF3F-4B35-82A2-022A8A750FB3}" dt="2024-02-14T08:24:54.893" v="566" actId="47"/>
-        <pc:sldMkLst>
-          <pc:docMk/>
-          <pc:sldMk cId="894186310" sldId="564"/>
-        </pc:sldMkLst>
-      </pc:sldChg>
-      <pc:sldChg chg="addSp delSp modSp mod delAnim modAnim">
-        <pc:chgData name="Zhao Jin" userId="cd05a825-544c-438a-9ba1-08e63db50b47" providerId="ADAL" clId="{F0D8D356-BF3F-4B35-82A2-022A8A750FB3}" dt="2024-02-14T08:24:38.056" v="564" actId="1036"/>
-        <pc:sldMkLst>
-          <pc:docMk/>
-          <pc:sldMk cId="4156536479" sldId="590"/>
-        </pc:sldMkLst>
-        <pc:spChg chg="add del mod">
-          <ac:chgData name="Zhao Jin" userId="cd05a825-544c-438a-9ba1-08e63db50b47" providerId="ADAL" clId="{F0D8D356-BF3F-4B35-82A2-022A8A750FB3}" dt="2024-02-14T08:05:57.094" v="249" actId="478"/>
-          <ac:spMkLst>
-            <pc:docMk/>
-            <pc:sldMk cId="4156536479" sldId="590"/>
-            <ac:spMk id="6" creationId="{F6BF1D4A-D9AB-1982-A8A6-741963867348}"/>
-          </ac:spMkLst>
-        </pc:spChg>
-        <pc:spChg chg="mod">
-          <ac:chgData name="Zhao Jin" userId="cd05a825-544c-438a-9ba1-08e63db50b47" providerId="ADAL" clId="{F0D8D356-BF3F-4B35-82A2-022A8A750FB3}" dt="2024-02-14T08:22:51.670" v="503" actId="1035"/>
-          <ac:spMkLst>
-            <pc:docMk/>
-            <pc:sldMk cId="4156536479" sldId="590"/>
-            <ac:spMk id="8" creationId="{3895F873-6CB7-4316-B798-EE54B3634728}"/>
-          </ac:spMkLst>
-        </pc:spChg>
-        <pc:spChg chg="mod">
-          <ac:chgData name="Zhao Jin" userId="cd05a825-544c-438a-9ba1-08e63db50b47" providerId="ADAL" clId="{F0D8D356-BF3F-4B35-82A2-022A8A750FB3}" dt="2024-02-14T08:24:38.056" v="564" actId="1036"/>
-          <ac:spMkLst>
-            <pc:docMk/>
-            <pc:sldMk cId="4156536479" sldId="590"/>
-            <ac:spMk id="13" creationId="{0AD363C8-B264-4386-9E1D-EAA63F4BF1CC}"/>
-          </ac:spMkLst>
-        </pc:spChg>
-        <pc:spChg chg="add mod">
-          <ac:chgData name="Zhao Jin" userId="cd05a825-544c-438a-9ba1-08e63db50b47" providerId="ADAL" clId="{F0D8D356-BF3F-4B35-82A2-022A8A750FB3}" dt="2024-02-14T08:23:00.375" v="519" actId="14100"/>
-          <ac:spMkLst>
-            <pc:docMk/>
-            <pc:sldMk cId="4156536479" sldId="590"/>
-            <ac:spMk id="14" creationId="{AB42F3A3-1E2A-4EB8-0579-1D9E2B99FF19}"/>
-          </ac:spMkLst>
-        </pc:spChg>
-        <pc:graphicFrameChg chg="add del mod">
-          <ac:chgData name="Zhao Jin" userId="cd05a825-544c-438a-9ba1-08e63db50b47" providerId="ADAL" clId="{F0D8D356-BF3F-4B35-82A2-022A8A750FB3}" dt="2024-02-14T08:05:57.094" v="249" actId="478"/>
-          <ac:graphicFrameMkLst>
-            <pc:docMk/>
-            <pc:sldMk cId="4156536479" sldId="590"/>
-            <ac:graphicFrameMk id="5" creationId="{3DA32EE9-D95C-905A-1702-125CBB010E7F}"/>
-          </ac:graphicFrameMkLst>
-        </pc:graphicFrameChg>
-        <pc:picChg chg="mod">
-          <ac:chgData name="Zhao Jin" userId="cd05a825-544c-438a-9ba1-08e63db50b47" providerId="ADAL" clId="{F0D8D356-BF3F-4B35-82A2-022A8A750FB3}" dt="2024-02-14T08:22:44.318" v="482" actId="1076"/>
-          <ac:picMkLst>
-            <pc:docMk/>
-            <pc:sldMk cId="4156536479" sldId="590"/>
-            <ac:picMk id="4" creationId="{EAFF9153-D379-4E7D-9B97-29843966A9B9}"/>
-          </ac:picMkLst>
-        </pc:picChg>
-        <pc:cxnChg chg="del mod">
-          <ac:chgData name="Zhao Jin" userId="cd05a825-544c-438a-9ba1-08e63db50b47" providerId="ADAL" clId="{F0D8D356-BF3F-4B35-82A2-022A8A750FB3}" dt="2024-02-14T08:22:48.412" v="484" actId="478"/>
-          <ac:cxnSpMkLst>
-            <pc:docMk/>
-            <pc:sldMk cId="4156536479" sldId="590"/>
-            <ac:cxnSpMk id="16" creationId="{B4CC9A1D-6448-41B2-BD14-CACDC771AC2A}"/>
-          </ac:cxnSpMkLst>
-        </pc:cxnChg>
-        <pc:cxnChg chg="del mod">
-          <ac:chgData name="Zhao Jin" userId="cd05a825-544c-438a-9ba1-08e63db50b47" providerId="ADAL" clId="{F0D8D356-BF3F-4B35-82A2-022A8A750FB3}" dt="2024-02-14T08:22:49.102" v="485" actId="478"/>
-          <ac:cxnSpMkLst>
-            <pc:docMk/>
-            <pc:sldMk cId="4156536479" sldId="590"/>
-            <ac:cxnSpMk id="22" creationId="{6298AF59-F7D9-4F05-84BF-96ED0AC95091}"/>
-          </ac:cxnSpMkLst>
-        </pc:cxnChg>
-        <pc:cxnChg chg="del mod">
-          <ac:chgData name="Zhao Jin" userId="cd05a825-544c-438a-9ba1-08e63db50b47" providerId="ADAL" clId="{F0D8D356-BF3F-4B35-82A2-022A8A750FB3}" dt="2024-02-14T08:22:49.739" v="486" actId="478"/>
-          <ac:cxnSpMkLst>
-            <pc:docMk/>
-            <pc:sldMk cId="4156536479" sldId="590"/>
-            <ac:cxnSpMk id="30" creationId="{FA77C354-F87B-40D8-BAA7-811F60DDD4B1}"/>
-          </ac:cxnSpMkLst>
-        </pc:cxnChg>
-      </pc:sldChg>
-      <pc:sldChg chg="addSp delSp modSp mod">
-        <pc:chgData name="Zhao Jin" userId="cd05a825-544c-438a-9ba1-08e63db50b47" providerId="ADAL" clId="{F0D8D356-BF3F-4B35-82A2-022A8A750FB3}" dt="2024-02-14T08:23:43.222" v="547" actId="1037"/>
-        <pc:sldMkLst>
-          <pc:docMk/>
-          <pc:sldMk cId="2217225800" sldId="594"/>
-        </pc:sldMkLst>
-        <pc:spChg chg="add mod">
-          <ac:chgData name="Zhao Jin" userId="cd05a825-544c-438a-9ba1-08e63db50b47" providerId="ADAL" clId="{F0D8D356-BF3F-4B35-82A2-022A8A750FB3}" dt="2024-02-14T08:23:31.049" v="538" actId="1035"/>
-          <ac:spMkLst>
-            <pc:docMk/>
-            <pc:sldMk cId="2217225800" sldId="594"/>
-            <ac:spMk id="5" creationId="{96764095-ECC1-81BB-927A-FEA0F3560230}"/>
-          </ac:spMkLst>
-        </pc:spChg>
-        <pc:spChg chg="add del mod">
-          <ac:chgData name="Zhao Jin" userId="cd05a825-544c-438a-9ba1-08e63db50b47" providerId="ADAL" clId="{F0D8D356-BF3F-4B35-82A2-022A8A750FB3}" dt="2024-02-14T08:23:16.064" v="524" actId="478"/>
-          <ac:spMkLst>
-            <pc:docMk/>
-            <pc:sldMk cId="2217225800" sldId="594"/>
-            <ac:spMk id="6" creationId="{67A32B3D-09A6-D496-9A03-F13135E5B6F0}"/>
-          </ac:spMkLst>
-        </pc:spChg>
-        <pc:spChg chg="add mod">
-          <ac:chgData name="Zhao Jin" userId="cd05a825-544c-438a-9ba1-08e63db50b47" providerId="ADAL" clId="{F0D8D356-BF3F-4B35-82A2-022A8A750FB3}" dt="2024-02-14T08:23:43.222" v="547" actId="1037"/>
-          <ac:spMkLst>
-            <pc:docMk/>
-            <pc:sldMk cId="2217225800" sldId="594"/>
-            <ac:spMk id="7" creationId="{8466762E-440B-4DD1-C623-26FB48373B19}"/>
-          </ac:spMkLst>
-        </pc:spChg>
-        <pc:spChg chg="mod">
-          <ac:chgData name="Zhao Jin" userId="cd05a825-544c-438a-9ba1-08e63db50b47" providerId="ADAL" clId="{F0D8D356-BF3F-4B35-82A2-022A8A750FB3}" dt="2024-02-14T08:21:09.591" v="439" actId="1076"/>
-          <ac:spMkLst>
-            <pc:docMk/>
-            <pc:sldMk cId="2217225800" sldId="594"/>
-            <ac:spMk id="8" creationId="{3895F873-6CB7-4316-B798-EE54B3634728}"/>
-          </ac:spMkLst>
-        </pc:spChg>
-        <pc:spChg chg="del mod">
-          <ac:chgData name="Zhao Jin" userId="cd05a825-544c-438a-9ba1-08e63db50b47" providerId="ADAL" clId="{F0D8D356-BF3F-4B35-82A2-022A8A750FB3}" dt="2024-02-14T08:19:30.207" v="348" actId="478"/>
-          <ac:spMkLst>
-            <pc:docMk/>
-            <pc:sldMk cId="2217225800" sldId="594"/>
-            <ac:spMk id="11" creationId="{552429B4-BD20-4EAF-8B36-51498E5AACDA}"/>
-          </ac:spMkLst>
-        </pc:spChg>
-        <pc:picChg chg="mod">
-          <ac:chgData name="Zhao Jin" userId="cd05a825-544c-438a-9ba1-08e63db50b47" providerId="ADAL" clId="{F0D8D356-BF3F-4B35-82A2-022A8A750FB3}" dt="2024-02-14T08:23:41.761" v="540" actId="1037"/>
-          <ac:picMkLst>
-            <pc:docMk/>
-            <pc:sldMk cId="2217225800" sldId="594"/>
-            <ac:picMk id="4" creationId="{EAFF9153-D379-4E7D-9B97-29843966A9B9}"/>
-          </ac:picMkLst>
-        </pc:picChg>
-      </pc:sldChg>
-      <pc:sldChg chg="addSp delSp modSp mod delAnim modAnim">
-        <pc:chgData name="Zhao Jin" userId="cd05a825-544c-438a-9ba1-08e63db50b47" providerId="ADAL" clId="{F0D8D356-BF3F-4B35-82A2-022A8A750FB3}" dt="2024-02-14T08:24:33.285" v="563" actId="1035"/>
-        <pc:sldMkLst>
-          <pc:docMk/>
-          <pc:sldMk cId="2419983458" sldId="595"/>
-        </pc:sldMkLst>
-        <pc:spChg chg="add del mod">
-          <ac:chgData name="Zhao Jin" userId="cd05a825-544c-438a-9ba1-08e63db50b47" providerId="ADAL" clId="{F0D8D356-BF3F-4B35-82A2-022A8A750FB3}" dt="2024-02-14T08:06:52.596" v="254" actId="478"/>
-          <ac:spMkLst>
-            <pc:docMk/>
-            <pc:sldMk cId="2419983458" sldId="595"/>
-            <ac:spMk id="6" creationId="{939D5F44-0CB4-72C9-0EEE-1BE749AC8FF3}"/>
-          </ac:spMkLst>
-        </pc:spChg>
-        <pc:spChg chg="add mod">
-          <ac:chgData name="Zhao Jin" userId="cd05a825-544c-438a-9ba1-08e63db50b47" providerId="ADAL" clId="{F0D8D356-BF3F-4B35-82A2-022A8A750FB3}" dt="2024-02-14T08:24:33.285" v="563" actId="1035"/>
-          <ac:spMkLst>
-            <pc:docMk/>
-            <pc:sldMk cId="2419983458" sldId="595"/>
-            <ac:spMk id="7" creationId="{914742EF-9974-FFB1-220A-1C02DB863F38}"/>
-          </ac:spMkLst>
-        </pc:spChg>
-        <pc:spChg chg="add mod">
-          <ac:chgData name="Zhao Jin" userId="cd05a825-544c-438a-9ba1-08e63db50b47" providerId="ADAL" clId="{F0D8D356-BF3F-4B35-82A2-022A8A750FB3}" dt="2024-02-14T08:24:21.497" v="551" actId="6549"/>
-          <ac:spMkLst>
-            <pc:docMk/>
-            <pc:sldMk cId="2419983458" sldId="595"/>
-            <ac:spMk id="9" creationId="{340053C9-8C8A-861A-1422-540F6920CE6B}"/>
-          </ac:spMkLst>
-        </pc:spChg>
-        <pc:spChg chg="del mod">
-          <ac:chgData name="Zhao Jin" userId="cd05a825-544c-438a-9ba1-08e63db50b47" providerId="ADAL" clId="{F0D8D356-BF3F-4B35-82A2-022A8A750FB3}" dt="2024-02-14T08:19:50.322" v="367" actId="478"/>
-          <ac:spMkLst>
-            <pc:docMk/>
-            <pc:sldMk cId="2419983458" sldId="595"/>
-            <ac:spMk id="11" creationId="{552429B4-BD20-4EAF-8B36-51498E5AACDA}"/>
-          </ac:spMkLst>
-        </pc:spChg>
-        <pc:graphicFrameChg chg="add del mod modGraphic">
-          <ac:chgData name="Zhao Jin" userId="cd05a825-544c-438a-9ba1-08e63db50b47" providerId="ADAL" clId="{F0D8D356-BF3F-4B35-82A2-022A8A750FB3}" dt="2024-02-14T08:07:00.254" v="256" actId="478"/>
-          <ac:graphicFrameMkLst>
-            <pc:docMk/>
-            <pc:sldMk cId="2419983458" sldId="595"/>
-            <ac:graphicFrameMk id="5" creationId="{A2F798B8-079E-829D-DFE1-C77AAF34E4C9}"/>
-          </ac:graphicFrameMkLst>
-        </pc:graphicFrameChg>
-      </pc:sldChg>
-      <pc:sldChg chg="addSp delSp modSp add mod">
-        <pc:chgData name="Zhao Jin" userId="cd05a825-544c-438a-9ba1-08e63db50b47" providerId="ADAL" clId="{F0D8D356-BF3F-4B35-82A2-022A8A750FB3}" dt="2024-02-14T08:47:34.884" v="1959" actId="20577"/>
-        <pc:sldMkLst>
-          <pc:docMk/>
-          <pc:sldMk cId="2725745500" sldId="596"/>
-        </pc:sldMkLst>
-        <pc:spChg chg="add mod ord">
-          <ac:chgData name="Zhao Jin" userId="cd05a825-544c-438a-9ba1-08e63db50b47" providerId="ADAL" clId="{F0D8D356-BF3F-4B35-82A2-022A8A750FB3}" dt="2024-02-14T08:40:21.882" v="1538" actId="20577"/>
-          <ac:spMkLst>
-            <pc:docMk/>
-            <pc:sldMk cId="2725745500" sldId="596"/>
-            <ac:spMk id="5" creationId="{580F154A-663F-A546-695A-5AC8BAF031F3}"/>
-          </ac:spMkLst>
-        </pc:spChg>
-        <pc:spChg chg="add del mod">
-          <ac:chgData name="Zhao Jin" userId="cd05a825-544c-438a-9ba1-08e63db50b47" providerId="ADAL" clId="{F0D8D356-BF3F-4B35-82A2-022A8A750FB3}" dt="2024-02-14T08:38:27.084" v="1431" actId="478"/>
-          <ac:spMkLst>
-            <pc:docMk/>
-            <pc:sldMk cId="2725745500" sldId="596"/>
-            <ac:spMk id="6" creationId="{84C5499E-D409-14E5-03BE-8FE2BC3DDE8C}"/>
-          </ac:spMkLst>
-        </pc:spChg>
-        <pc:spChg chg="add del mod">
-          <ac:chgData name="Zhao Jin" userId="cd05a825-544c-438a-9ba1-08e63db50b47" providerId="ADAL" clId="{F0D8D356-BF3F-4B35-82A2-022A8A750FB3}" dt="2024-02-14T08:38:30.099" v="1433" actId="478"/>
-          <ac:spMkLst>
-            <pc:docMk/>
-            <pc:sldMk cId="2725745500" sldId="596"/>
-            <ac:spMk id="7" creationId="{9689F2D4-2156-B71D-04D3-F8488397396E}"/>
-          </ac:spMkLst>
-        </pc:spChg>
-        <pc:spChg chg="del mod">
-          <ac:chgData name="Zhao Jin" userId="cd05a825-544c-438a-9ba1-08e63db50b47" providerId="ADAL" clId="{F0D8D356-BF3F-4B35-82A2-022A8A750FB3}" dt="2024-02-14T08:17:26.405" v="327" actId="478"/>
-          <ac:spMkLst>
-            <pc:docMk/>
-            <pc:sldMk cId="2725745500" sldId="596"/>
-            <ac:spMk id="8" creationId="{A3475B54-AEFF-BB33-C9C2-EEF67467FE54}"/>
-          </ac:spMkLst>
-        </pc:spChg>
-        <pc:spChg chg="add mod">
-          <ac:chgData name="Zhao Jin" userId="cd05a825-544c-438a-9ba1-08e63db50b47" providerId="ADAL" clId="{F0D8D356-BF3F-4B35-82A2-022A8A750FB3}" dt="2024-02-14T08:42:18.636" v="1617" actId="1037"/>
-          <ac:spMkLst>
-            <pc:docMk/>
-            <pc:sldMk cId="2725745500" sldId="596"/>
-            <ac:spMk id="17" creationId="{B2FC57E6-46E4-7EF9-E077-B80BD0AF89FB}"/>
-          </ac:spMkLst>
-        </pc:spChg>
-        <pc:spChg chg="add mod">
-          <ac:chgData name="Zhao Jin" userId="cd05a825-544c-438a-9ba1-08e63db50b47" providerId="ADAL" clId="{F0D8D356-BF3F-4B35-82A2-022A8A750FB3}" dt="2024-02-14T08:45:30.369" v="1803" actId="20577"/>
-          <ac:spMkLst>
-            <pc:docMk/>
-            <pc:sldMk cId="2725745500" sldId="596"/>
-            <ac:spMk id="18" creationId="{0D877174-B608-2262-4EAE-60AE3FA21B34}"/>
-          </ac:spMkLst>
-        </pc:spChg>
-        <pc:spChg chg="add mod">
-          <ac:chgData name="Zhao Jin" userId="cd05a825-544c-438a-9ba1-08e63db50b47" providerId="ADAL" clId="{F0D8D356-BF3F-4B35-82A2-022A8A750FB3}" dt="2024-02-14T08:47:34.884" v="1959" actId="20577"/>
-          <ac:spMkLst>
-            <pc:docMk/>
-            <pc:sldMk cId="2725745500" sldId="596"/>
-            <ac:spMk id="19" creationId="{333CFD7B-F80E-E439-2780-C3346B17989A}"/>
-          </ac:spMkLst>
-        </pc:spChg>
-        <pc:spChg chg="del mod">
-          <ac:chgData name="Zhao Jin" userId="cd05a825-544c-438a-9ba1-08e63db50b47" providerId="ADAL" clId="{F0D8D356-BF3F-4B35-82A2-022A8A750FB3}" dt="2024-02-14T08:38:18.984" v="1426" actId="478"/>
-          <ac:spMkLst>
-            <pc:docMk/>
-            <pc:sldMk cId="2725745500" sldId="596"/>
-            <ac:spMk id="84" creationId="{490DCF4D-FE96-12EC-8826-0A92A7A7078D}"/>
-          </ac:spMkLst>
-        </pc:spChg>
-        <pc:spChg chg="mod">
-          <ac:chgData name="Zhao Jin" userId="cd05a825-544c-438a-9ba1-08e63db50b47" providerId="ADAL" clId="{F0D8D356-BF3F-4B35-82A2-022A8A750FB3}" dt="2024-02-14T08:43:02.066" v="1653" actId="20577"/>
-          <ac:spMkLst>
-            <pc:docMk/>
-            <pc:sldMk cId="2725745500" sldId="596"/>
-            <ac:spMk id="14338" creationId="{E4EAD919-8CBB-1D73-A9E0-F8C39C80B601}"/>
-          </ac:spMkLst>
-        </pc:spChg>
-        <pc:picChg chg="del">
-          <ac:chgData name="Zhao Jin" userId="cd05a825-544c-438a-9ba1-08e63db50b47" providerId="ADAL" clId="{F0D8D356-BF3F-4B35-82A2-022A8A750FB3}" dt="2024-02-14T08:14:29.326" v="268" actId="478"/>
-          <ac:picMkLst>
-            <pc:docMk/>
-            <pc:sldMk cId="2725745500" sldId="596"/>
-            <ac:picMk id="3" creationId="{D1CC86DF-2B7A-973F-0483-422007675AFF}"/>
-          </ac:picMkLst>
-        </pc:picChg>
-        <pc:cxnChg chg="add del mod">
-          <ac:chgData name="Zhao Jin" userId="cd05a825-544c-438a-9ba1-08e63db50b47" providerId="ADAL" clId="{F0D8D356-BF3F-4B35-82A2-022A8A750FB3}" dt="2024-02-14T08:43:41.259" v="1661" actId="478"/>
-          <ac:cxnSpMkLst>
-            <pc:docMk/>
-            <pc:sldMk cId="2725745500" sldId="596"/>
-            <ac:cxnSpMk id="10" creationId="{2A246355-3A35-A474-3D7C-08C42D99F86E}"/>
-          </ac:cxnSpMkLst>
-        </pc:cxnChg>
-        <pc:cxnChg chg="add del mod">
-          <ac:chgData name="Zhao Jin" userId="cd05a825-544c-438a-9ba1-08e63db50b47" providerId="ADAL" clId="{F0D8D356-BF3F-4B35-82A2-022A8A750FB3}" dt="2024-02-14T08:43:47.604" v="1664" actId="478"/>
-          <ac:cxnSpMkLst>
-            <pc:docMk/>
-            <pc:sldMk cId="2725745500" sldId="596"/>
-            <ac:cxnSpMk id="12" creationId="{02271CC9-0194-891D-63A3-5B408C84BF32}"/>
-          </ac:cxnSpMkLst>
-        </pc:cxnChg>
-        <pc:cxnChg chg="add del mod">
-          <ac:chgData name="Zhao Jin" userId="cd05a825-544c-438a-9ba1-08e63db50b47" providerId="ADAL" clId="{F0D8D356-BF3F-4B35-82A2-022A8A750FB3}" dt="2024-02-14T08:43:46.592" v="1663" actId="478"/>
-          <ac:cxnSpMkLst>
-            <pc:docMk/>
-            <pc:sldMk cId="2725745500" sldId="596"/>
-            <ac:cxnSpMk id="21" creationId="{D5D55E92-BE99-4F25-474F-F1F5422CA780}"/>
-          </ac:cxnSpMkLst>
-        </pc:cxnChg>
-      </pc:sldChg>
-      <pc:sldChg chg="modSp add del mod">
-        <pc:chgData name="Zhao Jin" userId="cd05a825-544c-438a-9ba1-08e63db50b47" providerId="ADAL" clId="{F0D8D356-BF3F-4B35-82A2-022A8A750FB3}" dt="2024-02-14T08:19:03.879" v="346" actId="47"/>
-        <pc:sldMkLst>
-          <pc:docMk/>
-          <pc:sldMk cId="287079181" sldId="597"/>
-        </pc:sldMkLst>
-        <pc:spChg chg="mod">
-          <ac:chgData name="Zhao Jin" userId="cd05a825-544c-438a-9ba1-08e63db50b47" providerId="ADAL" clId="{F0D8D356-BF3F-4B35-82A2-022A8A750FB3}" dt="2024-02-14T08:04:32.629" v="244" actId="13926"/>
-          <ac:spMkLst>
-            <pc:docMk/>
-            <pc:sldMk cId="287079181" sldId="597"/>
-            <ac:spMk id="84" creationId="{D081A6FA-09DD-803E-ECF5-D077415328E7}"/>
-          </ac:spMkLst>
-        </pc:spChg>
-        <pc:spChg chg="mod">
-          <ac:chgData name="Zhao Jin" userId="cd05a825-544c-438a-9ba1-08e63db50b47" providerId="ADAL" clId="{F0D8D356-BF3F-4B35-82A2-022A8A750FB3}" dt="2024-02-14T08:04:04.349" v="240" actId="20577"/>
-          <ac:spMkLst>
-            <pc:docMk/>
-            <pc:sldMk cId="287079181" sldId="597"/>
-            <ac:spMk id="14338" creationId="{6D92B9AF-01C6-2341-8359-5B464081364A}"/>
-          </ac:spMkLst>
-        </pc:spChg>
-      </pc:sldChg>
-      <pc:sldChg chg="addSp delSp modSp add mod addAnim delAnim modAnim">
-        <pc:chgData name="Zhao Jin" userId="cd05a825-544c-438a-9ba1-08e63db50b47" providerId="ADAL" clId="{F0D8D356-BF3F-4B35-82A2-022A8A750FB3}" dt="2024-02-14T08:34:44.356" v="985" actId="20577"/>
-        <pc:sldMkLst>
-          <pc:docMk/>
-          <pc:sldMk cId="1633453151" sldId="598"/>
-        </pc:sldMkLst>
-        <pc:spChg chg="mod topLvl">
-          <ac:chgData name="Zhao Jin" userId="cd05a825-544c-438a-9ba1-08e63db50b47" providerId="ADAL" clId="{F0D8D356-BF3F-4B35-82A2-022A8A750FB3}" dt="2024-02-14T08:31:26.185" v="795" actId="207"/>
-          <ac:spMkLst>
-            <pc:docMk/>
-            <pc:sldMk cId="1633453151" sldId="598"/>
-            <ac:spMk id="6" creationId="{D30103D3-66AB-9479-E898-08E79808DD1E}"/>
-          </ac:spMkLst>
-        </pc:spChg>
-        <pc:spChg chg="del mod topLvl">
-          <ac:chgData name="Zhao Jin" userId="cd05a825-544c-438a-9ba1-08e63db50b47" providerId="ADAL" clId="{F0D8D356-BF3F-4B35-82A2-022A8A750FB3}" dt="2024-02-14T08:28:10.167" v="597" actId="478"/>
-          <ac:spMkLst>
-            <pc:docMk/>
-            <pc:sldMk cId="1633453151" sldId="598"/>
-            <ac:spMk id="7" creationId="{44C6A9E4-1621-4D04-5E35-1A0EE032F591}"/>
-          </ac:spMkLst>
-        </pc:spChg>
-        <pc:spChg chg="del mod">
-          <ac:chgData name="Zhao Jin" userId="cd05a825-544c-438a-9ba1-08e63db50b47" providerId="ADAL" clId="{F0D8D356-BF3F-4B35-82A2-022A8A750FB3}" dt="2024-02-14T08:27:32.795" v="571" actId="478"/>
-          <ac:spMkLst>
-            <pc:docMk/>
-            <pc:sldMk cId="1633453151" sldId="598"/>
-            <ac:spMk id="8" creationId="{73792E4A-8BE4-6985-9166-C2C4AD8FDDEA}"/>
-          </ac:spMkLst>
-        </pc:spChg>
-        <pc:spChg chg="del">
-          <ac:chgData name="Zhao Jin" userId="cd05a825-544c-438a-9ba1-08e63db50b47" providerId="ADAL" clId="{F0D8D356-BF3F-4B35-82A2-022A8A750FB3}" dt="2024-02-14T08:07:37.132" v="259" actId="478"/>
-          <ac:spMkLst>
-            <pc:docMk/>
-            <pc:sldMk cId="1633453151" sldId="598"/>
-            <ac:spMk id="11" creationId="{A0EE1D25-BD05-306D-CCED-66B0F01CE255}"/>
-          </ac:spMkLst>
-        </pc:spChg>
-        <pc:spChg chg="mod">
-          <ac:chgData name="Zhao Jin" userId="cd05a825-544c-438a-9ba1-08e63db50b47" providerId="ADAL" clId="{F0D8D356-BF3F-4B35-82A2-022A8A750FB3}" dt="2024-02-14T08:29:21.786" v="694" actId="20577"/>
-          <ac:spMkLst>
-            <pc:docMk/>
-            <pc:sldMk cId="1633453151" sldId="598"/>
-            <ac:spMk id="14338" creationId="{16B473A1-DACB-0EBC-79C3-50B9B11C6197}"/>
-          </ac:spMkLst>
-        </pc:spChg>
-        <pc:grpChg chg="add del mod">
-          <ac:chgData name="Zhao Jin" userId="cd05a825-544c-438a-9ba1-08e63db50b47" providerId="ADAL" clId="{F0D8D356-BF3F-4B35-82A2-022A8A750FB3}" dt="2024-02-14T08:28:10.167" v="597" actId="478"/>
-          <ac:grpSpMkLst>
-            <pc:docMk/>
-            <pc:sldMk cId="1633453151" sldId="598"/>
-            <ac:grpSpMk id="5" creationId="{730B0EE9-665C-643A-2123-3D1C7DF8B463}"/>
-          </ac:grpSpMkLst>
-        </pc:grpChg>
-        <pc:graphicFrameChg chg="add mod modGraphic">
-          <ac:chgData name="Zhao Jin" userId="cd05a825-544c-438a-9ba1-08e63db50b47" providerId="ADAL" clId="{F0D8D356-BF3F-4B35-82A2-022A8A750FB3}" dt="2024-02-14T08:34:44.356" v="985" actId="20577"/>
-          <ac:graphicFrameMkLst>
-            <pc:docMk/>
-            <pc:sldMk cId="1633453151" sldId="598"/>
-            <ac:graphicFrameMk id="9" creationId="{3C8F59A3-3A43-6307-9F11-C3386ED95AE0}"/>
-          </ac:graphicFrameMkLst>
-        </pc:graphicFrameChg>
-        <pc:picChg chg="del">
-          <ac:chgData name="Zhao Jin" userId="cd05a825-544c-438a-9ba1-08e63db50b47" providerId="ADAL" clId="{F0D8D356-BF3F-4B35-82A2-022A8A750FB3}" dt="2024-02-14T08:07:34.568" v="258" actId="478"/>
-          <ac:picMkLst>
-            <pc:docMk/>
-            <pc:sldMk cId="1633453151" sldId="598"/>
-            <ac:picMk id="4" creationId="{8E96E9A4-7B17-8FE8-30F6-A814AF49ABD9}"/>
-          </ac:picMkLst>
-        </pc:picChg>
-      </pc:sldChg>
-      <pc:sldChg chg="modSp add mod ord">
-        <pc:chgData name="Zhao Jin" userId="cd05a825-544c-438a-9ba1-08e63db50b47" providerId="ADAL" clId="{F0D8D356-BF3F-4B35-82A2-022A8A750FB3}" dt="2024-02-14T08:43:36.275" v="1660" actId="14100"/>
-        <pc:sldMkLst>
-          <pc:docMk/>
-          <pc:sldMk cId="430111063" sldId="599"/>
-        </pc:sldMkLst>
-        <pc:spChg chg="mod">
-          <ac:chgData name="Zhao Jin" userId="cd05a825-544c-438a-9ba1-08e63db50b47" providerId="ADAL" clId="{F0D8D356-BF3F-4B35-82A2-022A8A750FB3}" dt="2024-02-14T08:43:27.447" v="1657" actId="1076"/>
-          <ac:spMkLst>
-            <pc:docMk/>
-            <pc:sldMk cId="430111063" sldId="599"/>
-            <ac:spMk id="6" creationId="{17627245-A6C2-DEED-F6C1-307576F36A86}"/>
-          </ac:spMkLst>
-        </pc:spChg>
-        <pc:spChg chg="mod">
-          <ac:chgData name="Zhao Jin" userId="cd05a825-544c-438a-9ba1-08e63db50b47" providerId="ADAL" clId="{F0D8D356-BF3F-4B35-82A2-022A8A750FB3}" dt="2024-02-14T08:41:38.392" v="1599" actId="313"/>
-          <ac:spMkLst>
-            <pc:docMk/>
-            <pc:sldMk cId="430111063" sldId="599"/>
-            <ac:spMk id="7" creationId="{57900B06-93DC-4197-7BF3-C992FCECA9DD}"/>
-          </ac:spMkLst>
-        </pc:spChg>
-        <pc:spChg chg="mod">
-          <ac:chgData name="Zhao Jin" userId="cd05a825-544c-438a-9ba1-08e63db50b47" providerId="ADAL" clId="{F0D8D356-BF3F-4B35-82A2-022A8A750FB3}" dt="2024-02-14T08:42:00.906" v="1607" actId="1035"/>
-          <ac:spMkLst>
-            <pc:docMk/>
-            <pc:sldMk cId="430111063" sldId="599"/>
-            <ac:spMk id="84" creationId="{3B15B752-4462-F3F7-8B96-7B6458F1E6B2}"/>
-          </ac:spMkLst>
-        </pc:spChg>
-        <pc:spChg chg="mod">
-          <ac:chgData name="Zhao Jin" userId="cd05a825-544c-438a-9ba1-08e63db50b47" providerId="ADAL" clId="{F0D8D356-BF3F-4B35-82A2-022A8A750FB3}" dt="2024-02-14T08:38:12.261" v="1424" actId="6549"/>
-          <ac:spMkLst>
-            <pc:docMk/>
-            <pc:sldMk cId="430111063" sldId="599"/>
-            <ac:spMk id="14338" creationId="{EFE4EAF8-01E2-1AD1-5D40-F046ED02CA31}"/>
-          </ac:spMkLst>
-        </pc:spChg>
-        <pc:cxnChg chg="mod">
-          <ac:chgData name="Zhao Jin" userId="cd05a825-544c-438a-9ba1-08e63db50b47" providerId="ADAL" clId="{F0D8D356-BF3F-4B35-82A2-022A8A750FB3}" dt="2024-02-14T08:43:36.275" v="1660" actId="14100"/>
-          <ac:cxnSpMkLst>
-            <pc:docMk/>
-            <pc:sldMk cId="430111063" sldId="599"/>
-            <ac:cxnSpMk id="10" creationId="{CF8570F6-7BB5-ABDD-E9A1-D73CE2B69BB5}"/>
-          </ac:cxnSpMkLst>
-        </pc:cxnChg>
-        <pc:cxnChg chg="mod">
-          <ac:chgData name="Zhao Jin" userId="cd05a825-544c-438a-9ba1-08e63db50b47" providerId="ADAL" clId="{F0D8D356-BF3F-4B35-82A2-022A8A750FB3}" dt="2024-02-14T08:42:00.906" v="1607" actId="1035"/>
-          <ac:cxnSpMkLst>
-            <pc:docMk/>
-            <pc:sldMk cId="430111063" sldId="599"/>
-            <ac:cxnSpMk id="12" creationId="{48D4FE74-3E55-8E97-ABB4-38C7FFE6B95E}"/>
-          </ac:cxnSpMkLst>
-        </pc:cxnChg>
-      </pc:sldChg>
-    </pc:docChg>
-  </pc:docChgLst>
-  <pc:docChgLst>
-    <pc:chgData name="Zhao Jin" userId="cd05a825-544c-438a-9ba1-08e63db50b47" providerId="ADAL" clId="{40B02829-7445-394A-990C-032942059FD9}"/>
-    <pc:docChg chg="custSel modSld">
-      <pc:chgData name="Zhao Jin" userId="cd05a825-544c-438a-9ba1-08e63db50b47" providerId="ADAL" clId="{40B02829-7445-394A-990C-032942059FD9}" dt="2021-01-18T05:50:34.611" v="4" actId="478"/>
-      <pc:docMkLst>
-        <pc:docMk/>
-      </pc:docMkLst>
-      <pc:sldChg chg="delSp">
-        <pc:chgData name="Zhao Jin" userId="cd05a825-544c-438a-9ba1-08e63db50b47" providerId="ADAL" clId="{40B02829-7445-394A-990C-032942059FD9}" dt="2021-01-18T05:50:34.611" v="4" actId="478"/>
-        <pc:sldMkLst>
-          <pc:docMk/>
-          <pc:sldMk cId="3871162519" sldId="525"/>
-        </pc:sldMkLst>
-        <pc:spChg chg="del">
-          <ac:chgData name="Zhao Jin" userId="cd05a825-544c-438a-9ba1-08e63db50b47" providerId="ADAL" clId="{40B02829-7445-394A-990C-032942059FD9}" dt="2021-01-18T05:50:34.611" v="4" actId="478"/>
-          <ac:spMkLst>
-            <pc:docMk/>
-            <pc:sldMk cId="3871162519" sldId="525"/>
-            <ac:spMk id="24582" creationId="{00000000-0000-0000-0000-000000000000}"/>
-          </ac:spMkLst>
-        </pc:spChg>
-      </pc:sldChg>
-      <pc:sldChg chg="modSp">
-        <pc:chgData name="Zhao Jin" userId="cd05a825-544c-438a-9ba1-08e63db50b47" providerId="ADAL" clId="{40B02829-7445-394A-990C-032942059FD9}" dt="2021-01-18T05:50:03.685" v="3" actId="122"/>
-        <pc:sldMkLst>
-          <pc:docMk/>
-          <pc:sldMk cId="770306953" sldId="526"/>
-        </pc:sldMkLst>
-        <pc:graphicFrameChg chg="modGraphic">
-          <ac:chgData name="Zhao Jin" userId="cd05a825-544c-438a-9ba1-08e63db50b47" providerId="ADAL" clId="{40B02829-7445-394A-990C-032942059FD9}" dt="2021-01-18T05:50:03.685" v="3" actId="122"/>
-          <ac:graphicFrameMkLst>
-            <pc:docMk/>
-            <pc:sldMk cId="770306953" sldId="526"/>
-            <ac:graphicFrameMk id="7" creationId="{00000000-0000-0000-0000-000000000000}"/>
-          </ac:graphicFrameMkLst>
-        </pc:graphicFrameChg>
-        <pc:graphicFrameChg chg="modGraphic">
-          <ac:chgData name="Zhao Jin" userId="cd05a825-544c-438a-9ba1-08e63db50b47" providerId="ADAL" clId="{40B02829-7445-394A-990C-032942059FD9}" dt="2021-01-18T05:49:57.612" v="2" actId="122"/>
-          <ac:graphicFrameMkLst>
-            <pc:docMk/>
-            <pc:sldMk cId="770306953" sldId="526"/>
-            <ac:graphicFrameMk id="16" creationId="{00000000-0000-0000-0000-000000000000}"/>
-          </ac:graphicFrameMkLst>
-        </pc:graphicFrameChg>
-      </pc:sldChg>
-      <pc:sldChg chg="modAnim">
-        <pc:chgData name="Zhao Jin" userId="cd05a825-544c-438a-9ba1-08e63db50b47" providerId="ADAL" clId="{40B02829-7445-394A-990C-032942059FD9}" dt="2021-01-18T05:49:08.491" v="0"/>
-        <pc:sldMkLst>
-          <pc:docMk/>
-          <pc:sldMk cId="4288789163" sldId="527"/>
-        </pc:sldMkLst>
-      </pc:sldChg>
-    </pc:docChg>
-  </pc:docChgLst>
-  <pc:docChgLst>
-    <pc:chgData name="Zhao Jin" userId="cd05a825-544c-438a-9ba1-08e63db50b47" providerId="ADAL" clId="{5DE190B2-632A-4C70-88B1-B57A4D75C084}"/>
-    <pc:docChg chg="modSld modMainMaster">
-      <pc:chgData name="Zhao Jin" userId="cd05a825-544c-438a-9ba1-08e63db50b47" providerId="ADAL" clId="{5DE190B2-632A-4C70-88B1-B57A4D75C084}" dt="2024-02-01T09:42:30.465" v="0"/>
-      <pc:docMkLst>
-        <pc:docMk/>
-      </pc:docMkLst>
-      <pc:sldChg chg="modSp">
-        <pc:chgData name="Zhao Jin" userId="cd05a825-544c-438a-9ba1-08e63db50b47" providerId="ADAL" clId="{5DE190B2-632A-4C70-88B1-B57A4D75C084}" dt="2024-02-01T09:42:30.465" v="0"/>
-        <pc:sldMkLst>
-          <pc:docMk/>
-          <pc:sldMk cId="4078418712" sldId="525"/>
-        </pc:sldMkLst>
-        <pc:spChg chg="mod">
-          <ac:chgData name="Zhao Jin" userId="cd05a825-544c-438a-9ba1-08e63db50b47" providerId="ADAL" clId="{5DE190B2-632A-4C70-88B1-B57A4D75C084}" dt="2024-02-01T09:42:30.465" v="0"/>
-          <ac:spMkLst>
-            <pc:docMk/>
-            <pc:sldMk cId="4078418712" sldId="525"/>
-            <ac:spMk id="3" creationId="{0066D5D7-2343-66A3-CB1E-769934A464D9}"/>
-          </ac:spMkLst>
-        </pc:spChg>
-      </pc:sldChg>
-      <pc:sldChg chg="modSp">
-        <pc:chgData name="Zhao Jin" userId="cd05a825-544c-438a-9ba1-08e63db50b47" providerId="ADAL" clId="{5DE190B2-632A-4C70-88B1-B57A4D75C084}" dt="2024-02-01T09:42:30.465" v="0"/>
-        <pc:sldMkLst>
-          <pc:docMk/>
-          <pc:sldMk cId="1427618944" sldId="553"/>
-        </pc:sldMkLst>
-        <pc:spChg chg="mod">
-          <ac:chgData name="Zhao Jin" userId="cd05a825-544c-438a-9ba1-08e63db50b47" providerId="ADAL" clId="{5DE190B2-632A-4C70-88B1-B57A4D75C084}" dt="2024-02-01T09:42:30.465" v="0"/>
-          <ac:spMkLst>
-            <pc:docMk/>
-            <pc:sldMk cId="1427618944" sldId="553"/>
-            <ac:spMk id="4" creationId="{840FFAF3-8729-3E6D-F2F2-3508A86B6852}"/>
-          </ac:spMkLst>
-        </pc:spChg>
-      </pc:sldChg>
-      <pc:sldChg chg="modSp">
-        <pc:chgData name="Zhao Jin" userId="cd05a825-544c-438a-9ba1-08e63db50b47" providerId="ADAL" clId="{5DE190B2-632A-4C70-88B1-B57A4D75C084}" dt="2024-02-01T09:42:30.465" v="0"/>
-        <pc:sldMkLst>
-          <pc:docMk/>
-          <pc:sldMk cId="1663851036" sldId="559"/>
-        </pc:sldMkLst>
-        <pc:spChg chg="mod">
-          <ac:chgData name="Zhao Jin" userId="cd05a825-544c-438a-9ba1-08e63db50b47" providerId="ADAL" clId="{5DE190B2-632A-4C70-88B1-B57A4D75C084}" dt="2024-02-01T09:42:30.465" v="0"/>
-          <ac:spMkLst>
-            <pc:docMk/>
-            <pc:sldMk cId="1663851036" sldId="559"/>
-            <ac:spMk id="3" creationId="{AA8E4040-4C97-A966-148A-1F54957D7018}"/>
-          </ac:spMkLst>
-        </pc:spChg>
-      </pc:sldChg>
-      <pc:sldChg chg="modSp">
-        <pc:chgData name="Zhao Jin" userId="cd05a825-544c-438a-9ba1-08e63db50b47" providerId="ADAL" clId="{5DE190B2-632A-4C70-88B1-B57A4D75C084}" dt="2024-02-01T09:42:30.465" v="0"/>
-        <pc:sldMkLst>
-          <pc:docMk/>
-          <pc:sldMk cId="1971208294" sldId="560"/>
-        </pc:sldMkLst>
-        <pc:spChg chg="mod">
-          <ac:chgData name="Zhao Jin" userId="cd05a825-544c-438a-9ba1-08e63db50b47" providerId="ADAL" clId="{5DE190B2-632A-4C70-88B1-B57A4D75C084}" dt="2024-02-01T09:42:30.465" v="0"/>
-          <ac:spMkLst>
-            <pc:docMk/>
-            <pc:sldMk cId="1971208294" sldId="560"/>
-            <ac:spMk id="3" creationId="{B76941A4-FCDE-5D6C-9228-5EB4362BC08E}"/>
-          </ac:spMkLst>
-        </pc:spChg>
-      </pc:sldChg>
-      <pc:sldChg chg="modSp">
-        <pc:chgData name="Zhao Jin" userId="cd05a825-544c-438a-9ba1-08e63db50b47" providerId="ADAL" clId="{5DE190B2-632A-4C70-88B1-B57A4D75C084}" dt="2024-02-01T09:42:30.465" v="0"/>
-        <pc:sldMkLst>
-          <pc:docMk/>
-          <pc:sldMk cId="894186310" sldId="564"/>
-        </pc:sldMkLst>
-        <pc:spChg chg="mod">
-          <ac:chgData name="Zhao Jin" userId="cd05a825-544c-438a-9ba1-08e63db50b47" providerId="ADAL" clId="{5DE190B2-632A-4C70-88B1-B57A4D75C084}" dt="2024-02-01T09:42:30.465" v="0"/>
-          <ac:spMkLst>
-            <pc:docMk/>
-            <pc:sldMk cId="894186310" sldId="564"/>
-            <ac:spMk id="3" creationId="{528FE17D-5D9B-CDAB-9065-C0FF6ED7F7A5}"/>
-          </ac:spMkLst>
-        </pc:spChg>
-      </pc:sldChg>
-      <pc:sldChg chg="modSp">
-        <pc:chgData name="Zhao Jin" userId="cd05a825-544c-438a-9ba1-08e63db50b47" providerId="ADAL" clId="{5DE190B2-632A-4C70-88B1-B57A4D75C084}" dt="2024-02-01T09:42:30.465" v="0"/>
-        <pc:sldMkLst>
-          <pc:docMk/>
-          <pc:sldMk cId="4156536479" sldId="590"/>
-        </pc:sldMkLst>
-        <pc:spChg chg="mod">
-          <ac:chgData name="Zhao Jin" userId="cd05a825-544c-438a-9ba1-08e63db50b47" providerId="ADAL" clId="{5DE190B2-632A-4C70-88B1-B57A4D75C084}" dt="2024-02-01T09:42:30.465" v="0"/>
-          <ac:spMkLst>
-            <pc:docMk/>
-            <pc:sldMk cId="4156536479" sldId="590"/>
-            <ac:spMk id="3" creationId="{CDF29C01-3F92-5444-18E2-DCAF0BC61C11}"/>
-          </ac:spMkLst>
-        </pc:spChg>
-      </pc:sldChg>
-      <pc:sldChg chg="modSp">
-        <pc:chgData name="Zhao Jin" userId="cd05a825-544c-438a-9ba1-08e63db50b47" providerId="ADAL" clId="{5DE190B2-632A-4C70-88B1-B57A4D75C084}" dt="2024-02-01T09:42:30.465" v="0"/>
-        <pc:sldMkLst>
-          <pc:docMk/>
-          <pc:sldMk cId="2217225800" sldId="594"/>
-        </pc:sldMkLst>
-        <pc:spChg chg="mod">
-          <ac:chgData name="Zhao Jin" userId="cd05a825-544c-438a-9ba1-08e63db50b47" providerId="ADAL" clId="{5DE190B2-632A-4C70-88B1-B57A4D75C084}" dt="2024-02-01T09:42:30.465" v="0"/>
-          <ac:spMkLst>
-            <pc:docMk/>
-            <pc:sldMk cId="2217225800" sldId="594"/>
-            <ac:spMk id="3" creationId="{C9095EB9-5B9B-0B80-A4DF-2A57FFB67FF9}"/>
-          </ac:spMkLst>
-        </pc:spChg>
-      </pc:sldChg>
-      <pc:sldChg chg="modSp">
-        <pc:chgData name="Zhao Jin" userId="cd05a825-544c-438a-9ba1-08e63db50b47" providerId="ADAL" clId="{5DE190B2-632A-4C70-88B1-B57A4D75C084}" dt="2024-02-01T09:42:30.465" v="0"/>
-        <pc:sldMkLst>
-          <pc:docMk/>
-          <pc:sldMk cId="2419983458" sldId="595"/>
-        </pc:sldMkLst>
-        <pc:spChg chg="mod">
-          <ac:chgData name="Zhao Jin" userId="cd05a825-544c-438a-9ba1-08e63db50b47" providerId="ADAL" clId="{5DE190B2-632A-4C70-88B1-B57A4D75C084}" dt="2024-02-01T09:42:30.465" v="0"/>
-          <ac:spMkLst>
-            <pc:docMk/>
-            <pc:sldMk cId="2419983458" sldId="595"/>
-            <ac:spMk id="3" creationId="{C32FA6EB-A7B4-C963-3BE3-19AF0A0B4E63}"/>
-          </ac:spMkLst>
-        </pc:spChg>
-      </pc:sldChg>
-      <pc:sldMasterChg chg="modSp modSldLayout">
-        <pc:chgData name="Zhao Jin" userId="cd05a825-544c-438a-9ba1-08e63db50b47" providerId="ADAL" clId="{5DE190B2-632A-4C70-88B1-B57A4D75C084}" dt="2024-02-01T09:42:30.465" v="0"/>
-        <pc:sldMasterMkLst>
-          <pc:docMk/>
-          <pc:sldMasterMk cId="0" sldId="2147485087"/>
-        </pc:sldMasterMkLst>
-        <pc:spChg chg="mod">
-          <ac:chgData name="Zhao Jin" userId="cd05a825-544c-438a-9ba1-08e63db50b47" providerId="ADAL" clId="{5DE190B2-632A-4C70-88B1-B57A4D75C084}" dt="2024-02-01T09:42:30.465" v="0"/>
-          <ac:spMkLst>
-            <pc:docMk/>
-            <pc:sldMasterMk cId="0" sldId="2147485087"/>
-            <ac:spMk id="6" creationId="{00000000-0000-0000-0000-000000000000}"/>
-          </ac:spMkLst>
-        </pc:spChg>
-        <pc:sldLayoutChg chg="modSp">
-          <pc:chgData name="Zhao Jin" userId="cd05a825-544c-438a-9ba1-08e63db50b47" providerId="ADAL" clId="{5DE190B2-632A-4C70-88B1-B57A4D75C084}" dt="2024-02-01T09:42:30.465" v="0"/>
-          <pc:sldLayoutMkLst>
-            <pc:docMk/>
-            <pc:sldMasterMk cId="0" sldId="2147485087"/>
-            <pc:sldLayoutMk cId="0" sldId="2147485088"/>
-          </pc:sldLayoutMkLst>
-          <pc:spChg chg="mod">
-            <ac:chgData name="Zhao Jin" userId="cd05a825-544c-438a-9ba1-08e63db50b47" providerId="ADAL" clId="{5DE190B2-632A-4C70-88B1-B57A4D75C084}" dt="2024-02-01T09:42:30.465" v="0"/>
-            <ac:spMkLst>
-              <pc:docMk/>
-              <pc:sldMasterMk cId="0" sldId="2147485087"/>
-              <pc:sldLayoutMk cId="0" sldId="2147485088"/>
-              <ac:spMk id="6" creationId="{00000000-0000-0000-0000-000000000000}"/>
-            </ac:spMkLst>
-          </pc:spChg>
-        </pc:sldLayoutChg>
-        <pc:sldLayoutChg chg="modSp">
-          <pc:chgData name="Zhao Jin" userId="cd05a825-544c-438a-9ba1-08e63db50b47" providerId="ADAL" clId="{5DE190B2-632A-4C70-88B1-B57A4D75C084}" dt="2024-02-01T09:42:30.465" v="0"/>
-          <pc:sldLayoutMkLst>
-            <pc:docMk/>
-            <pc:sldMasterMk cId="0" sldId="2147485087"/>
-            <pc:sldLayoutMk cId="0" sldId="2147485089"/>
-          </pc:sldLayoutMkLst>
-          <pc:spChg chg="mod">
-            <ac:chgData name="Zhao Jin" userId="cd05a825-544c-438a-9ba1-08e63db50b47" providerId="ADAL" clId="{5DE190B2-632A-4C70-88B1-B57A4D75C084}" dt="2024-02-01T09:42:30.465" v="0"/>
-            <ac:spMkLst>
-              <pc:docMk/>
-              <pc:sldMasterMk cId="0" sldId="2147485087"/>
-              <pc:sldLayoutMk cId="0" sldId="2147485089"/>
-              <ac:spMk id="6" creationId="{00000000-0000-0000-0000-000000000000}"/>
-            </ac:spMkLst>
-          </pc:spChg>
-        </pc:sldLayoutChg>
-        <pc:sldLayoutChg chg="modSp">
-          <pc:chgData name="Zhao Jin" userId="cd05a825-544c-438a-9ba1-08e63db50b47" providerId="ADAL" clId="{5DE190B2-632A-4C70-88B1-B57A4D75C084}" dt="2024-02-01T09:42:30.465" v="0"/>
-          <pc:sldLayoutMkLst>
-            <pc:docMk/>
-            <pc:sldMasterMk cId="0" sldId="2147485087"/>
-            <pc:sldLayoutMk cId="0" sldId="2147485090"/>
-          </pc:sldLayoutMkLst>
-          <pc:spChg chg="mod">
-            <ac:chgData name="Zhao Jin" userId="cd05a825-544c-438a-9ba1-08e63db50b47" providerId="ADAL" clId="{5DE190B2-632A-4C70-88B1-B57A4D75C084}" dt="2024-02-01T09:42:30.465" v="0"/>
-            <ac:spMkLst>
-              <pc:docMk/>
-              <pc:sldMasterMk cId="0" sldId="2147485087"/>
-              <pc:sldLayoutMk cId="0" sldId="2147485090"/>
-              <ac:spMk id="6" creationId="{00000000-0000-0000-0000-000000000000}"/>
-            </ac:spMkLst>
-          </pc:spChg>
-        </pc:sldLayoutChg>
-        <pc:sldLayoutChg chg="modSp">
-          <pc:chgData name="Zhao Jin" userId="cd05a825-544c-438a-9ba1-08e63db50b47" providerId="ADAL" clId="{5DE190B2-632A-4C70-88B1-B57A4D75C084}" dt="2024-02-01T09:42:30.465" v="0"/>
-          <pc:sldLayoutMkLst>
-            <pc:docMk/>
-            <pc:sldMasterMk cId="0" sldId="2147485087"/>
-            <pc:sldLayoutMk cId="0" sldId="2147485091"/>
-          </pc:sldLayoutMkLst>
-          <pc:spChg chg="mod">
-            <ac:chgData name="Zhao Jin" userId="cd05a825-544c-438a-9ba1-08e63db50b47" providerId="ADAL" clId="{5DE190B2-632A-4C70-88B1-B57A4D75C084}" dt="2024-02-01T09:42:30.465" v="0"/>
-            <ac:spMkLst>
-              <pc:docMk/>
-              <pc:sldMasterMk cId="0" sldId="2147485087"/>
-              <pc:sldLayoutMk cId="0" sldId="2147485091"/>
-              <ac:spMk id="7" creationId="{00000000-0000-0000-0000-000000000000}"/>
-            </ac:spMkLst>
-          </pc:spChg>
-        </pc:sldLayoutChg>
-        <pc:sldLayoutChg chg="modSp">
-          <pc:chgData name="Zhao Jin" userId="cd05a825-544c-438a-9ba1-08e63db50b47" providerId="ADAL" clId="{5DE190B2-632A-4C70-88B1-B57A4D75C084}" dt="2024-02-01T09:42:30.465" v="0"/>
-          <pc:sldLayoutMkLst>
-            <pc:docMk/>
-            <pc:sldMasterMk cId="0" sldId="2147485087"/>
-            <pc:sldLayoutMk cId="0" sldId="2147485092"/>
-          </pc:sldLayoutMkLst>
-          <pc:spChg chg="mod">
-            <ac:chgData name="Zhao Jin" userId="cd05a825-544c-438a-9ba1-08e63db50b47" providerId="ADAL" clId="{5DE190B2-632A-4C70-88B1-B57A4D75C084}" dt="2024-02-01T09:42:30.465" v="0"/>
-            <ac:spMkLst>
-              <pc:docMk/>
-              <pc:sldMasterMk cId="0" sldId="2147485087"/>
-              <pc:sldLayoutMk cId="0" sldId="2147485092"/>
-              <ac:spMk id="9" creationId="{00000000-0000-0000-0000-000000000000}"/>
-            </ac:spMkLst>
-          </pc:spChg>
-        </pc:sldLayoutChg>
-        <pc:sldLayoutChg chg="modSp">
-          <pc:chgData name="Zhao Jin" userId="cd05a825-544c-438a-9ba1-08e63db50b47" providerId="ADAL" clId="{5DE190B2-632A-4C70-88B1-B57A4D75C084}" dt="2024-02-01T09:42:30.465" v="0"/>
-          <pc:sldLayoutMkLst>
-            <pc:docMk/>
-            <pc:sldMasterMk cId="0" sldId="2147485087"/>
-            <pc:sldLayoutMk cId="0" sldId="2147485093"/>
-          </pc:sldLayoutMkLst>
-          <pc:spChg chg="mod">
-            <ac:chgData name="Zhao Jin" userId="cd05a825-544c-438a-9ba1-08e63db50b47" providerId="ADAL" clId="{5DE190B2-632A-4C70-88B1-B57A4D75C084}" dt="2024-02-01T09:42:30.465" v="0"/>
-            <ac:spMkLst>
-              <pc:docMk/>
-              <pc:sldMasterMk cId="0" sldId="2147485087"/>
-              <pc:sldLayoutMk cId="0" sldId="2147485093"/>
-              <ac:spMk id="5" creationId="{00000000-0000-0000-0000-000000000000}"/>
-            </ac:spMkLst>
-          </pc:spChg>
-        </pc:sldLayoutChg>
-        <pc:sldLayoutChg chg="modSp">
-          <pc:chgData name="Zhao Jin" userId="cd05a825-544c-438a-9ba1-08e63db50b47" providerId="ADAL" clId="{5DE190B2-632A-4C70-88B1-B57A4D75C084}" dt="2024-02-01T09:42:30.465" v="0"/>
-          <pc:sldLayoutMkLst>
-            <pc:docMk/>
-            <pc:sldMasterMk cId="0" sldId="2147485087"/>
-            <pc:sldLayoutMk cId="0" sldId="2147485094"/>
-          </pc:sldLayoutMkLst>
-          <pc:spChg chg="mod">
-            <ac:chgData name="Zhao Jin" userId="cd05a825-544c-438a-9ba1-08e63db50b47" providerId="ADAL" clId="{5DE190B2-632A-4C70-88B1-B57A4D75C084}" dt="2024-02-01T09:42:30.465" v="0"/>
-            <ac:spMkLst>
-              <pc:docMk/>
-              <pc:sldMasterMk cId="0" sldId="2147485087"/>
-              <pc:sldLayoutMk cId="0" sldId="2147485094"/>
-              <ac:spMk id="4" creationId="{00000000-0000-0000-0000-000000000000}"/>
-            </ac:spMkLst>
-          </pc:spChg>
-        </pc:sldLayoutChg>
-        <pc:sldLayoutChg chg="modSp">
-          <pc:chgData name="Zhao Jin" userId="cd05a825-544c-438a-9ba1-08e63db50b47" providerId="ADAL" clId="{5DE190B2-632A-4C70-88B1-B57A4D75C084}" dt="2024-02-01T09:42:30.465" v="0"/>
-          <pc:sldLayoutMkLst>
-            <pc:docMk/>
-            <pc:sldMasterMk cId="0" sldId="2147485087"/>
-            <pc:sldLayoutMk cId="0" sldId="2147485095"/>
-          </pc:sldLayoutMkLst>
-          <pc:spChg chg="mod">
-            <ac:chgData name="Zhao Jin" userId="cd05a825-544c-438a-9ba1-08e63db50b47" providerId="ADAL" clId="{5DE190B2-632A-4C70-88B1-B57A4D75C084}" dt="2024-02-01T09:42:30.465" v="0"/>
-            <ac:spMkLst>
-              <pc:docMk/>
-              <pc:sldMasterMk cId="0" sldId="2147485087"/>
-              <pc:sldLayoutMk cId="0" sldId="2147485095"/>
-              <ac:spMk id="7" creationId="{00000000-0000-0000-0000-000000000000}"/>
-            </ac:spMkLst>
-          </pc:spChg>
-        </pc:sldLayoutChg>
-        <pc:sldLayoutChg chg="modSp">
-          <pc:chgData name="Zhao Jin" userId="cd05a825-544c-438a-9ba1-08e63db50b47" providerId="ADAL" clId="{5DE190B2-632A-4C70-88B1-B57A4D75C084}" dt="2024-02-01T09:42:30.465" v="0"/>
-          <pc:sldLayoutMkLst>
-            <pc:docMk/>
-            <pc:sldMasterMk cId="0" sldId="2147485087"/>
-            <pc:sldLayoutMk cId="0" sldId="2147485096"/>
-          </pc:sldLayoutMkLst>
-          <pc:spChg chg="mod">
-            <ac:chgData name="Zhao Jin" userId="cd05a825-544c-438a-9ba1-08e63db50b47" providerId="ADAL" clId="{5DE190B2-632A-4C70-88B1-B57A4D75C084}" dt="2024-02-01T09:42:30.465" v="0"/>
-            <ac:spMkLst>
-              <pc:docMk/>
-              <pc:sldMasterMk cId="0" sldId="2147485087"/>
-              <pc:sldLayoutMk cId="0" sldId="2147485096"/>
-              <ac:spMk id="7" creationId="{00000000-0000-0000-0000-000000000000}"/>
-            </ac:spMkLst>
-          </pc:spChg>
-        </pc:sldLayoutChg>
-        <pc:sldLayoutChg chg="modSp">
-          <pc:chgData name="Zhao Jin" userId="cd05a825-544c-438a-9ba1-08e63db50b47" providerId="ADAL" clId="{5DE190B2-632A-4C70-88B1-B57A4D75C084}" dt="2024-02-01T09:42:30.465" v="0"/>
-          <pc:sldLayoutMkLst>
-            <pc:docMk/>
-            <pc:sldMasterMk cId="0" sldId="2147485087"/>
-            <pc:sldLayoutMk cId="0" sldId="2147485097"/>
-          </pc:sldLayoutMkLst>
-          <pc:spChg chg="mod">
-            <ac:chgData name="Zhao Jin" userId="cd05a825-544c-438a-9ba1-08e63db50b47" providerId="ADAL" clId="{5DE190B2-632A-4C70-88B1-B57A4D75C084}" dt="2024-02-01T09:42:30.465" v="0"/>
-            <ac:spMkLst>
-              <pc:docMk/>
-              <pc:sldMasterMk cId="0" sldId="2147485087"/>
-              <pc:sldLayoutMk cId="0" sldId="2147485097"/>
-              <ac:spMk id="6" creationId="{00000000-0000-0000-0000-000000000000}"/>
-            </ac:spMkLst>
-          </pc:spChg>
-        </pc:sldLayoutChg>
-        <pc:sldLayoutChg chg="modSp">
-          <pc:chgData name="Zhao Jin" userId="cd05a825-544c-438a-9ba1-08e63db50b47" providerId="ADAL" clId="{5DE190B2-632A-4C70-88B1-B57A4D75C084}" dt="2024-02-01T09:42:30.465" v="0"/>
-          <pc:sldLayoutMkLst>
-            <pc:docMk/>
-            <pc:sldMasterMk cId="0" sldId="2147485087"/>
-            <pc:sldLayoutMk cId="0" sldId="2147485098"/>
-          </pc:sldLayoutMkLst>
-          <pc:spChg chg="mod">
-            <ac:chgData name="Zhao Jin" userId="cd05a825-544c-438a-9ba1-08e63db50b47" providerId="ADAL" clId="{5DE190B2-632A-4C70-88B1-B57A4D75C084}" dt="2024-02-01T09:42:30.465" v="0"/>
-            <ac:spMkLst>
-              <pc:docMk/>
-              <pc:sldMasterMk cId="0" sldId="2147485087"/>
-              <pc:sldLayoutMk cId="0" sldId="2147485098"/>
-              <ac:spMk id="6" creationId="{00000000-0000-0000-0000-000000000000}"/>
-            </ac:spMkLst>
-          </pc:spChg>
-        </pc:sldLayoutChg>
-      </pc:sldMasterChg>
     </pc:docChg>
   </pc:docChgLst>
 </pc:chgInfo>
@@ -3859,7 +3875,7 @@
               <a:pPr>
                 <a:defRPr/>
               </a:pPr>
-              <a:t>2/20/2024</a:t>
+              <a:t>3/11/2024</a:t>
             </a:fld>
             <a:endParaRPr lang="en-US"/>
           </a:p>
@@ -23617,7 +23633,7 @@
                 <a:latin typeface="Courier New" panose="02070309020205020404" pitchFamily="49" charset="0"/>
                 <a:cs typeface="Courier New" panose="02070309020205020404" pitchFamily="49" charset="0"/>
               </a:rPr>
-              <a:t>        answer = factorial(n – </a:t>
+              <a:t>        answer = factorial_v2(n – </a:t>
             </a:r>
             <a:r>
               <a:rPr lang="en-US" b="1" dirty="0">
